--- a/capstone_projects/capstone_I/06_Capstone_I_Pitch_Prediction_Slidedeck.pptx
+++ b/capstone_projects/capstone_I/06_Capstone_I_Pitch_Prediction_Slidedeck.pptx
@@ -14118,6 +14118,9 @@
               <a:t>Can we predict the next pitch?</a:t>
             </a:r>
             <a:endParaRPr b="0" lang="en-US" sz="2600" spc="-1" strike="noStrike">
+              <a:solidFill>
+                <a:srgbClr val="ffffff"/>
+              </a:solidFill>
               <a:latin typeface="Arial"/>
             </a:endParaRPr>
           </a:p>
@@ -14222,6 +14225,9 @@
               <a:t>Mark Rojas</a:t>
             </a:r>
             <a:endParaRPr b="0" lang="en-US" sz="2600" spc="-1" strike="noStrike">
+              <a:solidFill>
+                <a:srgbClr val="ffffff"/>
+              </a:solidFill>
               <a:latin typeface="Arial"/>
             </a:endParaRPr>
           </a:p>
@@ -14366,11 +14372,17 @@
             </a:pPr>
             <a:r>
               <a:rPr b="0" lang="en-US" sz="1800" spc="-1" strike="noStrike">
+                <a:solidFill>
+                  <a:srgbClr val="ffffff"/>
+                </a:solidFill>
                 <a:latin typeface="Arial"/>
               </a:rPr>
               <a:t>We continue to see roughly the same ratios of Fastballs, Sliders, Cutters, Curveballs, and Change-ups thrown from year-to-year.</a:t>
             </a:r>
             <a:endParaRPr b="0" lang="en-US" sz="1800" spc="-1" strike="noStrike">
+              <a:solidFill>
+                <a:srgbClr val="ffffff"/>
+              </a:solidFill>
               <a:latin typeface="Arial"/>
             </a:endParaRPr>
           </a:p>
@@ -14381,6 +14393,9 @@
               </a:lnSpc>
             </a:pPr>
             <a:endParaRPr b="0" lang="en-US" sz="1800" spc="-1" strike="noStrike">
+              <a:solidFill>
+                <a:srgbClr val="ffffff"/>
+              </a:solidFill>
               <a:latin typeface="Arial"/>
             </a:endParaRPr>
           </a:p>
@@ -14398,11 +14413,17 @@
             </a:pPr>
             <a:r>
               <a:rPr b="0" lang="en-US" sz="1800" spc="-1" strike="noStrike">
+                <a:solidFill>
+                  <a:srgbClr val="ffffff"/>
+                </a:solidFill>
                 <a:latin typeface="Arial"/>
               </a:rPr>
               <a:t>From 2016-2018, the percent of Fastballs has decreased slightly while Cutters have increased. </a:t>
             </a:r>
             <a:endParaRPr b="0" lang="en-US" sz="1800" spc="-1" strike="noStrike">
+              <a:solidFill>
+                <a:srgbClr val="ffffff"/>
+              </a:solidFill>
               <a:latin typeface="Arial"/>
             </a:endParaRPr>
           </a:p>
@@ -14483,11 +14504,17 @@
               </a:pPr>
               <a:r>
                 <a:rPr b="1" lang="en-US" sz="1400" spc="-1" strike="noStrike">
+                  <a:solidFill>
+                    <a:srgbClr val="ffffff"/>
+                  </a:solidFill>
                   <a:latin typeface="Arial"/>
                 </a:rPr>
                 <a:t>Percent of Pitch Types Thrown from 2016 - 2018</a:t>
               </a:r>
               <a:endParaRPr b="0" lang="en-US" sz="1400" spc="-1" strike="noStrike">
+                <a:solidFill>
+                  <a:srgbClr val="ffffff"/>
+                </a:solidFill>
                 <a:latin typeface="Arial"/>
               </a:endParaRPr>
             </a:p>
@@ -14666,7 +14693,7 @@
             <a:r>
               <a:rPr b="0" lang="en-US" sz="1500" spc="-1" strike="noStrike">
                 <a:solidFill>
-                  <a:srgbClr val="fff200"/>
+                  <a:srgbClr val="ffffff"/>
                 </a:solidFill>
                 <a:latin typeface="Arial"/>
               </a:rPr>
@@ -14685,7 +14712,7 @@
             <a:r>
               <a:rPr b="0" lang="en-US" sz="1500" spc="-1" strike="noStrike">
                 <a:solidFill>
-                  <a:srgbClr val="fff200"/>
+                  <a:srgbClr val="ffffff"/>
                 </a:solidFill>
                 <a:latin typeface="Arial"/>
               </a:rPr>
@@ -14694,7 +14721,7 @@
             <a:r>
               <a:rPr b="1" lang="en-US" sz="1500" spc="-1" strike="noStrike">
                 <a:solidFill>
-                  <a:srgbClr val="fff200"/>
+                  <a:srgbClr val="ffffff"/>
                 </a:solidFill>
                 <a:latin typeface="Arial"/>
               </a:rPr>
@@ -14713,7 +14740,7 @@
             <a:r>
               <a:rPr b="0" lang="en-US" sz="1500" spc="-1" strike="noStrike">
                 <a:solidFill>
-                  <a:srgbClr val="fff200"/>
+                  <a:srgbClr val="ffffff"/>
                 </a:solidFill>
                 <a:latin typeface="Arial"/>
               </a:rPr>
@@ -14722,7 +14749,7 @@
             <a:r>
               <a:rPr b="1" lang="en-US" sz="1500" spc="-1" strike="noStrike">
                 <a:solidFill>
-                  <a:srgbClr val="fff200"/>
+                  <a:srgbClr val="ffffff"/>
                 </a:solidFill>
                 <a:latin typeface="Arial"/>
               </a:rPr>
@@ -14741,7 +14768,7 @@
             <a:r>
               <a:rPr b="0" lang="en-US" sz="1500" spc="-1" strike="noStrike">
                 <a:solidFill>
-                  <a:srgbClr val="fff200"/>
+                  <a:srgbClr val="ffffff"/>
                 </a:solidFill>
                 <a:latin typeface="Arial"/>
               </a:rPr>
@@ -14750,7 +14777,7 @@
             <a:r>
               <a:rPr b="1" lang="en-US" sz="1500" spc="-1" strike="noStrike">
                 <a:solidFill>
-                  <a:srgbClr val="fff200"/>
+                  <a:srgbClr val="ffffff"/>
                 </a:solidFill>
                 <a:latin typeface="Arial"/>
               </a:rPr>
@@ -14769,7 +14796,7 @@
             <a:r>
               <a:rPr b="0" lang="en-US" sz="1500" spc="-1" strike="noStrike">
                 <a:solidFill>
-                  <a:srgbClr val="fff200"/>
+                  <a:srgbClr val="ffffff"/>
                 </a:solidFill>
                 <a:latin typeface="Arial"/>
               </a:rPr>
@@ -14778,7 +14805,7 @@
             <a:r>
               <a:rPr b="1" lang="en-US" sz="1500" spc="-1" strike="noStrike">
                 <a:solidFill>
-                  <a:srgbClr val="fff200"/>
+                  <a:srgbClr val="ffffff"/>
                 </a:solidFill>
                 <a:latin typeface="Arial"/>
               </a:rPr>
@@ -14797,7 +14824,7 @@
             <a:r>
               <a:rPr b="0" lang="en-US" sz="1500" spc="-1" strike="noStrike">
                 <a:solidFill>
-                  <a:srgbClr val="fff200"/>
+                  <a:srgbClr val="ffffff"/>
                 </a:solidFill>
                 <a:latin typeface="Arial"/>
               </a:rPr>
@@ -14806,7 +14833,7 @@
             <a:r>
               <a:rPr b="1" lang="en-US" sz="1500" spc="-1" strike="noStrike">
                 <a:solidFill>
-                  <a:srgbClr val="fff200"/>
+                  <a:srgbClr val="ffffff"/>
                 </a:solidFill>
                 <a:latin typeface="Arial"/>
               </a:rPr>
@@ -14825,7 +14852,7 @@
             <a:r>
               <a:rPr b="0" lang="en-US" sz="1500" spc="-1" strike="noStrike">
                 <a:solidFill>
-                  <a:srgbClr val="fff200"/>
+                  <a:srgbClr val="ffffff"/>
                 </a:solidFill>
                 <a:latin typeface="Arial"/>
               </a:rPr>
@@ -14834,7 +14861,7 @@
             <a:r>
               <a:rPr b="1" lang="en-US" sz="1500" spc="-1" strike="noStrike">
                 <a:solidFill>
-                  <a:srgbClr val="fff200"/>
+                  <a:srgbClr val="ffffff"/>
                 </a:solidFill>
                 <a:latin typeface="Arial"/>
               </a:rPr>
@@ -14853,7 +14880,7 @@
             <a:r>
               <a:rPr b="0" lang="en-US" sz="1500" spc="-1" strike="noStrike">
                 <a:solidFill>
-                  <a:srgbClr val="fff200"/>
+                  <a:srgbClr val="ffffff"/>
                 </a:solidFill>
                 <a:latin typeface="Arial"/>
               </a:rPr>
@@ -14862,7 +14889,7 @@
             <a:r>
               <a:rPr b="1" lang="en-US" sz="1500" spc="-1" strike="noStrike">
                 <a:solidFill>
-                  <a:srgbClr val="fff200"/>
+                  <a:srgbClr val="ffffff"/>
                 </a:solidFill>
                 <a:latin typeface="Arial"/>
               </a:rPr>
@@ -14936,7 +14963,52 @@
                 </a:solidFill>
                 <a:latin typeface="Arial"/>
               </a:rPr>
-              <a:t>167,427 observations | 41 features for all 20 POI’s</a:t>
+              <a:t>167,427</a:t>
+            </a:r>
+            <a:r>
+              <a:rPr b="1" lang="en-US" sz="2000" spc="-1" strike="noStrike">
+                <a:solidFill>
+                  <a:srgbClr val="ffffff"/>
+                </a:solidFill>
+                <a:latin typeface="Arial"/>
+              </a:rPr>
+              <a:t> </a:t>
+            </a:r>
+            <a:r>
+              <a:rPr b="1" lang="en-US" sz="2000" spc="-1" strike="noStrike">
+                <a:solidFill>
+                  <a:srgbClr val="fac090"/>
+                </a:solidFill>
+                <a:latin typeface="Arial"/>
+              </a:rPr>
+              <a:t>observations</a:t>
+            </a:r>
+            <a:r>
+              <a:rPr b="1" lang="en-US" sz="2000" spc="-1" strike="noStrike">
+                <a:solidFill>
+                  <a:srgbClr val="ffffff"/>
+                </a:solidFill>
+                <a:latin typeface="Arial"/>
+              </a:rPr>
+              <a:t> | </a:t>
+            </a:r>
+            <a:r>
+              <a:rPr b="1" lang="en-US" sz="2000" spc="-1" strike="noStrike">
+                <a:solidFill>
+                  <a:srgbClr val="fac090"/>
+                </a:solidFill>
+                <a:latin typeface="Arial"/>
+              </a:rPr>
+              <a:t>41 features</a:t>
+            </a:r>
+            <a:r>
+              <a:rPr b="1" lang="en-US" sz="2000" spc="-1" strike="noStrike">
+                <a:solidFill>
+                  <a:srgbClr val="ffffff"/>
+                </a:solidFill>
+                <a:latin typeface="Arial"/>
+              </a:rPr>
+              <a:t> for all 20 POI’s</a:t>
             </a:r>
             <a:endParaRPr b="0" lang="en-US" sz="2000" spc="-1" strike="noStrike">
               <a:latin typeface="Arial"/>
@@ -14961,7 +15033,7 @@
             <a:r>
               <a:rPr b="1" lang="en-US" sz="2000" spc="-1" strike="noStrike">
                 <a:solidFill>
-                  <a:srgbClr val="fac090"/>
+                  <a:srgbClr val="ffffff"/>
                 </a:solidFill>
                 <a:latin typeface="Arial"/>
               </a:rPr>
@@ -14970,7 +15042,7 @@
             <a:r>
               <a:rPr b="0" lang="en-US" sz="2000" spc="-1" strike="noStrike">
                 <a:solidFill>
-                  <a:srgbClr val="fac090"/>
+                  <a:srgbClr val="ffffff"/>
                 </a:solidFill>
                 <a:latin typeface="Arial"/>
               </a:rPr>
@@ -14999,7 +15071,7 @@
             <a:r>
               <a:rPr b="1" lang="en-US" sz="2000" spc="-1" strike="noStrike">
                 <a:solidFill>
-                  <a:srgbClr val="fac090"/>
+                  <a:srgbClr val="ffffff"/>
                 </a:solidFill>
                 <a:latin typeface="Arial"/>
               </a:rPr>
@@ -15008,7 +15080,7 @@
             <a:r>
               <a:rPr b="0" lang="en-US" sz="2000" spc="-1" strike="noStrike">
                 <a:solidFill>
-                  <a:srgbClr val="fac090"/>
+                  <a:srgbClr val="ffffff"/>
                 </a:solidFill>
                 <a:latin typeface="Arial"/>
               </a:rPr>
@@ -15034,6 +15106,69 @@
                 <a:spcPct val="100000"/>
               </a:lnSpc>
             </a:pPr>
+            <a:r>
+              <a:rPr b="0" lang="en-US" sz="2000" spc="-1" strike="noStrike">
+                <a:solidFill>
+                  <a:srgbClr val="fff200"/>
+                </a:solidFill>
+                <a:latin typeface="Arial"/>
+              </a:rPr>
+              <a:t>Our </a:t>
+            </a:r>
+            <a:r>
+              <a:rPr b="1" lang="en-US" sz="2000" spc="-1" strike="noStrike">
+                <a:solidFill>
+                  <a:srgbClr val="fff200"/>
+                </a:solidFill>
+                <a:latin typeface="Arial"/>
+              </a:rPr>
+              <a:t>Target (labeled pitch types)</a:t>
+            </a:r>
+            <a:r>
+              <a:rPr b="0" lang="en-US" sz="2000" spc="-1" strike="noStrike">
+                <a:solidFill>
+                  <a:srgbClr val="fff200"/>
+                </a:solidFill>
+                <a:latin typeface="Arial"/>
+              </a:rPr>
+              <a:t>, will be used to train our model and attempt to predict the </a:t>
+            </a:r>
+            <a:r>
+              <a:rPr b="1" lang="en-US" sz="2000" spc="-1" strike="noStrike">
+                <a:solidFill>
+                  <a:srgbClr val="fff200"/>
+                </a:solidFill>
+                <a:latin typeface="Arial"/>
+              </a:rPr>
+              <a:t>Next</a:t>
+            </a:r>
+            <a:r>
+              <a:rPr b="0" lang="en-US" sz="2000" spc="-1" strike="noStrike">
+                <a:solidFill>
+                  <a:srgbClr val="fff200"/>
+                </a:solidFill>
+                <a:latin typeface="Arial"/>
+              </a:rPr>
+              <a:t> </a:t>
+            </a:r>
+            <a:r>
+              <a:rPr b="1" lang="en-US" sz="2000" spc="-1" strike="noStrike">
+                <a:solidFill>
+                  <a:srgbClr val="fff200"/>
+                </a:solidFill>
+                <a:latin typeface="Arial"/>
+              </a:rPr>
+              <a:t>Pitch Type</a:t>
+            </a:r>
+            <a:r>
+              <a:rPr b="0" lang="en-US" sz="2000" spc="-1" strike="noStrike">
+                <a:solidFill>
+                  <a:srgbClr val="fff200"/>
+                </a:solidFill>
+                <a:latin typeface="Arial"/>
+              </a:rPr>
+              <a:t>.</a:t>
+            </a:r>
             <a:endParaRPr b="0" lang="en-US" sz="2000" spc="-1" strike="noStrike">
               <a:latin typeface="Arial"/>
             </a:endParaRPr>
@@ -15044,69 +15179,6 @@
                 <a:spcPct val="100000"/>
               </a:lnSpc>
             </a:pPr>
-            <a:r>
-              <a:rPr b="0" lang="en-US" sz="2000" spc="-1" strike="noStrike">
-                <a:solidFill>
-                  <a:srgbClr val="fff200"/>
-                </a:solidFill>
-                <a:latin typeface="Arial"/>
-              </a:rPr>
-              <a:t>Our </a:t>
-            </a:r>
-            <a:r>
-              <a:rPr b="1" lang="en-US" sz="2000" spc="-1" strike="noStrike">
-                <a:solidFill>
-                  <a:srgbClr val="fff200"/>
-                </a:solidFill>
-                <a:latin typeface="Arial"/>
-              </a:rPr>
-              <a:t>Target (labeled pitch types)</a:t>
-            </a:r>
-            <a:r>
-              <a:rPr b="0" lang="en-US" sz="2000" spc="-1" strike="noStrike">
-                <a:solidFill>
-                  <a:srgbClr val="fff200"/>
-                </a:solidFill>
-                <a:latin typeface="Arial"/>
-              </a:rPr>
-              <a:t>, will be used to train our model and attempt to predict the </a:t>
-            </a:r>
-            <a:r>
-              <a:rPr b="1" lang="en-US" sz="2000" spc="-1" strike="noStrike">
-                <a:solidFill>
-                  <a:srgbClr val="fff200"/>
-                </a:solidFill>
-                <a:latin typeface="Arial"/>
-              </a:rPr>
-              <a:t>Next</a:t>
-            </a:r>
-            <a:r>
-              <a:rPr b="0" lang="en-US" sz="2000" spc="-1" strike="noStrike">
-                <a:solidFill>
-                  <a:srgbClr val="fff200"/>
-                </a:solidFill>
-                <a:latin typeface="Arial"/>
-              </a:rPr>
-              <a:t> </a:t>
-            </a:r>
-            <a:r>
-              <a:rPr b="1" lang="en-US" sz="2000" spc="-1" strike="noStrike">
-                <a:solidFill>
-                  <a:srgbClr val="fff200"/>
-                </a:solidFill>
-                <a:latin typeface="Arial"/>
-              </a:rPr>
-              <a:t>Pitch Type</a:t>
-            </a:r>
-            <a:r>
-              <a:rPr b="0" lang="en-US" sz="2000" spc="-1" strike="noStrike">
-                <a:solidFill>
-                  <a:srgbClr val="fff200"/>
-                </a:solidFill>
-                <a:latin typeface="Arial"/>
-              </a:rPr>
-              <a:t>.</a:t>
-            </a:r>
             <a:endParaRPr b="0" lang="en-US" sz="2000" spc="-1" strike="noStrike">
               <a:latin typeface="Arial"/>
             </a:endParaRPr>
@@ -15947,8 +16019,38 @@
               <a:lnSpc>
                 <a:spcPct val="100000"/>
               </a:lnSpc>
-            </a:pPr>
-            <a:endParaRPr b="0" lang="en-US" sz="1800" spc="-1" strike="noStrike">
+              <a:spcBef>
+                <a:spcPts val="145"/>
+              </a:spcBef>
+            </a:pPr>
+            <a:r>
+              <a:rPr b="1" lang="en-US" sz="1200" spc="-1" strike="noStrike">
+                <a:solidFill>
+                  <a:srgbClr val="fff200"/>
+                </a:solidFill>
+                <a:latin typeface="Arial"/>
+              </a:rPr>
+              <a:t>Curveball</a:t>
+            </a:r>
+            <a:r>
+              <a:rPr b="0" lang="en-US" sz="1200" spc="-1" strike="noStrike">
+                <a:solidFill>
+                  <a:srgbClr val="fff200"/>
+                </a:solidFill>
+                <a:latin typeface="Arial"/>
+              </a:rPr>
+              <a:t> </a:t>
+            </a:r>
+            <a:r>
+              <a:rPr b="0" lang="en-US" sz="1200" spc="-1" strike="noStrike">
+                <a:solidFill>
+                  <a:srgbClr val="ffffff"/>
+                </a:solidFill>
+                <a:latin typeface="Arial"/>
+              </a:rPr>
+              <a:t>(70-80 mph)</a:t>
+            </a:r>
+            <a:endParaRPr b="0" lang="en-US" sz="1200" spc="-1" strike="noStrike">
               <a:latin typeface="Arial"/>
             </a:endParaRPr>
           </a:p>
@@ -15957,6 +16059,41 @@
               <a:lnSpc>
                 <a:spcPct val="100000"/>
               </a:lnSpc>
+              <a:spcBef>
+                <a:spcPts val="145"/>
+              </a:spcBef>
+            </a:pPr>
+            <a:r>
+              <a:rPr b="0" lang="en-US" sz="1200" spc="-1" strike="noStrike">
+                <a:solidFill>
+                  <a:srgbClr val="ffffff"/>
+                </a:solidFill>
+                <a:latin typeface="Arial"/>
+              </a:rPr>
+              <a:t>Breaks from top to bottom</a:t>
+            </a:r>
+            <a:endParaRPr b="0" lang="en-US" sz="1200" spc="-1" strike="noStrike">
+              <a:latin typeface="Arial"/>
+            </a:endParaRPr>
+          </a:p>
+          <a:p>
+            <a:pPr>
+              <a:lnSpc>
+                <a:spcPct val="100000"/>
+              </a:lnSpc>
+              <a:spcBef>
+                <a:spcPts val="145"/>
+              </a:spcBef>
+            </a:pPr>
+            <a:endParaRPr b="0" lang="en-US" sz="1200" spc="-1" strike="noStrike">
+              <a:latin typeface="Arial"/>
+            </a:endParaRPr>
+          </a:p>
+          <a:p>
+            <a:pPr>
+              <a:lnSpc>
+                <a:spcPct val="100000"/>
+              </a:lnSpc>
             </a:pPr>
             <a:r>
               <a:rPr b="1" lang="en-US" sz="1200" spc="-1" strike="noStrike">
@@ -15965,7 +16102,7 @@
                 </a:solidFill>
                 <a:latin typeface="Arial"/>
               </a:rPr>
-              <a:t>Curveball</a:t>
+              <a:t>Slider</a:t>
             </a:r>
             <a:r>
               <a:rPr b="0" lang="en-US" sz="1200" spc="-1" strike="noStrike">
@@ -15974,7 +16111,16 @@
                 </a:solidFill>
                 <a:latin typeface="Arial"/>
               </a:rPr>
-              <a:t> (70-80 mph)</a:t>
+              <a:t> </a:t>
+            </a:r>
+            <a:r>
+              <a:rPr b="0" lang="en-US" sz="1200" spc="-1" strike="noStrike">
+                <a:solidFill>
+                  <a:srgbClr val="ffffff"/>
+                </a:solidFill>
+                <a:latin typeface="Arial"/>
+              </a:rPr>
+              <a:t>(80-90 mph)</a:t>
             </a:r>
             <a:endParaRPr b="0" lang="en-US" sz="1200" spc="-1" strike="noStrike">
               <a:latin typeface="Arial"/>
@@ -15989,11 +16135,11 @@
             <a:r>
               <a:rPr b="0" lang="en-US" sz="1200" spc="-1" strike="noStrike">
                 <a:solidFill>
-                  <a:srgbClr val="fff200"/>
-                </a:solidFill>
-                <a:latin typeface="Arial"/>
-              </a:rPr>
-              <a:t>Breaks from top to bottom</a:t>
+                  <a:srgbClr val="ffffff"/>
+                </a:solidFill>
+                <a:latin typeface="Arial"/>
+              </a:rPr>
+              <a:t>Breaks down and away from Right Handed Hitters</a:t>
             </a:r>
             <a:endParaRPr b="0" lang="en-US" sz="1200" spc="-1" strike="noStrike">
               <a:latin typeface="Arial"/>
@@ -16005,67 +16151,10 @@
                 <a:spcPct val="100000"/>
               </a:lnSpc>
             </a:pPr>
-            <a:endParaRPr b="0" lang="en-US" sz="1200" spc="-1" strike="noStrike">
-              <a:latin typeface="Arial"/>
-            </a:endParaRPr>
-          </a:p>
-          <a:p>
-            <a:pPr>
-              <a:lnSpc>
-                <a:spcPct val="100000"/>
-              </a:lnSpc>
-            </a:pPr>
-            <a:r>
-              <a:rPr b="1" lang="en-US" sz="1200" spc="-1" strike="noStrike">
-                <a:solidFill>
-                  <a:srgbClr val="fff200"/>
-                </a:solidFill>
-                <a:latin typeface="Arial"/>
-              </a:rPr>
-              <a:t>Slider</a:t>
-            </a:r>
             <a:r>
               <a:rPr b="0" lang="en-US" sz="1200" spc="-1" strike="noStrike">
                 <a:solidFill>
-                  <a:srgbClr val="fff200"/>
-                </a:solidFill>
-                <a:latin typeface="Arial"/>
-              </a:rPr>
-              <a:t> (80-90 mph)</a:t>
-            </a:r>
-            <a:endParaRPr b="0" lang="en-US" sz="1200" spc="-1" strike="noStrike">
-              <a:latin typeface="Arial"/>
-            </a:endParaRPr>
-          </a:p>
-          <a:p>
-            <a:pPr>
-              <a:lnSpc>
-                <a:spcPct val="100000"/>
-              </a:lnSpc>
-            </a:pPr>
-            <a:r>
-              <a:rPr b="0" lang="en-US" sz="1200" spc="-1" strike="noStrike">
-                <a:solidFill>
-                  <a:srgbClr val="fff200"/>
-                </a:solidFill>
-                <a:latin typeface="Arial"/>
-              </a:rPr>
-              <a:t>Breaks down and away from Right Handed Hitters</a:t>
-            </a:r>
-            <a:endParaRPr b="0" lang="en-US" sz="1200" spc="-1" strike="noStrike">
-              <a:latin typeface="Arial"/>
-            </a:endParaRPr>
-          </a:p>
-          <a:p>
-            <a:pPr>
-              <a:lnSpc>
-                <a:spcPct val="100000"/>
-              </a:lnSpc>
-            </a:pPr>
-            <a:r>
-              <a:rPr b="0" lang="en-US" sz="1200" spc="-1" strike="noStrike">
-                <a:solidFill>
-                  <a:srgbClr val="fff200"/>
+                  <a:srgbClr val="ffffff"/>
                 </a:solidFill>
                 <a:latin typeface="Arial"/>
               </a:rPr>
@@ -16205,7 +16294,34 @@
                 <a:spcPct val="100000"/>
               </a:lnSpc>
             </a:pPr>
-            <a:endParaRPr b="0" lang="en-US" sz="1800" spc="-1" strike="noStrike">
+            <a:r>
+              <a:rPr b="1" lang="en-US" sz="1200" spc="-1" strike="noStrike">
+                <a:solidFill>
+                  <a:srgbClr val="fff200"/>
+                </a:solidFill>
+                <a:latin typeface="Arial"/>
+              </a:rPr>
+              <a:t>Change-up</a:t>
+            </a:r>
+            <a:r>
+              <a:rPr b="0" lang="en-US" sz="1200" spc="-1" strike="noStrike">
+                <a:solidFill>
+                  <a:srgbClr val="fff200"/>
+                </a:solidFill>
+                <a:latin typeface="Arial"/>
+              </a:rPr>
+              <a:t> </a:t>
+            </a:r>
+            <a:r>
+              <a:rPr b="0" lang="en-US" sz="1200" spc="-1" strike="noStrike">
+                <a:solidFill>
+                  <a:srgbClr val="ffffff"/>
+                </a:solidFill>
+                <a:latin typeface="Arial"/>
+              </a:rPr>
+              <a:t>(70-85 mph)</a:t>
+            </a:r>
+            <a:endParaRPr b="0" lang="en-US" sz="1200" spc="-1" strike="noStrike">
               <a:latin typeface="Arial"/>
             </a:endParaRPr>
           </a:p>
@@ -16216,37 +16332,9 @@
               </a:lnSpc>
             </a:pPr>
             <a:r>
-              <a:rPr b="1" lang="en-US" sz="1200" spc="-1" strike="noStrike">
-                <a:solidFill>
-                  <a:srgbClr val="fff200"/>
-                </a:solidFill>
-                <a:latin typeface="Arial"/>
-              </a:rPr>
-              <a:t>Change-up</a:t>
-            </a:r>
-            <a:r>
               <a:rPr b="0" lang="en-US" sz="1200" spc="-1" strike="noStrike">
                 <a:solidFill>
-                  <a:srgbClr val="fff200"/>
-                </a:solidFill>
-                <a:latin typeface="Arial"/>
-              </a:rPr>
-              <a:t> (70-85 mph)</a:t>
-            </a:r>
-            <a:endParaRPr b="0" lang="en-US" sz="1200" spc="-1" strike="noStrike">
-              <a:latin typeface="Arial"/>
-            </a:endParaRPr>
-          </a:p>
-          <a:p>
-            <a:pPr>
-              <a:lnSpc>
-                <a:spcPct val="100000"/>
-              </a:lnSpc>
-            </a:pPr>
-            <a:r>
-              <a:rPr b="0" lang="en-US" sz="1200" spc="-1" strike="noStrike">
-                <a:solidFill>
-                  <a:srgbClr val="fff200"/>
+                  <a:srgbClr val="ffffff"/>
                 </a:solidFill>
                 <a:latin typeface="Arial"/>
               </a:rPr>
@@ -16322,7 +16410,7 @@
             <a:r>
               <a:rPr b="0" lang="en-US" sz="1200" spc="-1" strike="noStrike">
                 <a:solidFill>
-                  <a:srgbClr val="fff200"/>
+                  <a:srgbClr val="ffffff"/>
                 </a:solidFill>
                 <a:latin typeface="Arial"/>
               </a:rPr>
@@ -16341,7 +16429,7 @@
             <a:r>
               <a:rPr b="0" lang="en-US" sz="1200" spc="-1" strike="noStrike">
                 <a:solidFill>
-                  <a:srgbClr val="fff200"/>
+                  <a:srgbClr val="ffffff"/>
                 </a:solidFill>
                 <a:latin typeface="Arial"/>
               </a:rPr>
@@ -16442,8 +16530,29 @@
               <a:lnSpc>
                 <a:spcPct val="100000"/>
               </a:lnSpc>
-            </a:pPr>
-            <a:endParaRPr b="0" lang="en-US" sz="1800" spc="-1" strike="noStrike">
+              <a:spcBef>
+                <a:spcPts val="289"/>
+              </a:spcBef>
+            </a:pPr>
+            <a:r>
+              <a:rPr b="1" lang="en-US" sz="1200" spc="-1" strike="noStrike">
+                <a:solidFill>
+                  <a:srgbClr val="fff200"/>
+                </a:solidFill>
+                <a:latin typeface="Arial"/>
+              </a:rPr>
+              <a:t>Four-seam </a:t>
+            </a:r>
+            <a:r>
+              <a:rPr b="0" lang="en-US" sz="1200" spc="-1" strike="noStrike">
+                <a:solidFill>
+                  <a:srgbClr val="ffffff"/>
+                </a:solidFill>
+                <a:latin typeface="Arial"/>
+              </a:rPr>
+              <a:t>(85-100 mph) - Fastest, straightest pitch, little movement</a:t>
+            </a:r>
+            <a:endParaRPr b="0" lang="en-US" sz="1200" spc="-1" strike="noStrike">
               <a:latin typeface="Arial"/>
             </a:endParaRPr>
           </a:p>
@@ -16452,6 +16561,9 @@
               <a:lnSpc>
                 <a:spcPct val="150000"/>
               </a:lnSpc>
+              <a:spcBef>
+                <a:spcPts val="289"/>
+              </a:spcBef>
             </a:pPr>
             <a:r>
               <a:rPr b="1" lang="en-US" sz="1200" spc="-1" strike="noStrike">
@@ -16460,16 +16572,47 @@
                 </a:solidFill>
                 <a:latin typeface="Arial"/>
               </a:rPr>
-              <a:t>Four-seam </a:t>
+              <a:t>Two-seam / Sinker</a:t>
             </a:r>
             <a:r>
               <a:rPr b="0" lang="en-US" sz="1200" spc="-1" strike="noStrike">
                 <a:solidFill>
+                  <a:srgbClr val="ffffff"/>
+                </a:solidFill>
+                <a:latin typeface="Arial"/>
+              </a:rPr>
+              <a:t> (80-90 mph) - Moves downward</a:t>
+            </a:r>
+            <a:endParaRPr b="0" lang="en-US" sz="1200" spc="-1" strike="noStrike">
+              <a:latin typeface="Arial"/>
+            </a:endParaRPr>
+          </a:p>
+          <a:p>
+            <a:pPr>
+              <a:lnSpc>
+                <a:spcPct val="150000"/>
+              </a:lnSpc>
+              <a:spcBef>
+                <a:spcPts val="289"/>
+              </a:spcBef>
+            </a:pPr>
+            <a:r>
+              <a:rPr b="1" lang="en-US" sz="1200" spc="-1" strike="noStrike">
+                <a:solidFill>
                   <a:srgbClr val="fff200"/>
                 </a:solidFill>
                 <a:latin typeface="Arial"/>
               </a:rPr>
-              <a:t>(85-100 mph) - Fastest, straightest pitch, little movement</a:t>
+              <a:t>Splitter</a:t>
+            </a:r>
+            <a:r>
+              <a:rPr b="0" lang="en-US" sz="1200" spc="-1" strike="noStrike">
+                <a:solidFill>
+                  <a:srgbClr val="ffffff"/>
+                </a:solidFill>
+                <a:latin typeface="Arial"/>
+              </a:rPr>
+              <a:t> (80-90 mph) – Breaks down suddenly before reaching plate</a:t>
             </a:r>
             <a:endParaRPr b="0" lang="en-US" sz="1200" spc="-1" strike="noStrike">
               <a:latin typeface="Arial"/>
@@ -16480,6 +16623,9 @@
               <a:lnSpc>
                 <a:spcPct val="150000"/>
               </a:lnSpc>
+              <a:spcBef>
+                <a:spcPts val="289"/>
+              </a:spcBef>
             </a:pPr>
             <a:r>
               <a:rPr b="1" lang="en-US" sz="1200" spc="-1" strike="noStrike">
@@ -16488,7 +16634,7 @@
                 </a:solidFill>
                 <a:latin typeface="Arial"/>
               </a:rPr>
-              <a:t>Two-seam / Sinker</a:t>
+              <a:t>Forkball</a:t>
             </a:r>
             <a:r>
               <a:rPr b="0" lang="en-US" sz="1200" spc="-1" strike="noStrike">
@@ -16497,7 +16643,16 @@
                 </a:solidFill>
                 <a:latin typeface="Arial"/>
               </a:rPr>
-              <a:t> (80-90 mph) - Moves downward</a:t>
+              <a:t> </a:t>
+            </a:r>
+            <a:r>
+              <a:rPr b="0" lang="en-US" sz="1200" spc="-1" strike="noStrike">
+                <a:solidFill>
+                  <a:srgbClr val="ffffff"/>
+                </a:solidFill>
+                <a:latin typeface="Arial"/>
+              </a:rPr>
+              <a:t>(75-85 mph) – Like splitter but gradual downward movement</a:t>
             </a:r>
             <a:endParaRPr b="0" lang="en-US" sz="1200" spc="-1" strike="noStrike">
               <a:latin typeface="Arial"/>
@@ -16508,6 +16663,9 @@
               <a:lnSpc>
                 <a:spcPct val="150000"/>
               </a:lnSpc>
+              <a:spcBef>
+                <a:spcPts val="289"/>
+              </a:spcBef>
             </a:pPr>
             <a:r>
               <a:rPr b="1" lang="en-US" sz="1200" spc="-1" strike="noStrike">
@@ -16516,7 +16674,7 @@
                 </a:solidFill>
                 <a:latin typeface="Arial"/>
               </a:rPr>
-              <a:t>Splitter</a:t>
+              <a:t>Cutter</a:t>
             </a:r>
             <a:r>
               <a:rPr b="0" lang="en-US" sz="1200" spc="-1" strike="noStrike">
@@ -16525,63 +16683,16 @@
                 </a:solidFill>
                 <a:latin typeface="Arial"/>
               </a:rPr>
-              <a:t> (80-90 mph) – Breaks down suddenly before reaching plate</a:t>
-            </a:r>
-            <a:endParaRPr b="0" lang="en-US" sz="1200" spc="-1" strike="noStrike">
-              <a:latin typeface="Arial"/>
-            </a:endParaRPr>
-          </a:p>
-          <a:p>
-            <a:pPr>
-              <a:lnSpc>
-                <a:spcPct val="150000"/>
-              </a:lnSpc>
-            </a:pPr>
-            <a:r>
-              <a:rPr b="1" lang="en-US" sz="1200" spc="-1" strike="noStrike">
-                <a:solidFill>
-                  <a:srgbClr val="fff200"/>
-                </a:solidFill>
-                <a:latin typeface="Arial"/>
-              </a:rPr>
-              <a:t>Forkball</a:t>
+              <a:t> </a:t>
             </a:r>
             <a:r>
               <a:rPr b="0" lang="en-US" sz="1200" spc="-1" strike="noStrike">
                 <a:solidFill>
-                  <a:srgbClr val="fff200"/>
-                </a:solidFill>
-                <a:latin typeface="Arial"/>
-              </a:rPr>
-              <a:t> (75-85 mph) – Like splitter but gradual downward movement</a:t>
-            </a:r>
-            <a:endParaRPr b="0" lang="en-US" sz="1200" spc="-1" strike="noStrike">
-              <a:latin typeface="Arial"/>
-            </a:endParaRPr>
-          </a:p>
-          <a:p>
-            <a:pPr>
-              <a:lnSpc>
-                <a:spcPct val="150000"/>
-              </a:lnSpc>
-            </a:pPr>
-            <a:r>
-              <a:rPr b="1" lang="en-US" sz="1200" spc="-1" strike="noStrike">
-                <a:solidFill>
-                  <a:srgbClr val="fff200"/>
-                </a:solidFill>
-                <a:latin typeface="Arial"/>
-              </a:rPr>
-              <a:t>Cutter</a:t>
-            </a:r>
-            <a:r>
-              <a:rPr b="0" lang="en-US" sz="1200" spc="-1" strike="noStrike">
-                <a:solidFill>
-                  <a:srgbClr val="fff200"/>
-                </a:solidFill>
-                <a:latin typeface="Arial"/>
-              </a:rPr>
-              <a:t> (85-95 mph) – Faster than slider, more movement than fastball</a:t>
+                  <a:srgbClr val="ffffff"/>
+                </a:solidFill>
+                <a:latin typeface="Arial"/>
+              </a:rPr>
+              <a:t>(85-95 mph) – Faster than slider, more movement than fastball</a:t>
             </a:r>
             <a:endParaRPr b="0" lang="en-US" sz="1200" spc="-1" strike="noStrike">
               <a:latin typeface="Arial"/>
@@ -16722,11 +16833,17 @@
             </a:pPr>
             <a:r>
               <a:rPr b="0" lang="en-US" sz="1400" spc="-1" strike="noStrike">
+                <a:solidFill>
+                  <a:srgbClr val="ffffff"/>
+                </a:solidFill>
                 <a:latin typeface="Arial"/>
               </a:rPr>
               <a:t>Percent of pitch-types each pitcher throws as part of their arsenal (2016-2018)</a:t>
             </a:r>
             <a:endParaRPr b="0" lang="en-US" sz="1400" spc="-1" strike="noStrike">
+              <a:solidFill>
+                <a:srgbClr val="ffffff"/>
+              </a:solidFill>
               <a:latin typeface="Arial"/>
             </a:endParaRPr>
           </a:p>
@@ -16979,11 +17096,17 @@
             </a:pPr>
             <a:r>
               <a:rPr b="1" lang="en-US" sz="1600" spc="-1" strike="noStrike">
+                <a:solidFill>
+                  <a:srgbClr val="ffffff"/>
+                </a:solidFill>
                 <a:latin typeface="Arial"/>
               </a:rPr>
               <a:t>Two-pitch sequences</a:t>
             </a:r>
             <a:endParaRPr b="0" lang="en-US" sz="1600" spc="-1" strike="noStrike">
+              <a:solidFill>
+                <a:srgbClr val="ffffff"/>
+              </a:solidFill>
               <a:latin typeface="Arial"/>
             </a:endParaRPr>
           </a:p>
@@ -16995,11 +17118,17 @@
             </a:pPr>
             <a:r>
               <a:rPr b="0" lang="en-US" sz="1400" spc="-1" strike="noStrike">
+                <a:solidFill>
+                  <a:srgbClr val="ffffff"/>
+                </a:solidFill>
                 <a:latin typeface="Arial"/>
               </a:rPr>
               <a:t>Sequence of pitches consisting of previous pitch followed by the next pitch</a:t>
             </a:r>
             <a:endParaRPr b="0" lang="en-US" sz="1400" spc="-1" strike="noStrike">
+              <a:solidFill>
+                <a:srgbClr val="ffffff"/>
+              </a:solidFill>
               <a:latin typeface="Arial"/>
             </a:endParaRPr>
           </a:p>
@@ -17045,11 +17174,17 @@
             </a:pPr>
             <a:r>
               <a:rPr b="1" lang="en-US" sz="1600" spc="-1" strike="noStrike">
+                <a:solidFill>
+                  <a:srgbClr val="ffffff"/>
+                </a:solidFill>
                 <a:latin typeface="Arial"/>
               </a:rPr>
               <a:t>First pitches</a:t>
             </a:r>
             <a:endParaRPr b="0" lang="en-US" sz="1600" spc="-1" strike="noStrike">
+              <a:solidFill>
+                <a:srgbClr val="ffffff"/>
+              </a:solidFill>
               <a:latin typeface="Arial"/>
             </a:endParaRPr>
           </a:p>
@@ -17061,11 +17196,17 @@
             </a:pPr>
             <a:r>
               <a:rPr b="0" lang="en-US" sz="1400" spc="-1" strike="noStrike">
+                <a:solidFill>
+                  <a:srgbClr val="ffffff"/>
+                </a:solidFill>
                 <a:latin typeface="Arial"/>
               </a:rPr>
               <a:t>Start of every inning, there is a first pitch, when there is not a previous pitch</a:t>
             </a:r>
             <a:endParaRPr b="0" lang="en-US" sz="1400" spc="-1" strike="noStrike">
+              <a:solidFill>
+                <a:srgbClr val="ffffff"/>
+              </a:solidFill>
               <a:latin typeface="Arial"/>
             </a:endParaRPr>
           </a:p>
@@ -17108,11 +17249,17 @@
             </a:pPr>
             <a:r>
               <a:rPr b="0" lang="en-US" sz="1800" spc="-1" strike="noStrike">
+                <a:solidFill>
+                  <a:srgbClr val="ffffff"/>
+                </a:solidFill>
                 <a:latin typeface="Arial"/>
               </a:rPr>
               <a:t>First, let’s consider only the previous pitch when predicting the next pitch. There are two ways to apply the naive approach.</a:t>
             </a:r>
             <a:endParaRPr b="0" lang="en-US" sz="1800" spc="-1" strike="noStrike">
+              <a:solidFill>
+                <a:srgbClr val="ffffff"/>
+              </a:solidFill>
               <a:latin typeface="Arial"/>
             </a:endParaRPr>
           </a:p>
@@ -17179,47 +17326,71 @@
             </a:pPr>
             <a:r>
               <a:rPr b="0" lang="en-US" sz="1400" spc="-1" strike="noStrike">
+                <a:solidFill>
+                  <a:srgbClr val="ffffff"/>
+                </a:solidFill>
                 <a:latin typeface="Arial"/>
               </a:rPr>
               <a:t>Distribution of </a:t>
             </a:r>
             <a:r>
               <a:rPr b="1" lang="en-US" sz="1400" spc="-1" strike="noStrike">
+                <a:solidFill>
+                  <a:srgbClr val="ffffff"/>
+                </a:solidFill>
                 <a:latin typeface="Arial"/>
               </a:rPr>
               <a:t>First Pitch</a:t>
             </a:r>
             <a:r>
               <a:rPr b="0" lang="en-US" sz="1400" spc="-1" strike="noStrike">
+                <a:solidFill>
+                  <a:srgbClr val="ffffff"/>
+                </a:solidFill>
                 <a:latin typeface="Arial"/>
               </a:rPr>
               <a:t> and </a:t>
             </a:r>
             <a:r>
               <a:rPr b="1" lang="en-US" sz="1400" spc="-1" strike="noStrike">
+                <a:solidFill>
+                  <a:srgbClr val="ffffff"/>
+                </a:solidFill>
                 <a:latin typeface="Arial"/>
               </a:rPr>
               <a:t>Two-Pitch Sequences </a:t>
             </a:r>
             <a:r>
               <a:rPr b="0" lang="en-US" sz="1400" spc="-1" strike="noStrike">
+                <a:solidFill>
+                  <a:srgbClr val="ffffff"/>
+                </a:solidFill>
                 <a:latin typeface="Arial"/>
               </a:rPr>
               <a:t>for </a:t>
             </a:r>
             <a:r>
               <a:rPr b="1" lang="en-US" sz="1400" spc="-1" strike="noStrike">
+                <a:solidFill>
+                  <a:srgbClr val="ffffff"/>
+                </a:solidFill>
                 <a:latin typeface="Arial"/>
               </a:rPr>
               <a:t>Carlos Martinez</a:t>
             </a:r>
             <a:r>
               <a:rPr b="0" lang="en-US" sz="1400" spc="-1" strike="noStrike">
+                <a:solidFill>
+                  <a:srgbClr val="ffffff"/>
+                </a:solidFill>
                 <a:latin typeface="Arial"/>
               </a:rPr>
               <a:t> (2016-2018)</a:t>
             </a:r>
             <a:endParaRPr b="0" lang="en-US" sz="1400" spc="-1" strike="noStrike">
+              <a:solidFill>
+                <a:srgbClr val="ffffff"/>
+              </a:solidFill>
               <a:latin typeface="Arial"/>
             </a:endParaRPr>
           </a:p>
@@ -17416,9 +17587,18 @@
             </a:pPr>
             <a:r>
               <a:rPr b="0" lang="en-US" sz="1800" spc="-1" strike="noStrike">
-                <a:latin typeface="Arial"/>
-              </a:rPr>
-              <a:t>In the case for Carlos Martinez, we see that we have </a:t>
+                <a:solidFill>
+                  <a:srgbClr val="ffffff"/>
+                </a:solidFill>
+                <a:latin typeface="Arial"/>
+              </a:rPr>
+              <a:t>In the case for Carlos Martinez, we see that we have</a:t>
+            </a:r>
+            <a:r>
+              <a:rPr b="0" lang="en-US" sz="1800" spc="-1" strike="noStrike">
+                <a:latin typeface="Arial"/>
+              </a:rPr>
+              <a:t> </a:t>
             </a:r>
             <a:r>
               <a:rPr b="1" lang="en-US" sz="1800" spc="-1" strike="noStrike">
@@ -17436,7 +17616,25 @@
                 </a:solidFill>
                 <a:latin typeface="Arial"/>
               </a:rPr>
-              <a:t>, requiring </a:t>
+              <a:t>, </a:t>
+            </a:r>
+            <a:r>
+              <a:rPr b="0" lang="en-US" sz="1800" spc="-1" strike="noStrike">
+                <a:solidFill>
+                  <a:srgbClr val="ffffff"/>
+                </a:solidFill>
+                <a:latin typeface="Arial"/>
+              </a:rPr>
+              <a:t>requiring</a:t>
+            </a:r>
+            <a:r>
+              <a:rPr b="0" lang="en-US" sz="1800" spc="-1" strike="noStrike">
+                <a:solidFill>
+                  <a:srgbClr val="fff200"/>
+                </a:solidFill>
+                <a:latin typeface="Arial"/>
+              </a:rPr>
+              <a:t> </a:t>
             </a:r>
             <a:r>
               <a:rPr b="1" lang="en-US" sz="1800" spc="-1" strike="noStrike">
@@ -18111,11 +18309,14 @@
                 <a:spcPct val="100000"/>
               </a:lnSpc>
               <a:spcBef>
-                <a:spcPts val="1585"/>
+                <a:spcPts val="289"/>
               </a:spcBef>
             </a:pPr>
             <a:r>
               <a:rPr b="0" lang="en-US" sz="1800" spc="-1" strike="noStrike">
+                <a:solidFill>
+                  <a:srgbClr val="ffffff"/>
+                </a:solidFill>
                 <a:latin typeface="Arial"/>
               </a:rPr>
               <a:t>When considering </a:t>
@@ -18132,11 +18333,80 @@
             <a:r>
               <a:rPr b="0" lang="en-US" sz="1800" spc="-1" strike="noStrike">
                 <a:solidFill>
+                  <a:srgbClr val="ffffff"/>
+                </a:solidFill>
+                <a:latin typeface="Arial"/>
+              </a:rPr>
+              <a:t> as a performance metric, the majority class is the </a:t>
+            </a:r>
+            <a:r>
+              <a:rPr b="1" lang="en-US" sz="1800" spc="-1" strike="noStrike">
+                <a:solidFill>
+                  <a:srgbClr val="ffffff"/>
+                </a:solidFill>
+                <a:latin typeface="Arial"/>
+              </a:rPr>
+              <a:t>Fastball (FB)</a:t>
+            </a:r>
+            <a:r>
+              <a:rPr b="0" lang="en-US" sz="1800" spc="-1" strike="noStrike">
+                <a:solidFill>
+                  <a:srgbClr val="ffffff"/>
+                </a:solidFill>
+                <a:latin typeface="Arial"/>
+              </a:rPr>
+              <a:t> at </a:t>
+            </a:r>
+            <a:r>
+              <a:rPr b="1" lang="en-US" sz="1800" spc="-1" strike="noStrike">
+                <a:solidFill>
+                  <a:srgbClr val="ffffff"/>
+                </a:solidFill>
+                <a:latin typeface="Arial"/>
+              </a:rPr>
+              <a:t>0.538</a:t>
+            </a:r>
+            <a:r>
+              <a:rPr b="0" lang="en-US" sz="1800" spc="-1" strike="noStrike">
+                <a:solidFill>
+                  <a:srgbClr val="ffffff"/>
+                </a:solidFill>
+                <a:latin typeface="Arial"/>
+              </a:rPr>
+              <a:t>. </a:t>
+            </a:r>
+            <a:endParaRPr b="0" lang="en-US" sz="1800" spc="-1" strike="noStrike">
+              <a:latin typeface="Arial"/>
+            </a:endParaRPr>
+          </a:p>
+          <a:p>
+            <a:pPr>
+              <a:lnSpc>
+                <a:spcPct val="100000"/>
+              </a:lnSpc>
+              <a:spcBef>
+                <a:spcPts val="1009"/>
+              </a:spcBef>
+            </a:pPr>
+            <a:r>
+              <a:rPr b="0" lang="en-US" sz="1800" spc="-1" strike="noStrike">
+                <a:solidFill>
+                  <a:srgbClr val="ffffff"/>
+                </a:solidFill>
+                <a:latin typeface="Arial"/>
+                <a:ea typeface="Noto Sans CJK SC Regular"/>
+              </a:rPr>
+              <a:t>So, if we assign Fastball to all of the instances, our model would have a</a:t>
+            </a:r>
+            <a:r>
+              <a:rPr b="0" lang="en-US" sz="1800" spc="-1" strike="noStrike">
+                <a:solidFill>
                   <a:srgbClr val="fff200"/>
                 </a:solidFill>
                 <a:latin typeface="Arial"/>
-              </a:rPr>
-              <a:t> as a performance metric, the majority class is the </a:t>
+                <a:ea typeface="Noto Sans CJK SC Regular"/>
+              </a:rPr>
+              <a:t> </a:t>
             </a:r>
             <a:r>
               <a:rPr b="1" lang="en-US" sz="1800" spc="-1" strike="noStrike">
@@ -18144,8 +18414,9 @@
                   <a:srgbClr val="fff200"/>
                 </a:solidFill>
                 <a:latin typeface="Arial"/>
-              </a:rPr>
-              <a:t>Fastball (FB)</a:t>
+                <a:ea typeface="Noto Sans CJK SC Regular"/>
+              </a:rPr>
+              <a:t>majority class baseline</a:t>
             </a:r>
             <a:r>
               <a:rPr b="0" lang="en-US" sz="1800" spc="-1" strike="noStrike">
@@ -18153,8 +18424,19 @@
                   <a:srgbClr val="fff200"/>
                 </a:solidFill>
                 <a:latin typeface="Arial"/>
-              </a:rPr>
-              <a:t> at </a:t>
+                <a:ea typeface="Noto Sans CJK SC Regular"/>
+              </a:rPr>
+              <a:t> </a:t>
+            </a:r>
+            <a:r>
+              <a:rPr b="0" lang="en-US" sz="1800" spc="-1" strike="noStrike">
+                <a:solidFill>
+                  <a:srgbClr val="ffffff"/>
+                </a:solidFill>
+                <a:latin typeface="Arial"/>
+                <a:ea typeface="Noto Sans CJK SC Regular"/>
+              </a:rPr>
+              <a:t>of </a:t>
             </a:r>
             <a:r>
               <a:rPr b="1" lang="en-US" sz="1800" spc="-1" strike="noStrike">
@@ -18162,72 +18444,14 @@
                   <a:srgbClr val="fff200"/>
                 </a:solidFill>
                 <a:latin typeface="Arial"/>
-              </a:rPr>
-              <a:t>0.538</a:t>
+                <a:ea typeface="Noto Sans CJK SC Regular"/>
+              </a:rPr>
+              <a:t>53.8%</a:t>
             </a:r>
             <a:r>
               <a:rPr b="0" lang="en-US" sz="1800" spc="-1" strike="noStrike">
                 <a:solidFill>
-                  <a:srgbClr val="fff200"/>
-                </a:solidFill>
-                <a:latin typeface="Arial"/>
-              </a:rPr>
-              <a:t>. </a:t>
-            </a:r>
-            <a:endParaRPr b="0" lang="en-US" sz="1800" spc="-1" strike="noStrike">
-              <a:latin typeface="Arial"/>
-            </a:endParaRPr>
-          </a:p>
-          <a:p>
-            <a:pPr>
-              <a:lnSpc>
-                <a:spcPct val="100000"/>
-              </a:lnSpc>
-            </a:pPr>
-            <a:r>
-              <a:rPr b="0" lang="en-US" sz="1800" spc="-1" strike="noStrike">
-                <a:solidFill>
-                  <a:srgbClr val="fff200"/>
-                </a:solidFill>
-                <a:latin typeface="Arial"/>
-                <a:ea typeface="Noto Sans CJK SC Regular"/>
-              </a:rPr>
-              <a:t>So, if we assign Fastball to all of the instances, our model would have a </a:t>
-            </a:r>
-            <a:r>
-              <a:rPr b="1" lang="en-US" sz="1800" spc="-1" strike="noStrike">
-                <a:solidFill>
-                  <a:srgbClr val="fff200"/>
-                </a:solidFill>
-                <a:latin typeface="Arial"/>
-                <a:ea typeface="Noto Sans CJK SC Regular"/>
-              </a:rPr>
-              <a:t>majority class baseline</a:t>
-            </a:r>
-            <a:r>
-              <a:rPr b="0" lang="en-US" sz="1800" spc="-1" strike="noStrike">
-                <a:solidFill>
-                  <a:srgbClr val="fff200"/>
-                </a:solidFill>
-                <a:latin typeface="Arial"/>
-                <a:ea typeface="Noto Sans CJK SC Regular"/>
-              </a:rPr>
-              <a:t> of </a:t>
-            </a:r>
-            <a:r>
-              <a:rPr b="1" lang="en-US" sz="1800" spc="-1" strike="noStrike">
-                <a:solidFill>
-                  <a:srgbClr val="fff200"/>
-                </a:solidFill>
-                <a:latin typeface="Arial"/>
-                <a:ea typeface="Noto Sans CJK SC Regular"/>
-              </a:rPr>
-              <a:t>53.8%</a:t>
-            </a:r>
-            <a:r>
-              <a:rPr b="0" lang="en-US" sz="1800" spc="-1" strike="noStrike">
-                <a:solidFill>
-                  <a:srgbClr val="fff200"/>
+                  <a:srgbClr val="ffffff"/>
                 </a:solidFill>
                 <a:latin typeface="Arial"/>
                 <a:ea typeface="Noto Sans CJK SC Regular"/>
@@ -18275,23 +18499,35 @@
             </a:pPr>
             <a:r>
               <a:rPr b="0" lang="en-US" sz="1200" spc="-1" strike="noStrike">
+                <a:solidFill>
+                  <a:srgbClr val="ffffff"/>
+                </a:solidFill>
                 <a:latin typeface="Arial"/>
               </a:rPr>
               <a:t>Pitch Types and Percentage Thrown for </a:t>
             </a:r>
             <a:r>
               <a:rPr b="1" lang="en-US" sz="1200" spc="-1" strike="noStrike">
+                <a:solidFill>
+                  <a:srgbClr val="ffffff"/>
+                </a:solidFill>
                 <a:latin typeface="Arial"/>
               </a:rPr>
               <a:t>Carlos Martinez</a:t>
             </a:r>
             <a:r>
               <a:rPr b="0" lang="en-US" sz="1200" spc="-1" strike="noStrike">
+                <a:solidFill>
+                  <a:srgbClr val="ffffff"/>
+                </a:solidFill>
                 <a:latin typeface="Arial"/>
               </a:rPr>
               <a:t> (2016-2018)</a:t>
             </a:r>
             <a:endParaRPr b="0" lang="en-US" sz="1200" spc="-1" strike="noStrike">
+              <a:solidFill>
+                <a:srgbClr val="ffffff"/>
+              </a:solidFill>
               <a:latin typeface="Arial"/>
             </a:endParaRPr>
           </a:p>
@@ -18510,10 +18746,20 @@
             </a:pPr>
             <a:r>
               <a:rPr b="0" lang="en-US" sz="1800" spc="-1" strike="noStrike">
+                <a:solidFill>
+                  <a:srgbClr val="ffffff"/>
+                </a:solidFill>
                 <a:latin typeface="Arial"/>
                 <a:ea typeface="Noto Sans CJK SC Regular"/>
               </a:rPr>
-              <a:t>In addition to using accuracy to measure a models performance, we can also compute the </a:t>
+              <a:t>In addition to using accuracy to measure a models performance, we can also compute the</a:t>
+            </a:r>
+            <a:r>
+              <a:rPr b="0" lang="en-US" sz="1800" spc="-1" strike="noStrike">
+                <a:latin typeface="Arial"/>
+                <a:ea typeface="Noto Sans CJK SC Regular"/>
+              </a:rPr>
+              <a:t> </a:t>
             </a:r>
             <a:r>
               <a:rPr b="1" lang="en-US" sz="1800" spc="-1" strike="noStrike">
@@ -18578,12 +18824,22 @@
             <a:r>
               <a:rPr b="0" lang="en-US" sz="1800" spc="-1" strike="noStrike">
                 <a:solidFill>
+                  <a:srgbClr val="ffffff"/>
+                </a:solidFill>
+                <a:latin typeface="Arial"/>
+                <a:ea typeface="Noto Sans CJK SC Regular"/>
+              </a:rPr>
+              <a:t>When considering the</a:t>
+            </a:r>
+            <a:r>
+              <a:rPr b="0" lang="en-US" sz="1800" spc="-1" strike="noStrike">
+                <a:solidFill>
                   <a:srgbClr val="fff200"/>
                 </a:solidFill>
                 <a:latin typeface="Arial"/>
                 <a:ea typeface="Noto Sans CJK SC Regular"/>
               </a:rPr>
-              <a:t>When considering the </a:t>
+              <a:t> </a:t>
             </a:r>
             <a:r>
               <a:rPr b="1" lang="en-US" sz="1800" spc="-1" strike="noStrike">
@@ -18598,47 +18854,77 @@
             <a:r>
               <a:rPr b="0" lang="en-US" sz="1800" spc="-1" strike="noStrike">
                 <a:solidFill>
+                  <a:srgbClr val="ffffff"/>
+                </a:solidFill>
+                <a:latin typeface="Arial"/>
+                <a:ea typeface="Noto Sans CJK SC Regular"/>
+              </a:rPr>
+              <a:t> as a way to predict the </a:t>
+            </a:r>
+            <a:r>
+              <a:rPr b="1" lang="en-US" sz="1800" spc="-1" strike="noStrike">
+                <a:solidFill>
                   <a:srgbClr val="fcc79b"/>
                 </a:solidFill>
                 <a:latin typeface="Arial"/>
                 <a:ea typeface="Noto Sans CJK SC Regular"/>
               </a:rPr>
-              <a:t> as a way to predict the </a:t>
+              <a:t>next pitch</a:t>
+            </a:r>
+            <a:r>
+              <a:rPr b="0" lang="en-US" sz="1800" spc="-1" strike="noStrike">
+                <a:solidFill>
+                  <a:srgbClr val="fcc79b"/>
+                </a:solidFill>
+                <a:latin typeface="Arial"/>
+                <a:ea typeface="Noto Sans CJK SC Regular"/>
+              </a:rPr>
+              <a:t> </a:t>
+            </a:r>
+            <a:r>
+              <a:rPr b="0" lang="en-US" sz="1800" spc="-1" strike="noStrike">
+                <a:solidFill>
+                  <a:srgbClr val="ffffff"/>
+                </a:solidFill>
+                <a:latin typeface="Arial"/>
+                <a:ea typeface="Noto Sans CJK SC Regular"/>
+              </a:rPr>
+              <a:t>for Carlos Martinez, we see that after he throws a Fastball, the next pitch can be either another </a:t>
             </a:r>
             <a:r>
               <a:rPr b="1" lang="en-US" sz="1800" spc="-1" strike="noStrike">
                 <a:solidFill>
-                  <a:srgbClr val="fcc79b"/>
+                  <a:srgbClr val="ffffff"/>
                 </a:solidFill>
                 <a:latin typeface="Arial"/>
                 <a:ea typeface="Noto Sans CJK SC Regular"/>
               </a:rPr>
-              <a:t>next pitch</a:t>
+              <a:t>Fastball</a:t>
             </a:r>
             <a:r>
               <a:rPr b="0" lang="en-US" sz="1800" spc="-1" strike="noStrike">
                 <a:solidFill>
-                  <a:srgbClr val="fcc79b"/>
+                  <a:srgbClr val="ffffff"/>
                 </a:solidFill>
                 <a:latin typeface="Arial"/>
                 <a:ea typeface="Noto Sans CJK SC Regular"/>
               </a:rPr>
-              <a:t> for Carlos Martinez, we see that after he throws a Fastball, the next pitch can be either another </a:t>
+              <a:t>, </a:t>
             </a:r>
             <a:r>
               <a:rPr b="1" lang="en-US" sz="1800" spc="-1" strike="noStrike">
                 <a:solidFill>
-                  <a:srgbClr val="fcc79b"/>
+                  <a:srgbClr val="ffffff"/>
                 </a:solidFill>
                 <a:latin typeface="Arial"/>
                 <a:ea typeface="Noto Sans CJK SC Regular"/>
               </a:rPr>
-              <a:t>Fastball</a:t>
+              <a:t>Change-up</a:t>
             </a:r>
             <a:r>
               <a:rPr b="0" lang="en-US" sz="1800" spc="-1" strike="noStrike">
                 <a:solidFill>
-                  <a:srgbClr val="fcc79b"/>
+                  <a:srgbClr val="ffffff"/>
                 </a:solidFill>
                 <a:latin typeface="Arial"/>
                 <a:ea typeface="Noto Sans CJK SC Regular"/>
@@ -18648,17 +18934,17 @@
             <a:r>
               <a:rPr b="1" lang="en-US" sz="1800" spc="-1" strike="noStrike">
                 <a:solidFill>
-                  <a:srgbClr val="fcc79b"/>
+                  <a:srgbClr val="ffffff"/>
                 </a:solidFill>
                 <a:latin typeface="Arial"/>
                 <a:ea typeface="Noto Sans CJK SC Regular"/>
               </a:rPr>
-              <a:t>Change-up</a:t>
+              <a:t>Slider</a:t>
             </a:r>
             <a:r>
               <a:rPr b="0" lang="en-US" sz="1800" spc="-1" strike="noStrike">
                 <a:solidFill>
-                  <a:srgbClr val="fcc79b"/>
+                  <a:srgbClr val="ffffff"/>
                 </a:solidFill>
                 <a:latin typeface="Arial"/>
                 <a:ea typeface="Noto Sans CJK SC Regular"/>
@@ -18668,57 +18954,37 @@
             <a:r>
               <a:rPr b="1" lang="en-US" sz="1800" spc="-1" strike="noStrike">
                 <a:solidFill>
-                  <a:srgbClr val="fcc79b"/>
+                  <a:srgbClr val="ffffff"/>
                 </a:solidFill>
                 <a:latin typeface="Arial"/>
                 <a:ea typeface="Noto Sans CJK SC Regular"/>
               </a:rPr>
-              <a:t>Slider</a:t>
+              <a:t>Curveball</a:t>
             </a:r>
             <a:r>
               <a:rPr b="0" lang="en-US" sz="1800" spc="-1" strike="noStrike">
                 <a:solidFill>
-                  <a:srgbClr val="fcc79b"/>
+                  <a:srgbClr val="ffffff"/>
                 </a:solidFill>
                 <a:latin typeface="Arial"/>
                 <a:ea typeface="Noto Sans CJK SC Regular"/>
               </a:rPr>
-              <a:t>, </a:t>
+              <a:t>, or </a:t>
             </a:r>
             <a:r>
               <a:rPr b="1" lang="en-US" sz="1800" spc="-1" strike="noStrike">
                 <a:solidFill>
-                  <a:srgbClr val="fcc79b"/>
+                  <a:srgbClr val="ffffff"/>
                 </a:solidFill>
                 <a:latin typeface="Arial"/>
                 <a:ea typeface="Noto Sans CJK SC Regular"/>
               </a:rPr>
-              <a:t>Curveball</a:t>
+              <a:t>Cutter</a:t>
             </a:r>
             <a:r>
               <a:rPr b="0" lang="en-US" sz="1800" spc="-1" strike="noStrike">
                 <a:solidFill>
-                  <a:srgbClr val="fcc79b"/>
-                </a:solidFill>
-                <a:latin typeface="Arial"/>
-                <a:ea typeface="Noto Sans CJK SC Regular"/>
-              </a:rPr>
-              <a:t>, or </a:t>
-            </a:r>
-            <a:r>
-              <a:rPr b="1" lang="en-US" sz="1800" spc="-1" strike="noStrike">
-                <a:solidFill>
-                  <a:srgbClr val="fcc79b"/>
-                </a:solidFill>
-                <a:latin typeface="Arial"/>
-                <a:ea typeface="Noto Sans CJK SC Regular"/>
-              </a:rPr>
-              <a:t>Cutter</a:t>
-            </a:r>
-            <a:r>
-              <a:rPr b="0" lang="en-US" sz="1800" spc="-1" strike="noStrike">
-                <a:solidFill>
-                  <a:srgbClr val="fcc79b"/>
+                  <a:srgbClr val="ffffff"/>
                 </a:solidFill>
                 <a:latin typeface="Arial"/>
                 <a:ea typeface="Noto Sans CJK SC Regular"/>
@@ -19079,23 +19345,35 @@
             </a:pPr>
             <a:r>
               <a:rPr b="0" lang="en-US" sz="1600" spc="-1" strike="noStrike">
+                <a:solidFill>
+                  <a:srgbClr val="ffffff"/>
+                </a:solidFill>
                 <a:latin typeface="Arial"/>
               </a:rPr>
               <a:t>Based on Carlos’ </a:t>
             </a:r>
             <a:r>
               <a:rPr b="1" lang="en-US" sz="1600" spc="-1" strike="noStrike">
+                <a:solidFill>
+                  <a:srgbClr val="ffffff"/>
+                </a:solidFill>
                 <a:latin typeface="Arial"/>
               </a:rPr>
               <a:t>two-sequence</a:t>
             </a:r>
             <a:r>
               <a:rPr b="0" lang="en-US" sz="1600" spc="-1" strike="noStrike">
+                <a:solidFill>
+                  <a:srgbClr val="ffffff"/>
+                </a:solidFill>
                 <a:latin typeface="Arial"/>
               </a:rPr>
               <a:t> pitch data where the first pitch was a Fastball, we calculate the following mean values  as predicted probabilities.</a:t>
             </a:r>
             <a:endParaRPr b="0" lang="en-US" sz="1600" spc="-1" strike="noStrike">
+              <a:solidFill>
+                <a:srgbClr val="ffffff"/>
+              </a:solidFill>
               <a:latin typeface="Arial"/>
             </a:endParaRPr>
           </a:p>
@@ -19242,6 +19520,9 @@
             </a:pPr>
             <a:r>
               <a:rPr b="0" lang="en-US" sz="1800" spc="-1" strike="noStrike">
+                <a:solidFill>
+                  <a:srgbClr val="ffffff"/>
+                </a:solidFill>
                 <a:latin typeface="Arial"/>
               </a:rPr>
               <a:t>Identified and removed features with a </a:t>
@@ -19253,7 +19534,16 @@
                 </a:solidFill>
                 <a:latin typeface="Arial"/>
               </a:rPr>
-              <a:t>95% or greater correlation.</a:t>
+              <a:t>95% </a:t>
+            </a:r>
+            <a:r>
+              <a:rPr b="0" lang="en-US" sz="1800" spc="-1" strike="noStrike">
+                <a:solidFill>
+                  <a:srgbClr val="ffffff"/>
+                </a:solidFill>
+                <a:latin typeface="Arial"/>
+              </a:rPr>
+              <a:t>or greater correlation.</a:t>
             </a:r>
             <a:endParaRPr b="0" lang="en-US" sz="1800" spc="-1" strike="noStrike">
               <a:latin typeface="Arial"/>
@@ -19274,11 +19564,29 @@
             <a:r>
               <a:rPr b="0" lang="en-US" sz="1800" spc="-1" strike="noStrike">
                 <a:solidFill>
+                  <a:srgbClr val="ffffff"/>
+                </a:solidFill>
+                <a:latin typeface="Arial"/>
+              </a:rPr>
+              <a:t>Removed a total of </a:t>
+            </a:r>
+            <a:r>
+              <a:rPr b="0" lang="en-US" sz="1800" spc="-1" strike="noStrike">
+                <a:solidFill>
                   <a:srgbClr val="fff200"/>
                 </a:solidFill>
                 <a:latin typeface="Arial"/>
               </a:rPr>
-              <a:t>Removed a total of 21 unique features for one or more pitchers.</a:t>
+              <a:t>21</a:t>
+            </a:r>
+            <a:r>
+              <a:rPr b="0" lang="en-US" sz="1800" spc="-1" strike="noStrike">
+                <a:solidFill>
+                  <a:srgbClr val="ffffff"/>
+                </a:solidFill>
+                <a:latin typeface="Arial"/>
+              </a:rPr>
+              <a:t> unique features for one or more pitchers.</a:t>
             </a:r>
             <a:endParaRPr b="0" lang="en-US" sz="1800" spc="-1" strike="noStrike">
               <a:latin typeface="Arial"/>
@@ -19447,11 +19755,17 @@
             </a:pPr>
             <a:r>
               <a:rPr b="0" lang="en-US" sz="1800" spc="-1" strike="noStrike">
+                <a:solidFill>
+                  <a:srgbClr val="ffffff"/>
+                </a:solidFill>
                 <a:latin typeface="Arial"/>
               </a:rPr>
               <a:t>Estimated Feature Importance using Gradient Boosting.</a:t>
             </a:r>
             <a:endParaRPr b="0" lang="en-US" sz="1800" spc="-1" strike="noStrike">
+              <a:solidFill>
+                <a:srgbClr val="ffffff"/>
+              </a:solidFill>
               <a:latin typeface="Arial"/>
             </a:endParaRPr>
           </a:p>
@@ -19463,11 +19777,17 @@
             </a:pPr>
             <a:r>
               <a:rPr b="0" lang="en-US" sz="1800" spc="-1" strike="noStrike">
+                <a:solidFill>
+                  <a:srgbClr val="ffffff"/>
+                </a:solidFill>
                 <a:latin typeface="Arial"/>
               </a:rPr>
               <a:t>Features with zero-to-low importance were removed.</a:t>
             </a:r>
             <a:endParaRPr b="0" lang="en-US" sz="1800" spc="-1" strike="noStrike">
+              <a:solidFill>
+                <a:srgbClr val="ffffff"/>
+              </a:solidFill>
               <a:latin typeface="Arial"/>
             </a:endParaRPr>
           </a:p>
@@ -19534,12 +19854,18 @@
             </a:pPr>
             <a:r>
               <a:rPr b="1" lang="en-US" sz="1400" spc="-1" strike="noStrike" u="sng">
+                <a:solidFill>
+                  <a:srgbClr val="ffffff"/>
+                </a:solidFill>
                 <a:uFillTx/>
                 <a:latin typeface="Arial"/>
               </a:rPr>
               <a:t>Top Feature for each Pitcher</a:t>
             </a:r>
             <a:endParaRPr b="0" lang="en-US" sz="1400" spc="-1" strike="noStrike">
+              <a:solidFill>
+                <a:srgbClr val="ffffff"/>
+              </a:solidFill>
               <a:latin typeface="Arial"/>
             </a:endParaRPr>
           </a:p>
@@ -19550,6 +19876,9 @@
               </a:lnSpc>
             </a:pPr>
             <a:endParaRPr b="0" lang="en-US" sz="1400" spc="-1" strike="noStrike">
+              <a:solidFill>
+                <a:srgbClr val="ffffff"/>
+              </a:solidFill>
               <a:latin typeface="Arial"/>
             </a:endParaRPr>
           </a:p>
@@ -19570,23 +19899,35 @@
             </a:pPr>
             <a:r>
               <a:rPr b="0" lang="en-US" sz="1400" spc="-1" strike="noStrike">
+                <a:solidFill>
+                  <a:srgbClr val="ffffff"/>
+                </a:solidFill>
                 <a:latin typeface="Arial"/>
               </a:rPr>
               <a:t>Number of pitches thrown in the game (</a:t>
             </a:r>
             <a:r>
               <a:rPr b="1" lang="en-US" sz="1400" spc="-1" strike="noStrike">
+                <a:solidFill>
+                  <a:srgbClr val="ffffff"/>
+                </a:solidFill>
                 <a:latin typeface="Arial"/>
               </a:rPr>
               <a:t>p_p_count</a:t>
             </a:r>
             <a:r>
               <a:rPr b="0" lang="en-US" sz="1400" spc="-1" strike="noStrike">
+                <a:solidFill>
+                  <a:srgbClr val="ffffff"/>
+                </a:solidFill>
                 <a:latin typeface="Arial"/>
               </a:rPr>
               <a:t>)</a:t>
             </a:r>
             <a:endParaRPr b="0" lang="en-US" sz="1400" spc="-1" strike="noStrike">
+              <a:solidFill>
+                <a:srgbClr val="ffffff"/>
+              </a:solidFill>
               <a:latin typeface="Arial"/>
             </a:endParaRPr>
           </a:p>
@@ -19597,6 +19938,9 @@
               </a:lnSpc>
             </a:pPr>
             <a:endParaRPr b="0" lang="en-US" sz="1400" spc="-1" strike="noStrike">
+              <a:solidFill>
+                <a:srgbClr val="ffffff"/>
+              </a:solidFill>
               <a:latin typeface="Arial"/>
             </a:endParaRPr>
           </a:p>
@@ -19607,6 +19951,9 @@
               </a:lnSpc>
             </a:pPr>
             <a:endParaRPr b="0" lang="en-US" sz="1400" spc="-1" strike="noStrike">
+              <a:solidFill>
+                <a:srgbClr val="ffffff"/>
+              </a:solidFill>
               <a:latin typeface="Arial"/>
             </a:endParaRPr>
           </a:p>
@@ -19618,12 +19965,18 @@
             </a:pPr>
             <a:r>
               <a:rPr b="1" lang="en-US" sz="1400" spc="-1" strike="noStrike" u="sng">
+                <a:solidFill>
+                  <a:srgbClr val="ffffff"/>
+                </a:solidFill>
                 <a:uFillTx/>
                 <a:latin typeface="Arial"/>
               </a:rPr>
               <a:t>Other top Features</a:t>
             </a:r>
             <a:endParaRPr b="0" lang="en-US" sz="1400" spc="-1" strike="noStrike">
+              <a:solidFill>
+                <a:srgbClr val="ffffff"/>
+              </a:solidFill>
               <a:latin typeface="Arial"/>
             </a:endParaRPr>
           </a:p>
@@ -19634,6 +19987,9 @@
               </a:lnSpc>
             </a:pPr>
             <a:endParaRPr b="0" lang="en-US" sz="1400" spc="-1" strike="noStrike">
+              <a:solidFill>
+                <a:srgbClr val="ffffff"/>
+              </a:solidFill>
               <a:latin typeface="Arial"/>
             </a:endParaRPr>
           </a:p>
@@ -19654,11 +20010,17 @@
             </a:pPr>
             <a:r>
               <a:rPr b="0" lang="en-US" sz="1400" spc="-1" strike="noStrike">
+                <a:solidFill>
+                  <a:srgbClr val="ffffff"/>
+                </a:solidFill>
                 <a:latin typeface="Arial"/>
               </a:rPr>
               <a:t>Cumulative sums and %’s for varying pitch types</a:t>
             </a:r>
             <a:endParaRPr b="0" lang="en-US" sz="1400" spc="-1" strike="noStrike">
+              <a:solidFill>
+                <a:srgbClr val="ffffff"/>
+              </a:solidFill>
               <a:latin typeface="Arial"/>
             </a:endParaRPr>
           </a:p>
@@ -19679,11 +20041,17 @@
             </a:pPr>
             <a:r>
               <a:rPr b="0" lang="en-US" sz="1400" spc="-1" strike="noStrike">
+                <a:solidFill>
+                  <a:srgbClr val="ffffff"/>
+                </a:solidFill>
                 <a:latin typeface="Arial"/>
               </a:rPr>
               <a:t>Previous pitch speed</a:t>
             </a:r>
             <a:endParaRPr b="0" lang="en-US" sz="1400" spc="-1" strike="noStrike">
+              <a:solidFill>
+                <a:srgbClr val="ffffff"/>
+              </a:solidFill>
               <a:latin typeface="Arial"/>
             </a:endParaRPr>
           </a:p>
@@ -19704,11 +20072,17 @@
             </a:pPr>
             <a:r>
               <a:rPr b="0" lang="en-US" sz="1400" spc="-1" strike="noStrike">
+                <a:solidFill>
+                  <a:srgbClr val="ffffff"/>
+                </a:solidFill>
                 <a:latin typeface="Arial"/>
               </a:rPr>
               <a:t>Inning</a:t>
             </a:r>
             <a:endParaRPr b="0" lang="en-US" sz="1400" spc="-1" strike="noStrike">
+              <a:solidFill>
+                <a:srgbClr val="ffffff"/>
+              </a:solidFill>
               <a:latin typeface="Arial"/>
             </a:endParaRPr>
           </a:p>
@@ -19729,11 +20103,17 @@
             </a:pPr>
             <a:r>
               <a:rPr b="0" lang="en-US" sz="1400" spc="-1" strike="noStrike">
+                <a:solidFill>
+                  <a:srgbClr val="ffffff"/>
+                </a:solidFill>
                 <a:latin typeface="Arial"/>
               </a:rPr>
               <a:t>At-bat count (balls - strikes)</a:t>
             </a:r>
             <a:endParaRPr b="0" lang="en-US" sz="1400" spc="-1" strike="noStrike">
+              <a:solidFill>
+                <a:srgbClr val="ffffff"/>
+              </a:solidFill>
               <a:latin typeface="Arial"/>
             </a:endParaRPr>
           </a:p>
@@ -19774,11 +20154,17 @@
             </a:pPr>
             <a:r>
               <a:rPr b="0" lang="en-US" sz="1400" spc="-1" strike="noStrike">
+                <a:solidFill>
+                  <a:srgbClr val="ffffff"/>
+                </a:solidFill>
                 <a:latin typeface="Arial"/>
               </a:rPr>
               <a:t>Top 20 Important Features for Marcus Stroman</a:t>
             </a:r>
             <a:endParaRPr b="0" lang="en-US" sz="1400" spc="-1" strike="noStrike">
+              <a:solidFill>
+                <a:srgbClr val="ffffff"/>
+              </a:solidFill>
               <a:latin typeface="Arial"/>
             </a:endParaRPr>
           </a:p>
@@ -19922,6 +20308,9 @@
             </a:pPr>
             <a:r>
               <a:rPr b="0" lang="en-US" sz="1800" spc="-1" strike="noStrike">
+                <a:solidFill>
+                  <a:srgbClr val="ffffff"/>
+                </a:solidFill>
                 <a:latin typeface="Arial"/>
               </a:rPr>
               <a:t>Top features contributing to </a:t>
@@ -19938,7 +20327,7 @@
             <a:r>
               <a:rPr b="0" lang="en-US" sz="1800" spc="-1" strike="noStrike">
                 <a:solidFill>
-                  <a:srgbClr val="fff200"/>
+                  <a:srgbClr val="ffffff"/>
                 </a:solidFill>
                 <a:latin typeface="Arial"/>
               </a:rPr>
@@ -19985,11 +20374,17 @@
             </a:pPr>
             <a:r>
               <a:rPr b="0" lang="en-US" sz="1400" spc="-1" strike="noStrike">
+                <a:solidFill>
+                  <a:srgbClr val="ffffff"/>
+                </a:solidFill>
                 <a:latin typeface="Arial"/>
               </a:rPr>
               <a:t>Cumulative Feature Importance Curve for Marcus Stroman</a:t>
             </a:r>
             <a:endParaRPr b="0" lang="en-US" sz="1400" spc="-1" strike="noStrike">
+              <a:solidFill>
+                <a:srgbClr val="ffffff"/>
+              </a:solidFill>
               <a:latin typeface="Arial"/>
             </a:endParaRPr>
           </a:p>
@@ -20058,10 +20453,22 @@
               <a:rPr b="1" lang="en-US" sz="1400" spc="-1" strike="noStrike">
                 <a:latin typeface="Arial"/>
               </a:rPr>
-              <a:t>    </a:t>
+              <a:t>   </a:t>
+            </a:r>
+            <a:r>
+              <a:rPr b="1" lang="en-US" sz="1400" spc="-1" strike="noStrike">
+                <a:solidFill>
+                  <a:srgbClr val="ffffff"/>
+                </a:solidFill>
+                <a:latin typeface="Arial"/>
+              </a:rPr>
+              <a:t> </a:t>
             </a:r>
             <a:r>
               <a:rPr b="1" lang="en-US" sz="1400" spc="-1" strike="noStrike" u="sng">
+                <a:solidFill>
+                  <a:srgbClr val="ffffff"/>
+                </a:solidFill>
                 <a:uFillTx/>
                 <a:latin typeface="Arial"/>
               </a:rPr>
@@ -20108,7 +20515,7 @@
             <a:r>
               <a:rPr b="0" lang="en-US" sz="1400" spc="-1" strike="noStrike">
                 <a:solidFill>
-                  <a:srgbClr val="fff200"/>
+                  <a:srgbClr val="ffffff"/>
                 </a:solidFill>
                 <a:latin typeface="Arial"/>
               </a:rPr>
@@ -20145,7 +20552,7 @@
             <a:r>
               <a:rPr b="0" lang="en-US" sz="1400" spc="-1" strike="noStrike">
                 <a:solidFill>
-                  <a:srgbClr val="fff200"/>
+                  <a:srgbClr val="ffffff"/>
                 </a:solidFill>
                 <a:latin typeface="Arial"/>
               </a:rPr>
@@ -20303,6 +20710,9 @@
             </a:pPr>
             <a:r>
               <a:rPr b="0" lang="en-US" sz="2000" spc="-1" strike="noStrike">
+                <a:solidFill>
+                  <a:srgbClr val="ffffff"/>
+                </a:solidFill>
                 <a:latin typeface="Arial"/>
               </a:rPr>
               <a:t>Major League Baseball (MLB) attendance dropped more than </a:t>
@@ -20319,7 +20729,7 @@
             <a:r>
               <a:rPr b="0" lang="en-US" sz="2000" spc="-1" strike="noStrike">
                 <a:solidFill>
-                  <a:srgbClr val="fff200"/>
+                  <a:srgbClr val="ffffff"/>
                 </a:solidFill>
                 <a:latin typeface="Arial"/>
               </a:rPr>
@@ -20413,11 +20823,47 @@
             <a:r>
               <a:rPr b="0" lang="en-US" sz="2000" spc="-1" strike="noStrike">
                 <a:solidFill>
+                  <a:srgbClr val="ffffff"/>
+                </a:solidFill>
+                <a:latin typeface="Arial"/>
+              </a:rPr>
+              <a:t>While some clubs saw a jump in attendance, </a:t>
+            </a:r>
+            <a:r>
+              <a:rPr b="1" lang="en-US" sz="2000" spc="-1" strike="noStrike">
+                <a:solidFill>
                   <a:srgbClr val="fff200"/>
                 </a:solidFill>
                 <a:latin typeface="Arial"/>
               </a:rPr>
-              <a:t>While some clubs saw a jump in attendance, </a:t>
+              <a:t>17</a:t>
+            </a:r>
+            <a:r>
+              <a:rPr b="0" lang="en-US" sz="2000" spc="-1" strike="noStrike">
+                <a:solidFill>
+                  <a:srgbClr val="fff200"/>
+                </a:solidFill>
+                <a:latin typeface="Arial"/>
+              </a:rPr>
+              <a:t> </a:t>
+            </a:r>
+            <a:r>
+              <a:rPr b="0" lang="en-US" sz="2000" spc="-1" strike="noStrike">
+                <a:solidFill>
+                  <a:srgbClr val="ffffff"/>
+                </a:solidFill>
+                <a:latin typeface="Arial"/>
+              </a:rPr>
+              <a:t>of the</a:t>
+            </a:r>
+            <a:r>
+              <a:rPr b="0" lang="en-US" sz="2000" spc="-1" strike="noStrike">
+                <a:solidFill>
+                  <a:srgbClr val="fff200"/>
+                </a:solidFill>
+                <a:latin typeface="Arial"/>
+              </a:rPr>
+              <a:t> </a:t>
             </a:r>
             <a:r>
               <a:rPr b="1" lang="en-US" sz="2000" spc="-1" strike="noStrike">
@@ -20426,30 +20872,12 @@
                 </a:solidFill>
                 <a:latin typeface="Arial"/>
               </a:rPr>
-              <a:t>17</a:t>
+              <a:t>30</a:t>
             </a:r>
             <a:r>
               <a:rPr b="0" lang="en-US" sz="2000" spc="-1" strike="noStrike">
                 <a:solidFill>
-                  <a:srgbClr val="fff200"/>
-                </a:solidFill>
-                <a:latin typeface="Arial"/>
-              </a:rPr>
-              <a:t> of the </a:t>
-            </a:r>
-            <a:r>
-              <a:rPr b="1" lang="en-US" sz="2000" spc="-1" strike="noStrike">
-                <a:solidFill>
-                  <a:srgbClr val="fff200"/>
-                </a:solidFill>
-                <a:latin typeface="Arial"/>
-              </a:rPr>
-              <a:t>30</a:t>
-            </a:r>
-            <a:r>
-              <a:rPr b="0" lang="en-US" sz="2000" spc="-1" strike="noStrike">
-                <a:solidFill>
-                  <a:srgbClr val="fff200"/>
+                  <a:srgbClr val="ffffff"/>
                 </a:solidFill>
                 <a:latin typeface="Arial"/>
               </a:rPr>
@@ -20477,11 +20905,20 @@
             <a:r>
               <a:rPr b="0" lang="en-US" sz="2000" spc="-1" strike="noStrike">
                 <a:solidFill>
+                  <a:srgbClr val="ffffff"/>
+                </a:solidFill>
+                <a:latin typeface="Arial"/>
+              </a:rPr>
+              <a:t>Using average ticket prices from Team Marketing Report, that comes to about</a:t>
+            </a:r>
+            <a:r>
+              <a:rPr b="0" lang="en-US" sz="2000" spc="-1" strike="noStrike">
+                <a:solidFill>
                   <a:srgbClr val="fff200"/>
                 </a:solidFill>
                 <a:latin typeface="Arial"/>
               </a:rPr>
-              <a:t>Using average ticket prices from Team Marketing Report, that comes to about </a:t>
+              <a:t> </a:t>
             </a:r>
             <a:r>
               <a:rPr b="1" lang="en-US" sz="2000" spc="-1" strike="noStrike">
@@ -20517,7 +20954,7 @@
             <a:r>
               <a:rPr b="0" lang="en-US" sz="2000" spc="-1" strike="noStrike">
                 <a:solidFill>
-                  <a:srgbClr val="fff200"/>
+                  <a:srgbClr val="bce4e5"/>
                 </a:solidFill>
                 <a:latin typeface="Bitstream Vera Sans"/>
               </a:rPr>
@@ -20526,7 +20963,7 @@
             <a:r>
               <a:rPr b="0" lang="en-US" sz="2000" spc="-1" strike="noStrike" u="sng">
                 <a:solidFill>
-                  <a:srgbClr val="0000ff"/>
+                  <a:srgbClr val="bce4e5"/>
                 </a:solidFill>
                 <a:uFillTx/>
                 <a:latin typeface="Bitstream Vera Sans"/>
@@ -20675,11 +21112,17 @@
             </a:pPr>
             <a:r>
               <a:rPr b="0" lang="en-US" sz="1800" spc="-1" strike="noStrike">
+                <a:solidFill>
+                  <a:srgbClr val="ffffff"/>
+                </a:solidFill>
                 <a:latin typeface="Arial"/>
               </a:rPr>
               <a:t>Now that we know more about the data, we can select a predictive model to assess the data in a way that helps make predictions about what might happen in the future.</a:t>
             </a:r>
             <a:endParaRPr b="0" lang="en-US" sz="1800" spc="-1" strike="noStrike">
+              <a:solidFill>
+                <a:srgbClr val="ffffff"/>
+              </a:solidFill>
               <a:latin typeface="Arial"/>
             </a:endParaRPr>
           </a:p>
@@ -20729,11 +21172,17 @@
             </a:pPr>
             <a:r>
               <a:rPr b="0" lang="en-US" sz="1800" spc="-1" strike="noStrike">
+                <a:solidFill>
+                  <a:srgbClr val="ffffff"/>
+                </a:solidFill>
                 <a:latin typeface="Arial"/>
               </a:rPr>
               <a:t>Labeled Data</a:t>
             </a:r>
             <a:endParaRPr b="0" lang="en-US" sz="1800" spc="-1" strike="noStrike">
+              <a:solidFill>
+                <a:srgbClr val="ffffff"/>
+              </a:solidFill>
               <a:latin typeface="Arial"/>
             </a:endParaRPr>
           </a:p>
@@ -20754,11 +21203,17 @@
             </a:pPr>
             <a:r>
               <a:rPr b="0" lang="en-US" sz="1800" spc="-1" strike="noStrike">
+                <a:solidFill>
+                  <a:srgbClr val="ffffff"/>
+                </a:solidFill>
                 <a:latin typeface="Arial"/>
               </a:rPr>
               <a:t>Multiple Classes</a:t>
             </a:r>
             <a:endParaRPr b="0" lang="en-US" sz="1800" spc="-1" strike="noStrike">
+              <a:solidFill>
+                <a:srgbClr val="ffffff"/>
+              </a:solidFill>
               <a:latin typeface="Arial"/>
             </a:endParaRPr>
           </a:p>
@@ -20779,11 +21234,17 @@
             </a:pPr>
             <a:r>
               <a:rPr b="0" lang="en-US" sz="1800" spc="-1" strike="noStrike">
+                <a:solidFill>
+                  <a:srgbClr val="ffffff"/>
+                </a:solidFill>
                 <a:latin typeface="Arial"/>
               </a:rPr>
               <a:t>Imbalanced Targets</a:t>
             </a:r>
             <a:endParaRPr b="0" lang="en-US" sz="1800" spc="-1" strike="noStrike">
+              <a:solidFill>
+                <a:srgbClr val="ffffff"/>
+              </a:solidFill>
               <a:latin typeface="Arial"/>
             </a:endParaRPr>
           </a:p>
@@ -20959,9 +21420,15 @@
               <a:lnSpc>
                 <a:spcPct val="100000"/>
               </a:lnSpc>
+              <a:spcBef>
+                <a:spcPts val="431"/>
+              </a:spcBef>
             </a:pPr>
             <a:r>
               <a:rPr b="1" lang="en-US" sz="1800" spc="-1" strike="noStrike">
+                <a:solidFill>
+                  <a:srgbClr val="ffffff"/>
+                </a:solidFill>
                 <a:latin typeface="Arial"/>
               </a:rPr>
               <a:t>Commonly used Machine Learning Algorithms:</a:t>
@@ -20975,6 +21442,9 @@
               <a:lnSpc>
                 <a:spcPct val="100000"/>
               </a:lnSpc>
+              <a:spcBef>
+                <a:spcPts val="431"/>
+              </a:spcBef>
             </a:pPr>
             <a:r>
               <a:rPr b="1" lang="en-US" sz="1500" spc="-1" strike="noStrike">
@@ -20992,7 +21462,16 @@
                 </a:solidFill>
                 <a:latin typeface="Arial"/>
               </a:rPr>
-              <a:t> can perform multinomial classification, applying a non-linear function (sigmoid).</a:t>
+              <a:t> </a:t>
+            </a:r>
+            <a:r>
+              <a:rPr b="0" lang="en-US" sz="1500" spc="-1" strike="noStrike">
+                <a:solidFill>
+                  <a:srgbClr val="ffffff"/>
+                </a:solidFill>
+                <a:latin typeface="Arial"/>
+              </a:rPr>
+              <a:t>can perform multinomial classification, applying a non-linear function (sigmoid).</a:t>
             </a:r>
             <a:endParaRPr b="0" lang="en-US" sz="1500" spc="-1" strike="noStrike">
               <a:latin typeface="Arial"/>
@@ -21003,6 +21482,9 @@
               <a:lnSpc>
                 <a:spcPct val="100000"/>
               </a:lnSpc>
+              <a:spcBef>
+                <a:spcPts val="431"/>
+              </a:spcBef>
             </a:pPr>
             <a:r>
               <a:rPr b="1" lang="en-US" sz="1500" spc="-1" strike="noStrike">
@@ -21020,7 +21502,16 @@
                 </a:solidFill>
                 <a:latin typeface="Arial"/>
               </a:rPr>
-              <a:t> maximizes the margin between the classes and the hyperplane using a loss function. However, training time can be higher than other models and less effective with noisier data.</a:t>
+              <a:t> </a:t>
+            </a:r>
+            <a:r>
+              <a:rPr b="0" lang="en-US" sz="1500" spc="-1" strike="noStrike">
+                <a:solidFill>
+                  <a:srgbClr val="ffffff"/>
+                </a:solidFill>
+                <a:latin typeface="Arial"/>
+              </a:rPr>
+              <a:t>maximizes the margin between the classes and the hyperplane using a loss function. However, training time can be higher than other models and less effective with noisier data.</a:t>
             </a:r>
             <a:endParaRPr b="0" lang="en-US" sz="1500" spc="-1" strike="noStrike">
               <a:latin typeface="Arial"/>
@@ -21031,6 +21522,9 @@
               <a:lnSpc>
                 <a:spcPct val="100000"/>
               </a:lnSpc>
+              <a:spcBef>
+                <a:spcPts val="431"/>
+              </a:spcBef>
             </a:pPr>
             <a:r>
               <a:rPr b="1" lang="en-US" sz="1500" spc="-1" strike="noStrike">
@@ -21048,7 +21542,16 @@
                 </a:solidFill>
                 <a:latin typeface="Arial"/>
               </a:rPr>
-              <a:t> are easily interpretable and non-parametric (distribution-free), managing outliers but susceptible to overfitting.</a:t>
+              <a:t> </a:t>
+            </a:r>
+            <a:r>
+              <a:rPr b="0" lang="en-US" sz="1500" spc="-1" strike="noStrike">
+                <a:solidFill>
+                  <a:srgbClr val="ffffff"/>
+                </a:solidFill>
+                <a:latin typeface="Arial"/>
+              </a:rPr>
+              <a:t>are easily interpretable and non-parametric (distribution-free), managing outliers but susceptible to overfitting.</a:t>
             </a:r>
             <a:endParaRPr b="0" lang="en-US" sz="1500" spc="-1" strike="noStrike">
               <a:latin typeface="Arial"/>
@@ -21221,11 +21724,58 @@
             <a:r>
               <a:rPr b="0" lang="en-US" sz="2000" spc="-1" strike="noStrike">
                 <a:solidFill>
+                  <a:srgbClr val="ffffff"/>
+                </a:solidFill>
+                <a:latin typeface="Arial"/>
+              </a:rPr>
+              <a:t>is an ensemble of randomized decision trees. Each decision tree gets a random sample of training data and a subset of features to base a decision on. </a:t>
+            </a:r>
+            <a:endParaRPr b="0" lang="en-US" sz="2000" spc="-1" strike="noStrike">
+              <a:latin typeface="Arial"/>
+            </a:endParaRPr>
+          </a:p>
+          <a:p>
+            <a:pPr>
+              <a:lnSpc>
+                <a:spcPct val="100000"/>
+              </a:lnSpc>
+            </a:pPr>
+            <a:endParaRPr b="0" lang="en-US" sz="2000" spc="-1" strike="noStrike">
+              <a:latin typeface="Arial"/>
+            </a:endParaRPr>
+          </a:p>
+          <a:p>
+            <a:pPr>
+              <a:lnSpc>
+                <a:spcPct val="100000"/>
+              </a:lnSpc>
+            </a:pPr>
+            <a:r>
+              <a:rPr b="1" lang="en-US" sz="2000" spc="-1" strike="noStrike">
+                <a:solidFill>
                   <a:srgbClr val="fff200"/>
                 </a:solidFill>
                 <a:latin typeface="Arial"/>
               </a:rPr>
-              <a:t>is an ensemble of randomized decision trees. Each decision tree gets a random sample of training data and a subset of features to base a decision on. </a:t>
+              <a:t>Gradient Tree Boosting</a:t>
+            </a:r>
+            <a:r>
+              <a:rPr b="0" lang="en-US" sz="2000" spc="-1" strike="noStrike">
+                <a:solidFill>
+                  <a:srgbClr val="fff200"/>
+                </a:solidFill>
+                <a:latin typeface="Arial"/>
+              </a:rPr>
+              <a:t> </a:t>
+            </a:r>
+            <a:r>
+              <a:rPr b="0" lang="en-US" sz="2000" spc="-1" strike="noStrike">
+                <a:solidFill>
+                  <a:srgbClr val="ffffff"/>
+                </a:solidFill>
+                <a:latin typeface="Arial"/>
+              </a:rPr>
+              <a:t>essentially converts weak learners (i.e., decision trees) into strong learners. Not easily interpretable and sensitive to small changes in the set of features.</a:t>
             </a:r>
             <a:endParaRPr b="0" lang="en-US" sz="2000" spc="-1" strike="noStrike">
               <a:latin typeface="Arial"/>
@@ -21254,7 +21804,7 @@
                 </a:solidFill>
                 <a:latin typeface="Arial"/>
               </a:rPr>
-              <a:t>Gradient Tree Boosting</a:t>
+              <a:t>Ensemble Voting Classifier</a:t>
             </a:r>
             <a:r>
               <a:rPr b="0" lang="en-US" sz="2000" spc="-1" strike="noStrike">
@@ -21263,45 +21813,16 @@
                 </a:solidFill>
                 <a:latin typeface="Arial"/>
               </a:rPr>
-              <a:t> essentially converts weak learners (i.e., decision trees) into strong learners. Not easily interpretable and sensitive to small changes in the set of features.</a:t>
-            </a:r>
-            <a:endParaRPr b="0" lang="en-US" sz="2000" spc="-1" strike="noStrike">
-              <a:latin typeface="Arial"/>
-            </a:endParaRPr>
-          </a:p>
-          <a:p>
-            <a:pPr>
-              <a:lnSpc>
-                <a:spcPct val="100000"/>
-              </a:lnSpc>
-            </a:pPr>
-            <a:endParaRPr b="0" lang="en-US" sz="2000" spc="-1" strike="noStrike">
-              <a:latin typeface="Arial"/>
-            </a:endParaRPr>
-          </a:p>
-          <a:p>
-            <a:pPr>
-              <a:lnSpc>
-                <a:spcPct val="100000"/>
-              </a:lnSpc>
-            </a:pPr>
-            <a:r>
-              <a:rPr b="1" lang="en-US" sz="2000" spc="-1" strike="noStrike">
-                <a:solidFill>
-                  <a:srgbClr val="fff200"/>
-                </a:solidFill>
-                <a:latin typeface="Arial"/>
-              </a:rPr>
-              <a:t>Ensemble Voting Classifier</a:t>
+              <a:t> </a:t>
             </a:r>
             <a:r>
               <a:rPr b="0" lang="en-US" sz="2000" spc="-1" strike="noStrike">
                 <a:solidFill>
-                  <a:srgbClr val="fff200"/>
-                </a:solidFill>
-                <a:latin typeface="Arial"/>
-              </a:rPr>
-              <a:t> combines machine learning base estimators for classification via plurality voting to achieve improved generalization and robustness over a single estimator.</a:t>
+                  <a:srgbClr val="ffffff"/>
+                </a:solidFill>
+                <a:latin typeface="Arial"/>
+              </a:rPr>
+              <a:t>combines machine learning base estimators for classification via plurality voting to achieve improved generalization and robustness over a single estimator.</a:t>
             </a:r>
             <a:endParaRPr b="0" lang="en-US" sz="2000" spc="-1" strike="noStrike">
               <a:latin typeface="Arial"/>
@@ -21444,6 +21965,9 @@
             </a:pPr>
             <a:r>
               <a:rPr b="1" lang="en-US" sz="2000" spc="-1" strike="noStrike" u="sng">
+                <a:solidFill>
+                  <a:srgbClr val="ffffff"/>
+                </a:solidFill>
                 <a:uFillTx/>
                 <a:latin typeface="Arial"/>
               </a:rPr>
@@ -21451,6 +21975,9 @@
             </a:r>
             <a:r>
               <a:rPr b="0" lang="en-US" sz="2000" spc="-1" strike="noStrike">
+                <a:solidFill>
+                  <a:srgbClr val="ffffff"/>
+                </a:solidFill>
                 <a:latin typeface="Arial"/>
               </a:rPr>
               <a:t>: use an </a:t>
@@ -21467,7 +21994,7 @@
             <a:r>
               <a:rPr b="0" lang="en-US" sz="2000" spc="-1" strike="noStrike">
                 <a:solidFill>
-                  <a:srgbClr val="fff200"/>
+                  <a:srgbClr val="ffffff"/>
                 </a:solidFill>
                 <a:latin typeface="Arial"/>
               </a:rPr>
@@ -21523,6 +22050,9 @@
             </a:pPr>
             <a:r>
               <a:rPr b="0" lang="en-US" sz="1800" spc="-1" strike="noStrike">
+                <a:solidFill>
+                  <a:srgbClr val="ffffff"/>
+                </a:solidFill>
                 <a:latin typeface="Arial"/>
               </a:rPr>
               <a:t>Performed cross-validation to pre-evaluate ‘out-of-the-box’ models. </a:t>
@@ -21548,6 +22078,9 @@
             </a:pPr>
             <a:r>
               <a:rPr b="0" lang="en-US" sz="1800" spc="-1" strike="noStrike">
+                <a:solidFill>
+                  <a:srgbClr val="ffffff"/>
+                </a:solidFill>
                 <a:latin typeface="Arial"/>
               </a:rPr>
               <a:t>Selected the following classifiers to use as estimators:</a:t>
@@ -21557,7 +22090,7 @@
             </a:endParaRPr>
           </a:p>
           <a:p>
-            <a:pPr lvl="1" marL="182880" indent="-216000">
+            <a:pPr lvl="1" marL="457200">
               <a:lnSpc>
                 <a:spcPct val="100000"/>
               </a:lnSpc>
@@ -21572,6 +22105,9 @@
             </a:pPr>
             <a:r>
               <a:rPr b="0" lang="en-US" sz="1300" spc="-1" strike="noStrike">
+                <a:solidFill>
+                  <a:srgbClr val="ffffff"/>
+                </a:solidFill>
                 <a:latin typeface="Arial"/>
               </a:rPr>
               <a:t>Logistic Regression</a:t>
@@ -21581,7 +22117,7 @@
             </a:endParaRPr>
           </a:p>
           <a:p>
-            <a:pPr lvl="1" marL="182880" indent="-216000">
+            <a:pPr lvl="1" marL="457200">
               <a:lnSpc>
                 <a:spcPct val="100000"/>
               </a:lnSpc>
@@ -21596,6 +22132,9 @@
             </a:pPr>
             <a:r>
               <a:rPr b="0" lang="en-US" sz="1300" spc="-1" strike="noStrike">
+                <a:solidFill>
+                  <a:srgbClr val="ffffff"/>
+                </a:solidFill>
                 <a:latin typeface="Arial"/>
               </a:rPr>
               <a:t>Support Vector Machine (with Radial Basis Function kernel)</a:t>
@@ -21605,7 +22144,7 @@
             </a:endParaRPr>
           </a:p>
           <a:p>
-            <a:pPr lvl="1" marL="182880" indent="-216000">
+            <a:pPr lvl="1" marL="457200">
               <a:lnSpc>
                 <a:spcPct val="100000"/>
               </a:lnSpc>
@@ -21620,6 +22159,9 @@
             </a:pPr>
             <a:r>
               <a:rPr b="0" lang="en-US" sz="1300" spc="-1" strike="noStrike">
+                <a:solidFill>
+                  <a:srgbClr val="ffffff"/>
+                </a:solidFill>
                 <a:latin typeface="Arial"/>
               </a:rPr>
               <a:t>Decision Trees</a:t>
@@ -21629,7 +22171,7 @@
             </a:endParaRPr>
           </a:p>
           <a:p>
-            <a:pPr lvl="1" marL="182880" indent="-216000">
+            <a:pPr lvl="1" marL="457200">
               <a:lnSpc>
                 <a:spcPct val="100000"/>
               </a:lnSpc>
@@ -21644,6 +22186,9 @@
             </a:pPr>
             <a:r>
               <a:rPr b="0" lang="en-US" sz="1300" spc="-1" strike="noStrike">
+                <a:solidFill>
+                  <a:srgbClr val="ffffff"/>
+                </a:solidFill>
                 <a:latin typeface="Arial"/>
               </a:rPr>
               <a:t>Random Forest</a:t>
@@ -21653,7 +22198,7 @@
             </a:endParaRPr>
           </a:p>
           <a:p>
-            <a:pPr lvl="1" marL="182880" indent="-216000">
+            <a:pPr lvl="1" marL="457200">
               <a:lnSpc>
                 <a:spcPct val="100000"/>
               </a:lnSpc>
@@ -21668,6 +22213,9 @@
             </a:pPr>
             <a:r>
               <a:rPr b="0" lang="en-US" sz="1300" spc="-1" strike="noStrike">
+                <a:solidFill>
+                  <a:srgbClr val="ffffff"/>
+                </a:solidFill>
                 <a:latin typeface="Arial"/>
               </a:rPr>
               <a:t>Gradient Boosting</a:t>
@@ -21693,6 +22241,9 @@
             </a:pPr>
             <a:r>
               <a:rPr b="0" lang="en-US" sz="1800" spc="-1" strike="noStrike">
+                <a:solidFill>
+                  <a:srgbClr val="ffffff"/>
+                </a:solidFill>
                 <a:latin typeface="Arial"/>
               </a:rPr>
               <a:t>Performed Grid SearchCV on each classifier for hyper-parameter tuning.</a:t>
@@ -21718,6 +22269,9 @@
             </a:pPr>
             <a:r>
               <a:rPr b="0" lang="en-US" sz="1800" spc="-1" strike="noStrike">
+                <a:solidFill>
+                  <a:srgbClr val="ffffff"/>
+                </a:solidFill>
                 <a:latin typeface="Arial"/>
               </a:rPr>
               <a:t>Scaled and centered numerical features based on quantile ranges.</a:t>
@@ -21912,12 +22466,18 @@
             </a:pPr>
             <a:r>
               <a:rPr b="1" lang="en-US" sz="1400" spc="-1" strike="noStrike" u="sng">
+                <a:solidFill>
+                  <a:srgbClr val="ffffff"/>
+                </a:solidFill>
                 <a:uFillTx/>
                 <a:latin typeface="Arial"/>
               </a:rPr>
               <a:t>Observations:</a:t>
             </a:r>
             <a:endParaRPr b="0" lang="en-US" sz="1400" spc="-1" strike="noStrike">
+              <a:solidFill>
+                <a:srgbClr val="ffffff"/>
+              </a:solidFill>
               <a:latin typeface="Arial"/>
             </a:endParaRPr>
           </a:p>
@@ -21938,11 +22498,17 @@
             </a:pPr>
             <a:r>
               <a:rPr b="0" lang="en-US" sz="1400" spc="-1" strike="noStrike">
+                <a:solidFill>
+                  <a:srgbClr val="ffffff"/>
+                </a:solidFill>
                 <a:latin typeface="Arial"/>
               </a:rPr>
               <a:t>Similar median values for Fastballs and Cutters</a:t>
             </a:r>
             <a:endParaRPr b="0" lang="en-US" sz="1400" spc="-1" strike="noStrike">
+              <a:solidFill>
+                <a:srgbClr val="ffffff"/>
+              </a:solidFill>
               <a:latin typeface="Arial"/>
             </a:endParaRPr>
           </a:p>
@@ -21963,11 +22529,17 @@
             </a:pPr>
             <a:r>
               <a:rPr b="0" lang="en-US" sz="1400" spc="-1" strike="noStrike">
+                <a:solidFill>
+                  <a:srgbClr val="ffffff"/>
+                </a:solidFill>
                 <a:latin typeface="Arial"/>
               </a:rPr>
               <a:t>SVM predicts slightly more Curveballs</a:t>
             </a:r>
             <a:endParaRPr b="0" lang="en-US" sz="1400" spc="-1" strike="noStrike">
+              <a:solidFill>
+                <a:srgbClr val="ffffff"/>
+              </a:solidFill>
               <a:latin typeface="Arial"/>
             </a:endParaRPr>
           </a:p>
@@ -21988,11 +22560,17 @@
             </a:pPr>
             <a:r>
               <a:rPr b="0" lang="en-US" sz="1400" spc="-1" strike="noStrike">
+                <a:solidFill>
+                  <a:srgbClr val="ffffff"/>
+                </a:solidFill>
                 <a:latin typeface="Arial"/>
               </a:rPr>
               <a:t>Decision Trees predict more Sliders than Change-ups</a:t>
             </a:r>
             <a:endParaRPr b="0" lang="en-US" sz="1400" spc="-1" strike="noStrike">
+              <a:solidFill>
+                <a:srgbClr val="ffffff"/>
+              </a:solidFill>
               <a:latin typeface="Arial"/>
             </a:endParaRPr>
           </a:p>
@@ -22059,11 +22637,17 @@
             </a:pPr>
             <a:r>
               <a:rPr b="0" lang="en-US" sz="1400" spc="-1" strike="noStrike">
+                <a:solidFill>
+                  <a:srgbClr val="ffffff"/>
+                </a:solidFill>
                 <a:latin typeface="Arial"/>
               </a:rPr>
               <a:t>Median Class Probabilities for each Classifier for Carlos Martinez</a:t>
             </a:r>
             <a:endParaRPr b="0" lang="en-US" sz="1400" spc="-1" strike="noStrike">
+              <a:solidFill>
+                <a:srgbClr val="ffffff"/>
+              </a:solidFill>
               <a:latin typeface="Arial"/>
             </a:endParaRPr>
           </a:p>
@@ -22104,11 +22688,17 @@
             </a:pPr>
             <a:r>
               <a:rPr b="1" lang="en-US" sz="2000" spc="-1" strike="noStrike">
+                <a:solidFill>
+                  <a:srgbClr val="ffffff"/>
+                </a:solidFill>
                 <a:latin typeface="Arial"/>
               </a:rPr>
               <a:t>Individual Classifiers vs. Ensemble of Classifiers</a:t>
             </a:r>
             <a:endParaRPr b="0" lang="en-US" sz="2000" spc="-1" strike="noStrike">
+              <a:solidFill>
+                <a:srgbClr val="ffffff"/>
+              </a:solidFill>
               <a:latin typeface="Arial"/>
             </a:endParaRPr>
           </a:p>
@@ -22341,7 +22931,16 @@
                 </a:solidFill>
                 <a:latin typeface="Arial"/>
               </a:rPr>
-              <a:t> – Correctly predicted positive pitch-type</a:t>
+              <a:t> </a:t>
+            </a:r>
+            <a:r>
+              <a:rPr b="0" lang="en-US" sz="1600" spc="-1" strike="noStrike">
+                <a:solidFill>
+                  <a:srgbClr val="ffffff"/>
+                </a:solidFill>
+                <a:latin typeface="Arial"/>
+              </a:rPr>
+              <a:t>– Correctly predicted positive pitch-type</a:t>
             </a:r>
             <a:endParaRPr b="0" lang="en-US" sz="1600" spc="-1" strike="noStrike">
               <a:latin typeface="Arial"/>
@@ -22356,358 +22955,376 @@
             <a:r>
               <a:rPr b="0" lang="en-US" sz="1600" spc="-1" strike="noStrike">
                 <a:solidFill>
+                  <a:srgbClr val="ffffff"/>
+                </a:solidFill>
+                <a:latin typeface="Arial"/>
+              </a:rPr>
+              <a:t>	</a:t>
+            </a:r>
+            <a:r>
+              <a:rPr b="0" lang="en-US" sz="1400" spc="-1" strike="noStrike">
+                <a:solidFill>
+                  <a:srgbClr val="ffffff"/>
+                </a:solidFill>
+                <a:latin typeface="Arial"/>
+              </a:rPr>
+              <a:t>e.g., </a:t>
+            </a:r>
+            <a:r>
+              <a:rPr b="1" lang="en-US" sz="1400" spc="-1" strike="noStrike">
+                <a:solidFill>
+                  <a:srgbClr val="ffffff"/>
+                </a:solidFill>
+                <a:latin typeface="Arial"/>
+              </a:rPr>
+              <a:t>Predicted</a:t>
+            </a:r>
+            <a:r>
+              <a:rPr b="0" lang="en-US" sz="1400" spc="-1" strike="noStrike">
+                <a:solidFill>
+                  <a:srgbClr val="ffffff"/>
+                </a:solidFill>
+                <a:latin typeface="Arial"/>
+              </a:rPr>
+              <a:t>: Fastball  |  </a:t>
+            </a:r>
+            <a:r>
+              <a:rPr b="1" lang="en-US" sz="1400" spc="-1" strike="noStrike">
+                <a:solidFill>
+                  <a:srgbClr val="ffffff"/>
+                </a:solidFill>
+                <a:latin typeface="Arial"/>
+              </a:rPr>
+              <a:t>Actual</a:t>
+            </a:r>
+            <a:r>
+              <a:rPr b="0" lang="en-US" sz="1400" spc="-1" strike="noStrike">
+                <a:solidFill>
+                  <a:srgbClr val="ffffff"/>
+                </a:solidFill>
+                <a:latin typeface="Arial"/>
+              </a:rPr>
+              <a:t>: Fastball </a:t>
+            </a:r>
+            <a:endParaRPr b="0" lang="en-US" sz="1400" spc="-1" strike="noStrike">
+              <a:latin typeface="Arial"/>
+            </a:endParaRPr>
+          </a:p>
+          <a:p>
+            <a:pPr>
+              <a:lnSpc>
+                <a:spcPct val="100000"/>
+              </a:lnSpc>
+            </a:pPr>
+            <a:endParaRPr b="0" lang="en-US" sz="1400" spc="-1" strike="noStrike">
+              <a:latin typeface="Arial"/>
+            </a:endParaRPr>
+          </a:p>
+          <a:p>
+            <a:pPr>
+              <a:lnSpc>
+                <a:spcPct val="100000"/>
+              </a:lnSpc>
+            </a:pPr>
+            <a:r>
+              <a:rPr b="1" lang="en-US" sz="1600" spc="-1" strike="noStrike">
+                <a:solidFill>
                   <a:srgbClr val="fff200"/>
                 </a:solidFill>
                 <a:latin typeface="Arial"/>
               </a:rPr>
+              <a:t>True Negatives (TN) </a:t>
+            </a:r>
+            <a:r>
+              <a:rPr b="0" lang="en-US" sz="1600" spc="-1" strike="noStrike">
+                <a:solidFill>
+                  <a:srgbClr val="ffffff"/>
+                </a:solidFill>
+                <a:latin typeface="Arial"/>
+              </a:rPr>
+              <a:t>– Correctly predicted negative pitch-type</a:t>
+            </a:r>
+            <a:endParaRPr b="0" lang="en-US" sz="1600" spc="-1" strike="noStrike">
+              <a:latin typeface="Arial"/>
+            </a:endParaRPr>
+          </a:p>
+          <a:p>
+            <a:pPr>
+              <a:lnSpc>
+                <a:spcPct val="100000"/>
+              </a:lnSpc>
+            </a:pPr>
+            <a:r>
+              <a:rPr b="0" lang="en-US" sz="1600" spc="-1" strike="noStrike">
+                <a:solidFill>
+                  <a:srgbClr val="ffffff"/>
+                </a:solidFill>
+                <a:latin typeface="Arial"/>
+              </a:rPr>
               <a:t>	</a:t>
             </a:r>
             <a:r>
               <a:rPr b="0" lang="en-US" sz="1400" spc="-1" strike="noStrike">
                 <a:solidFill>
+                  <a:srgbClr val="ffffff"/>
+                </a:solidFill>
+                <a:latin typeface="Arial"/>
+              </a:rPr>
+              <a:t>e.g., </a:t>
+            </a:r>
+            <a:r>
+              <a:rPr b="1" lang="en-US" sz="1400" spc="-1" strike="noStrike">
+                <a:solidFill>
+                  <a:srgbClr val="ffffff"/>
+                </a:solidFill>
+                <a:latin typeface="Arial"/>
+              </a:rPr>
+              <a:t>Predicted:</a:t>
+            </a:r>
+            <a:r>
+              <a:rPr b="0" lang="en-US" sz="1400" spc="-1" strike="noStrike">
+                <a:solidFill>
+                  <a:srgbClr val="ffffff"/>
+                </a:solidFill>
+                <a:latin typeface="Arial"/>
+              </a:rPr>
+              <a:t> Not a Fastball  |  </a:t>
+            </a:r>
+            <a:r>
+              <a:rPr b="1" lang="en-US" sz="1400" spc="-1" strike="noStrike">
+                <a:solidFill>
+                  <a:srgbClr val="ffffff"/>
+                </a:solidFill>
+                <a:latin typeface="Arial"/>
+              </a:rPr>
+              <a:t>Actual:</a:t>
+            </a:r>
+            <a:r>
+              <a:rPr b="0" lang="en-US" sz="1400" spc="-1" strike="noStrike">
+                <a:solidFill>
+                  <a:srgbClr val="ffffff"/>
+                </a:solidFill>
+                <a:latin typeface="Arial"/>
+              </a:rPr>
+              <a:t> Not a Fastball </a:t>
+            </a:r>
+            <a:endParaRPr b="0" lang="en-US" sz="1400" spc="-1" strike="noStrike">
+              <a:latin typeface="Arial"/>
+            </a:endParaRPr>
+          </a:p>
+          <a:p>
+            <a:pPr>
+              <a:lnSpc>
+                <a:spcPct val="100000"/>
+              </a:lnSpc>
+            </a:pPr>
+            <a:endParaRPr b="0" lang="en-US" sz="1400" spc="-1" strike="noStrike">
+              <a:latin typeface="Arial"/>
+            </a:endParaRPr>
+          </a:p>
+          <a:p>
+            <a:pPr>
+              <a:lnSpc>
+                <a:spcPct val="100000"/>
+              </a:lnSpc>
+            </a:pPr>
+            <a:r>
+              <a:rPr b="1" lang="en-US" sz="1600" spc="-1" strike="noStrike">
+                <a:solidFill>
                   <a:srgbClr val="fff200"/>
                 </a:solidFill>
                 <a:latin typeface="Arial"/>
               </a:rPr>
+              <a:t>False Positives (FP)</a:t>
+            </a:r>
+            <a:r>
+              <a:rPr b="0" lang="en-US" sz="1600" spc="-1" strike="noStrike">
+                <a:solidFill>
+                  <a:srgbClr val="fff200"/>
+                </a:solidFill>
+                <a:latin typeface="Arial"/>
+              </a:rPr>
+              <a:t> </a:t>
+            </a:r>
+            <a:r>
+              <a:rPr b="0" lang="en-US" sz="1600" spc="-1" strike="noStrike">
+                <a:solidFill>
+                  <a:srgbClr val="ffffff"/>
+                </a:solidFill>
+                <a:latin typeface="Arial"/>
+              </a:rPr>
+              <a:t>– Incorrectly predicted positive pitch-type</a:t>
+            </a:r>
+            <a:endParaRPr b="0" lang="en-US" sz="1600" spc="-1" strike="noStrike">
+              <a:latin typeface="Arial"/>
+            </a:endParaRPr>
+          </a:p>
+          <a:p>
+            <a:pPr>
+              <a:lnSpc>
+                <a:spcPct val="100000"/>
+              </a:lnSpc>
+            </a:pPr>
+            <a:r>
+              <a:rPr b="0" lang="en-US" sz="1600" spc="-1" strike="noStrike">
+                <a:solidFill>
+                  <a:srgbClr val="ffffff"/>
+                </a:solidFill>
+                <a:latin typeface="Arial"/>
+              </a:rPr>
+              <a:t>	</a:t>
+            </a:r>
+            <a:r>
+              <a:rPr b="0" lang="en-US" sz="1400" spc="-1" strike="noStrike">
+                <a:solidFill>
+                  <a:srgbClr val="ffffff"/>
+                </a:solidFill>
+                <a:latin typeface="Arial"/>
+              </a:rPr>
               <a:t>e.g., </a:t>
             </a:r>
             <a:r>
               <a:rPr b="1" lang="en-US" sz="1400" spc="-1" strike="noStrike">
                 <a:solidFill>
+                  <a:srgbClr val="ffffff"/>
+                </a:solidFill>
+                <a:latin typeface="Arial"/>
+              </a:rPr>
+              <a:t>Predicted:</a:t>
+            </a:r>
+            <a:r>
+              <a:rPr b="0" lang="en-US" sz="1400" spc="-1" strike="noStrike">
+                <a:solidFill>
+                  <a:srgbClr val="ffffff"/>
+                </a:solidFill>
+                <a:latin typeface="Arial"/>
+              </a:rPr>
+              <a:t> Fastball  |  </a:t>
+            </a:r>
+            <a:r>
+              <a:rPr b="1" lang="en-US" sz="1400" spc="-1" strike="noStrike">
+                <a:solidFill>
+                  <a:srgbClr val="ffffff"/>
+                </a:solidFill>
+                <a:latin typeface="Arial"/>
+              </a:rPr>
+              <a:t>Actual:</a:t>
+            </a:r>
+            <a:r>
+              <a:rPr b="0" lang="en-US" sz="1400" spc="-1" strike="noStrike">
+                <a:solidFill>
+                  <a:srgbClr val="ffffff"/>
+                </a:solidFill>
+                <a:latin typeface="Arial"/>
+              </a:rPr>
+              <a:t> Not a Fastball </a:t>
+            </a:r>
+            <a:endParaRPr b="0" lang="en-US" sz="1400" spc="-1" strike="noStrike">
+              <a:latin typeface="Arial"/>
+            </a:endParaRPr>
+          </a:p>
+          <a:p>
+            <a:pPr>
+              <a:lnSpc>
+                <a:spcPct val="100000"/>
+              </a:lnSpc>
+            </a:pPr>
+            <a:endParaRPr b="0" lang="en-US" sz="1400" spc="-1" strike="noStrike">
+              <a:latin typeface="Arial"/>
+            </a:endParaRPr>
+          </a:p>
+          <a:p>
+            <a:pPr>
+              <a:lnSpc>
+                <a:spcPct val="100000"/>
+              </a:lnSpc>
+            </a:pPr>
+            <a:r>
+              <a:rPr b="1" lang="en-US" sz="1600" spc="-1" strike="noStrike">
+                <a:solidFill>
                   <a:srgbClr val="fff200"/>
                 </a:solidFill>
                 <a:latin typeface="Arial"/>
               </a:rPr>
-              <a:t>Predicted</a:t>
+              <a:t>False Negatives (FN)</a:t>
+            </a:r>
+            <a:r>
+              <a:rPr b="1" lang="en-US" sz="1600" spc="-1" strike="noStrike">
+                <a:solidFill>
+                  <a:srgbClr val="ffffff"/>
+                </a:solidFill>
+                <a:latin typeface="Arial"/>
+              </a:rPr>
+              <a:t> </a:t>
+            </a:r>
+            <a:r>
+              <a:rPr b="0" lang="en-US" sz="1600" spc="-1" strike="noStrike">
+                <a:solidFill>
+                  <a:srgbClr val="ffffff"/>
+                </a:solidFill>
+                <a:latin typeface="Arial"/>
+              </a:rPr>
+              <a:t>– Incorrectly predicted negative pitch-type</a:t>
+            </a:r>
+            <a:endParaRPr b="0" lang="en-US" sz="1600" spc="-1" strike="noStrike">
+              <a:latin typeface="Arial"/>
+            </a:endParaRPr>
+          </a:p>
+          <a:p>
+            <a:pPr>
+              <a:lnSpc>
+                <a:spcPct val="100000"/>
+              </a:lnSpc>
+            </a:pPr>
+            <a:r>
+              <a:rPr b="0" lang="en-US" sz="1600" spc="-1" strike="noStrike">
+                <a:solidFill>
+                  <a:srgbClr val="ffffff"/>
+                </a:solidFill>
+                <a:latin typeface="Arial"/>
+              </a:rPr>
+              <a:t>	</a:t>
             </a:r>
             <a:r>
               <a:rPr b="0" lang="en-US" sz="1400" spc="-1" strike="noStrike">
                 <a:solidFill>
-                  <a:srgbClr val="fff200"/>
-                </a:solidFill>
-                <a:latin typeface="Arial"/>
-              </a:rPr>
-              <a:t>: Fastball  |  </a:t>
+                  <a:srgbClr val="ffffff"/>
+                </a:solidFill>
+                <a:latin typeface="Arial"/>
+              </a:rPr>
+              <a:t>e.g., </a:t>
             </a:r>
             <a:r>
               <a:rPr b="1" lang="en-US" sz="1400" spc="-1" strike="noStrike">
                 <a:solidFill>
-                  <a:srgbClr val="fff200"/>
-                </a:solidFill>
-                <a:latin typeface="Arial"/>
-              </a:rPr>
-              <a:t>Actual</a:t>
+                  <a:srgbClr val="ffffff"/>
+                </a:solidFill>
+                <a:latin typeface="Arial"/>
+              </a:rPr>
+              <a:t>Predicted:</a:t>
             </a:r>
             <a:r>
               <a:rPr b="0" lang="en-US" sz="1400" spc="-1" strike="noStrike">
                 <a:solidFill>
-                  <a:srgbClr val="fff200"/>
-                </a:solidFill>
-                <a:latin typeface="Arial"/>
-              </a:rPr>
-              <a:t>: Fastball </a:t>
-            </a:r>
-            <a:endParaRPr b="0" lang="en-US" sz="1400" spc="-1" strike="noStrike">
-              <a:latin typeface="Arial"/>
-            </a:endParaRPr>
-          </a:p>
-          <a:p>
-            <a:pPr>
-              <a:lnSpc>
-                <a:spcPct val="100000"/>
-              </a:lnSpc>
-            </a:pPr>
-            <a:endParaRPr b="0" lang="en-US" sz="1400" spc="-1" strike="noStrike">
-              <a:latin typeface="Arial"/>
-            </a:endParaRPr>
-          </a:p>
-          <a:p>
-            <a:pPr>
-              <a:lnSpc>
-                <a:spcPct val="100000"/>
-              </a:lnSpc>
-            </a:pPr>
-            <a:r>
-              <a:rPr b="1" lang="en-US" sz="1600" spc="-1" strike="noStrike">
-                <a:solidFill>
-                  <a:srgbClr val="fff200"/>
-                </a:solidFill>
-                <a:latin typeface="Arial"/>
-              </a:rPr>
-              <a:t>True Negatives (TN) </a:t>
-            </a:r>
-            <a:r>
-              <a:rPr b="0" lang="en-US" sz="1600" spc="-1" strike="noStrike">
-                <a:solidFill>
-                  <a:srgbClr val="fff200"/>
-                </a:solidFill>
-                <a:latin typeface="Arial"/>
-              </a:rPr>
-              <a:t>– Correctly predicted negative pitch-type</a:t>
-            </a:r>
-            <a:endParaRPr b="0" lang="en-US" sz="1600" spc="-1" strike="noStrike">
-              <a:latin typeface="Arial"/>
-            </a:endParaRPr>
-          </a:p>
-          <a:p>
-            <a:pPr>
-              <a:lnSpc>
-                <a:spcPct val="100000"/>
-              </a:lnSpc>
-            </a:pPr>
-            <a:r>
-              <a:rPr b="0" lang="en-US" sz="1600" spc="-1" strike="noStrike">
-                <a:solidFill>
-                  <a:srgbClr val="fff200"/>
-                </a:solidFill>
-                <a:latin typeface="Arial"/>
-              </a:rPr>
-              <a:t>	</a:t>
+                  <a:srgbClr val="ffffff"/>
+                </a:solidFill>
+                <a:latin typeface="Arial"/>
+              </a:rPr>
+              <a:t> Not a Fastball  |  </a:t>
+            </a:r>
+            <a:r>
+              <a:rPr b="1" lang="en-US" sz="1400" spc="-1" strike="noStrike">
+                <a:solidFill>
+                  <a:srgbClr val="ffffff"/>
+                </a:solidFill>
+                <a:latin typeface="Arial"/>
+              </a:rPr>
+              <a:t>Actual:</a:t>
             </a:r>
             <a:r>
               <a:rPr b="0" lang="en-US" sz="1400" spc="-1" strike="noStrike">
                 <a:solidFill>
-                  <a:srgbClr val="fff200"/>
-                </a:solidFill>
-                <a:latin typeface="Arial"/>
-              </a:rPr>
-              <a:t>e.g., </a:t>
-            </a:r>
-            <a:r>
-              <a:rPr b="1" lang="en-US" sz="1400" spc="-1" strike="noStrike">
-                <a:solidFill>
-                  <a:srgbClr val="fff200"/>
-                </a:solidFill>
-                <a:latin typeface="Arial"/>
-              </a:rPr>
-              <a:t>Predicted:</a:t>
-            </a:r>
-            <a:r>
-              <a:rPr b="0" lang="en-US" sz="1400" spc="-1" strike="noStrike">
-                <a:solidFill>
-                  <a:srgbClr val="fff200"/>
-                </a:solidFill>
-                <a:latin typeface="Arial"/>
-              </a:rPr>
-              <a:t> Not a Fastball  |  </a:t>
-            </a:r>
-            <a:r>
-              <a:rPr b="1" lang="en-US" sz="1400" spc="-1" strike="noStrike">
-                <a:solidFill>
-                  <a:srgbClr val="fff200"/>
-                </a:solidFill>
-                <a:latin typeface="Arial"/>
-              </a:rPr>
-              <a:t>Actual:</a:t>
-            </a:r>
-            <a:r>
-              <a:rPr b="0" lang="en-US" sz="1400" spc="-1" strike="noStrike">
-                <a:solidFill>
-                  <a:srgbClr val="fff200"/>
-                </a:solidFill>
-                <a:latin typeface="Arial"/>
-              </a:rPr>
-              <a:t> Not a Fastball </a:t>
-            </a:r>
-            <a:endParaRPr b="0" lang="en-US" sz="1400" spc="-1" strike="noStrike">
-              <a:latin typeface="Arial"/>
-            </a:endParaRPr>
-          </a:p>
-          <a:p>
-            <a:pPr>
-              <a:lnSpc>
-                <a:spcPct val="100000"/>
-              </a:lnSpc>
-            </a:pPr>
-            <a:endParaRPr b="0" lang="en-US" sz="1400" spc="-1" strike="noStrike">
-              <a:latin typeface="Arial"/>
-            </a:endParaRPr>
-          </a:p>
-          <a:p>
-            <a:pPr>
-              <a:lnSpc>
-                <a:spcPct val="100000"/>
-              </a:lnSpc>
-            </a:pPr>
-            <a:r>
-              <a:rPr b="1" lang="en-US" sz="1600" spc="-1" strike="noStrike">
-                <a:solidFill>
-                  <a:srgbClr val="fff200"/>
-                </a:solidFill>
-                <a:latin typeface="Arial"/>
-              </a:rPr>
-              <a:t>False Positives (FP)</a:t>
-            </a:r>
-            <a:r>
-              <a:rPr b="0" lang="en-US" sz="1600" spc="-1" strike="noStrike">
-                <a:solidFill>
-                  <a:srgbClr val="fff200"/>
-                </a:solidFill>
-                <a:latin typeface="Arial"/>
-              </a:rPr>
-              <a:t> – Incorrectly predicted positive pitch-type</a:t>
-            </a:r>
-            <a:endParaRPr b="0" lang="en-US" sz="1600" spc="-1" strike="noStrike">
-              <a:latin typeface="Arial"/>
-            </a:endParaRPr>
-          </a:p>
-          <a:p>
-            <a:pPr>
-              <a:lnSpc>
-                <a:spcPct val="100000"/>
-              </a:lnSpc>
-            </a:pPr>
-            <a:r>
-              <a:rPr b="0" lang="en-US" sz="1600" spc="-1" strike="noStrike">
-                <a:solidFill>
-                  <a:srgbClr val="fff200"/>
-                </a:solidFill>
-                <a:latin typeface="Arial"/>
-              </a:rPr>
-              <a:t>	</a:t>
-            </a:r>
-            <a:r>
-              <a:rPr b="0" lang="en-US" sz="1400" spc="-1" strike="noStrike">
-                <a:solidFill>
-                  <a:srgbClr val="fff200"/>
-                </a:solidFill>
-                <a:latin typeface="Arial"/>
-              </a:rPr>
-              <a:t>e.g., </a:t>
-            </a:r>
-            <a:r>
-              <a:rPr b="1" lang="en-US" sz="1400" spc="-1" strike="noStrike">
-                <a:solidFill>
-                  <a:srgbClr val="fff200"/>
-                </a:solidFill>
-                <a:latin typeface="Arial"/>
-              </a:rPr>
-              <a:t>Predicted:</a:t>
-            </a:r>
-            <a:r>
-              <a:rPr b="0" lang="en-US" sz="1400" spc="-1" strike="noStrike">
-                <a:solidFill>
-                  <a:srgbClr val="fff200"/>
-                </a:solidFill>
-                <a:latin typeface="Arial"/>
-              </a:rPr>
-              <a:t> Fastball  |  </a:t>
-            </a:r>
-            <a:r>
-              <a:rPr b="1" lang="en-US" sz="1400" spc="-1" strike="noStrike">
-                <a:solidFill>
-                  <a:srgbClr val="fff200"/>
-                </a:solidFill>
-                <a:latin typeface="Arial"/>
-              </a:rPr>
-              <a:t>Actual:</a:t>
-            </a:r>
-            <a:r>
-              <a:rPr b="0" lang="en-US" sz="1400" spc="-1" strike="noStrike">
-                <a:solidFill>
-                  <a:srgbClr val="fff200"/>
-                </a:solidFill>
-                <a:latin typeface="Arial"/>
-              </a:rPr>
-              <a:t> Not a Fastball </a:t>
-            </a:r>
-            <a:endParaRPr b="0" lang="en-US" sz="1400" spc="-1" strike="noStrike">
-              <a:latin typeface="Arial"/>
-            </a:endParaRPr>
-          </a:p>
-          <a:p>
-            <a:pPr>
-              <a:lnSpc>
-                <a:spcPct val="100000"/>
-              </a:lnSpc>
-            </a:pPr>
-            <a:endParaRPr b="0" lang="en-US" sz="1400" spc="-1" strike="noStrike">
-              <a:latin typeface="Arial"/>
-            </a:endParaRPr>
-          </a:p>
-          <a:p>
-            <a:pPr>
-              <a:lnSpc>
-                <a:spcPct val="100000"/>
-              </a:lnSpc>
-            </a:pPr>
-            <a:r>
-              <a:rPr b="1" lang="en-US" sz="1600" spc="-1" strike="noStrike">
-                <a:solidFill>
-                  <a:srgbClr val="fff200"/>
-                </a:solidFill>
-                <a:latin typeface="Arial"/>
-              </a:rPr>
-              <a:t>False Negatives (FN) </a:t>
-            </a:r>
-            <a:r>
-              <a:rPr b="0" lang="en-US" sz="1600" spc="-1" strike="noStrike">
-                <a:solidFill>
-                  <a:srgbClr val="fff200"/>
-                </a:solidFill>
-                <a:latin typeface="Arial"/>
-              </a:rPr>
-              <a:t>– Incorrectly predicted negative pitch-type</a:t>
-            </a:r>
-            <a:endParaRPr b="0" lang="en-US" sz="1600" spc="-1" strike="noStrike">
-              <a:latin typeface="Arial"/>
-            </a:endParaRPr>
-          </a:p>
-          <a:p>
-            <a:pPr>
-              <a:lnSpc>
-                <a:spcPct val="100000"/>
-              </a:lnSpc>
-            </a:pPr>
-            <a:r>
-              <a:rPr b="0" lang="en-US" sz="1600" spc="-1" strike="noStrike">
-                <a:solidFill>
-                  <a:srgbClr val="fff200"/>
-                </a:solidFill>
-                <a:latin typeface="Arial"/>
-              </a:rPr>
-              <a:t>	</a:t>
-            </a:r>
-            <a:r>
-              <a:rPr b="0" lang="en-US" sz="1400" spc="-1" strike="noStrike">
-                <a:solidFill>
-                  <a:srgbClr val="fff200"/>
-                </a:solidFill>
-                <a:latin typeface="Arial"/>
-              </a:rPr>
-              <a:t>e.g., </a:t>
-            </a:r>
-            <a:r>
-              <a:rPr b="1" lang="en-US" sz="1400" spc="-1" strike="noStrike">
-                <a:solidFill>
-                  <a:srgbClr val="fff200"/>
-                </a:solidFill>
-                <a:latin typeface="Arial"/>
-              </a:rPr>
-              <a:t>Predicted:</a:t>
-            </a:r>
-            <a:r>
-              <a:rPr b="0" lang="en-US" sz="1400" spc="-1" strike="noStrike">
-                <a:solidFill>
-                  <a:srgbClr val="fff200"/>
-                </a:solidFill>
-                <a:latin typeface="Arial"/>
-              </a:rPr>
-              <a:t> Not a Fastball  |  </a:t>
-            </a:r>
-            <a:r>
-              <a:rPr b="1" lang="en-US" sz="1400" spc="-1" strike="noStrike">
-                <a:solidFill>
-                  <a:srgbClr val="fff200"/>
-                </a:solidFill>
-                <a:latin typeface="Arial"/>
-              </a:rPr>
-              <a:t>Actual:</a:t>
-            </a:r>
-            <a:r>
-              <a:rPr b="0" lang="en-US" sz="1400" spc="-1" strike="noStrike">
-                <a:solidFill>
-                  <a:srgbClr val="fff200"/>
+                  <a:srgbClr val="ffffff"/>
                 </a:solidFill>
                 <a:latin typeface="Arial"/>
               </a:rPr>
@@ -22854,12 +23471,18 @@
             </a:pPr>
             <a:r>
               <a:rPr b="1" lang="en-US" sz="1600" spc="-1" strike="noStrike" u="sng">
+                <a:solidFill>
+                  <a:srgbClr val="ffffff"/>
+                </a:solidFill>
                 <a:uFillTx/>
                 <a:latin typeface="Arial"/>
               </a:rPr>
               <a:t>Confusion Matrix for Clayton Kershaw</a:t>
             </a:r>
             <a:endParaRPr b="0" lang="en-US" sz="1600" spc="-1" strike="noStrike">
+              <a:solidFill>
+                <a:srgbClr val="ffffff"/>
+              </a:solidFill>
               <a:latin typeface="Arial"/>
             </a:endParaRPr>
           </a:p>
@@ -22880,11 +23503,17 @@
             </a:pPr>
             <a:r>
               <a:rPr b="0" lang="en-US" sz="1400" spc="-1" strike="noStrike">
+                <a:solidFill>
+                  <a:srgbClr val="ffffff"/>
+                </a:solidFill>
                 <a:latin typeface="Arial"/>
               </a:rPr>
               <a:t>Most pitch-types were predicted to be Fastballs (FB) </a:t>
             </a:r>
             <a:endParaRPr b="0" lang="en-US" sz="1400" spc="-1" strike="noStrike">
+              <a:solidFill>
+                <a:srgbClr val="ffffff"/>
+              </a:solidFill>
               <a:latin typeface="Arial"/>
             </a:endParaRPr>
           </a:p>
@@ -22905,11 +23534,17 @@
             </a:pPr>
             <a:r>
               <a:rPr b="0" lang="en-US" sz="1400" spc="-1" strike="noStrike">
+                <a:solidFill>
+                  <a:srgbClr val="ffffff"/>
+                </a:solidFill>
                 <a:latin typeface="Arial"/>
               </a:rPr>
               <a:t>Second-most predicted were Sliders (SL) </a:t>
             </a:r>
             <a:endParaRPr b="0" lang="en-US" sz="1400" spc="-1" strike="noStrike">
+              <a:solidFill>
+                <a:srgbClr val="ffffff"/>
+              </a:solidFill>
               <a:latin typeface="Arial"/>
             </a:endParaRPr>
           </a:p>
@@ -22950,11 +23585,17 @@
             </a:pPr>
             <a:r>
               <a:rPr b="1" lang="en-US" sz="1400" spc="-1" strike="noStrike">
+                <a:solidFill>
+                  <a:srgbClr val="ffffff"/>
+                </a:solidFill>
                 <a:latin typeface="Arial"/>
               </a:rPr>
               <a:t>As a result, the model is unable to effectively distinguish between FB’s and SL’s.</a:t>
             </a:r>
             <a:endParaRPr b="0" lang="en-US" sz="1400" spc="-1" strike="noStrike">
+              <a:solidFill>
+                <a:srgbClr val="ffffff"/>
+              </a:solidFill>
               <a:latin typeface="Arial"/>
             </a:endParaRPr>
           </a:p>
@@ -23208,7 +23849,7 @@
             <a:r>
               <a:rPr b="0" lang="en-US" sz="1400" spc="-1" strike="noStrike">
                 <a:solidFill>
-                  <a:srgbClr val="fff200"/>
+                  <a:srgbClr val="ffffff"/>
                 </a:solidFill>
                 <a:latin typeface="Arial"/>
               </a:rPr>
@@ -23230,55 +23871,55 @@
             <a:r>
               <a:rPr b="1" lang="en-US" sz="1400" spc="-1" strike="noStrike">
                 <a:solidFill>
+                  <a:srgbClr val="ffffff"/>
+                </a:solidFill>
+                <a:latin typeface="Bitstream Vera Sans Mono"/>
+              </a:rPr>
+              <a:t>(TP + TN) / (TP + FP + FN + TN) </a:t>
+            </a:r>
+            <a:endParaRPr b="0" lang="en-US" sz="1400" spc="-1" strike="noStrike">
+              <a:latin typeface="Arial"/>
+            </a:endParaRPr>
+          </a:p>
+          <a:p>
+            <a:pPr>
+              <a:lnSpc>
+                <a:spcPct val="100000"/>
+              </a:lnSpc>
+            </a:pPr>
+            <a:endParaRPr b="0" lang="en-US" sz="1400" spc="-1" strike="noStrike">
+              <a:latin typeface="Arial"/>
+            </a:endParaRPr>
+          </a:p>
+          <a:p>
+            <a:pPr algn="ctr">
+              <a:lnSpc>
+                <a:spcPct val="100000"/>
+              </a:lnSpc>
+            </a:pPr>
+            <a:r>
+              <a:rPr b="1" lang="en-US" sz="1800" spc="-1" strike="noStrike">
+                <a:solidFill>
                   <a:srgbClr val="fff200"/>
                 </a:solidFill>
-                <a:latin typeface="Bitstream Vera Sans Mono"/>
-              </a:rPr>
-              <a:t>(TP + TN) / (TP + FP + FN + TN) </a:t>
-            </a:r>
-            <a:endParaRPr b="0" lang="en-US" sz="1400" spc="-1" strike="noStrike">
-              <a:latin typeface="Arial"/>
-            </a:endParaRPr>
-          </a:p>
-          <a:p>
-            <a:pPr>
+                <a:latin typeface="Arial"/>
+              </a:rPr>
+              <a:t>Precision</a:t>
+            </a:r>
+            <a:endParaRPr b="0" lang="en-US" sz="1800" spc="-1" strike="noStrike">
+              <a:latin typeface="Arial"/>
+            </a:endParaRPr>
+          </a:p>
+          <a:p>
+            <a:pPr algn="ctr">
               <a:lnSpc>
                 <a:spcPct val="100000"/>
               </a:lnSpc>
             </a:pPr>
-            <a:endParaRPr b="0" lang="en-US" sz="1400" spc="-1" strike="noStrike">
-              <a:latin typeface="Arial"/>
-            </a:endParaRPr>
-          </a:p>
-          <a:p>
-            <a:pPr algn="ctr">
-              <a:lnSpc>
-                <a:spcPct val="100000"/>
-              </a:lnSpc>
-            </a:pPr>
-            <a:r>
-              <a:rPr b="1" lang="en-US" sz="1800" spc="-1" strike="noStrike">
-                <a:solidFill>
-                  <a:srgbClr val="fff200"/>
-                </a:solidFill>
-                <a:latin typeface="Arial"/>
-              </a:rPr>
-              <a:t>Precision</a:t>
-            </a:r>
-            <a:endParaRPr b="0" lang="en-US" sz="1800" spc="-1" strike="noStrike">
-              <a:latin typeface="Arial"/>
-            </a:endParaRPr>
-          </a:p>
-          <a:p>
-            <a:pPr algn="ctr">
-              <a:lnSpc>
-                <a:spcPct val="100000"/>
-              </a:lnSpc>
-            </a:pPr>
             <a:r>
               <a:rPr b="0" lang="en-US" sz="1400" spc="-1" strike="noStrike">
                 <a:solidFill>
-                  <a:srgbClr val="fff200"/>
+                  <a:srgbClr val="ffffff"/>
                 </a:solidFill>
                 <a:latin typeface="Arial"/>
               </a:rPr>
@@ -23287,7 +23928,7 @@
             <a:r>
               <a:rPr b="1" lang="en-US" sz="1400" spc="-1" strike="noStrike">
                 <a:solidFill>
-                  <a:srgbClr val="fff200"/>
+                  <a:srgbClr val="ffffff"/>
                 </a:solidFill>
                 <a:latin typeface="Arial"/>
               </a:rPr>
@@ -23309,75 +23950,75 @@
             <a:r>
               <a:rPr b="1" lang="en-US" sz="1400" spc="-1" strike="noStrike">
                 <a:solidFill>
+                  <a:srgbClr val="ffffff"/>
+                </a:solidFill>
+                <a:latin typeface="Bitstream Vera Sans Mono"/>
+              </a:rPr>
+              <a:t>TP / (TP + FP) </a:t>
+            </a:r>
+            <a:r>
+              <a:rPr b="0" lang="en-US" sz="1400" spc="-1" strike="noStrike">
+                <a:solidFill>
+                  <a:srgbClr val="ffffff"/>
+                </a:solidFill>
+                <a:latin typeface="Arial"/>
+              </a:rPr>
+              <a:t> </a:t>
+            </a:r>
+            <a:endParaRPr b="0" lang="en-US" sz="1400" spc="-1" strike="noStrike">
+              <a:latin typeface="Arial"/>
+            </a:endParaRPr>
+          </a:p>
+          <a:p>
+            <a:pPr>
+              <a:lnSpc>
+                <a:spcPct val="100000"/>
+              </a:lnSpc>
+            </a:pPr>
+            <a:endParaRPr b="0" lang="en-US" sz="1400" spc="-1" strike="noStrike">
+              <a:latin typeface="Arial"/>
+            </a:endParaRPr>
+          </a:p>
+          <a:p>
+            <a:pPr algn="ctr">
+              <a:lnSpc>
+                <a:spcPct val="100000"/>
+              </a:lnSpc>
+            </a:pPr>
+            <a:r>
+              <a:rPr b="1" lang="en-US" sz="1800" spc="-1" strike="noStrike">
+                <a:solidFill>
                   <a:srgbClr val="fff200"/>
                 </a:solidFill>
-                <a:latin typeface="Bitstream Vera Sans Mono"/>
-              </a:rPr>
-              <a:t>TP / (TP + FP) </a:t>
-            </a:r>
+                <a:latin typeface="Arial"/>
+                <a:ea typeface="Noto Sans CJK SC Regular"/>
+              </a:rPr>
+              <a:t>Recall</a:t>
+            </a:r>
+            <a:endParaRPr b="0" lang="en-US" sz="1800" spc="-1" strike="noStrike">
+              <a:latin typeface="Arial"/>
+            </a:endParaRPr>
+          </a:p>
+          <a:p>
+            <a:pPr algn="ctr">
+              <a:lnSpc>
+                <a:spcPct val="100000"/>
+              </a:lnSpc>
+            </a:pPr>
             <a:r>
               <a:rPr b="0" lang="en-US" sz="1400" spc="-1" strike="noStrike">
                 <a:solidFill>
-                  <a:srgbClr val="fff200"/>
-                </a:solidFill>
-                <a:latin typeface="Arial"/>
-              </a:rPr>
-              <a:t> </a:t>
-            </a:r>
-            <a:endParaRPr b="0" lang="en-US" sz="1400" spc="-1" strike="noStrike">
-              <a:latin typeface="Arial"/>
-            </a:endParaRPr>
-          </a:p>
-          <a:p>
-            <a:pPr>
-              <a:lnSpc>
-                <a:spcPct val="100000"/>
-              </a:lnSpc>
-            </a:pPr>
-            <a:endParaRPr b="0" lang="en-US" sz="1400" spc="-1" strike="noStrike">
-              <a:latin typeface="Arial"/>
-            </a:endParaRPr>
-          </a:p>
-          <a:p>
-            <a:pPr algn="ctr">
-              <a:lnSpc>
-                <a:spcPct val="100000"/>
-              </a:lnSpc>
-            </a:pPr>
-            <a:r>
-              <a:rPr b="1" lang="en-US" sz="1800" spc="-1" strike="noStrike">
-                <a:solidFill>
-                  <a:srgbClr val="fff200"/>
+                  <a:srgbClr val="ffffff"/>
                 </a:solidFill>
                 <a:latin typeface="Arial"/>
                 <a:ea typeface="Noto Sans CJK SC Regular"/>
               </a:rPr>
-              <a:t>Recall</a:t>
-            </a:r>
-            <a:endParaRPr b="0" lang="en-US" sz="1800" spc="-1" strike="noStrike">
-              <a:latin typeface="Arial"/>
-            </a:endParaRPr>
-          </a:p>
-          <a:p>
-            <a:pPr algn="ctr">
-              <a:lnSpc>
-                <a:spcPct val="100000"/>
-              </a:lnSpc>
-            </a:pPr>
-            <a:r>
-              <a:rPr b="0" lang="en-US" sz="1400" spc="-1" strike="noStrike">
-                <a:solidFill>
-                  <a:srgbClr val="fff200"/>
-                </a:solidFill>
-                <a:latin typeface="Arial"/>
-                <a:ea typeface="Noto Sans CJK SC Regular"/>
-              </a:rPr>
               <a:t>Ratio of correctly predicted ‘positive’ observations to all observations in actual ‘yes’ class</a:t>
             </a:r>
             <a:r>
               <a:rPr b="1" lang="en-US" sz="1400" spc="-1" strike="noStrike">
                 <a:solidFill>
-                  <a:srgbClr val="fff200"/>
+                  <a:srgbClr val="ffffff"/>
                 </a:solidFill>
                 <a:latin typeface="Arial"/>
                 <a:ea typeface="Noto Sans CJK SC Regular"/>
@@ -23400,7 +24041,7 @@
             <a:r>
               <a:rPr b="1" lang="en-US" sz="1400" spc="-1" strike="noStrike">
                 <a:solidFill>
-                  <a:srgbClr val="fff200"/>
+                  <a:srgbClr val="ffffff"/>
                 </a:solidFill>
                 <a:latin typeface="Bitstream Vera Sans Mono"/>
                 <a:ea typeface="Noto Sans CJK SC Regular"/>
@@ -23450,7 +24091,7 @@
             <a:r>
               <a:rPr b="0" lang="en-US" sz="1400" spc="-1" strike="noStrike">
                 <a:solidFill>
-                  <a:srgbClr val="fff200"/>
+                  <a:srgbClr val="ffffff"/>
                 </a:solidFill>
                 <a:latin typeface="Arial"/>
                 <a:ea typeface="Noto Sans CJK SC Regular"/>
@@ -23473,7 +24114,7 @@
             <a:r>
               <a:rPr b="1" lang="en-US" sz="1400" spc="-1" strike="noStrike">
                 <a:solidFill>
-                  <a:srgbClr val="fff200"/>
+                  <a:srgbClr val="ffffff"/>
                 </a:solidFill>
                 <a:latin typeface="Bitstream Vera Sans Mono"/>
                 <a:ea typeface="Noto Sans CJK SC Regular"/>
@@ -25089,11 +25730,17 @@
             </a:pPr>
             <a:r>
               <a:rPr b="0" lang="en-US" sz="1400" spc="-1" strike="noStrike">
+                <a:solidFill>
+                  <a:srgbClr val="ffffff"/>
+                </a:solidFill>
                 <a:latin typeface="Arial"/>
               </a:rPr>
               <a:t>Accuracy = (TP+TN) / (TP+FP+FN+TN)</a:t>
             </a:r>
             <a:endParaRPr b="0" lang="en-US" sz="1400" spc="-1" strike="noStrike">
+              <a:solidFill>
+                <a:srgbClr val="ffffff"/>
+              </a:solidFill>
               <a:latin typeface="Arial"/>
             </a:endParaRPr>
           </a:p>
@@ -25212,6 +25859,9 @@
               <a:t>Average Accuracy</a:t>
             </a:r>
             <a:endParaRPr b="0" lang="en-US" sz="1600" spc="-1" strike="noStrike">
+              <a:solidFill>
+                <a:srgbClr val="000000"/>
+              </a:solidFill>
               <a:latin typeface="Arial"/>
             </a:endParaRPr>
           </a:p>
@@ -25232,6 +25882,9 @@
               <a:t>0.75</a:t>
             </a:r>
             <a:endParaRPr b="0" lang="en-US" sz="1600" spc="-1" strike="noStrike">
+              <a:solidFill>
+                <a:srgbClr val="000000"/>
+              </a:solidFill>
               <a:latin typeface="Arial"/>
             </a:endParaRPr>
           </a:p>
@@ -25272,11 +25925,17 @@
             </a:pPr>
             <a:r>
               <a:rPr b="1" lang="en-US" sz="1400" spc="-1" strike="noStrike">
+                <a:solidFill>
+                  <a:srgbClr val="ffffff"/>
+                </a:solidFill>
                 <a:latin typeface="Arial"/>
               </a:rPr>
               <a:t>Classification Report for Clayton Kershaw</a:t>
             </a:r>
             <a:endParaRPr b="0" lang="en-US" sz="1400" spc="-1" strike="noStrike">
+              <a:solidFill>
+                <a:srgbClr val="ffffff"/>
+              </a:solidFill>
               <a:latin typeface="Arial"/>
             </a:endParaRPr>
           </a:p>
@@ -25423,11 +26082,17 @@
             </a:pPr>
             <a:r>
               <a:rPr b="0" lang="en-US" sz="1600" spc="-1" strike="noStrike">
+                <a:solidFill>
+                  <a:srgbClr val="ffffff"/>
+                </a:solidFill>
                 <a:latin typeface="Arial"/>
               </a:rPr>
               <a:t>While most classification machine learning models can be validated by accuracy estimation techniques, this is not the case for this project.</a:t>
             </a:r>
             <a:endParaRPr b="0" lang="en-US" sz="1600" spc="-1" strike="noStrike">
+              <a:solidFill>
+                <a:srgbClr val="ffffff"/>
+              </a:solidFill>
               <a:latin typeface="Arial"/>
             </a:endParaRPr>
           </a:p>
@@ -25438,6 +26103,9 @@
               </a:lnSpc>
             </a:pPr>
             <a:endParaRPr b="0" lang="en-US" sz="1600" spc="-1" strike="noStrike">
+              <a:solidFill>
+                <a:srgbClr val="ffffff"/>
+              </a:solidFill>
               <a:latin typeface="Arial"/>
             </a:endParaRPr>
           </a:p>
@@ -25455,17 +26123,26 @@
             </a:pPr>
             <a:r>
               <a:rPr b="0" lang="en-US" sz="1600" spc="-1" strike="noStrike">
+                <a:solidFill>
+                  <a:srgbClr val="ffffff"/>
+                </a:solidFill>
                 <a:latin typeface="Arial"/>
               </a:rPr>
               <a:t>ROC curves are good for summarizing the trade-off between the True Positive Rate and False Positive Rate at different probability thresholds.</a:t>
             </a:r>
             <a:r>
               <a:rPr b="0" lang="en-US" sz="1800" spc="-1" strike="noStrike">
+                <a:solidFill>
+                  <a:srgbClr val="ffffff"/>
+                </a:solidFill>
                 <a:latin typeface="Arial"/>
               </a:rPr>
               <a:t> </a:t>
             </a:r>
             <a:endParaRPr b="0" lang="en-US" sz="1800" spc="-1" strike="noStrike">
+              <a:solidFill>
+                <a:srgbClr val="ffffff"/>
+              </a:solidFill>
               <a:latin typeface="Arial"/>
             </a:endParaRPr>
           </a:p>
@@ -25537,7 +26214,7 @@
         </p:blipFill>
         <p:spPr>
           <a:xfrm>
-            <a:off x="1975320" y="3017520"/>
+            <a:off x="1975320" y="3053520"/>
             <a:ext cx="5993280" cy="2921040"/>
           </a:xfrm>
           <a:prstGeom prst="rect">
@@ -25586,11 +26263,17 @@
             </a:pPr>
             <a:r>
               <a:rPr b="0" lang="en-US" sz="1400" spc="-1" strike="noStrike">
+                <a:solidFill>
+                  <a:srgbClr val="ffffff"/>
+                </a:solidFill>
                 <a:latin typeface="Arial"/>
               </a:rPr>
               <a:t>Indicates difficulty distinguishing between classes</a:t>
             </a:r>
             <a:endParaRPr b="0" lang="en-US" sz="1400" spc="-1" strike="noStrike">
+              <a:solidFill>
+                <a:srgbClr val="ffffff"/>
+              </a:solidFill>
               <a:latin typeface="Arial"/>
             </a:endParaRPr>
           </a:p>
@@ -25770,11 +26453,17 @@
             </a:pPr>
             <a:r>
               <a:rPr b="0" lang="en-US" sz="1400" spc="-1" strike="noStrike">
+                <a:solidFill>
+                  <a:srgbClr val="ffffff"/>
+                </a:solidFill>
                 <a:latin typeface="Arial"/>
               </a:rPr>
               <a:t>Precision-Recall is a useful measure of success of prediction when the classes are very imbalanced.</a:t>
             </a:r>
             <a:endParaRPr b="0" lang="en-US" sz="1400" spc="-1" strike="noStrike">
+              <a:solidFill>
+                <a:srgbClr val="ffffff"/>
+              </a:solidFill>
               <a:latin typeface="Arial"/>
             </a:endParaRPr>
           </a:p>
@@ -25795,11 +26484,17 @@
             </a:pPr>
             <a:r>
               <a:rPr b="0" lang="en-US" sz="1400" spc="-1" strike="noStrike">
+                <a:solidFill>
+                  <a:srgbClr val="ffffff"/>
+                </a:solidFill>
                 <a:latin typeface="Arial"/>
               </a:rPr>
               <a:t>High AUC represents High Recall (low False Negative rate) and High Precision (low False Positive rate).</a:t>
             </a:r>
             <a:endParaRPr b="0" lang="en-US" sz="1400" spc="-1" strike="noStrike">
+              <a:solidFill>
+                <a:srgbClr val="ffffff"/>
+              </a:solidFill>
               <a:latin typeface="Arial"/>
             </a:endParaRPr>
           </a:p>
@@ -25820,17 +26515,26 @@
             </a:pPr>
             <a:r>
               <a:rPr b="1" lang="en-US" sz="1200" spc="-1" strike="noStrike">
+                <a:solidFill>
+                  <a:srgbClr val="ffffff"/>
+                </a:solidFill>
                 <a:latin typeface="Bitstream Vera Sans Mono"/>
               </a:rPr>
               <a:t>High Recall + Low Precision</a:t>
             </a:r>
             <a:r>
               <a:rPr b="0" lang="en-US" sz="1400" spc="-1" strike="noStrike">
+                <a:solidFill>
+                  <a:srgbClr val="ffffff"/>
+                </a:solidFill>
                 <a:latin typeface="Arial"/>
               </a:rPr>
               <a:t> = Many results with many incorrect predictions</a:t>
             </a:r>
             <a:endParaRPr b="0" lang="en-US" sz="1400" spc="-1" strike="noStrike">
+              <a:solidFill>
+                <a:srgbClr val="ffffff"/>
+              </a:solidFill>
               <a:latin typeface="Arial"/>
             </a:endParaRPr>
           </a:p>
@@ -25851,17 +26555,26 @@
             </a:pPr>
             <a:r>
               <a:rPr b="1" lang="en-US" sz="1200" spc="-1" strike="noStrike">
+                <a:solidFill>
+                  <a:srgbClr val="ffffff"/>
+                </a:solidFill>
                 <a:latin typeface="Bitstream Vera Sans Mono"/>
               </a:rPr>
               <a:t>Low Recall + High Precision</a:t>
             </a:r>
             <a:r>
               <a:rPr b="0" lang="en-US" sz="1400" spc="-1" strike="noStrike">
+                <a:solidFill>
+                  <a:srgbClr val="ffffff"/>
+                </a:solidFill>
                 <a:latin typeface="Arial"/>
               </a:rPr>
               <a:t> = Few results but with many correct predictions</a:t>
             </a:r>
             <a:endParaRPr b="0" lang="en-US" sz="1400" spc="-1" strike="noStrike">
+              <a:solidFill>
+                <a:srgbClr val="ffffff"/>
+              </a:solidFill>
               <a:latin typeface="Arial"/>
             </a:endParaRPr>
           </a:p>
@@ -26175,11 +26888,17 @@
             </a:pPr>
             <a:r>
               <a:rPr b="0" lang="en-US" sz="3200" spc="-1" strike="noStrike">
+                <a:solidFill>
+                  <a:srgbClr val="ffffff"/>
+                </a:solidFill>
                 <a:latin typeface="Arial"/>
               </a:rPr>
               <a:t>Possible Reasons: </a:t>
             </a:r>
             <a:endParaRPr b="0" lang="en-US" sz="3200" spc="-1" strike="noStrike">
+              <a:solidFill>
+                <a:srgbClr val="ffffff"/>
+              </a:solidFill>
               <a:latin typeface="Arial"/>
             </a:endParaRPr>
           </a:p>
@@ -26231,6 +26950,9 @@
             </a:pPr>
             <a:r>
               <a:rPr b="0" lang="en-US" sz="2200" spc="-1" strike="noStrike">
+                <a:solidFill>
+                  <a:srgbClr val="ffffff"/>
+                </a:solidFill>
                 <a:latin typeface="Arial"/>
               </a:rPr>
               <a:t>High Ticket Prices</a:t>
@@ -26256,6 +26978,9 @@
             </a:pPr>
             <a:r>
               <a:rPr b="0" lang="en-US" sz="2200" spc="-1" strike="noStrike">
+                <a:solidFill>
+                  <a:srgbClr val="ffffff"/>
+                </a:solidFill>
                 <a:latin typeface="Arial"/>
               </a:rPr>
               <a:t>Poor Weather Conditions</a:t>
@@ -26281,6 +27006,9 @@
             </a:pPr>
             <a:r>
               <a:rPr b="0" lang="en-US" sz="2200" spc="-1" strike="noStrike">
+                <a:solidFill>
+                  <a:srgbClr val="ffffff"/>
+                </a:solidFill>
                 <a:latin typeface="Arial"/>
               </a:rPr>
               <a:t>Off-season Inactivity</a:t>
@@ -26510,11 +27238,17 @@
             </a:pPr>
             <a:r>
               <a:rPr b="0" lang="en-US" sz="1400" spc="-1" strike="noStrike">
+                <a:solidFill>
+                  <a:srgbClr val="ffffff"/>
+                </a:solidFill>
                 <a:latin typeface="Arial"/>
               </a:rPr>
               <a:t>Breakdown of Precision-Recall Curves for each Class</a:t>
             </a:r>
             <a:endParaRPr b="0" lang="en-US" sz="1400" spc="-1" strike="noStrike">
+              <a:solidFill>
+                <a:srgbClr val="ffffff"/>
+              </a:solidFill>
               <a:latin typeface="Arial"/>
             </a:endParaRPr>
           </a:p>
@@ -26716,11 +27450,17 @@
             </a:pPr>
             <a:r>
               <a:rPr b="0" lang="en-US" sz="1600" spc="-1" strike="noStrike">
+                <a:solidFill>
+                  <a:srgbClr val="ffffff"/>
+                </a:solidFill>
                 <a:latin typeface="Arial"/>
               </a:rPr>
               <a:t>Gradient Boosting and Ensemble approach showed best results.</a:t>
             </a:r>
             <a:endParaRPr b="0" lang="en-US" sz="1600" spc="-1" strike="noStrike">
+              <a:solidFill>
+                <a:srgbClr val="ffffff"/>
+              </a:solidFill>
               <a:latin typeface="Arial"/>
             </a:endParaRPr>
           </a:p>
@@ -26741,11 +27481,17 @@
             </a:pPr>
             <a:r>
               <a:rPr b="0" lang="en-US" sz="1600" spc="-1" strike="noStrike">
+                <a:solidFill>
+                  <a:srgbClr val="ffffff"/>
+                </a:solidFill>
                 <a:latin typeface="Arial"/>
               </a:rPr>
               <a:t>Random Forests (ensemble of randomized decision trees) performed poorly.</a:t>
             </a:r>
             <a:endParaRPr b="0" lang="en-US" sz="1600" spc="-1" strike="noStrike">
+              <a:solidFill>
+                <a:srgbClr val="ffffff"/>
+              </a:solidFill>
               <a:latin typeface="Arial"/>
             </a:endParaRPr>
           </a:p>
@@ -26766,11 +27512,17 @@
             </a:pPr>
             <a:r>
               <a:rPr b="0" lang="en-US" sz="1600" spc="-1" strike="noStrike">
+                <a:solidFill>
+                  <a:srgbClr val="ffffff"/>
+                </a:solidFill>
                 <a:latin typeface="Arial"/>
               </a:rPr>
               <a:t>Accuracy results inconsistent.</a:t>
             </a:r>
             <a:endParaRPr b="0" lang="en-US" sz="1600" spc="-1" strike="noStrike">
+              <a:solidFill>
+                <a:srgbClr val="ffffff"/>
+              </a:solidFill>
               <a:latin typeface="Arial"/>
             </a:endParaRPr>
           </a:p>
@@ -26814,11 +27566,17 @@
             </a:pPr>
             <a:r>
               <a:rPr b="1" lang="en-US" sz="1800" spc="-1" strike="noStrike">
+                <a:solidFill>
+                  <a:srgbClr val="ffffff"/>
+                </a:solidFill>
                 <a:latin typeface="Arial"/>
               </a:rPr>
               <a:t>Accuracy Scores</a:t>
             </a:r>
             <a:endParaRPr b="0" lang="en-US" sz="1800" spc="-1" strike="noStrike">
+              <a:solidFill>
+                <a:srgbClr val="ffffff"/>
+              </a:solidFill>
               <a:latin typeface="Arial"/>
             </a:endParaRPr>
           </a:p>
@@ -26833,11 +27591,17 @@
             </a:pPr>
             <a:r>
               <a:rPr b="1" lang="en-US" sz="1600" spc="-1" strike="noStrike">
+                <a:solidFill>
+                  <a:srgbClr val="ffffff"/>
+                </a:solidFill>
                 <a:latin typeface="Arial"/>
               </a:rPr>
               <a:t>Predictive Models vs. Majority Class Baseline</a:t>
             </a:r>
             <a:endParaRPr b="0" lang="en-US" sz="1600" spc="-1" strike="noStrike">
+              <a:solidFill>
+                <a:srgbClr val="ffffff"/>
+              </a:solidFill>
               <a:latin typeface="Arial"/>
             </a:endParaRPr>
           </a:p>
@@ -26881,6 +27645,9 @@
             </a:pPr>
             <a:r>
               <a:rPr b="1" lang="en-US" sz="1600" spc="-1" strike="noStrike">
+                <a:solidFill>
+                  <a:srgbClr val="ffffff"/>
+                </a:solidFill>
                 <a:latin typeface="Arial"/>
               </a:rPr>
               <a:t>Best Accuracy = 1</a:t>
@@ -26913,6 +27680,9 @@
             </a:pPr>
             <a:r>
               <a:rPr b="1" lang="en-US" sz="1600" spc="-1" strike="noStrike">
+                <a:solidFill>
+                  <a:srgbClr val="ffffff"/>
+                </a:solidFill>
                 <a:latin typeface="Arial"/>
               </a:rPr>
               <a:t>Cells in </a:t>
@@ -26951,13 +27721,51 @@
             <a:r>
               <a:rPr b="0" lang="en-US" sz="1400" spc="-1" strike="noStrike">
                 <a:solidFill>
+                  <a:srgbClr val="ffffff"/>
+                </a:solidFill>
+                <a:latin typeface="Arial"/>
+              </a:rPr>
+              <a:t>Top Accuracy Score</a:t>
+            </a:r>
+            <a:endParaRPr b="0" lang="en-US" sz="1400" spc="-1" strike="noStrike">
+              <a:latin typeface="Arial"/>
+            </a:endParaRPr>
+          </a:p>
+          <a:p>
+            <a:pPr algn="ctr">
+              <a:lnSpc>
+                <a:spcPct val="100000"/>
+              </a:lnSpc>
+            </a:pPr>
+            <a:endParaRPr b="0" lang="en-US" sz="1400" spc="-1" strike="noStrike">
+              <a:latin typeface="Arial"/>
+            </a:endParaRPr>
+          </a:p>
+          <a:p>
+            <a:pPr algn="ctr">
+              <a:lnSpc>
+                <a:spcPct val="100000"/>
+              </a:lnSpc>
+            </a:pPr>
+            <a:r>
+              <a:rPr b="1" lang="en-US" sz="1600" spc="-1" strike="noStrike">
+                <a:solidFill>
                   <a:srgbClr val="e0efd4"/>
                 </a:solidFill>
                 <a:latin typeface="Arial"/>
               </a:rPr>
-              <a:t>Top Accuracy Score</a:t>
-            </a:r>
-            <a:endParaRPr b="0" lang="en-US" sz="1400" spc="-1" strike="noStrike">
+              <a:t>Cells in </a:t>
+            </a:r>
+            <a:r>
+              <a:rPr b="1" lang="en-US" sz="1600" spc="-1" strike="noStrike">
+                <a:solidFill>
+                  <a:srgbClr val="f7a19a"/>
+                </a:solidFill>
+                <a:latin typeface="Arial"/>
+              </a:rPr>
+              <a:t>Red </a:t>
+            </a:r>
+            <a:endParaRPr b="0" lang="en-US" sz="1600" spc="-1" strike="noStrike">
               <a:latin typeface="Arial"/>
             </a:endParaRPr>
           </a:p>
@@ -26967,48 +27775,10 @@
                 <a:spcPct val="100000"/>
               </a:lnSpc>
             </a:pPr>
-            <a:endParaRPr b="0" lang="en-US" sz="1400" spc="-1" strike="noStrike">
-              <a:latin typeface="Arial"/>
-            </a:endParaRPr>
-          </a:p>
-          <a:p>
-            <a:pPr algn="ctr">
-              <a:lnSpc>
-                <a:spcPct val="100000"/>
-              </a:lnSpc>
-            </a:pPr>
-            <a:r>
-              <a:rPr b="1" lang="en-US" sz="1600" spc="-1" strike="noStrike">
-                <a:solidFill>
-                  <a:srgbClr val="e0efd4"/>
-                </a:solidFill>
-                <a:latin typeface="Arial"/>
-              </a:rPr>
-              <a:t>Cells in </a:t>
-            </a:r>
-            <a:r>
-              <a:rPr b="1" lang="en-US" sz="1600" spc="-1" strike="noStrike">
-                <a:solidFill>
-                  <a:srgbClr val="f7a19a"/>
-                </a:solidFill>
-                <a:latin typeface="Arial"/>
-              </a:rPr>
-              <a:t>Red </a:t>
-            </a:r>
-            <a:endParaRPr b="0" lang="en-US" sz="1600" spc="-1" strike="noStrike">
-              <a:latin typeface="Arial"/>
-            </a:endParaRPr>
-          </a:p>
-          <a:p>
-            <a:pPr algn="ctr">
-              <a:lnSpc>
-                <a:spcPct val="100000"/>
-              </a:lnSpc>
-            </a:pPr>
             <a:r>
               <a:rPr b="0" lang="en-US" sz="1400" spc="-1" strike="noStrike">
                 <a:solidFill>
-                  <a:srgbClr val="f7a19a"/>
+                  <a:srgbClr val="ffffff"/>
                 </a:solidFill>
                 <a:latin typeface="Arial"/>
               </a:rPr>
@@ -27164,11 +27934,17 @@
             </a:pPr>
             <a:r>
               <a:rPr b="0" lang="en-US" sz="1600" spc="-1" strike="noStrike">
+                <a:solidFill>
+                  <a:srgbClr val="ffffff"/>
+                </a:solidFill>
                 <a:latin typeface="Arial"/>
               </a:rPr>
               <a:t>Imbalanced classes, Logloss a better performance measure than Accuracy.</a:t>
             </a:r>
             <a:endParaRPr b="0" lang="en-US" sz="1600" spc="-1" strike="noStrike">
+              <a:solidFill>
+                <a:srgbClr val="ffffff"/>
+              </a:solidFill>
               <a:latin typeface="Arial"/>
             </a:endParaRPr>
           </a:p>
@@ -27189,11 +27965,17 @@
             </a:pPr>
             <a:r>
               <a:rPr b="0" lang="en-US" sz="1600" spc="-1" strike="noStrike">
+                <a:solidFill>
+                  <a:srgbClr val="ffffff"/>
+                </a:solidFill>
                 <a:latin typeface="Arial"/>
               </a:rPr>
               <a:t>All predictive models outperformed the mean Logloss Baseline.</a:t>
             </a:r>
             <a:endParaRPr b="0" lang="en-US" sz="1600" spc="-1" strike="noStrike">
+              <a:solidFill>
+                <a:srgbClr val="ffffff"/>
+              </a:solidFill>
               <a:latin typeface="Arial"/>
             </a:endParaRPr>
           </a:p>
@@ -27214,11 +27996,17 @@
             </a:pPr>
             <a:r>
               <a:rPr b="0" lang="en-US" sz="1600" spc="-1" strike="noStrike">
+                <a:solidFill>
+                  <a:srgbClr val="ffffff"/>
+                </a:solidFill>
                 <a:latin typeface="Arial"/>
               </a:rPr>
               <a:t>For most pitchers, Gradient Boosting outperformed all other models.</a:t>
             </a:r>
             <a:endParaRPr b="0" lang="en-US" sz="1600" spc="-1" strike="noStrike">
+              <a:solidFill>
+                <a:srgbClr val="ffffff"/>
+              </a:solidFill>
               <a:latin typeface="Arial"/>
             </a:endParaRPr>
           </a:p>
@@ -27239,11 +28027,17 @@
             </a:pPr>
             <a:r>
               <a:rPr b="0" lang="en-US" sz="1600" spc="-1" strike="noStrike">
+                <a:solidFill>
+                  <a:srgbClr val="ffffff"/>
+                </a:solidFill>
                 <a:latin typeface="Arial"/>
               </a:rPr>
               <a:t>Logloss errors were best for Pitchers who throw 5 or more pitch-types.</a:t>
             </a:r>
             <a:endParaRPr b="0" lang="en-US" sz="1600" spc="-1" strike="noStrike">
+              <a:solidFill>
+                <a:srgbClr val="ffffff"/>
+              </a:solidFill>
               <a:latin typeface="Arial"/>
             </a:endParaRPr>
           </a:p>
@@ -27287,11 +28081,17 @@
             </a:pPr>
             <a:r>
               <a:rPr b="1" lang="en-US" sz="1800" spc="-1" strike="noStrike">
+                <a:solidFill>
+                  <a:srgbClr val="ffffff"/>
+                </a:solidFill>
                 <a:latin typeface="Arial"/>
               </a:rPr>
               <a:t>Multi-class Logarithmic Loss</a:t>
             </a:r>
             <a:endParaRPr b="0" lang="en-US" sz="1800" spc="-1" strike="noStrike">
+              <a:solidFill>
+                <a:srgbClr val="ffffff"/>
+              </a:solidFill>
               <a:latin typeface="Arial"/>
             </a:endParaRPr>
           </a:p>
@@ -27306,11 +28106,17 @@
             </a:pPr>
             <a:r>
               <a:rPr b="1" lang="en-US" sz="1600" spc="-1" strike="noStrike">
+                <a:solidFill>
+                  <a:srgbClr val="ffffff"/>
+                </a:solidFill>
                 <a:latin typeface="Arial"/>
               </a:rPr>
               <a:t>Predictive Models vs. Mean Baseline</a:t>
             </a:r>
             <a:endParaRPr b="0" lang="en-US" sz="1600" spc="-1" strike="noStrike">
+              <a:solidFill>
+                <a:srgbClr val="ffffff"/>
+              </a:solidFill>
               <a:latin typeface="Arial"/>
             </a:endParaRPr>
           </a:p>
@@ -27354,6 +28160,9 @@
             </a:pPr>
             <a:r>
               <a:rPr b="1" lang="en-US" sz="1600" spc="-1" strike="noStrike">
+                <a:solidFill>
+                  <a:srgbClr val="ffffff"/>
+                </a:solidFill>
                 <a:latin typeface="Arial"/>
               </a:rPr>
               <a:t>Best Logloss = 0</a:t>
@@ -27386,6 +28195,9 @@
             </a:pPr>
             <a:r>
               <a:rPr b="1" lang="en-US" sz="1600" spc="-1" strike="noStrike">
+                <a:solidFill>
+                  <a:srgbClr val="ffffff"/>
+                </a:solidFill>
                 <a:latin typeface="Arial"/>
               </a:rPr>
               <a:t>Cells in </a:t>
@@ -27424,7 +28236,7 @@
             <a:r>
               <a:rPr b="0" lang="en-US" sz="1400" spc="-1" strike="noStrike">
                 <a:solidFill>
-                  <a:srgbClr val="e0efd4"/>
+                  <a:srgbClr val="ffffff"/>
                 </a:solidFill>
                 <a:latin typeface="Arial"/>
               </a:rPr>
@@ -27453,7 +28265,7 @@
             <a:r>
               <a:rPr b="1" lang="en-US" sz="1600" spc="-1" strike="noStrike">
                 <a:solidFill>
-                  <a:srgbClr val="e0efd4"/>
+                  <a:srgbClr val="ffffff"/>
                 </a:solidFill>
                 <a:latin typeface="Arial"/>
               </a:rPr>
@@ -27481,7 +28293,7 @@
             <a:r>
               <a:rPr b="0" lang="en-US" sz="1400" spc="-1" strike="noStrike">
                 <a:solidFill>
-                  <a:srgbClr val="f7a19a"/>
+                  <a:srgbClr val="ffffff"/>
                 </a:solidFill>
                 <a:latin typeface="Arial"/>
               </a:rPr>
@@ -27666,11 +28478,17 @@
             </a:pPr>
             <a:r>
               <a:rPr b="0" lang="en-US" sz="2200" spc="-1" strike="noStrike">
+                <a:solidFill>
+                  <a:srgbClr val="ffffff"/>
+                </a:solidFill>
                 <a:latin typeface="Arial"/>
               </a:rPr>
               <a:t>On average, more than 50% of all pitches thrown are Fastballs.</a:t>
             </a:r>
             <a:endParaRPr b="0" lang="en-US" sz="2200" spc="-1" strike="noStrike">
+              <a:solidFill>
+                <a:srgbClr val="ffffff"/>
+              </a:solidFill>
               <a:latin typeface="Arial"/>
             </a:endParaRPr>
           </a:p>
@@ -27694,11 +28512,17 @@
             </a:pPr>
             <a:r>
               <a:rPr b="0" lang="en-US" sz="2200" spc="-1" strike="noStrike">
+                <a:solidFill>
+                  <a:srgbClr val="ffffff"/>
+                </a:solidFill>
                 <a:latin typeface="Arial"/>
               </a:rPr>
               <a:t>Due to imbalanced classes, we should not use Accuracy and ROC curves to measure a models performance.</a:t>
             </a:r>
             <a:endParaRPr b="0" lang="en-US" sz="2200" spc="-1" strike="noStrike">
+              <a:solidFill>
+                <a:srgbClr val="ffffff"/>
+              </a:solidFill>
               <a:latin typeface="Arial"/>
             </a:endParaRPr>
           </a:p>
@@ -27721,11 +28545,17 @@
             </a:pPr>
             <a:r>
               <a:rPr b="0" lang="en-US" sz="2200" spc="-1" strike="noStrike">
+                <a:solidFill>
+                  <a:srgbClr val="ffffff"/>
+                </a:solidFill>
                 <a:latin typeface="Arial"/>
               </a:rPr>
               <a:t>When comparing Logarithmic Log Loss (cross-entropy) for predictive models against the mean baseline, it is possible to minimize errors by as much as 10% - 40%.</a:t>
             </a:r>
             <a:endParaRPr b="0" lang="en-US" sz="2200" spc="-1" strike="noStrike">
+              <a:solidFill>
+                <a:srgbClr val="ffffff"/>
+              </a:solidFill>
               <a:latin typeface="Arial"/>
             </a:endParaRPr>
           </a:p>
@@ -27748,11 +28578,17 @@
             </a:pPr>
             <a:r>
               <a:rPr b="0" lang="en-US" sz="2200" spc="-1" strike="noStrike">
+                <a:solidFill>
+                  <a:srgbClr val="ffffff"/>
+                </a:solidFill>
                 <a:latin typeface="Arial"/>
               </a:rPr>
               <a:t>Pitcher’s pitch count provides greatest importance to predicting the next pitch.</a:t>
             </a:r>
             <a:endParaRPr b="0" lang="en-US" sz="2200" spc="-1" strike="noStrike">
+              <a:solidFill>
+                <a:srgbClr val="ffffff"/>
+              </a:solidFill>
               <a:latin typeface="Arial"/>
             </a:endParaRPr>
           </a:p>
@@ -27775,11 +28611,17 @@
             </a:pPr>
             <a:r>
               <a:rPr b="0" lang="en-US" sz="2200" spc="-1" strike="noStrike">
+                <a:solidFill>
+                  <a:srgbClr val="ffffff"/>
+                </a:solidFill>
                 <a:latin typeface="Arial"/>
               </a:rPr>
               <a:t>Similarity in pitch speed and location between pitch-types from same pitch group make it difficult to distinguish.  </a:t>
             </a:r>
             <a:endParaRPr b="0" lang="en-US" sz="2200" spc="-1" strike="noStrike">
+              <a:solidFill>
+                <a:srgbClr val="ffffff"/>
+              </a:solidFill>
               <a:latin typeface="Arial"/>
             </a:endParaRPr>
           </a:p>
@@ -27932,6 +28774,9 @@
             </a:pPr>
             <a:r>
               <a:rPr b="0" lang="en-US" sz="2200" spc="-1" strike="noStrike">
+                <a:solidFill>
+                  <a:srgbClr val="ffffff"/>
+                </a:solidFill>
                 <a:latin typeface="Arial"/>
               </a:rPr>
               <a:t>Compare in-game pitches to predicted pitches to monitor success rate.</a:t>
@@ -27960,6 +28805,9 @@
             </a:pPr>
             <a:r>
               <a:rPr b="0" lang="en-US" sz="2200" spc="-1" strike="noStrike">
+                <a:solidFill>
+                  <a:srgbClr val="ffffff"/>
+                </a:solidFill>
                 <a:latin typeface="Arial"/>
                 <a:ea typeface="Noto Sans CJK SC Regular"/>
               </a:rPr>
@@ -27989,6 +28837,9 @@
             </a:pPr>
             <a:r>
               <a:rPr b="0" lang="en-US" sz="2200" spc="-1" strike="noStrike">
+                <a:solidFill>
+                  <a:srgbClr val="ffffff"/>
+                </a:solidFill>
                 <a:latin typeface="Arial"/>
                 <a:ea typeface="Noto Sans CJK SC Regular"/>
               </a:rPr>
@@ -28178,23 +29029,35 @@
             </a:pPr>
             <a:r>
               <a:rPr b="0" lang="en-US" sz="2000" spc="-1" strike="noStrike">
+                <a:solidFill>
+                  <a:srgbClr val="ffffff"/>
+                </a:solidFill>
                 <a:latin typeface="Arial"/>
               </a:rPr>
               <a:t>Increase data to include all starting and relief pitchers for more than just three seasons.</a:t>
             </a:r>
             <a:r>
               <a:rPr b="0" i="1" lang="en-US" sz="2000" spc="-1" strike="noStrike">
+                <a:solidFill>
+                  <a:srgbClr val="ffffff"/>
+                </a:solidFill>
                 <a:latin typeface="Arial"/>
               </a:rPr>
               <a:t> </a:t>
             </a:r>
             <a:r>
               <a:rPr b="1" i="1" lang="en-US" sz="2000" spc="-1" strike="noStrike">
+                <a:solidFill>
+                  <a:srgbClr val="ffffff"/>
+                </a:solidFill>
                 <a:latin typeface="Arial"/>
               </a:rPr>
               <a:t>(decrease variance)</a:t>
             </a:r>
             <a:endParaRPr b="0" lang="en-US" sz="2000" spc="-1" strike="noStrike">
+              <a:solidFill>
+                <a:srgbClr val="ffffff"/>
+              </a:solidFill>
               <a:latin typeface="Arial"/>
             </a:endParaRPr>
           </a:p>
@@ -28218,6 +29081,9 @@
             </a:pPr>
             <a:r>
               <a:rPr b="0" lang="en-US" sz="2000" spc="-1" strike="noStrike">
+                <a:solidFill>
+                  <a:srgbClr val="ffffff"/>
+                </a:solidFill>
                 <a:latin typeface="Arial"/>
                 <a:ea typeface="Noto Sans CJK SC Regular"/>
               </a:rPr>
@@ -28225,12 +29091,18 @@
             </a:r>
             <a:r>
               <a:rPr b="1" i="1" lang="en-US" sz="2000" spc="-1" strike="noStrike">
+                <a:solidFill>
+                  <a:srgbClr val="ffffff"/>
+                </a:solidFill>
                 <a:latin typeface="Arial"/>
                 <a:ea typeface="Noto Sans CJK SC Regular"/>
               </a:rPr>
               <a:t>(decrease bias)</a:t>
             </a:r>
             <a:endParaRPr b="0" lang="en-US" sz="2000" spc="-1" strike="noStrike">
+              <a:solidFill>
+                <a:srgbClr val="ffffff"/>
+              </a:solidFill>
               <a:latin typeface="Arial"/>
             </a:endParaRPr>
           </a:p>
@@ -28254,12 +29126,18 @@
             </a:pPr>
             <a:r>
               <a:rPr b="0" lang="en-US" sz="2000" spc="-1" strike="noStrike">
+                <a:solidFill>
+                  <a:srgbClr val="ffffff"/>
+                </a:solidFill>
                 <a:latin typeface="Arial"/>
                 <a:ea typeface="Noto Sans CJK SC Regular"/>
               </a:rPr>
               <a:t>Consider multi-label, multi-class classification problem by attempting to predict:</a:t>
             </a:r>
             <a:endParaRPr b="0" lang="en-US" sz="2000" spc="-1" strike="noStrike">
+              <a:solidFill>
+                <a:srgbClr val="ffffff"/>
+              </a:solidFill>
               <a:latin typeface="Arial"/>
             </a:endParaRPr>
           </a:p>
@@ -28277,12 +29155,18 @@
             </a:pPr>
             <a:r>
               <a:rPr b="1" lang="en-US" sz="1800" spc="-1" strike="noStrike">
+                <a:solidFill>
+                  <a:srgbClr val="ffffff"/>
+                </a:solidFill>
                 <a:latin typeface="Arial"/>
                 <a:ea typeface="Noto Sans CJK SC Regular"/>
               </a:rPr>
               <a:t>Pitch-type + Pitch Group + Pitch Location </a:t>
             </a:r>
             <a:endParaRPr b="0" lang="en-US" sz="1800" spc="-1" strike="noStrike">
+              <a:solidFill>
+                <a:srgbClr val="ffffff"/>
+              </a:solidFill>
               <a:latin typeface="Arial"/>
             </a:endParaRPr>
           </a:p>
@@ -28306,12 +29190,18 @@
             </a:pPr>
             <a:r>
               <a:rPr b="0" lang="en-US" sz="2000" spc="-1" strike="noStrike">
+                <a:solidFill>
+                  <a:srgbClr val="ffffff"/>
+                </a:solidFill>
                 <a:latin typeface="Arial"/>
                 <a:ea typeface="Noto Sans CJK SC Regular"/>
               </a:rPr>
               <a:t>Apply a combination of Supervised and Unsupervised Learning to address and include unlabeled pitch data.</a:t>
             </a:r>
             <a:endParaRPr b="0" lang="en-US" sz="2000" spc="-1" strike="noStrike">
+              <a:solidFill>
+                <a:srgbClr val="ffffff"/>
+              </a:solidFill>
               <a:latin typeface="Arial"/>
             </a:endParaRPr>
           </a:p>
@@ -28409,7 +29299,17 @@
                 <a:latin typeface="Calibri"/>
                 <a:ea typeface="DejaVu Sans"/>
               </a:rPr>
-              <a:t>Questions?</a:t>
+              <a:t>Questi</a:t>
+            </a:r>
+            <a:r>
+              <a:rPr b="0" lang="en-US" sz="3600" spc="-1" strike="noStrike">
+                <a:solidFill>
+                  <a:srgbClr val="fac090"/>
+                </a:solidFill>
+                <a:latin typeface="Calibri"/>
+                <a:ea typeface="DejaVu Sans"/>
+              </a:rPr>
+              <a:t>ons?</a:t>
             </a:r>
             <a:endParaRPr b="0" lang="en-US" sz="3600" spc="-1" strike="noStrike">
               <a:latin typeface="Arial"/>
@@ -28426,7 +29326,7 @@
         <p:spPr>
           <a:xfrm>
             <a:off x="731520" y="1920240"/>
-            <a:ext cx="7772040" cy="3620160"/>
+            <a:ext cx="7771680" cy="3619800"/>
           </a:xfrm>
           <a:prstGeom prst="rect">
             <a:avLst/>
@@ -28458,12 +29358,18 @@
             </a:pPr>
             <a:r>
               <a:rPr b="1" lang="en-US" sz="2600" spc="-1" strike="noStrike">
+                <a:solidFill>
+                  <a:srgbClr val="ffffff"/>
+                </a:solidFill>
                 <a:latin typeface="Arial"/>
                 <a:ea typeface="Noto Sans CJK SC Regular"/>
               </a:rPr>
               <a:t>Mark Rojas</a:t>
             </a:r>
             <a:endParaRPr b="0" lang="en-US" sz="2600" spc="-1" strike="noStrike">
+              <a:solidFill>
+                <a:srgbClr val="ffffff"/>
+              </a:solidFill>
               <a:latin typeface="Arial"/>
             </a:endParaRPr>
           </a:p>
@@ -28481,12 +29387,18 @@
             </a:pPr>
             <a:r>
               <a:rPr b="0" lang="en-US" sz="1600" spc="-1" strike="noStrike">
+                <a:solidFill>
+                  <a:srgbClr val="ffffff"/>
+                </a:solidFill>
                 <a:latin typeface="Arial"/>
                 <a:ea typeface="Noto Sans CJK SC Regular"/>
               </a:rPr>
               <a:t>Cell: (832) 330-2870</a:t>
             </a:r>
             <a:endParaRPr b="0" lang="en-US" sz="1600" spc="-1" strike="noStrike">
+              <a:solidFill>
+                <a:srgbClr val="ffffff"/>
+              </a:solidFill>
               <a:latin typeface="Arial"/>
             </a:endParaRPr>
           </a:p>
@@ -28504,13 +29416,20 @@
             </a:pPr>
             <a:r>
               <a:rPr b="0" lang="en-US" sz="1600" spc="-1" strike="noStrike">
+                <a:solidFill>
+                  <a:srgbClr val="ffffff"/>
+                </a:solidFill>
                 <a:latin typeface="Arial"/>
                 <a:ea typeface="Noto Sans CJK SC Regular"/>
               </a:rPr>
               <a:t>Email: </a:t>
             </a:r>
             <a:r>
-              <a:rPr b="0" lang="en-US" sz="1600" spc="-1" strike="noStrike">
+              <a:rPr b="0" lang="en-US" sz="1600" spc="-1" strike="noStrike" u="sng">
+                <a:solidFill>
+                  <a:srgbClr val="bce4e5"/>
+                </a:solidFill>
+                <a:uFillTx/>
                 <a:latin typeface="Arial"/>
                 <a:ea typeface="Noto Sans CJK SC Regular"/>
                 <a:hlinkClick r:id="rId1"/>
@@ -28518,6 +29437,9 @@
               <a:t>rojas.mm@gmail.com</a:t>
             </a:r>
             <a:endParaRPr b="0" lang="en-US" sz="1600" spc="-1" strike="noStrike">
+              <a:solidFill>
+                <a:srgbClr val="ffffff"/>
+              </a:solidFill>
               <a:latin typeface="Arial"/>
             </a:endParaRPr>
           </a:p>
@@ -28535,12 +29457,18 @@
             </a:pPr>
             <a:r>
               <a:rPr b="0" lang="en-US" sz="1600" spc="-1" strike="noStrike">
+                <a:solidFill>
+                  <a:srgbClr val="ffffff"/>
+                </a:solidFill>
                 <a:latin typeface="Arial"/>
                 <a:ea typeface="Noto Sans CJK SC Regular"/>
               </a:rPr>
               <a:t>Skype: markrojas</a:t>
             </a:r>
             <a:endParaRPr b="0" lang="en-US" sz="1600" spc="-1" strike="noStrike">
+              <a:solidFill>
+                <a:srgbClr val="ffffff"/>
+              </a:solidFill>
               <a:latin typeface="Arial"/>
             </a:endParaRPr>
           </a:p>
@@ -28558,13 +29486,20 @@
             </a:pPr>
             <a:r>
               <a:rPr b="0" lang="en-US" sz="1600" spc="-1" strike="noStrike">
+                <a:solidFill>
+                  <a:srgbClr val="ffffff"/>
+                </a:solidFill>
                 <a:latin typeface="Arial"/>
                 <a:ea typeface="Noto Sans CJK SC Regular"/>
               </a:rPr>
               <a:t>Linkedin: </a:t>
             </a:r>
             <a:r>
-              <a:rPr b="0" lang="en-US" sz="1600" spc="-1" strike="noStrike">
+              <a:rPr b="0" lang="en-US" sz="1600" spc="-1" strike="noStrike" u="sng">
+                <a:solidFill>
+                  <a:srgbClr val="bce4e5"/>
+                </a:solidFill>
+                <a:uFillTx/>
                 <a:latin typeface="Arial"/>
                 <a:ea typeface="Noto Sans CJK SC Regular"/>
                 <a:hlinkClick r:id="rId2"/>
@@ -28572,6 +29507,9 @@
               <a:t>https://www.linkedin.com/in/mark-rojas/</a:t>
             </a:r>
             <a:endParaRPr b="0" lang="en-US" sz="1600" spc="-1" strike="noStrike">
+              <a:solidFill>
+                <a:srgbClr val="ffffff"/>
+              </a:solidFill>
               <a:latin typeface="Arial"/>
             </a:endParaRPr>
           </a:p>
@@ -28589,13 +29527,20 @@
             </a:pPr>
             <a:r>
               <a:rPr b="0" lang="en-US" sz="1600" spc="-1" strike="noStrike">
+                <a:solidFill>
+                  <a:srgbClr val="ffffff"/>
+                </a:solidFill>
                 <a:latin typeface="Arial"/>
                 <a:ea typeface="Noto Sans CJK SC Regular"/>
               </a:rPr>
               <a:t>Github: </a:t>
             </a:r>
             <a:r>
-              <a:rPr b="0" lang="en-US" sz="1600" spc="-1" strike="noStrike">
+              <a:rPr b="0" lang="en-US" sz="1600" spc="-1" strike="noStrike" u="sng">
+                <a:solidFill>
+                  <a:srgbClr val="bce4e5"/>
+                </a:solidFill>
+                <a:uFillTx/>
                 <a:latin typeface="Arial"/>
                 <a:ea typeface="Noto Sans CJK SC Regular"/>
                 <a:hlinkClick r:id="rId3"/>
@@ -28603,6 +29548,9 @@
               <a:t>https://github.com/markrojas</a:t>
             </a:r>
             <a:endParaRPr b="0" lang="en-US" sz="1600" spc="-1" strike="noStrike">
+              <a:solidFill>
+                <a:srgbClr val="ffffff"/>
+              </a:solidFill>
               <a:latin typeface="Arial"/>
             </a:endParaRPr>
           </a:p>
@@ -28620,12 +29568,18 @@
             </a:pPr>
             <a:r>
               <a:rPr b="0" lang="en-US" sz="1600" spc="-1" strike="noStrike">
+                <a:solidFill>
+                  <a:srgbClr val="ffffff"/>
+                </a:solidFill>
                 <a:latin typeface="Arial"/>
                 <a:ea typeface="Noto Sans CJK SC Regular"/>
               </a:rPr>
               <a:t>Pitch Prediction Repository: </a:t>
             </a:r>
             <a:endParaRPr b="0" lang="en-US" sz="1600" spc="-1" strike="noStrike">
+              <a:solidFill>
+                <a:srgbClr val="ffffff"/>
+              </a:solidFill>
               <a:latin typeface="Arial"/>
             </a:endParaRPr>
           </a:p>
@@ -28642,7 +29596,11 @@
               </a:spcAft>
             </a:pPr>
             <a:r>
-              <a:rPr b="0" lang="en-US" sz="1400" spc="-1" strike="noStrike">
+              <a:rPr b="0" lang="en-US" sz="1400" spc="-1" strike="noStrike" u="sng">
+                <a:solidFill>
+                  <a:srgbClr val="bce4e5"/>
+                </a:solidFill>
+                <a:uFillTx/>
                 <a:latin typeface="Arial"/>
                 <a:ea typeface="Noto Sans CJK SC Regular"/>
                 <a:hlinkClick r:id="rId4"/>
@@ -28650,6 +29608,9 @@
               <a:t>https://github.com/markrojas/Springboard_DSCT/tree/master/capstone_projects/capstone_I</a:t>
             </a:r>
             <a:endParaRPr b="0" lang="en-US" sz="1400" spc="-1" strike="noStrike">
+              <a:solidFill>
+                <a:srgbClr val="ffffff"/>
+              </a:solidFill>
               <a:latin typeface="Arial"/>
             </a:endParaRPr>
           </a:p>
@@ -28666,6 +29627,9 @@
               </a:spcAft>
             </a:pPr>
             <a:endParaRPr b="0" lang="en-US" sz="1400" spc="-1" strike="noStrike">
+              <a:solidFill>
+                <a:srgbClr val="ffffff"/>
+              </a:solidFill>
               <a:latin typeface="Arial"/>
             </a:endParaRPr>
           </a:p>
@@ -28817,6 +29781,9 @@
             </a:pPr>
             <a:r>
               <a:rPr b="0" lang="en-US" sz="2000" spc="-1" strike="noStrike">
+                <a:solidFill>
+                  <a:srgbClr val="ffffff"/>
+                </a:solidFill>
                 <a:latin typeface="Arial"/>
               </a:rPr>
               <a:t>Increased player salaries makes lowering ticket prices unsustainable.</a:t>
@@ -28842,6 +29809,9 @@
             </a:pPr>
             <a:r>
               <a:rPr b="0" lang="en-US" sz="2000" spc="-1" strike="noStrike">
+                <a:solidFill>
+                  <a:srgbClr val="ffffff"/>
+                </a:solidFill>
                 <a:latin typeface="Arial"/>
               </a:rPr>
               <a:t>As of today, we are still unable to control the weather.</a:t>
@@ -28867,6 +29837,9 @@
             </a:pPr>
             <a:r>
               <a:rPr b="0" lang="en-US" sz="2000" spc="-1" strike="noStrike">
+                <a:solidFill>
+                  <a:srgbClr val="ffffff"/>
+                </a:solidFill>
                 <a:latin typeface="Arial"/>
               </a:rPr>
               <a:t>Not every team can acquire the ‘big’ name free-agent during the off-season or </a:t>
@@ -28936,11 +29909,17 @@
             </a:pPr>
             <a:r>
               <a:rPr b="1" lang="en-US" sz="3600" spc="-1" strike="noStrike">
+                <a:solidFill>
+                  <a:srgbClr val="ffffff"/>
+                </a:solidFill>
                 <a:latin typeface="Arial"/>
               </a:rPr>
               <a:t>Let’s improve the in-game action! </a:t>
             </a:r>
             <a:endParaRPr b="0" lang="en-US" sz="3600" spc="-1" strike="noStrike">
+              <a:solidFill>
+                <a:srgbClr val="ffffff"/>
+              </a:solidFill>
               <a:latin typeface="Arial"/>
             </a:endParaRPr>
           </a:p>
@@ -28955,11 +29934,17 @@
             </a:pPr>
             <a:r>
               <a:rPr b="1" lang="en-US" sz="2800" spc="-1" strike="noStrike">
+                <a:solidFill>
+                  <a:srgbClr val="ffffff"/>
+                </a:solidFill>
                 <a:latin typeface="Arial"/>
               </a:rPr>
               <a:t>But how?</a:t>
             </a:r>
             <a:endParaRPr b="0" lang="en-US" sz="2800" spc="-1" strike="noStrike">
+              <a:solidFill>
+                <a:srgbClr val="ffffff"/>
+              </a:solidFill>
               <a:latin typeface="Arial"/>
             </a:endParaRPr>
           </a:p>
@@ -29164,6 +30149,9 @@
               <a:t>Partial Season Lockout</a:t>
             </a:r>
             <a:endParaRPr b="0" lang="en-US" sz="1400" spc="-1" strike="noStrike">
+              <a:solidFill>
+                <a:srgbClr val="000000"/>
+              </a:solidFill>
               <a:latin typeface="Arial"/>
             </a:endParaRPr>
           </a:p>
@@ -29204,11 +30192,17 @@
             </a:pPr>
             <a:r>
               <a:rPr b="0" lang="en-US" sz="1400" spc="-1" strike="noStrike">
+                <a:solidFill>
+                  <a:srgbClr val="ffffff"/>
+                </a:solidFill>
                 <a:latin typeface="Arial"/>
               </a:rPr>
               <a:t>Average </a:t>
             </a:r>
             <a:endParaRPr b="0" lang="en-US" sz="1400" spc="-1" strike="noStrike">
+              <a:solidFill>
+                <a:srgbClr val="ffffff"/>
+              </a:solidFill>
               <a:latin typeface="Arial"/>
             </a:endParaRPr>
           </a:p>
@@ -29220,11 +30214,17 @@
             </a:pPr>
             <a:r>
               <a:rPr b="0" lang="en-US" sz="1400" spc="-1" strike="noStrike">
+                <a:solidFill>
+                  <a:srgbClr val="ffffff"/>
+                </a:solidFill>
                 <a:latin typeface="Arial"/>
               </a:rPr>
               <a:t>Strikeouts per Game</a:t>
             </a:r>
             <a:endParaRPr b="0" lang="en-US" sz="1400" spc="-1" strike="noStrike">
+              <a:solidFill>
+                <a:srgbClr val="ffffff"/>
+              </a:solidFill>
               <a:latin typeface="Arial"/>
             </a:endParaRPr>
           </a:p>
@@ -29265,11 +30265,17 @@
             </a:pPr>
             <a:r>
               <a:rPr b="0" lang="en-US" sz="1400" spc="-1" strike="noStrike">
+                <a:solidFill>
+                  <a:srgbClr val="ffffff"/>
+                </a:solidFill>
                 <a:latin typeface="Arial"/>
               </a:rPr>
               <a:t>Batting Averages</a:t>
             </a:r>
             <a:endParaRPr b="0" lang="en-US" sz="1400" spc="-1" strike="noStrike">
+              <a:solidFill>
+                <a:srgbClr val="ffffff"/>
+              </a:solidFill>
               <a:latin typeface="Arial"/>
             </a:endParaRPr>
           </a:p>
@@ -29281,11 +30287,17 @@
             </a:pPr>
             <a:r>
               <a:rPr b="0" lang="en-US" sz="1400" spc="-1" strike="noStrike">
+                <a:solidFill>
+                  <a:srgbClr val="ffffff"/>
+                </a:solidFill>
                 <a:latin typeface="Arial"/>
               </a:rPr>
               <a:t>(Hits / At Bats)</a:t>
             </a:r>
             <a:endParaRPr b="0" lang="en-US" sz="1400" spc="-1" strike="noStrike">
+              <a:solidFill>
+                <a:srgbClr val="ffffff"/>
+              </a:solidFill>
               <a:latin typeface="Arial"/>
             </a:endParaRPr>
           </a:p>
@@ -29326,11 +30338,17 @@
             </a:pPr>
             <a:r>
               <a:rPr b="0" lang="en-US" sz="1400" spc="-1" strike="noStrike">
+                <a:solidFill>
+                  <a:srgbClr val="ffffff"/>
+                </a:solidFill>
                 <a:latin typeface="Arial"/>
               </a:rPr>
               <a:t>Average </a:t>
             </a:r>
             <a:endParaRPr b="0" lang="en-US" sz="1400" spc="-1" strike="noStrike">
+              <a:solidFill>
+                <a:srgbClr val="ffffff"/>
+              </a:solidFill>
               <a:latin typeface="Arial"/>
             </a:endParaRPr>
           </a:p>
@@ -29342,11 +30360,17 @@
             </a:pPr>
             <a:r>
               <a:rPr b="0" lang="en-US" sz="1400" spc="-1" strike="noStrike">
+                <a:solidFill>
+                  <a:srgbClr val="ffffff"/>
+                </a:solidFill>
                 <a:latin typeface="Arial"/>
               </a:rPr>
               <a:t>Attendance per Game</a:t>
             </a:r>
             <a:endParaRPr b="0" lang="en-US" sz="1400" spc="-1" strike="noStrike">
+              <a:solidFill>
+                <a:srgbClr val="ffffff"/>
+              </a:solidFill>
               <a:latin typeface="Arial"/>
             </a:endParaRPr>
           </a:p>
@@ -29360,8 +30384,8 @@
         </p:nvSpPr>
         <p:spPr>
           <a:xfrm>
-            <a:off x="8174160" y="5303520"/>
-            <a:ext cx="878040" cy="731160"/>
+            <a:off x="8138160" y="5212080"/>
+            <a:ext cx="1005840" cy="914400"/>
           </a:xfrm>
           <a:custGeom>
             <a:avLst/>
@@ -29496,7 +30520,7 @@
               <a:t> </a:t>
             </a:r>
             <a:r>
-              <a:rPr b="1" lang="en-US" sz="1100" spc="-1" strike="noStrike">
+              <a:rPr b="1" lang="en-US" sz="1000" spc="-1" strike="noStrike">
                 <a:solidFill>
                   <a:srgbClr val="000000"/>
                 </a:solidFill>
@@ -29505,7 +30529,7 @@
               </a:rPr>
               <a:t>Down</a:t>
             </a:r>
-            <a:endParaRPr b="0" lang="en-US" sz="1100" spc="-1" strike="noStrike">
+            <a:endParaRPr b="0" lang="en-US" sz="1000" spc="-1" strike="noStrike">
               <a:latin typeface="Arial"/>
             </a:endParaRPr>
           </a:p>
@@ -29516,7 +30540,7 @@
               </a:lnSpc>
             </a:pPr>
             <a:r>
-              <a:rPr b="1" lang="en-US" sz="1100" spc="-1" strike="noStrike">
+              <a:rPr b="1" lang="en-US" sz="1000" spc="-1" strike="noStrike">
                 <a:solidFill>
                   <a:srgbClr val="000000"/>
                 </a:solidFill>
@@ -29525,7 +30549,7 @@
               </a:rPr>
               <a:t>~6.5%</a:t>
             </a:r>
-            <a:endParaRPr b="0" lang="en-US" sz="1100" spc="-1" strike="noStrike">
+            <a:endParaRPr b="0" lang="en-US" sz="1000" spc="-1" strike="noStrike">
               <a:latin typeface="Arial"/>
             </a:endParaRPr>
           </a:p>
@@ -29671,11 +30695,17 @@
             </a:pPr>
             <a:r>
               <a:rPr b="0" lang="en-US" sz="2400" spc="-1" strike="noStrike">
+                <a:solidFill>
+                  <a:srgbClr val="ffffff"/>
+                </a:solidFill>
                 <a:latin typeface="Arial"/>
               </a:rPr>
               <a:t>By increasing the mean Batting Average (BA) for hitters, we:</a:t>
             </a:r>
             <a:endParaRPr b="0" lang="en-US" sz="2400" spc="-1" strike="noStrike">
+              <a:solidFill>
+                <a:srgbClr val="ffffff"/>
+              </a:solidFill>
               <a:latin typeface="Arial"/>
             </a:endParaRPr>
           </a:p>
@@ -29696,11 +30726,17 @@
             </a:pPr>
             <a:r>
               <a:rPr b="0" lang="en-US" sz="2000" spc="-1" strike="noStrike">
+                <a:solidFill>
+                  <a:srgbClr val="ffffff"/>
+                </a:solidFill>
                 <a:latin typeface="Arial"/>
               </a:rPr>
               <a:t>Increase number of base runners</a:t>
             </a:r>
             <a:endParaRPr b="0" lang="en-US" sz="2000" spc="-1" strike="noStrike">
+              <a:solidFill>
+                <a:srgbClr val="ffffff"/>
+              </a:solidFill>
               <a:latin typeface="Arial"/>
             </a:endParaRPr>
           </a:p>
@@ -29721,11 +30757,17 @@
             </a:pPr>
             <a:r>
               <a:rPr b="0" lang="en-US" sz="2000" spc="-1" strike="noStrike">
+                <a:solidFill>
+                  <a:srgbClr val="ffffff"/>
+                </a:solidFill>
                 <a:latin typeface="Arial"/>
               </a:rPr>
               <a:t>Increase chances for stolen bases</a:t>
             </a:r>
             <a:endParaRPr b="0" lang="en-US" sz="2000" spc="-1" strike="noStrike">
+              <a:solidFill>
+                <a:srgbClr val="ffffff"/>
+              </a:solidFill>
               <a:latin typeface="Arial"/>
             </a:endParaRPr>
           </a:p>
@@ -29746,11 +30788,17 @@
             </a:pPr>
             <a:r>
               <a:rPr b="0" lang="en-US" sz="2000" spc="-1" strike="noStrike">
+                <a:solidFill>
+                  <a:srgbClr val="ffffff"/>
+                </a:solidFill>
                 <a:latin typeface="Arial"/>
               </a:rPr>
               <a:t>Increase opportunities to pick-off runners</a:t>
             </a:r>
             <a:endParaRPr b="0" lang="en-US" sz="2000" spc="-1" strike="noStrike">
+              <a:solidFill>
+                <a:srgbClr val="ffffff"/>
+              </a:solidFill>
               <a:latin typeface="Arial"/>
             </a:endParaRPr>
           </a:p>
@@ -29771,11 +30819,17 @@
             </a:pPr>
             <a:r>
               <a:rPr b="0" lang="en-US" sz="2000" spc="-1" strike="noStrike">
+                <a:solidFill>
+                  <a:srgbClr val="ffffff"/>
+                </a:solidFill>
                 <a:latin typeface="Arial"/>
               </a:rPr>
               <a:t>Increase potential runs</a:t>
             </a:r>
             <a:endParaRPr b="0" lang="en-US" sz="2000" spc="-1" strike="noStrike">
+              <a:solidFill>
+                <a:srgbClr val="ffffff"/>
+              </a:solidFill>
               <a:latin typeface="Arial"/>
             </a:endParaRPr>
           </a:p>
@@ -30619,12 +31673,18 @@
             </a:pPr>
             <a:r>
               <a:rPr b="0" lang="en-US" sz="1600" spc="-1" strike="noStrike">
+                <a:solidFill>
+                  <a:srgbClr val="ffffff"/>
+                </a:solidFill>
                 <a:latin typeface="Arial"/>
               </a:rPr>
               <a:t>‘</a:t>
             </a:r>
             <a:r>
               <a:rPr b="0" lang="en-US" sz="1600" spc="-1" strike="noStrike">
+                <a:solidFill>
+                  <a:srgbClr val="ffffff"/>
+                </a:solidFill>
                 <a:latin typeface="Arial"/>
               </a:rPr>
               <a:t>Top’ </a:t>
@@ -30636,12 +31696,39 @@
                 </a:solidFill>
                 <a:latin typeface="Arial"/>
               </a:rPr>
-              <a:t>20 pitchers of interest </a:t>
+              <a:t>20</a:t>
+            </a:r>
+            <a:r>
+              <a:rPr b="1" lang="en-US" sz="1600" spc="-1" strike="noStrike">
+                <a:solidFill>
+                  <a:srgbClr val="ffffff"/>
+                </a:solidFill>
+                <a:latin typeface="Arial"/>
+              </a:rPr>
+              <a:t> </a:t>
+            </a:r>
+            <a:r>
+              <a:rPr b="1" lang="en-US" sz="1600" spc="-1" strike="noStrike">
+                <a:solidFill>
+                  <a:srgbClr val="fff200"/>
+                </a:solidFill>
+                <a:latin typeface="Arial"/>
+              </a:rPr>
+              <a:t>pitchers of interest</a:t>
+            </a:r>
+            <a:r>
+              <a:rPr b="1" lang="en-US" sz="1600" spc="-1" strike="noStrike">
+                <a:solidFill>
+                  <a:srgbClr val="ffffff"/>
+                </a:solidFill>
+                <a:latin typeface="Arial"/>
+              </a:rPr>
+              <a:t> </a:t>
             </a:r>
             <a:r>
               <a:rPr b="0" lang="en-US" sz="1600" spc="-1" strike="noStrike">
                 <a:solidFill>
-                  <a:srgbClr val="fff200"/>
+                  <a:srgbClr val="ffffff"/>
                 </a:solidFill>
                 <a:latin typeface="Arial"/>
               </a:rPr>
@@ -30670,7 +31757,7 @@
             <a:r>
               <a:rPr b="1" lang="en-US" sz="1600" spc="-1" strike="noStrike">
                 <a:solidFill>
-                  <a:srgbClr val="fff200"/>
+                  <a:srgbClr val="ffffff"/>
                 </a:solidFill>
                 <a:latin typeface="Arial"/>
               </a:rPr>
@@ -30679,7 +31766,7 @@
             <a:r>
               <a:rPr b="0" lang="en-US" sz="1600" spc="-1" strike="noStrike">
                 <a:solidFill>
-                  <a:srgbClr val="fff200"/>
+                  <a:srgbClr val="ffffff"/>
                 </a:solidFill>
                 <a:latin typeface="Arial"/>
               </a:rPr>
@@ -30688,7 +31775,7 @@
             <a:r>
               <a:rPr b="0" lang="en-US" sz="1200" spc="-1" strike="noStrike">
                 <a:solidFill>
-                  <a:srgbClr val="fff200"/>
+                  <a:srgbClr val="ffffff"/>
                 </a:solidFill>
                 <a:latin typeface="Arial"/>
               </a:rPr>
@@ -30707,7 +31794,7 @@
             <a:r>
               <a:rPr b="1" lang="en-US" sz="1600" spc="-1" strike="noStrike">
                 <a:solidFill>
-                  <a:srgbClr val="fff200"/>
+                  <a:srgbClr val="ffffff"/>
                 </a:solidFill>
                 <a:latin typeface="Arial"/>
               </a:rPr>
@@ -30716,7 +31803,7 @@
             <a:r>
               <a:rPr b="0" lang="en-US" sz="1600" spc="-1" strike="noStrike">
                 <a:solidFill>
-                  <a:srgbClr val="fff200"/>
+                  <a:srgbClr val="ffffff"/>
                 </a:solidFill>
                 <a:latin typeface="Arial"/>
               </a:rPr>
@@ -30725,7 +31812,7 @@
             <a:r>
               <a:rPr b="0" lang="en-US" sz="1200" spc="-1" strike="noStrike">
                 <a:solidFill>
-                  <a:srgbClr val="fff200"/>
+                  <a:srgbClr val="ffffff"/>
                 </a:solidFill>
                 <a:latin typeface="Arial"/>
               </a:rPr>
@@ -30744,7 +31831,7 @@
             <a:r>
               <a:rPr b="1" lang="en-US" sz="1600" spc="-1" strike="noStrike">
                 <a:solidFill>
-                  <a:srgbClr val="fff200"/>
+                  <a:srgbClr val="ffffff"/>
                 </a:solidFill>
                 <a:latin typeface="Arial"/>
               </a:rPr>
@@ -30753,7 +31840,7 @@
             <a:r>
               <a:rPr b="0" lang="en-US" sz="1600" spc="-1" strike="noStrike">
                 <a:solidFill>
-                  <a:srgbClr val="fff200"/>
+                  <a:srgbClr val="ffffff"/>
                 </a:solidFill>
                 <a:latin typeface="Arial"/>
               </a:rPr>
@@ -30762,7 +31849,7 @@
             <a:r>
               <a:rPr b="0" lang="en-US" sz="1200" spc="-1" strike="noStrike">
                 <a:solidFill>
-                  <a:srgbClr val="fff200"/>
+                  <a:srgbClr val="ffffff"/>
                 </a:solidFill>
                 <a:latin typeface="Arial"/>
               </a:rPr>
@@ -30781,7 +31868,7 @@
             <a:r>
               <a:rPr b="1" lang="en-US" sz="1600" spc="-1" strike="noStrike">
                 <a:solidFill>
-                  <a:srgbClr val="fff200"/>
+                  <a:srgbClr val="ffffff"/>
                 </a:solidFill>
                 <a:latin typeface="Arial"/>
               </a:rPr>
@@ -30790,7 +31877,7 @@
             <a:r>
               <a:rPr b="0" lang="en-US" sz="1600" spc="-1" strike="noStrike">
                 <a:solidFill>
-                  <a:srgbClr val="fff200"/>
+                  <a:srgbClr val="ffffff"/>
                 </a:solidFill>
                 <a:latin typeface="Arial"/>
               </a:rPr>
@@ -30799,7 +31886,7 @@
             <a:r>
               <a:rPr b="0" lang="en-US" sz="1200" spc="-1" strike="noStrike">
                 <a:solidFill>
-                  <a:srgbClr val="fff200"/>
+                  <a:srgbClr val="ffffff"/>
                 </a:solidFill>
                 <a:latin typeface="Arial"/>
               </a:rPr>
@@ -30818,7 +31905,7 @@
             <a:r>
               <a:rPr b="1" lang="en-US" sz="1600" spc="-1" strike="noStrike">
                 <a:solidFill>
-                  <a:srgbClr val="fff200"/>
+                  <a:srgbClr val="ffffff"/>
                 </a:solidFill>
                 <a:latin typeface="Arial"/>
               </a:rPr>
@@ -30827,7 +31914,7 @@
             <a:r>
               <a:rPr b="0" lang="en-US" sz="1600" spc="-1" strike="noStrike">
                 <a:solidFill>
-                  <a:srgbClr val="fff200"/>
+                  <a:srgbClr val="ffffff"/>
                 </a:solidFill>
                 <a:latin typeface="Arial"/>
               </a:rPr>
@@ -30836,7 +31923,7 @@
             <a:r>
               <a:rPr b="0" lang="en-US" sz="1200" spc="-1" strike="noStrike">
                 <a:solidFill>
-                  <a:srgbClr val="fff200"/>
+                  <a:srgbClr val="ffffff"/>
                 </a:solidFill>
                 <a:latin typeface="Arial"/>
               </a:rPr>
@@ -30855,7 +31942,7 @@
             <a:r>
               <a:rPr b="1" lang="en-US" sz="1600" spc="-1" strike="noStrike">
                 <a:solidFill>
-                  <a:srgbClr val="fff200"/>
+                  <a:srgbClr val="ffffff"/>
                 </a:solidFill>
                 <a:latin typeface="Arial"/>
               </a:rPr>
@@ -30864,7 +31951,7 @@
             <a:r>
               <a:rPr b="0" lang="en-US" sz="1600" spc="-1" strike="noStrike">
                 <a:solidFill>
-                  <a:srgbClr val="fff200"/>
+                  <a:srgbClr val="ffffff"/>
                 </a:solidFill>
                 <a:latin typeface="Arial"/>
               </a:rPr>
@@ -30873,7 +31960,7 @@
             <a:r>
               <a:rPr b="0" lang="en-US" sz="1200" spc="-1" strike="noStrike">
                 <a:solidFill>
-                  <a:srgbClr val="fff200"/>
+                  <a:srgbClr val="ffffff"/>
                 </a:solidFill>
                 <a:latin typeface="Arial"/>
               </a:rPr>

--- a/capstone_projects/capstone_I/06_Capstone_I_Pitch_Prediction_Slidedeck.pptx
+++ b/capstone_projects/capstone_I/06_Capstone_I_Pitch_Prediction_Slidedeck.pptx
@@ -6332,7 +6332,7 @@
       </p:grpSpPr>
       <p:sp>
         <p:nvSpPr>
-          <p:cNvPr id="197" name="PlaceHolder 1"/>
+          <p:cNvPr id="195" name="PlaceHolder 1"/>
           <p:cNvSpPr>
             <a:spLocks noGrp="1"/>
           </p:cNvSpPr>
@@ -6361,7 +6361,7 @@
       </p:sp>
       <p:sp>
         <p:nvSpPr>
-          <p:cNvPr id="198" name="PlaceHolder 2"/>
+          <p:cNvPr id="196" name="PlaceHolder 2"/>
           <p:cNvSpPr>
             <a:spLocks noGrp="1"/>
           </p:cNvSpPr>
@@ -6412,7 +6412,7 @@
       </p:grpSpPr>
       <p:sp>
         <p:nvSpPr>
-          <p:cNvPr id="199" name="PlaceHolder 1"/>
+          <p:cNvPr id="197" name="PlaceHolder 1"/>
           <p:cNvSpPr>
             <a:spLocks noGrp="1"/>
           </p:cNvSpPr>
@@ -6441,7 +6441,7 @@
       </p:sp>
       <p:sp>
         <p:nvSpPr>
-          <p:cNvPr id="200" name="PlaceHolder 2"/>
+          <p:cNvPr id="198" name="PlaceHolder 2"/>
           <p:cNvSpPr>
             <a:spLocks noGrp="1"/>
           </p:cNvSpPr>
@@ -6493,7 +6493,7 @@
       </p:grpSpPr>
       <p:sp>
         <p:nvSpPr>
-          <p:cNvPr id="201" name="PlaceHolder 1"/>
+          <p:cNvPr id="199" name="PlaceHolder 1"/>
           <p:cNvSpPr>
             <a:spLocks noGrp="1"/>
           </p:cNvSpPr>
@@ -6522,7 +6522,7 @@
       </p:sp>
       <p:sp>
         <p:nvSpPr>
-          <p:cNvPr id="202" name="PlaceHolder 2"/>
+          <p:cNvPr id="200" name="PlaceHolder 2"/>
           <p:cNvSpPr>
             <a:spLocks noGrp="1"/>
           </p:cNvSpPr>
@@ -6552,7 +6552,7 @@
       </p:sp>
       <p:sp>
         <p:nvSpPr>
-          <p:cNvPr id="203" name="PlaceHolder 3"/>
+          <p:cNvPr id="201" name="PlaceHolder 3"/>
           <p:cNvSpPr>
             <a:spLocks noGrp="1"/>
           </p:cNvSpPr>
@@ -6604,7 +6604,7 @@
       </p:grpSpPr>
       <p:sp>
         <p:nvSpPr>
-          <p:cNvPr id="204" name="PlaceHolder 1"/>
+          <p:cNvPr id="202" name="PlaceHolder 1"/>
           <p:cNvSpPr>
             <a:spLocks noGrp="1"/>
           </p:cNvSpPr>
@@ -6655,7 +6655,7 @@
       </p:grpSpPr>
       <p:sp>
         <p:nvSpPr>
-          <p:cNvPr id="205" name="PlaceHolder 1"/>
+          <p:cNvPr id="203" name="PlaceHolder 1"/>
           <p:cNvSpPr>
             <a:spLocks noGrp="1"/>
           </p:cNvSpPr>
@@ -6706,7 +6706,7 @@
       </p:grpSpPr>
       <p:sp>
         <p:nvSpPr>
-          <p:cNvPr id="206" name="PlaceHolder 1"/>
+          <p:cNvPr id="204" name="PlaceHolder 1"/>
           <p:cNvSpPr>
             <a:spLocks noGrp="1"/>
           </p:cNvSpPr>
@@ -6735,7 +6735,7 @@
       </p:sp>
       <p:sp>
         <p:nvSpPr>
-          <p:cNvPr id="207" name="PlaceHolder 2"/>
+          <p:cNvPr id="205" name="PlaceHolder 2"/>
           <p:cNvSpPr>
             <a:spLocks noGrp="1"/>
           </p:cNvSpPr>
@@ -6765,7 +6765,7 @@
       </p:sp>
       <p:sp>
         <p:nvSpPr>
-          <p:cNvPr id="208" name="PlaceHolder 3"/>
+          <p:cNvPr id="206" name="PlaceHolder 3"/>
           <p:cNvSpPr>
             <a:spLocks noGrp="1"/>
           </p:cNvSpPr>
@@ -6795,7 +6795,7 @@
       </p:sp>
       <p:sp>
         <p:nvSpPr>
-          <p:cNvPr id="209" name="PlaceHolder 4"/>
+          <p:cNvPr id="207" name="PlaceHolder 4"/>
           <p:cNvSpPr>
             <a:spLocks noGrp="1"/>
           </p:cNvSpPr>
@@ -6847,7 +6847,7 @@
       </p:grpSpPr>
       <p:sp>
         <p:nvSpPr>
-          <p:cNvPr id="210" name="PlaceHolder 1"/>
+          <p:cNvPr id="208" name="PlaceHolder 1"/>
           <p:cNvSpPr>
             <a:spLocks noGrp="1"/>
           </p:cNvSpPr>
@@ -6876,7 +6876,7 @@
       </p:sp>
       <p:sp>
         <p:nvSpPr>
-          <p:cNvPr id="211" name="PlaceHolder 2"/>
+          <p:cNvPr id="209" name="PlaceHolder 2"/>
           <p:cNvSpPr>
             <a:spLocks noGrp="1"/>
           </p:cNvSpPr>
@@ -6906,7 +6906,7 @@
       </p:sp>
       <p:sp>
         <p:nvSpPr>
-          <p:cNvPr id="212" name="PlaceHolder 3"/>
+          <p:cNvPr id="210" name="PlaceHolder 3"/>
           <p:cNvSpPr>
             <a:spLocks noGrp="1"/>
           </p:cNvSpPr>
@@ -6936,7 +6936,7 @@
       </p:sp>
       <p:sp>
         <p:nvSpPr>
-          <p:cNvPr id="213" name="PlaceHolder 4"/>
+          <p:cNvPr id="211" name="PlaceHolder 4"/>
           <p:cNvSpPr>
             <a:spLocks noGrp="1"/>
           </p:cNvSpPr>
@@ -6988,7 +6988,7 @@
       </p:grpSpPr>
       <p:sp>
         <p:nvSpPr>
-          <p:cNvPr id="214" name="PlaceHolder 1"/>
+          <p:cNvPr id="212" name="PlaceHolder 1"/>
           <p:cNvSpPr>
             <a:spLocks noGrp="1"/>
           </p:cNvSpPr>
@@ -7017,7 +7017,7 @@
       </p:sp>
       <p:sp>
         <p:nvSpPr>
-          <p:cNvPr id="215" name="PlaceHolder 2"/>
+          <p:cNvPr id="213" name="PlaceHolder 2"/>
           <p:cNvSpPr>
             <a:spLocks noGrp="1"/>
           </p:cNvSpPr>
@@ -7047,7 +7047,7 @@
       </p:sp>
       <p:sp>
         <p:nvSpPr>
-          <p:cNvPr id="216" name="PlaceHolder 3"/>
+          <p:cNvPr id="214" name="PlaceHolder 3"/>
           <p:cNvSpPr>
             <a:spLocks noGrp="1"/>
           </p:cNvSpPr>
@@ -7077,7 +7077,7 @@
       </p:sp>
       <p:sp>
         <p:nvSpPr>
-          <p:cNvPr id="217" name="PlaceHolder 4"/>
+          <p:cNvPr id="215" name="PlaceHolder 4"/>
           <p:cNvSpPr>
             <a:spLocks noGrp="1"/>
           </p:cNvSpPr>
@@ -7270,7 +7270,7 @@
       </p:grpSpPr>
       <p:sp>
         <p:nvSpPr>
-          <p:cNvPr id="218" name="PlaceHolder 1"/>
+          <p:cNvPr id="216" name="PlaceHolder 1"/>
           <p:cNvSpPr>
             <a:spLocks noGrp="1"/>
           </p:cNvSpPr>
@@ -7299,7 +7299,7 @@
       </p:sp>
       <p:sp>
         <p:nvSpPr>
-          <p:cNvPr id="219" name="PlaceHolder 2"/>
+          <p:cNvPr id="217" name="PlaceHolder 2"/>
           <p:cNvSpPr>
             <a:spLocks noGrp="1"/>
           </p:cNvSpPr>
@@ -7329,7 +7329,7 @@
       </p:sp>
       <p:sp>
         <p:nvSpPr>
-          <p:cNvPr id="220" name="PlaceHolder 3"/>
+          <p:cNvPr id="218" name="PlaceHolder 3"/>
           <p:cNvSpPr>
             <a:spLocks noGrp="1"/>
           </p:cNvSpPr>
@@ -7381,7 +7381,7 @@
       </p:grpSpPr>
       <p:sp>
         <p:nvSpPr>
-          <p:cNvPr id="221" name="PlaceHolder 1"/>
+          <p:cNvPr id="219" name="PlaceHolder 1"/>
           <p:cNvSpPr>
             <a:spLocks noGrp="1"/>
           </p:cNvSpPr>
@@ -7410,7 +7410,7 @@
       </p:sp>
       <p:sp>
         <p:nvSpPr>
-          <p:cNvPr id="222" name="PlaceHolder 2"/>
+          <p:cNvPr id="220" name="PlaceHolder 2"/>
           <p:cNvSpPr>
             <a:spLocks noGrp="1"/>
           </p:cNvSpPr>
@@ -7440,7 +7440,7 @@
       </p:sp>
       <p:sp>
         <p:nvSpPr>
-          <p:cNvPr id="223" name="PlaceHolder 3"/>
+          <p:cNvPr id="221" name="PlaceHolder 3"/>
           <p:cNvSpPr>
             <a:spLocks noGrp="1"/>
           </p:cNvSpPr>
@@ -7470,7 +7470,7 @@
       </p:sp>
       <p:sp>
         <p:nvSpPr>
-          <p:cNvPr id="224" name="PlaceHolder 4"/>
+          <p:cNvPr id="222" name="PlaceHolder 4"/>
           <p:cNvSpPr>
             <a:spLocks noGrp="1"/>
           </p:cNvSpPr>
@@ -7500,7 +7500,7 @@
       </p:sp>
       <p:sp>
         <p:nvSpPr>
-          <p:cNvPr id="225" name="PlaceHolder 5"/>
+          <p:cNvPr id="223" name="PlaceHolder 5"/>
           <p:cNvSpPr>
             <a:spLocks noGrp="1"/>
           </p:cNvSpPr>
@@ -7552,7 +7552,7 @@
       </p:grpSpPr>
       <p:sp>
         <p:nvSpPr>
-          <p:cNvPr id="226" name="PlaceHolder 1"/>
+          <p:cNvPr id="224" name="PlaceHolder 1"/>
           <p:cNvSpPr>
             <a:spLocks noGrp="1"/>
           </p:cNvSpPr>
@@ -7581,7 +7581,7 @@
       </p:sp>
       <p:sp>
         <p:nvSpPr>
-          <p:cNvPr id="227" name="PlaceHolder 2"/>
+          <p:cNvPr id="225" name="PlaceHolder 2"/>
           <p:cNvSpPr>
             <a:spLocks noGrp="1"/>
           </p:cNvSpPr>
@@ -7611,7 +7611,7 @@
       </p:sp>
       <p:sp>
         <p:nvSpPr>
-          <p:cNvPr id="228" name="PlaceHolder 3"/>
+          <p:cNvPr id="226" name="PlaceHolder 3"/>
           <p:cNvSpPr>
             <a:spLocks noGrp="1"/>
           </p:cNvSpPr>
@@ -7641,7 +7641,7 @@
       </p:sp>
       <p:sp>
         <p:nvSpPr>
-          <p:cNvPr id="229" name="PlaceHolder 4"/>
+          <p:cNvPr id="227" name="PlaceHolder 4"/>
           <p:cNvSpPr>
             <a:spLocks noGrp="1"/>
           </p:cNvSpPr>
@@ -7671,7 +7671,7 @@
       </p:sp>
       <p:sp>
         <p:nvSpPr>
-          <p:cNvPr id="230" name="PlaceHolder 5"/>
+          <p:cNvPr id="228" name="PlaceHolder 5"/>
           <p:cNvSpPr>
             <a:spLocks noGrp="1"/>
           </p:cNvSpPr>
@@ -7701,7 +7701,7 @@
       </p:sp>
       <p:sp>
         <p:nvSpPr>
-          <p:cNvPr id="231" name="PlaceHolder 6"/>
+          <p:cNvPr id="229" name="PlaceHolder 6"/>
           <p:cNvSpPr>
             <a:spLocks noGrp="1"/>
           </p:cNvSpPr>
@@ -7731,7 +7731,7 @@
       </p:sp>
       <p:sp>
         <p:nvSpPr>
-          <p:cNvPr id="232" name="PlaceHolder 7"/>
+          <p:cNvPr id="230" name="PlaceHolder 7"/>
           <p:cNvSpPr>
             <a:spLocks noGrp="1"/>
           </p:cNvSpPr>
@@ -7805,7 +7805,7 @@
       </p:grpSpPr>
       <p:sp>
         <p:nvSpPr>
-          <p:cNvPr id="237" name="PlaceHolder 1"/>
+          <p:cNvPr id="233" name="PlaceHolder 1"/>
           <p:cNvSpPr>
             <a:spLocks noGrp="1"/>
           </p:cNvSpPr>
@@ -7834,7 +7834,7 @@
       </p:sp>
       <p:sp>
         <p:nvSpPr>
-          <p:cNvPr id="238" name="PlaceHolder 2"/>
+          <p:cNvPr id="234" name="PlaceHolder 2"/>
           <p:cNvSpPr>
             <a:spLocks noGrp="1"/>
           </p:cNvSpPr>
@@ -7885,7 +7885,7 @@
       </p:grpSpPr>
       <p:sp>
         <p:nvSpPr>
-          <p:cNvPr id="239" name="PlaceHolder 1"/>
+          <p:cNvPr id="235" name="PlaceHolder 1"/>
           <p:cNvSpPr>
             <a:spLocks noGrp="1"/>
           </p:cNvSpPr>
@@ -7914,7 +7914,7 @@
       </p:sp>
       <p:sp>
         <p:nvSpPr>
-          <p:cNvPr id="240" name="PlaceHolder 2"/>
+          <p:cNvPr id="236" name="PlaceHolder 2"/>
           <p:cNvSpPr>
             <a:spLocks noGrp="1"/>
           </p:cNvSpPr>
@@ -7966,7 +7966,7 @@
       </p:grpSpPr>
       <p:sp>
         <p:nvSpPr>
-          <p:cNvPr id="241" name="PlaceHolder 1"/>
+          <p:cNvPr id="237" name="PlaceHolder 1"/>
           <p:cNvSpPr>
             <a:spLocks noGrp="1"/>
           </p:cNvSpPr>
@@ -7995,7 +7995,7 @@
       </p:sp>
       <p:sp>
         <p:nvSpPr>
-          <p:cNvPr id="242" name="PlaceHolder 2"/>
+          <p:cNvPr id="238" name="PlaceHolder 2"/>
           <p:cNvSpPr>
             <a:spLocks noGrp="1"/>
           </p:cNvSpPr>
@@ -8025,7 +8025,7 @@
       </p:sp>
       <p:sp>
         <p:nvSpPr>
-          <p:cNvPr id="243" name="PlaceHolder 3"/>
+          <p:cNvPr id="239" name="PlaceHolder 3"/>
           <p:cNvSpPr>
             <a:spLocks noGrp="1"/>
           </p:cNvSpPr>
@@ -8077,7 +8077,7 @@
       </p:grpSpPr>
       <p:sp>
         <p:nvSpPr>
-          <p:cNvPr id="244" name="PlaceHolder 1"/>
+          <p:cNvPr id="240" name="PlaceHolder 1"/>
           <p:cNvSpPr>
             <a:spLocks noGrp="1"/>
           </p:cNvSpPr>
@@ -8128,7 +8128,7 @@
       </p:grpSpPr>
       <p:sp>
         <p:nvSpPr>
-          <p:cNvPr id="245" name="PlaceHolder 1"/>
+          <p:cNvPr id="241" name="PlaceHolder 1"/>
           <p:cNvSpPr>
             <a:spLocks noGrp="1"/>
           </p:cNvSpPr>
@@ -8179,7 +8179,7 @@
       </p:grpSpPr>
       <p:sp>
         <p:nvSpPr>
-          <p:cNvPr id="246" name="PlaceHolder 1"/>
+          <p:cNvPr id="242" name="PlaceHolder 1"/>
           <p:cNvSpPr>
             <a:spLocks noGrp="1"/>
           </p:cNvSpPr>
@@ -8208,7 +8208,7 @@
       </p:sp>
       <p:sp>
         <p:nvSpPr>
-          <p:cNvPr id="247" name="PlaceHolder 2"/>
+          <p:cNvPr id="243" name="PlaceHolder 2"/>
           <p:cNvSpPr>
             <a:spLocks noGrp="1"/>
           </p:cNvSpPr>
@@ -8238,7 +8238,7 @@
       </p:sp>
       <p:sp>
         <p:nvSpPr>
-          <p:cNvPr id="248" name="PlaceHolder 3"/>
+          <p:cNvPr id="244" name="PlaceHolder 3"/>
           <p:cNvSpPr>
             <a:spLocks noGrp="1"/>
           </p:cNvSpPr>
@@ -8268,7 +8268,7 @@
       </p:sp>
       <p:sp>
         <p:nvSpPr>
-          <p:cNvPr id="249" name="PlaceHolder 4"/>
+          <p:cNvPr id="245" name="PlaceHolder 4"/>
           <p:cNvSpPr>
             <a:spLocks noGrp="1"/>
           </p:cNvSpPr>
@@ -8461,7 +8461,7 @@
       </p:grpSpPr>
       <p:sp>
         <p:nvSpPr>
-          <p:cNvPr id="250" name="PlaceHolder 1"/>
+          <p:cNvPr id="246" name="PlaceHolder 1"/>
           <p:cNvSpPr>
             <a:spLocks noGrp="1"/>
           </p:cNvSpPr>
@@ -8490,7 +8490,7 @@
       </p:sp>
       <p:sp>
         <p:nvSpPr>
-          <p:cNvPr id="251" name="PlaceHolder 2"/>
+          <p:cNvPr id="247" name="PlaceHolder 2"/>
           <p:cNvSpPr>
             <a:spLocks noGrp="1"/>
           </p:cNvSpPr>
@@ -8520,7 +8520,7 @@
       </p:sp>
       <p:sp>
         <p:nvSpPr>
-          <p:cNvPr id="252" name="PlaceHolder 3"/>
+          <p:cNvPr id="248" name="PlaceHolder 3"/>
           <p:cNvSpPr>
             <a:spLocks noGrp="1"/>
           </p:cNvSpPr>
@@ -8550,7 +8550,7 @@
       </p:sp>
       <p:sp>
         <p:nvSpPr>
-          <p:cNvPr id="253" name="PlaceHolder 4"/>
+          <p:cNvPr id="249" name="PlaceHolder 4"/>
           <p:cNvSpPr>
             <a:spLocks noGrp="1"/>
           </p:cNvSpPr>
@@ -8602,7 +8602,7 @@
       </p:grpSpPr>
       <p:sp>
         <p:nvSpPr>
-          <p:cNvPr id="254" name="PlaceHolder 1"/>
+          <p:cNvPr id="250" name="PlaceHolder 1"/>
           <p:cNvSpPr>
             <a:spLocks noGrp="1"/>
           </p:cNvSpPr>
@@ -8631,7 +8631,7 @@
       </p:sp>
       <p:sp>
         <p:nvSpPr>
-          <p:cNvPr id="255" name="PlaceHolder 2"/>
+          <p:cNvPr id="251" name="PlaceHolder 2"/>
           <p:cNvSpPr>
             <a:spLocks noGrp="1"/>
           </p:cNvSpPr>
@@ -8661,7 +8661,7 @@
       </p:sp>
       <p:sp>
         <p:nvSpPr>
-          <p:cNvPr id="256" name="PlaceHolder 3"/>
+          <p:cNvPr id="252" name="PlaceHolder 3"/>
           <p:cNvSpPr>
             <a:spLocks noGrp="1"/>
           </p:cNvSpPr>
@@ -8691,7 +8691,7 @@
       </p:sp>
       <p:sp>
         <p:nvSpPr>
-          <p:cNvPr id="257" name="PlaceHolder 4"/>
+          <p:cNvPr id="253" name="PlaceHolder 4"/>
           <p:cNvSpPr>
             <a:spLocks noGrp="1"/>
           </p:cNvSpPr>
@@ -8743,7 +8743,7 @@
       </p:grpSpPr>
       <p:sp>
         <p:nvSpPr>
-          <p:cNvPr id="258" name="PlaceHolder 1"/>
+          <p:cNvPr id="254" name="PlaceHolder 1"/>
           <p:cNvSpPr>
             <a:spLocks noGrp="1"/>
           </p:cNvSpPr>
@@ -8772,7 +8772,7 @@
       </p:sp>
       <p:sp>
         <p:nvSpPr>
-          <p:cNvPr id="259" name="PlaceHolder 2"/>
+          <p:cNvPr id="255" name="PlaceHolder 2"/>
           <p:cNvSpPr>
             <a:spLocks noGrp="1"/>
           </p:cNvSpPr>
@@ -8802,7 +8802,7 @@
       </p:sp>
       <p:sp>
         <p:nvSpPr>
-          <p:cNvPr id="260" name="PlaceHolder 3"/>
+          <p:cNvPr id="256" name="PlaceHolder 3"/>
           <p:cNvSpPr>
             <a:spLocks noGrp="1"/>
           </p:cNvSpPr>
@@ -8854,7 +8854,7 @@
       </p:grpSpPr>
       <p:sp>
         <p:nvSpPr>
-          <p:cNvPr id="261" name="PlaceHolder 1"/>
+          <p:cNvPr id="257" name="PlaceHolder 1"/>
           <p:cNvSpPr>
             <a:spLocks noGrp="1"/>
           </p:cNvSpPr>
@@ -8883,7 +8883,7 @@
       </p:sp>
       <p:sp>
         <p:nvSpPr>
-          <p:cNvPr id="262" name="PlaceHolder 2"/>
+          <p:cNvPr id="258" name="PlaceHolder 2"/>
           <p:cNvSpPr>
             <a:spLocks noGrp="1"/>
           </p:cNvSpPr>
@@ -8913,7 +8913,7 @@
       </p:sp>
       <p:sp>
         <p:nvSpPr>
-          <p:cNvPr id="263" name="PlaceHolder 3"/>
+          <p:cNvPr id="259" name="PlaceHolder 3"/>
           <p:cNvSpPr>
             <a:spLocks noGrp="1"/>
           </p:cNvSpPr>
@@ -8943,7 +8943,7 @@
       </p:sp>
       <p:sp>
         <p:nvSpPr>
-          <p:cNvPr id="264" name="PlaceHolder 4"/>
+          <p:cNvPr id="260" name="PlaceHolder 4"/>
           <p:cNvSpPr>
             <a:spLocks noGrp="1"/>
           </p:cNvSpPr>
@@ -8973,7 +8973,7 @@
       </p:sp>
       <p:sp>
         <p:nvSpPr>
-          <p:cNvPr id="265" name="PlaceHolder 5"/>
+          <p:cNvPr id="261" name="PlaceHolder 5"/>
           <p:cNvSpPr>
             <a:spLocks noGrp="1"/>
           </p:cNvSpPr>
@@ -9025,7 +9025,7 @@
       </p:grpSpPr>
       <p:sp>
         <p:nvSpPr>
-          <p:cNvPr id="266" name="PlaceHolder 1"/>
+          <p:cNvPr id="262" name="PlaceHolder 1"/>
           <p:cNvSpPr>
             <a:spLocks noGrp="1"/>
           </p:cNvSpPr>
@@ -9054,7 +9054,7 @@
       </p:sp>
       <p:sp>
         <p:nvSpPr>
-          <p:cNvPr id="267" name="PlaceHolder 2"/>
+          <p:cNvPr id="263" name="PlaceHolder 2"/>
           <p:cNvSpPr>
             <a:spLocks noGrp="1"/>
           </p:cNvSpPr>
@@ -9084,7 +9084,7 @@
       </p:sp>
       <p:sp>
         <p:nvSpPr>
-          <p:cNvPr id="268" name="PlaceHolder 3"/>
+          <p:cNvPr id="264" name="PlaceHolder 3"/>
           <p:cNvSpPr>
             <a:spLocks noGrp="1"/>
           </p:cNvSpPr>
@@ -9114,7 +9114,7 @@
       </p:sp>
       <p:sp>
         <p:nvSpPr>
-          <p:cNvPr id="269" name="PlaceHolder 4"/>
+          <p:cNvPr id="265" name="PlaceHolder 4"/>
           <p:cNvSpPr>
             <a:spLocks noGrp="1"/>
           </p:cNvSpPr>
@@ -9144,7 +9144,7 @@
       </p:sp>
       <p:sp>
         <p:nvSpPr>
-          <p:cNvPr id="270" name="PlaceHolder 5"/>
+          <p:cNvPr id="266" name="PlaceHolder 5"/>
           <p:cNvSpPr>
             <a:spLocks noGrp="1"/>
           </p:cNvSpPr>
@@ -9174,7 +9174,7 @@
       </p:sp>
       <p:sp>
         <p:nvSpPr>
-          <p:cNvPr id="271" name="PlaceHolder 6"/>
+          <p:cNvPr id="267" name="PlaceHolder 6"/>
           <p:cNvSpPr>
             <a:spLocks noGrp="1"/>
           </p:cNvSpPr>
@@ -9204,7 +9204,7 @@
       </p:sp>
       <p:sp>
         <p:nvSpPr>
-          <p:cNvPr id="272" name="PlaceHolder 7"/>
+          <p:cNvPr id="268" name="PlaceHolder 7"/>
           <p:cNvSpPr>
             <a:spLocks noGrp="1"/>
           </p:cNvSpPr>
@@ -9278,7 +9278,7 @@
       </p:grpSpPr>
       <p:sp>
         <p:nvSpPr>
-          <p:cNvPr id="275" name="PlaceHolder 1"/>
+          <p:cNvPr id="271" name="PlaceHolder 1"/>
           <p:cNvSpPr>
             <a:spLocks noGrp="1"/>
           </p:cNvSpPr>
@@ -9307,7 +9307,7 @@
       </p:sp>
       <p:sp>
         <p:nvSpPr>
-          <p:cNvPr id="276" name="PlaceHolder 2"/>
+          <p:cNvPr id="272" name="PlaceHolder 2"/>
           <p:cNvSpPr>
             <a:spLocks noGrp="1"/>
           </p:cNvSpPr>
@@ -9358,7 +9358,7 @@
       </p:grpSpPr>
       <p:sp>
         <p:nvSpPr>
-          <p:cNvPr id="277" name="PlaceHolder 1"/>
+          <p:cNvPr id="273" name="PlaceHolder 1"/>
           <p:cNvSpPr>
             <a:spLocks noGrp="1"/>
           </p:cNvSpPr>
@@ -9387,7 +9387,7 @@
       </p:sp>
       <p:sp>
         <p:nvSpPr>
-          <p:cNvPr id="278" name="PlaceHolder 2"/>
+          <p:cNvPr id="274" name="PlaceHolder 2"/>
           <p:cNvSpPr>
             <a:spLocks noGrp="1"/>
           </p:cNvSpPr>
@@ -9439,7 +9439,7 @@
       </p:grpSpPr>
       <p:sp>
         <p:nvSpPr>
-          <p:cNvPr id="279" name="PlaceHolder 1"/>
+          <p:cNvPr id="275" name="PlaceHolder 1"/>
           <p:cNvSpPr>
             <a:spLocks noGrp="1"/>
           </p:cNvSpPr>
@@ -9468,7 +9468,7 @@
       </p:sp>
       <p:sp>
         <p:nvSpPr>
-          <p:cNvPr id="280" name="PlaceHolder 2"/>
+          <p:cNvPr id="276" name="PlaceHolder 2"/>
           <p:cNvSpPr>
             <a:spLocks noGrp="1"/>
           </p:cNvSpPr>
@@ -9498,7 +9498,7 @@
       </p:sp>
       <p:sp>
         <p:nvSpPr>
-          <p:cNvPr id="281" name="PlaceHolder 3"/>
+          <p:cNvPr id="277" name="PlaceHolder 3"/>
           <p:cNvSpPr>
             <a:spLocks noGrp="1"/>
           </p:cNvSpPr>
@@ -9550,7 +9550,7 @@
       </p:grpSpPr>
       <p:sp>
         <p:nvSpPr>
-          <p:cNvPr id="282" name="PlaceHolder 1"/>
+          <p:cNvPr id="278" name="PlaceHolder 1"/>
           <p:cNvSpPr>
             <a:spLocks noGrp="1"/>
           </p:cNvSpPr>
@@ -9742,7 +9742,7 @@
       </p:grpSpPr>
       <p:sp>
         <p:nvSpPr>
-          <p:cNvPr id="283" name="PlaceHolder 1"/>
+          <p:cNvPr id="279" name="PlaceHolder 1"/>
           <p:cNvSpPr>
             <a:spLocks noGrp="1"/>
           </p:cNvSpPr>
@@ -9793,7 +9793,7 @@
       </p:grpSpPr>
       <p:sp>
         <p:nvSpPr>
-          <p:cNvPr id="284" name="PlaceHolder 1"/>
+          <p:cNvPr id="280" name="PlaceHolder 1"/>
           <p:cNvSpPr>
             <a:spLocks noGrp="1"/>
           </p:cNvSpPr>
@@ -9822,7 +9822,7 @@
       </p:sp>
       <p:sp>
         <p:nvSpPr>
-          <p:cNvPr id="285" name="PlaceHolder 2"/>
+          <p:cNvPr id="281" name="PlaceHolder 2"/>
           <p:cNvSpPr>
             <a:spLocks noGrp="1"/>
           </p:cNvSpPr>
@@ -9852,7 +9852,7 @@
       </p:sp>
       <p:sp>
         <p:nvSpPr>
-          <p:cNvPr id="286" name="PlaceHolder 3"/>
+          <p:cNvPr id="282" name="PlaceHolder 3"/>
           <p:cNvSpPr>
             <a:spLocks noGrp="1"/>
           </p:cNvSpPr>
@@ -9882,7 +9882,7 @@
       </p:sp>
       <p:sp>
         <p:nvSpPr>
-          <p:cNvPr id="287" name="PlaceHolder 4"/>
+          <p:cNvPr id="283" name="PlaceHolder 4"/>
           <p:cNvSpPr>
             <a:spLocks noGrp="1"/>
           </p:cNvSpPr>
@@ -9934,7 +9934,7 @@
       </p:grpSpPr>
       <p:sp>
         <p:nvSpPr>
-          <p:cNvPr id="288" name="PlaceHolder 1"/>
+          <p:cNvPr id="284" name="PlaceHolder 1"/>
           <p:cNvSpPr>
             <a:spLocks noGrp="1"/>
           </p:cNvSpPr>
@@ -9963,7 +9963,7 @@
       </p:sp>
       <p:sp>
         <p:nvSpPr>
-          <p:cNvPr id="289" name="PlaceHolder 2"/>
+          <p:cNvPr id="285" name="PlaceHolder 2"/>
           <p:cNvSpPr>
             <a:spLocks noGrp="1"/>
           </p:cNvSpPr>
@@ -9993,7 +9993,7 @@
       </p:sp>
       <p:sp>
         <p:nvSpPr>
-          <p:cNvPr id="290" name="PlaceHolder 3"/>
+          <p:cNvPr id="286" name="PlaceHolder 3"/>
           <p:cNvSpPr>
             <a:spLocks noGrp="1"/>
           </p:cNvSpPr>
@@ -10023,7 +10023,7 @@
       </p:sp>
       <p:sp>
         <p:nvSpPr>
-          <p:cNvPr id="291" name="PlaceHolder 4"/>
+          <p:cNvPr id="287" name="PlaceHolder 4"/>
           <p:cNvSpPr>
             <a:spLocks noGrp="1"/>
           </p:cNvSpPr>
@@ -10075,7 +10075,7 @@
       </p:grpSpPr>
       <p:sp>
         <p:nvSpPr>
-          <p:cNvPr id="292" name="PlaceHolder 1"/>
+          <p:cNvPr id="288" name="PlaceHolder 1"/>
           <p:cNvSpPr>
             <a:spLocks noGrp="1"/>
           </p:cNvSpPr>
@@ -10104,7 +10104,7 @@
       </p:sp>
       <p:sp>
         <p:nvSpPr>
-          <p:cNvPr id="293" name="PlaceHolder 2"/>
+          <p:cNvPr id="289" name="PlaceHolder 2"/>
           <p:cNvSpPr>
             <a:spLocks noGrp="1"/>
           </p:cNvSpPr>
@@ -10134,7 +10134,7 @@
       </p:sp>
       <p:sp>
         <p:nvSpPr>
-          <p:cNvPr id="294" name="PlaceHolder 3"/>
+          <p:cNvPr id="290" name="PlaceHolder 3"/>
           <p:cNvSpPr>
             <a:spLocks noGrp="1"/>
           </p:cNvSpPr>
@@ -10164,7 +10164,7 @@
       </p:sp>
       <p:sp>
         <p:nvSpPr>
-          <p:cNvPr id="295" name="PlaceHolder 4"/>
+          <p:cNvPr id="291" name="PlaceHolder 4"/>
           <p:cNvSpPr>
             <a:spLocks noGrp="1"/>
           </p:cNvSpPr>
@@ -10216,7 +10216,7 @@
       </p:grpSpPr>
       <p:sp>
         <p:nvSpPr>
-          <p:cNvPr id="296" name="PlaceHolder 1"/>
+          <p:cNvPr id="292" name="PlaceHolder 1"/>
           <p:cNvSpPr>
             <a:spLocks noGrp="1"/>
           </p:cNvSpPr>
@@ -10245,7 +10245,7 @@
       </p:sp>
       <p:sp>
         <p:nvSpPr>
-          <p:cNvPr id="297" name="PlaceHolder 2"/>
+          <p:cNvPr id="293" name="PlaceHolder 2"/>
           <p:cNvSpPr>
             <a:spLocks noGrp="1"/>
           </p:cNvSpPr>
@@ -10275,7 +10275,7 @@
       </p:sp>
       <p:sp>
         <p:nvSpPr>
-          <p:cNvPr id="298" name="PlaceHolder 3"/>
+          <p:cNvPr id="294" name="PlaceHolder 3"/>
           <p:cNvSpPr>
             <a:spLocks noGrp="1"/>
           </p:cNvSpPr>
@@ -10327,7 +10327,7 @@
       </p:grpSpPr>
       <p:sp>
         <p:nvSpPr>
-          <p:cNvPr id="299" name="PlaceHolder 1"/>
+          <p:cNvPr id="295" name="PlaceHolder 1"/>
           <p:cNvSpPr>
             <a:spLocks noGrp="1"/>
           </p:cNvSpPr>
@@ -10356,7 +10356,7 @@
       </p:sp>
       <p:sp>
         <p:nvSpPr>
-          <p:cNvPr id="300" name="PlaceHolder 2"/>
+          <p:cNvPr id="296" name="PlaceHolder 2"/>
           <p:cNvSpPr>
             <a:spLocks noGrp="1"/>
           </p:cNvSpPr>
@@ -10386,7 +10386,7 @@
       </p:sp>
       <p:sp>
         <p:nvSpPr>
-          <p:cNvPr id="301" name="PlaceHolder 3"/>
+          <p:cNvPr id="297" name="PlaceHolder 3"/>
           <p:cNvSpPr>
             <a:spLocks noGrp="1"/>
           </p:cNvSpPr>
@@ -10416,7 +10416,7 @@
       </p:sp>
       <p:sp>
         <p:nvSpPr>
-          <p:cNvPr id="302" name="PlaceHolder 4"/>
+          <p:cNvPr id="298" name="PlaceHolder 4"/>
           <p:cNvSpPr>
             <a:spLocks noGrp="1"/>
           </p:cNvSpPr>
@@ -10446,7 +10446,7 @@
       </p:sp>
       <p:sp>
         <p:nvSpPr>
-          <p:cNvPr id="303" name="PlaceHolder 5"/>
+          <p:cNvPr id="299" name="PlaceHolder 5"/>
           <p:cNvSpPr>
             <a:spLocks noGrp="1"/>
           </p:cNvSpPr>
@@ -10498,7 +10498,7 @@
       </p:grpSpPr>
       <p:sp>
         <p:nvSpPr>
-          <p:cNvPr id="304" name="PlaceHolder 1"/>
+          <p:cNvPr id="300" name="PlaceHolder 1"/>
           <p:cNvSpPr>
             <a:spLocks noGrp="1"/>
           </p:cNvSpPr>
@@ -10527,7 +10527,7 @@
       </p:sp>
       <p:sp>
         <p:nvSpPr>
-          <p:cNvPr id="305" name="PlaceHolder 2"/>
+          <p:cNvPr id="301" name="PlaceHolder 2"/>
           <p:cNvSpPr>
             <a:spLocks noGrp="1"/>
           </p:cNvSpPr>
@@ -10557,7 +10557,7 @@
       </p:sp>
       <p:sp>
         <p:nvSpPr>
-          <p:cNvPr id="306" name="PlaceHolder 3"/>
+          <p:cNvPr id="302" name="PlaceHolder 3"/>
           <p:cNvSpPr>
             <a:spLocks noGrp="1"/>
           </p:cNvSpPr>
@@ -10587,7 +10587,7 @@
       </p:sp>
       <p:sp>
         <p:nvSpPr>
-          <p:cNvPr id="307" name="PlaceHolder 4"/>
+          <p:cNvPr id="303" name="PlaceHolder 4"/>
           <p:cNvSpPr>
             <a:spLocks noGrp="1"/>
           </p:cNvSpPr>
@@ -10617,7 +10617,7 @@
       </p:sp>
       <p:sp>
         <p:nvSpPr>
-          <p:cNvPr id="308" name="PlaceHolder 5"/>
+          <p:cNvPr id="304" name="PlaceHolder 5"/>
           <p:cNvSpPr>
             <a:spLocks noGrp="1"/>
           </p:cNvSpPr>
@@ -10647,7 +10647,7 @@
       </p:sp>
       <p:sp>
         <p:nvSpPr>
-          <p:cNvPr id="309" name="PlaceHolder 6"/>
+          <p:cNvPr id="305" name="PlaceHolder 6"/>
           <p:cNvSpPr>
             <a:spLocks noGrp="1"/>
           </p:cNvSpPr>
@@ -10677,7 +10677,7 @@
       </p:sp>
       <p:sp>
         <p:nvSpPr>
-          <p:cNvPr id="310" name="PlaceHolder 7"/>
+          <p:cNvPr id="306" name="PlaceHolder 7"/>
           <p:cNvSpPr>
             <a:spLocks noGrp="1"/>
           </p:cNvSpPr>
@@ -10750,7 +10750,7 @@
         <p:spPr>
           <a:xfrm>
             <a:off x="457200" y="273600"/>
-            <a:ext cx="8228880" cy="1144440"/>
+            <a:ext cx="8229240" cy="1144800"/>
           </a:xfrm>
           <a:prstGeom prst="rect">
             <a:avLst/>
@@ -10759,13 +10759,14 @@
         <p:txBody>
           <a:bodyPr lIns="0" rIns="0" tIns="0" bIns="0" anchor="ctr"/>
           <a:p>
-            <a:r>
-              <a:rPr b="0" lang="en-US" sz="1800" spc="-1" strike="noStrike">
+            <a:pPr algn="ctr"/>
+            <a:r>
+              <a:rPr b="0" lang="en-US" sz="4400" spc="-1" strike="noStrike">
                 <a:latin typeface="Arial"/>
               </a:rPr>
               <a:t>Click to edit the title text format</a:t>
             </a:r>
-            <a:endParaRPr b="0" lang="en-US" sz="1800" spc="-1" strike="noStrike">
+            <a:endParaRPr b="0" lang="en-US" sz="4400" spc="-1" strike="noStrike">
               <a:latin typeface="Arial"/>
             </a:endParaRPr>
           </a:p>
@@ -10784,7 +10785,7 @@
         <p:spPr>
           <a:xfrm>
             <a:off x="457200" y="1604520"/>
-            <a:ext cx="8228880" cy="3976920"/>
+            <a:ext cx="8229240" cy="3977280"/>
           </a:xfrm>
           <a:prstGeom prst="rect">
             <a:avLst/>
@@ -10807,12 +10808,12 @@
               <a:buChar char=""/>
             </a:pPr>
             <a:r>
-              <a:rPr b="0" lang="en-US" sz="1800" spc="-1" strike="noStrike">
+              <a:rPr b="0" lang="en-US" sz="3200" spc="-1" strike="noStrike">
                 <a:latin typeface="Arial"/>
               </a:rPr>
               <a:t>Click to edit the outline text format</a:t>
             </a:r>
-            <a:endParaRPr b="0" lang="en-US" sz="1800" spc="-1" strike="noStrike">
+            <a:endParaRPr b="0" lang="en-US" sz="3200" spc="-1" strike="noStrike">
               <a:latin typeface="Arial"/>
             </a:endParaRPr>
           </a:p>
@@ -10829,12 +10830,12 @@
               <a:buChar char=""/>
             </a:pPr>
             <a:r>
-              <a:rPr b="0" lang="en-US" sz="1800" spc="-1" strike="noStrike">
+              <a:rPr b="0" lang="en-US" sz="2800" spc="-1" strike="noStrike">
                 <a:latin typeface="Arial"/>
               </a:rPr>
               <a:t>Second Outline Level</a:t>
             </a:r>
-            <a:endParaRPr b="0" lang="en-US" sz="1800" spc="-1" strike="noStrike">
+            <a:endParaRPr b="0" lang="en-US" sz="2800" spc="-1" strike="noStrike">
               <a:latin typeface="Arial"/>
             </a:endParaRPr>
           </a:p>
@@ -10851,12 +10852,12 @@
               <a:buChar char=""/>
             </a:pPr>
             <a:r>
-              <a:rPr b="0" lang="en-US" sz="1800" spc="-1" strike="noStrike">
+              <a:rPr b="0" lang="en-US" sz="2400" spc="-1" strike="noStrike">
                 <a:latin typeface="Arial"/>
               </a:rPr>
               <a:t>Third Outline Level</a:t>
             </a:r>
-            <a:endParaRPr b="0" lang="en-US" sz="1800" spc="-1" strike="noStrike">
+            <a:endParaRPr b="0" lang="en-US" sz="2400" spc="-1" strike="noStrike">
               <a:latin typeface="Arial"/>
             </a:endParaRPr>
           </a:p>
@@ -10873,12 +10874,12 @@
               <a:buChar char=""/>
             </a:pPr>
             <a:r>
-              <a:rPr b="0" lang="en-US" sz="1800" spc="-1" strike="noStrike">
+              <a:rPr b="0" lang="en-US" sz="2000" spc="-1" strike="noStrike">
                 <a:latin typeface="Arial"/>
               </a:rPr>
               <a:t>Fourth Outline Level</a:t>
             </a:r>
-            <a:endParaRPr b="0" lang="en-US" sz="1800" spc="-1" strike="noStrike">
+            <a:endParaRPr b="0" lang="en-US" sz="2000" spc="-1" strike="noStrike">
               <a:latin typeface="Arial"/>
             </a:endParaRPr>
           </a:p>
@@ -10895,12 +10896,12 @@
               <a:buChar char=""/>
             </a:pPr>
             <a:r>
-              <a:rPr b="0" lang="en-US" sz="1800" spc="-1" strike="noStrike">
+              <a:rPr b="0" lang="en-US" sz="2000" spc="-1" strike="noStrike">
                 <a:latin typeface="Arial"/>
               </a:rPr>
               <a:t>Fifth Outline Level</a:t>
             </a:r>
-            <a:endParaRPr b="0" lang="en-US" sz="1800" spc="-1" strike="noStrike">
+            <a:endParaRPr b="0" lang="en-US" sz="2000" spc="-1" strike="noStrike">
               <a:latin typeface="Arial"/>
             </a:endParaRPr>
           </a:p>
@@ -10917,12 +10918,12 @@
               <a:buChar char=""/>
             </a:pPr>
             <a:r>
-              <a:rPr b="0" lang="en-US" sz="1800" spc="-1" strike="noStrike">
+              <a:rPr b="0" lang="en-US" sz="2000" spc="-1" strike="noStrike">
                 <a:latin typeface="Arial"/>
               </a:rPr>
               <a:t>Sixth Outline Level</a:t>
             </a:r>
-            <a:endParaRPr b="0" lang="en-US" sz="1800" spc="-1" strike="noStrike">
+            <a:endParaRPr b="0" lang="en-US" sz="2000" spc="-1" strike="noStrike">
               <a:latin typeface="Arial"/>
             </a:endParaRPr>
           </a:p>
@@ -10939,12 +10940,12 @@
               <a:buChar char=""/>
             </a:pPr>
             <a:r>
-              <a:rPr b="0" lang="en-US" sz="1800" spc="-1" strike="noStrike">
+              <a:rPr b="0" lang="en-US" sz="2000" spc="-1" strike="noStrike">
                 <a:latin typeface="Arial"/>
               </a:rPr>
               <a:t>Seventh Outline Level</a:t>
             </a:r>
-            <a:endParaRPr b="0" lang="en-US" sz="1800" spc="-1" strike="noStrike">
+            <a:endParaRPr b="0" lang="en-US" sz="2000" spc="-1" strike="noStrike">
               <a:latin typeface="Arial"/>
             </a:endParaRPr>
           </a:p>
@@ -12589,7 +12590,7 @@
         <p:spPr>
           <a:xfrm>
             <a:off x="457200" y="273600"/>
-            <a:ext cx="8228880" cy="1144440"/>
+            <a:ext cx="8229240" cy="1144800"/>
           </a:xfrm>
           <a:prstGeom prst="rect">
             <a:avLst/>
@@ -12598,13 +12599,14 @@
         <p:txBody>
           <a:bodyPr lIns="0" rIns="0" tIns="0" bIns="0" anchor="ctr"/>
           <a:p>
-            <a:r>
-              <a:rPr b="0" lang="en-US" sz="1800" spc="-1" strike="noStrike">
+            <a:pPr algn="ctr"/>
+            <a:r>
+              <a:rPr b="0" lang="en-US" sz="4400" spc="-1" strike="noStrike">
                 <a:latin typeface="Arial"/>
               </a:rPr>
               <a:t>Click to edit the title text format</a:t>
             </a:r>
-            <a:endParaRPr b="0" lang="en-US" sz="1800" spc="-1" strike="noStrike">
+            <a:endParaRPr b="0" lang="en-US" sz="4400" spc="-1" strike="noStrike">
               <a:latin typeface="Arial"/>
             </a:endParaRPr>
           </a:p>
@@ -12623,7 +12625,7 @@
         <p:spPr>
           <a:xfrm>
             <a:off x="457200" y="1604520"/>
-            <a:ext cx="4015440" cy="1896480"/>
+            <a:ext cx="8229240" cy="3977280"/>
           </a:xfrm>
           <a:prstGeom prst="rect">
             <a:avLst/>
@@ -12646,12 +12648,12 @@
               <a:buChar char=""/>
             </a:pPr>
             <a:r>
-              <a:rPr b="0" lang="en-US" sz="1800" spc="-1" strike="noStrike">
+              <a:rPr b="0" lang="en-US" sz="3200" spc="-1" strike="noStrike">
                 <a:latin typeface="Arial"/>
               </a:rPr>
               <a:t>Click to edit the outline text format</a:t>
             </a:r>
-            <a:endParaRPr b="0" lang="en-US" sz="1800" spc="-1" strike="noStrike">
+            <a:endParaRPr b="0" lang="en-US" sz="3200" spc="-1" strike="noStrike">
               <a:latin typeface="Arial"/>
             </a:endParaRPr>
           </a:p>
@@ -12668,12 +12670,12 @@
               <a:buChar char=""/>
             </a:pPr>
             <a:r>
-              <a:rPr b="0" lang="en-US" sz="1800" spc="-1" strike="noStrike">
+              <a:rPr b="0" lang="en-US" sz="2800" spc="-1" strike="noStrike">
                 <a:latin typeface="Arial"/>
               </a:rPr>
               <a:t>Second Outline Level</a:t>
             </a:r>
-            <a:endParaRPr b="0" lang="en-US" sz="1800" spc="-1" strike="noStrike">
+            <a:endParaRPr b="0" lang="en-US" sz="2800" spc="-1" strike="noStrike">
               <a:latin typeface="Arial"/>
             </a:endParaRPr>
           </a:p>
@@ -12690,12 +12692,12 @@
               <a:buChar char=""/>
             </a:pPr>
             <a:r>
-              <a:rPr b="0" lang="en-US" sz="1800" spc="-1" strike="noStrike">
+              <a:rPr b="0" lang="en-US" sz="2400" spc="-1" strike="noStrike">
                 <a:latin typeface="Arial"/>
               </a:rPr>
               <a:t>Third Outline Level</a:t>
             </a:r>
-            <a:endParaRPr b="0" lang="en-US" sz="1800" spc="-1" strike="noStrike">
+            <a:endParaRPr b="0" lang="en-US" sz="2400" spc="-1" strike="noStrike">
               <a:latin typeface="Arial"/>
             </a:endParaRPr>
           </a:p>
@@ -12712,12 +12714,12 @@
               <a:buChar char=""/>
             </a:pPr>
             <a:r>
-              <a:rPr b="0" lang="en-US" sz="1800" spc="-1" strike="noStrike">
+              <a:rPr b="0" lang="en-US" sz="2000" spc="-1" strike="noStrike">
                 <a:latin typeface="Arial"/>
               </a:rPr>
               <a:t>Fourth Outline Level</a:t>
             </a:r>
-            <a:endParaRPr b="0" lang="en-US" sz="1800" spc="-1" strike="noStrike">
+            <a:endParaRPr b="0" lang="en-US" sz="2000" spc="-1" strike="noStrike">
               <a:latin typeface="Arial"/>
             </a:endParaRPr>
           </a:p>
@@ -12734,12 +12736,12 @@
               <a:buChar char=""/>
             </a:pPr>
             <a:r>
-              <a:rPr b="0" lang="en-US" sz="1800" spc="-1" strike="noStrike">
+              <a:rPr b="0" lang="en-US" sz="2000" spc="-1" strike="noStrike">
                 <a:latin typeface="Arial"/>
               </a:rPr>
               <a:t>Fifth Outline Level</a:t>
             </a:r>
-            <a:endParaRPr b="0" lang="en-US" sz="1800" spc="-1" strike="noStrike">
+            <a:endParaRPr b="0" lang="en-US" sz="2000" spc="-1" strike="noStrike">
               <a:latin typeface="Arial"/>
             </a:endParaRPr>
           </a:p>
@@ -12756,12 +12758,12 @@
               <a:buChar char=""/>
             </a:pPr>
             <a:r>
-              <a:rPr b="0" lang="en-US" sz="1800" spc="-1" strike="noStrike">
+              <a:rPr b="0" lang="en-US" sz="2000" spc="-1" strike="noStrike">
                 <a:latin typeface="Arial"/>
               </a:rPr>
               <a:t>Sixth Outline Level</a:t>
             </a:r>
-            <a:endParaRPr b="0" lang="en-US" sz="1800" spc="-1" strike="noStrike">
+            <a:endParaRPr b="0" lang="en-US" sz="2000" spc="-1" strike="noStrike">
               <a:latin typeface="Arial"/>
             </a:endParaRPr>
           </a:p>
@@ -12778,370 +12780,12 @@
               <a:buChar char=""/>
             </a:pPr>
             <a:r>
-              <a:rPr b="0" lang="en-US" sz="1800" spc="-1" strike="noStrike">
+              <a:rPr b="0" lang="en-US" sz="2000" spc="-1" strike="noStrike">
                 <a:latin typeface="Arial"/>
               </a:rPr>
               <a:t>Seventh Outline Level</a:t>
             </a:r>
-            <a:endParaRPr b="0" lang="en-US" sz="1800" spc="-1" strike="noStrike">
-              <a:latin typeface="Arial"/>
-            </a:endParaRPr>
-          </a:p>
-        </p:txBody>
-      </p:sp>
-      <p:sp>
-        <p:nvSpPr>
-          <p:cNvPr id="195" name="PlaceHolder 3"/>
-          <p:cNvSpPr>
-            <a:spLocks noGrp="1"/>
-          </p:cNvSpPr>
-          <p:nvPr>
-            <p:ph type="body"/>
-          </p:nvPr>
-        </p:nvSpPr>
-        <p:spPr>
-          <a:xfrm>
-            <a:off x="4674240" y="1604520"/>
-            <a:ext cx="4015440" cy="3976920"/>
-          </a:xfrm>
-          <a:prstGeom prst="rect">
-            <a:avLst/>
-          </a:prstGeom>
-        </p:spPr>
-        <p:txBody>
-          <a:bodyPr lIns="0" rIns="0" tIns="0" bIns="0">
-            <a:normAutofit/>
-          </a:bodyPr>
-          <a:p>
-            <a:pPr marL="432000" indent="-324000">
-              <a:spcBef>
-                <a:spcPts val="1417"/>
-              </a:spcBef>
-              <a:buClr>
-                <a:srgbClr val="ffffff"/>
-              </a:buClr>
-              <a:buSzPct val="45000"/>
-              <a:buFont typeface="Wingdings" charset="2"/>
-              <a:buChar char=""/>
-            </a:pPr>
-            <a:r>
-              <a:rPr b="0" lang="en-US" sz="1800" spc="-1" strike="noStrike">
-                <a:latin typeface="Arial"/>
-              </a:rPr>
-              <a:t>Click to edit the outline text format</a:t>
-            </a:r>
-            <a:endParaRPr b="0" lang="en-US" sz="1800" spc="-1" strike="noStrike">
-              <a:latin typeface="Arial"/>
-            </a:endParaRPr>
-          </a:p>
-          <a:p>
-            <a:pPr lvl="1" marL="864000" indent="-324000">
-              <a:spcBef>
-                <a:spcPts val="1134"/>
-              </a:spcBef>
-              <a:buClr>
-                <a:srgbClr val="ffffff"/>
-              </a:buClr>
-              <a:buSzPct val="75000"/>
-              <a:buFont typeface="Symbol" charset="2"/>
-              <a:buChar char=""/>
-            </a:pPr>
-            <a:r>
-              <a:rPr b="0" lang="en-US" sz="1800" spc="-1" strike="noStrike">
-                <a:latin typeface="Arial"/>
-              </a:rPr>
-              <a:t>Second Outline Level</a:t>
-            </a:r>
-            <a:endParaRPr b="0" lang="en-US" sz="1800" spc="-1" strike="noStrike">
-              <a:latin typeface="Arial"/>
-            </a:endParaRPr>
-          </a:p>
-          <a:p>
-            <a:pPr lvl="2" marL="1296000" indent="-288000">
-              <a:spcBef>
-                <a:spcPts val="850"/>
-              </a:spcBef>
-              <a:buClr>
-                <a:srgbClr val="ffffff"/>
-              </a:buClr>
-              <a:buSzPct val="45000"/>
-              <a:buFont typeface="Wingdings" charset="2"/>
-              <a:buChar char=""/>
-            </a:pPr>
-            <a:r>
-              <a:rPr b="0" lang="en-US" sz="1800" spc="-1" strike="noStrike">
-                <a:latin typeface="Arial"/>
-              </a:rPr>
-              <a:t>Third Outline Level</a:t>
-            </a:r>
-            <a:endParaRPr b="0" lang="en-US" sz="1800" spc="-1" strike="noStrike">
-              <a:latin typeface="Arial"/>
-            </a:endParaRPr>
-          </a:p>
-          <a:p>
-            <a:pPr lvl="3" marL="1728000" indent="-216000">
-              <a:spcBef>
-                <a:spcPts val="567"/>
-              </a:spcBef>
-              <a:buClr>
-                <a:srgbClr val="ffffff"/>
-              </a:buClr>
-              <a:buSzPct val="75000"/>
-              <a:buFont typeface="Symbol" charset="2"/>
-              <a:buChar char=""/>
-            </a:pPr>
-            <a:r>
-              <a:rPr b="0" lang="en-US" sz="1800" spc="-1" strike="noStrike">
-                <a:latin typeface="Arial"/>
-              </a:rPr>
-              <a:t>Fourth Outline Level</a:t>
-            </a:r>
-            <a:endParaRPr b="0" lang="en-US" sz="1800" spc="-1" strike="noStrike">
-              <a:latin typeface="Arial"/>
-            </a:endParaRPr>
-          </a:p>
-          <a:p>
-            <a:pPr lvl="4" marL="2160000" indent="-216000">
-              <a:spcBef>
-                <a:spcPts val="283"/>
-              </a:spcBef>
-              <a:buClr>
-                <a:srgbClr val="ffffff"/>
-              </a:buClr>
-              <a:buSzPct val="45000"/>
-              <a:buFont typeface="Wingdings" charset="2"/>
-              <a:buChar char=""/>
-            </a:pPr>
-            <a:r>
-              <a:rPr b="0" lang="en-US" sz="1800" spc="-1" strike="noStrike">
-                <a:latin typeface="Arial"/>
-              </a:rPr>
-              <a:t>Fifth Outline Level</a:t>
-            </a:r>
-            <a:endParaRPr b="0" lang="en-US" sz="1800" spc="-1" strike="noStrike">
-              <a:latin typeface="Arial"/>
-            </a:endParaRPr>
-          </a:p>
-          <a:p>
-            <a:pPr lvl="5" marL="2592000" indent="-216000">
-              <a:spcBef>
-                <a:spcPts val="283"/>
-              </a:spcBef>
-              <a:buClr>
-                <a:srgbClr val="ffffff"/>
-              </a:buClr>
-              <a:buSzPct val="45000"/>
-              <a:buFont typeface="Wingdings" charset="2"/>
-              <a:buChar char=""/>
-            </a:pPr>
-            <a:r>
-              <a:rPr b="0" lang="en-US" sz="1800" spc="-1" strike="noStrike">
-                <a:latin typeface="Arial"/>
-              </a:rPr>
-              <a:t>Sixth Outline Level</a:t>
-            </a:r>
-            <a:endParaRPr b="0" lang="en-US" sz="1800" spc="-1" strike="noStrike">
-              <a:latin typeface="Arial"/>
-            </a:endParaRPr>
-          </a:p>
-          <a:p>
-            <a:pPr lvl="6" marL="3024000" indent="-216000">
-              <a:spcBef>
-                <a:spcPts val="283"/>
-              </a:spcBef>
-              <a:buClr>
-                <a:srgbClr val="ffffff"/>
-              </a:buClr>
-              <a:buSzPct val="45000"/>
-              <a:buFont typeface="Wingdings" charset="2"/>
-              <a:buChar char=""/>
-            </a:pPr>
-            <a:r>
-              <a:rPr b="0" lang="en-US" sz="1800" spc="-1" strike="noStrike">
-                <a:latin typeface="Arial"/>
-              </a:rPr>
-              <a:t>Seventh Outline Level</a:t>
-            </a:r>
-            <a:endParaRPr b="0" lang="en-US" sz="1800" spc="-1" strike="noStrike">
-              <a:latin typeface="Arial"/>
-            </a:endParaRPr>
-          </a:p>
-        </p:txBody>
-      </p:sp>
-      <p:sp>
-        <p:nvSpPr>
-          <p:cNvPr id="196" name="PlaceHolder 4"/>
-          <p:cNvSpPr>
-            <a:spLocks noGrp="1"/>
-          </p:cNvSpPr>
-          <p:nvPr>
-            <p:ph type="body"/>
-          </p:nvPr>
-        </p:nvSpPr>
-        <p:spPr>
-          <a:xfrm>
-            <a:off x="457200" y="3682080"/>
-            <a:ext cx="4015440" cy="1896480"/>
-          </a:xfrm>
-          <a:prstGeom prst="rect">
-            <a:avLst/>
-          </a:prstGeom>
-        </p:spPr>
-        <p:txBody>
-          <a:bodyPr lIns="0" rIns="0" tIns="0" bIns="0">
-            <a:normAutofit/>
-          </a:bodyPr>
-          <a:p>
-            <a:pPr marL="432000" indent="-324000">
-              <a:spcBef>
-                <a:spcPts val="1417"/>
-              </a:spcBef>
-              <a:buClr>
-                <a:srgbClr val="ffffff"/>
-              </a:buClr>
-              <a:buSzPct val="45000"/>
-              <a:buFont typeface="Wingdings" charset="2"/>
-              <a:buChar char=""/>
-            </a:pPr>
-            <a:r>
-              <a:rPr b="0" lang="en-US" sz="1800" spc="-1" strike="noStrike">
-                <a:latin typeface="Arial"/>
-              </a:rPr>
-              <a:t>Click to edit the outline text format</a:t>
-            </a:r>
-            <a:endParaRPr b="0" lang="en-US" sz="1800" spc="-1" strike="noStrike">
-              <a:latin typeface="Arial"/>
-            </a:endParaRPr>
-          </a:p>
-          <a:p>
-            <a:pPr lvl="1" marL="864000" indent="-324000">
-              <a:spcBef>
-                <a:spcPts val="1134"/>
-              </a:spcBef>
-              <a:buClr>
-                <a:srgbClr val="ffffff"/>
-              </a:buClr>
-              <a:buSzPct val="75000"/>
-              <a:buFont typeface="Symbol" charset="2"/>
-              <a:buChar char=""/>
-            </a:pPr>
-            <a:r>
-              <a:rPr b="0" lang="en-US" sz="1800" spc="-1" strike="noStrike">
-                <a:latin typeface="Arial"/>
-              </a:rPr>
-              <a:t>Second Outline Level</a:t>
-            </a:r>
-            <a:endParaRPr b="0" lang="en-US" sz="1800" spc="-1" strike="noStrike">
-              <a:latin typeface="Arial"/>
-            </a:endParaRPr>
-          </a:p>
-          <a:p>
-            <a:pPr lvl="2" marL="1296000" indent="-288000">
-              <a:spcBef>
-                <a:spcPts val="850"/>
-              </a:spcBef>
-              <a:buClr>
-                <a:srgbClr val="ffffff"/>
-              </a:buClr>
-              <a:buSzPct val="45000"/>
-              <a:buFont typeface="Wingdings" charset="2"/>
-              <a:buChar char=""/>
-            </a:pPr>
-            <a:r>
-              <a:rPr b="0" lang="en-US" sz="1800" spc="-1" strike="noStrike">
-                <a:latin typeface="Arial"/>
-              </a:rPr>
-              <a:t>Third Outline Level</a:t>
-            </a:r>
-            <a:endParaRPr b="0" lang="en-US" sz="1800" spc="-1" strike="noStrike">
-              <a:latin typeface="Arial"/>
-            </a:endParaRPr>
-          </a:p>
-          <a:p>
-            <a:pPr lvl="3" marL="1728000" indent="-216000">
-              <a:spcBef>
-                <a:spcPts val="567"/>
-              </a:spcBef>
-              <a:buClr>
-                <a:srgbClr val="ffffff"/>
-              </a:buClr>
-              <a:buSzPct val="75000"/>
-              <a:buFont typeface="Symbol" charset="2"/>
-              <a:buChar char=""/>
-            </a:pPr>
-            <a:r>
-              <a:rPr b="0" lang="en-US" sz="1800" spc="-1" strike="noStrike">
-                <a:latin typeface="Arial"/>
-              </a:rPr>
-              <a:t>Fourth Outline Level</a:t>
-            </a:r>
-            <a:endParaRPr b="0" lang="en-US" sz="1800" spc="-1" strike="noStrike">
-              <a:latin typeface="Arial"/>
-            </a:endParaRPr>
-          </a:p>
-          <a:p>
-            <a:pPr lvl="4" marL="2160000" indent="-216000">
-              <a:spcBef>
-                <a:spcPts val="283"/>
-              </a:spcBef>
-              <a:buClr>
-                <a:srgbClr val="ffffff"/>
-              </a:buClr>
-              <a:buSzPct val="45000"/>
-              <a:buFont typeface="Wingdings" charset="2"/>
-              <a:buChar char=""/>
-            </a:pPr>
-            <a:r>
-              <a:rPr b="0" lang="en-US" sz="1800" spc="-1" strike="noStrike">
-                <a:latin typeface="Arial"/>
-              </a:rPr>
-              <a:t>Fifth Outline Level</a:t>
-            </a:r>
-            <a:endParaRPr b="0" lang="en-US" sz="1800" spc="-1" strike="noStrike">
-              <a:latin typeface="Arial"/>
-            </a:endParaRPr>
-          </a:p>
-          <a:p>
-            <a:pPr lvl="5" marL="2592000" indent="-216000">
-              <a:spcBef>
-                <a:spcPts val="283"/>
-              </a:spcBef>
-              <a:buClr>
-                <a:srgbClr val="ffffff"/>
-              </a:buClr>
-              <a:buSzPct val="45000"/>
-              <a:buFont typeface="Wingdings" charset="2"/>
-              <a:buChar char=""/>
-            </a:pPr>
-            <a:r>
-              <a:rPr b="0" lang="en-US" sz="1800" spc="-1" strike="noStrike">
-                <a:latin typeface="Arial"/>
-              </a:rPr>
-              <a:t>Sixth Outline Level</a:t>
-            </a:r>
-            <a:endParaRPr b="0" lang="en-US" sz="1800" spc="-1" strike="noStrike">
-              <a:latin typeface="Arial"/>
-            </a:endParaRPr>
-          </a:p>
-          <a:p>
-            <a:pPr lvl="6" marL="3024000" indent="-216000">
-              <a:spcBef>
-                <a:spcPts val="283"/>
-              </a:spcBef>
-              <a:buClr>
-                <a:srgbClr val="ffffff"/>
-              </a:buClr>
-              <a:buSzPct val="45000"/>
-              <a:buFont typeface="Wingdings" charset="2"/>
-              <a:buChar char=""/>
-            </a:pPr>
-            <a:r>
-              <a:rPr b="0" lang="en-US" sz="1800" spc="-1" strike="noStrike">
-                <a:latin typeface="Arial"/>
-              </a:rPr>
-              <a:t>Seventh Outline Level</a:t>
-            </a:r>
-            <a:endParaRPr b="0" lang="en-US" sz="1800" spc="-1" strike="noStrike">
+            <a:endParaRPr b="0" lang="en-US" sz="2000" spc="-1" strike="noStrike">
               <a:latin typeface="Arial"/>
             </a:endParaRPr>
           </a:p>
@@ -13196,7 +12840,7 @@
       </p:grpSpPr>
       <p:sp>
         <p:nvSpPr>
-          <p:cNvPr id="233" name="PlaceHolder 1"/>
+          <p:cNvPr id="231" name="PlaceHolder 1"/>
           <p:cNvSpPr>
             <a:spLocks noGrp="1"/>
           </p:cNvSpPr>
@@ -13207,7 +12851,7 @@
         <p:spPr>
           <a:xfrm>
             <a:off x="457200" y="273600"/>
-            <a:ext cx="8228880" cy="1144440"/>
+            <a:ext cx="8229240" cy="1144800"/>
           </a:xfrm>
           <a:prstGeom prst="rect">
             <a:avLst/>
@@ -13216,21 +12860,22 @@
         <p:txBody>
           <a:bodyPr lIns="0" rIns="0" tIns="0" bIns="0" anchor="ctr"/>
           <a:p>
-            <a:r>
-              <a:rPr b="0" lang="en-US" sz="1800" spc="-1" strike="noStrike">
+            <a:pPr algn="ctr"/>
+            <a:r>
+              <a:rPr b="0" lang="en-US" sz="4400" spc="-1" strike="noStrike">
                 <a:latin typeface="Arial"/>
               </a:rPr>
               <a:t>Click to edit the title text format</a:t>
             </a:r>
-            <a:endParaRPr b="0" lang="en-US" sz="1800" spc="-1" strike="noStrike">
-              <a:latin typeface="Arial"/>
-            </a:endParaRPr>
-          </a:p>
-        </p:txBody>
-      </p:sp>
-      <p:sp>
-        <p:nvSpPr>
-          <p:cNvPr id="234" name="PlaceHolder 2"/>
+            <a:endParaRPr b="0" lang="en-US" sz="4400" spc="-1" strike="noStrike">
+              <a:latin typeface="Arial"/>
+            </a:endParaRPr>
+          </a:p>
+        </p:txBody>
+      </p:sp>
+      <p:sp>
+        <p:nvSpPr>
+          <p:cNvPr id="232" name="PlaceHolder 2"/>
           <p:cNvSpPr>
             <a:spLocks noGrp="1"/>
           </p:cNvSpPr>
@@ -13241,7 +12886,7 @@
         <p:spPr>
           <a:xfrm>
             <a:off x="457200" y="1604520"/>
-            <a:ext cx="4015440" cy="3976920"/>
+            <a:ext cx="8229240" cy="3977280"/>
           </a:xfrm>
           <a:prstGeom prst="rect">
             <a:avLst/>
@@ -13264,12 +12909,12 @@
               <a:buChar char=""/>
             </a:pPr>
             <a:r>
-              <a:rPr b="0" lang="en-US" sz="1800" spc="-1" strike="noStrike">
+              <a:rPr b="0" lang="en-US" sz="3200" spc="-1" strike="noStrike">
                 <a:latin typeface="Arial"/>
               </a:rPr>
               <a:t>Click to edit the outline text format</a:t>
             </a:r>
-            <a:endParaRPr b="0" lang="en-US" sz="1800" spc="-1" strike="noStrike">
+            <a:endParaRPr b="0" lang="en-US" sz="3200" spc="-1" strike="noStrike">
               <a:latin typeface="Arial"/>
             </a:endParaRPr>
           </a:p>
@@ -13286,12 +12931,12 @@
               <a:buChar char=""/>
             </a:pPr>
             <a:r>
-              <a:rPr b="0" lang="en-US" sz="1800" spc="-1" strike="noStrike">
+              <a:rPr b="0" lang="en-US" sz="2800" spc="-1" strike="noStrike">
                 <a:latin typeface="Arial"/>
               </a:rPr>
               <a:t>Second Outline Level</a:t>
             </a:r>
-            <a:endParaRPr b="0" lang="en-US" sz="1800" spc="-1" strike="noStrike">
+            <a:endParaRPr b="0" lang="en-US" sz="2800" spc="-1" strike="noStrike">
               <a:latin typeface="Arial"/>
             </a:endParaRPr>
           </a:p>
@@ -13308,12 +12953,12 @@
               <a:buChar char=""/>
             </a:pPr>
             <a:r>
-              <a:rPr b="0" lang="en-US" sz="1800" spc="-1" strike="noStrike">
+              <a:rPr b="0" lang="en-US" sz="2400" spc="-1" strike="noStrike">
                 <a:latin typeface="Arial"/>
               </a:rPr>
               <a:t>Third Outline Level</a:t>
             </a:r>
-            <a:endParaRPr b="0" lang="en-US" sz="1800" spc="-1" strike="noStrike">
+            <a:endParaRPr b="0" lang="en-US" sz="2400" spc="-1" strike="noStrike">
               <a:latin typeface="Arial"/>
             </a:endParaRPr>
           </a:p>
@@ -13330,12 +12975,12 @@
               <a:buChar char=""/>
             </a:pPr>
             <a:r>
-              <a:rPr b="0" lang="en-US" sz="1800" spc="-1" strike="noStrike">
+              <a:rPr b="0" lang="en-US" sz="2000" spc="-1" strike="noStrike">
                 <a:latin typeface="Arial"/>
               </a:rPr>
               <a:t>Fourth Outline Level</a:t>
             </a:r>
-            <a:endParaRPr b="0" lang="en-US" sz="1800" spc="-1" strike="noStrike">
+            <a:endParaRPr b="0" lang="en-US" sz="2000" spc="-1" strike="noStrike">
               <a:latin typeface="Arial"/>
             </a:endParaRPr>
           </a:p>
@@ -13352,12 +12997,12 @@
               <a:buChar char=""/>
             </a:pPr>
             <a:r>
-              <a:rPr b="0" lang="en-US" sz="1800" spc="-1" strike="noStrike">
+              <a:rPr b="0" lang="en-US" sz="2000" spc="-1" strike="noStrike">
                 <a:latin typeface="Arial"/>
               </a:rPr>
               <a:t>Fifth Outline Level</a:t>
             </a:r>
-            <a:endParaRPr b="0" lang="en-US" sz="1800" spc="-1" strike="noStrike">
+            <a:endParaRPr b="0" lang="en-US" sz="2000" spc="-1" strike="noStrike">
               <a:latin typeface="Arial"/>
             </a:endParaRPr>
           </a:p>
@@ -13374,12 +13019,12 @@
               <a:buChar char=""/>
             </a:pPr>
             <a:r>
-              <a:rPr b="0" lang="en-US" sz="1800" spc="-1" strike="noStrike">
+              <a:rPr b="0" lang="en-US" sz="2000" spc="-1" strike="noStrike">
                 <a:latin typeface="Arial"/>
               </a:rPr>
               <a:t>Sixth Outline Level</a:t>
             </a:r>
-            <a:endParaRPr b="0" lang="en-US" sz="1800" spc="-1" strike="noStrike">
+            <a:endParaRPr b="0" lang="en-US" sz="2000" spc="-1" strike="noStrike">
               <a:latin typeface="Arial"/>
             </a:endParaRPr>
           </a:p>
@@ -13396,370 +13041,12 @@
               <a:buChar char=""/>
             </a:pPr>
             <a:r>
-              <a:rPr b="0" lang="en-US" sz="1800" spc="-1" strike="noStrike">
+              <a:rPr b="0" lang="en-US" sz="2000" spc="-1" strike="noStrike">
                 <a:latin typeface="Arial"/>
               </a:rPr>
               <a:t>Seventh Outline Level</a:t>
             </a:r>
-            <a:endParaRPr b="0" lang="en-US" sz="1800" spc="-1" strike="noStrike">
-              <a:latin typeface="Arial"/>
-            </a:endParaRPr>
-          </a:p>
-        </p:txBody>
-      </p:sp>
-      <p:sp>
-        <p:nvSpPr>
-          <p:cNvPr id="235" name="PlaceHolder 3"/>
-          <p:cNvSpPr>
-            <a:spLocks noGrp="1"/>
-          </p:cNvSpPr>
-          <p:nvPr>
-            <p:ph type="body"/>
-          </p:nvPr>
-        </p:nvSpPr>
-        <p:spPr>
-          <a:xfrm>
-            <a:off x="4674240" y="1604520"/>
-            <a:ext cx="4015440" cy="1896480"/>
-          </a:xfrm>
-          <a:prstGeom prst="rect">
-            <a:avLst/>
-          </a:prstGeom>
-        </p:spPr>
-        <p:txBody>
-          <a:bodyPr lIns="0" rIns="0" tIns="0" bIns="0">
-            <a:normAutofit/>
-          </a:bodyPr>
-          <a:p>
-            <a:pPr marL="432000" indent="-324000">
-              <a:spcBef>
-                <a:spcPts val="1417"/>
-              </a:spcBef>
-              <a:buClr>
-                <a:srgbClr val="ffffff"/>
-              </a:buClr>
-              <a:buSzPct val="45000"/>
-              <a:buFont typeface="Wingdings" charset="2"/>
-              <a:buChar char=""/>
-            </a:pPr>
-            <a:r>
-              <a:rPr b="0" lang="en-US" sz="1800" spc="-1" strike="noStrike">
-                <a:latin typeface="Arial"/>
-              </a:rPr>
-              <a:t>Click to edit the outline text format</a:t>
-            </a:r>
-            <a:endParaRPr b="0" lang="en-US" sz="1800" spc="-1" strike="noStrike">
-              <a:latin typeface="Arial"/>
-            </a:endParaRPr>
-          </a:p>
-          <a:p>
-            <a:pPr lvl="1" marL="864000" indent="-324000">
-              <a:spcBef>
-                <a:spcPts val="1134"/>
-              </a:spcBef>
-              <a:buClr>
-                <a:srgbClr val="ffffff"/>
-              </a:buClr>
-              <a:buSzPct val="75000"/>
-              <a:buFont typeface="Symbol" charset="2"/>
-              <a:buChar char=""/>
-            </a:pPr>
-            <a:r>
-              <a:rPr b="0" lang="en-US" sz="1800" spc="-1" strike="noStrike">
-                <a:latin typeface="Arial"/>
-              </a:rPr>
-              <a:t>Second Outline Level</a:t>
-            </a:r>
-            <a:endParaRPr b="0" lang="en-US" sz="1800" spc="-1" strike="noStrike">
-              <a:latin typeface="Arial"/>
-            </a:endParaRPr>
-          </a:p>
-          <a:p>
-            <a:pPr lvl="2" marL="1296000" indent="-288000">
-              <a:spcBef>
-                <a:spcPts val="850"/>
-              </a:spcBef>
-              <a:buClr>
-                <a:srgbClr val="ffffff"/>
-              </a:buClr>
-              <a:buSzPct val="45000"/>
-              <a:buFont typeface="Wingdings" charset="2"/>
-              <a:buChar char=""/>
-            </a:pPr>
-            <a:r>
-              <a:rPr b="0" lang="en-US" sz="1800" spc="-1" strike="noStrike">
-                <a:latin typeface="Arial"/>
-              </a:rPr>
-              <a:t>Third Outline Level</a:t>
-            </a:r>
-            <a:endParaRPr b="0" lang="en-US" sz="1800" spc="-1" strike="noStrike">
-              <a:latin typeface="Arial"/>
-            </a:endParaRPr>
-          </a:p>
-          <a:p>
-            <a:pPr lvl="3" marL="1728000" indent="-216000">
-              <a:spcBef>
-                <a:spcPts val="567"/>
-              </a:spcBef>
-              <a:buClr>
-                <a:srgbClr val="ffffff"/>
-              </a:buClr>
-              <a:buSzPct val="75000"/>
-              <a:buFont typeface="Symbol" charset="2"/>
-              <a:buChar char=""/>
-            </a:pPr>
-            <a:r>
-              <a:rPr b="0" lang="en-US" sz="1800" spc="-1" strike="noStrike">
-                <a:latin typeface="Arial"/>
-              </a:rPr>
-              <a:t>Fourth Outline Level</a:t>
-            </a:r>
-            <a:endParaRPr b="0" lang="en-US" sz="1800" spc="-1" strike="noStrike">
-              <a:latin typeface="Arial"/>
-            </a:endParaRPr>
-          </a:p>
-          <a:p>
-            <a:pPr lvl="4" marL="2160000" indent="-216000">
-              <a:spcBef>
-                <a:spcPts val="283"/>
-              </a:spcBef>
-              <a:buClr>
-                <a:srgbClr val="ffffff"/>
-              </a:buClr>
-              <a:buSzPct val="45000"/>
-              <a:buFont typeface="Wingdings" charset="2"/>
-              <a:buChar char=""/>
-            </a:pPr>
-            <a:r>
-              <a:rPr b="0" lang="en-US" sz="1800" spc="-1" strike="noStrike">
-                <a:latin typeface="Arial"/>
-              </a:rPr>
-              <a:t>Fifth Outline Level</a:t>
-            </a:r>
-            <a:endParaRPr b="0" lang="en-US" sz="1800" spc="-1" strike="noStrike">
-              <a:latin typeface="Arial"/>
-            </a:endParaRPr>
-          </a:p>
-          <a:p>
-            <a:pPr lvl="5" marL="2592000" indent="-216000">
-              <a:spcBef>
-                <a:spcPts val="283"/>
-              </a:spcBef>
-              <a:buClr>
-                <a:srgbClr val="ffffff"/>
-              </a:buClr>
-              <a:buSzPct val="45000"/>
-              <a:buFont typeface="Wingdings" charset="2"/>
-              <a:buChar char=""/>
-            </a:pPr>
-            <a:r>
-              <a:rPr b="0" lang="en-US" sz="1800" spc="-1" strike="noStrike">
-                <a:latin typeface="Arial"/>
-              </a:rPr>
-              <a:t>Sixth Outline Level</a:t>
-            </a:r>
-            <a:endParaRPr b="0" lang="en-US" sz="1800" spc="-1" strike="noStrike">
-              <a:latin typeface="Arial"/>
-            </a:endParaRPr>
-          </a:p>
-          <a:p>
-            <a:pPr lvl="6" marL="3024000" indent="-216000">
-              <a:spcBef>
-                <a:spcPts val="283"/>
-              </a:spcBef>
-              <a:buClr>
-                <a:srgbClr val="ffffff"/>
-              </a:buClr>
-              <a:buSzPct val="45000"/>
-              <a:buFont typeface="Wingdings" charset="2"/>
-              <a:buChar char=""/>
-            </a:pPr>
-            <a:r>
-              <a:rPr b="0" lang="en-US" sz="1800" spc="-1" strike="noStrike">
-                <a:latin typeface="Arial"/>
-              </a:rPr>
-              <a:t>Seventh Outline Level</a:t>
-            </a:r>
-            <a:endParaRPr b="0" lang="en-US" sz="1800" spc="-1" strike="noStrike">
-              <a:latin typeface="Arial"/>
-            </a:endParaRPr>
-          </a:p>
-        </p:txBody>
-      </p:sp>
-      <p:sp>
-        <p:nvSpPr>
-          <p:cNvPr id="236" name="PlaceHolder 4"/>
-          <p:cNvSpPr>
-            <a:spLocks noGrp="1"/>
-          </p:cNvSpPr>
-          <p:nvPr>
-            <p:ph type="body"/>
-          </p:nvPr>
-        </p:nvSpPr>
-        <p:spPr>
-          <a:xfrm>
-            <a:off x="4674240" y="3682080"/>
-            <a:ext cx="4015440" cy="1896480"/>
-          </a:xfrm>
-          <a:prstGeom prst="rect">
-            <a:avLst/>
-          </a:prstGeom>
-        </p:spPr>
-        <p:txBody>
-          <a:bodyPr lIns="0" rIns="0" tIns="0" bIns="0">
-            <a:normAutofit/>
-          </a:bodyPr>
-          <a:p>
-            <a:pPr marL="432000" indent="-324000">
-              <a:spcBef>
-                <a:spcPts val="1417"/>
-              </a:spcBef>
-              <a:buClr>
-                <a:srgbClr val="ffffff"/>
-              </a:buClr>
-              <a:buSzPct val="45000"/>
-              <a:buFont typeface="Wingdings" charset="2"/>
-              <a:buChar char=""/>
-            </a:pPr>
-            <a:r>
-              <a:rPr b="0" lang="en-US" sz="1800" spc="-1" strike="noStrike">
-                <a:latin typeface="Arial"/>
-              </a:rPr>
-              <a:t>Click to edit the outline text format</a:t>
-            </a:r>
-            <a:endParaRPr b="0" lang="en-US" sz="1800" spc="-1" strike="noStrike">
-              <a:latin typeface="Arial"/>
-            </a:endParaRPr>
-          </a:p>
-          <a:p>
-            <a:pPr lvl="1" marL="864000" indent="-324000">
-              <a:spcBef>
-                <a:spcPts val="1134"/>
-              </a:spcBef>
-              <a:buClr>
-                <a:srgbClr val="ffffff"/>
-              </a:buClr>
-              <a:buSzPct val="75000"/>
-              <a:buFont typeface="Symbol" charset="2"/>
-              <a:buChar char=""/>
-            </a:pPr>
-            <a:r>
-              <a:rPr b="0" lang="en-US" sz="1800" spc="-1" strike="noStrike">
-                <a:latin typeface="Arial"/>
-              </a:rPr>
-              <a:t>Second Outline Level</a:t>
-            </a:r>
-            <a:endParaRPr b="0" lang="en-US" sz="1800" spc="-1" strike="noStrike">
-              <a:latin typeface="Arial"/>
-            </a:endParaRPr>
-          </a:p>
-          <a:p>
-            <a:pPr lvl="2" marL="1296000" indent="-288000">
-              <a:spcBef>
-                <a:spcPts val="850"/>
-              </a:spcBef>
-              <a:buClr>
-                <a:srgbClr val="ffffff"/>
-              </a:buClr>
-              <a:buSzPct val="45000"/>
-              <a:buFont typeface="Wingdings" charset="2"/>
-              <a:buChar char=""/>
-            </a:pPr>
-            <a:r>
-              <a:rPr b="0" lang="en-US" sz="1800" spc="-1" strike="noStrike">
-                <a:latin typeface="Arial"/>
-              </a:rPr>
-              <a:t>Third Outline Level</a:t>
-            </a:r>
-            <a:endParaRPr b="0" lang="en-US" sz="1800" spc="-1" strike="noStrike">
-              <a:latin typeface="Arial"/>
-            </a:endParaRPr>
-          </a:p>
-          <a:p>
-            <a:pPr lvl="3" marL="1728000" indent="-216000">
-              <a:spcBef>
-                <a:spcPts val="567"/>
-              </a:spcBef>
-              <a:buClr>
-                <a:srgbClr val="ffffff"/>
-              </a:buClr>
-              <a:buSzPct val="75000"/>
-              <a:buFont typeface="Symbol" charset="2"/>
-              <a:buChar char=""/>
-            </a:pPr>
-            <a:r>
-              <a:rPr b="0" lang="en-US" sz="1800" spc="-1" strike="noStrike">
-                <a:latin typeface="Arial"/>
-              </a:rPr>
-              <a:t>Fourth Outline Level</a:t>
-            </a:r>
-            <a:endParaRPr b="0" lang="en-US" sz="1800" spc="-1" strike="noStrike">
-              <a:latin typeface="Arial"/>
-            </a:endParaRPr>
-          </a:p>
-          <a:p>
-            <a:pPr lvl="4" marL="2160000" indent="-216000">
-              <a:spcBef>
-                <a:spcPts val="283"/>
-              </a:spcBef>
-              <a:buClr>
-                <a:srgbClr val="ffffff"/>
-              </a:buClr>
-              <a:buSzPct val="45000"/>
-              <a:buFont typeface="Wingdings" charset="2"/>
-              <a:buChar char=""/>
-            </a:pPr>
-            <a:r>
-              <a:rPr b="0" lang="en-US" sz="1800" spc="-1" strike="noStrike">
-                <a:latin typeface="Arial"/>
-              </a:rPr>
-              <a:t>Fifth Outline Level</a:t>
-            </a:r>
-            <a:endParaRPr b="0" lang="en-US" sz="1800" spc="-1" strike="noStrike">
-              <a:latin typeface="Arial"/>
-            </a:endParaRPr>
-          </a:p>
-          <a:p>
-            <a:pPr lvl="5" marL="2592000" indent="-216000">
-              <a:spcBef>
-                <a:spcPts val="283"/>
-              </a:spcBef>
-              <a:buClr>
-                <a:srgbClr val="ffffff"/>
-              </a:buClr>
-              <a:buSzPct val="45000"/>
-              <a:buFont typeface="Wingdings" charset="2"/>
-              <a:buChar char=""/>
-            </a:pPr>
-            <a:r>
-              <a:rPr b="0" lang="en-US" sz="1800" spc="-1" strike="noStrike">
-                <a:latin typeface="Arial"/>
-              </a:rPr>
-              <a:t>Sixth Outline Level</a:t>
-            </a:r>
-            <a:endParaRPr b="0" lang="en-US" sz="1800" spc="-1" strike="noStrike">
-              <a:latin typeface="Arial"/>
-            </a:endParaRPr>
-          </a:p>
-          <a:p>
-            <a:pPr lvl="6" marL="3024000" indent="-216000">
-              <a:spcBef>
-                <a:spcPts val="283"/>
-              </a:spcBef>
-              <a:buClr>
-                <a:srgbClr val="ffffff"/>
-              </a:buClr>
-              <a:buSzPct val="45000"/>
-              <a:buFont typeface="Wingdings" charset="2"/>
-              <a:buChar char=""/>
-            </a:pPr>
-            <a:r>
-              <a:rPr b="0" lang="en-US" sz="1800" spc="-1" strike="noStrike">
-                <a:latin typeface="Arial"/>
-              </a:rPr>
-              <a:t>Seventh Outline Level</a:t>
-            </a:r>
-            <a:endParaRPr b="0" lang="en-US" sz="1800" spc="-1" strike="noStrike">
+            <a:endParaRPr b="0" lang="en-US" sz="2000" spc="-1" strike="noStrike">
               <a:latin typeface="Arial"/>
             </a:endParaRPr>
           </a:p>
@@ -13814,7 +13101,7 @@
       </p:grpSpPr>
       <p:sp>
         <p:nvSpPr>
-          <p:cNvPr id="273" name="PlaceHolder 1"/>
+          <p:cNvPr id="269" name="PlaceHolder 1"/>
           <p:cNvSpPr>
             <a:spLocks noGrp="1"/>
           </p:cNvSpPr>
@@ -13849,7 +13136,7 @@
       </p:sp>
       <p:sp>
         <p:nvSpPr>
-          <p:cNvPr id="274" name="PlaceHolder 2"/>
+          <p:cNvPr id="270" name="PlaceHolder 2"/>
           <p:cNvSpPr>
             <a:spLocks noGrp="1"/>
           </p:cNvSpPr>
@@ -14065,14 +13352,14 @@
       </p:grpSpPr>
       <p:sp>
         <p:nvSpPr>
-          <p:cNvPr id="311" name="CustomShape 1"/>
+          <p:cNvPr id="307" name="CustomShape 1"/>
           <p:cNvSpPr/>
           <p:nvPr/>
         </p:nvSpPr>
         <p:spPr>
           <a:xfrm>
             <a:off x="2468880" y="3429000"/>
-            <a:ext cx="6555960" cy="1678680"/>
+            <a:ext cx="6555600" cy="1678320"/>
           </a:xfrm>
           <a:prstGeom prst="rect">
             <a:avLst/>
@@ -14118,24 +13405,21 @@
               <a:t>Can we predict the next pitch?</a:t>
             </a:r>
             <a:endParaRPr b="0" lang="en-US" sz="2600" spc="-1" strike="noStrike">
-              <a:solidFill>
-                <a:srgbClr val="ffffff"/>
-              </a:solidFill>
-              <a:latin typeface="Arial"/>
-            </a:endParaRPr>
-          </a:p>
-        </p:txBody>
-      </p:sp>
-      <p:sp>
-        <p:nvSpPr>
-          <p:cNvPr id="312" name="CustomShape 2"/>
+              <a:latin typeface="Arial"/>
+            </a:endParaRPr>
+          </a:p>
+        </p:txBody>
+      </p:sp>
+      <p:sp>
+        <p:nvSpPr>
+          <p:cNvPr id="308" name="CustomShape 2"/>
           <p:cNvSpPr/>
           <p:nvPr/>
         </p:nvSpPr>
         <p:spPr>
           <a:xfrm>
             <a:off x="2468880" y="5108760"/>
-            <a:ext cx="6555960" cy="609840"/>
+            <a:ext cx="6555600" cy="609480"/>
           </a:xfrm>
           <a:prstGeom prst="rect">
             <a:avLst/>
@@ -14180,14 +13464,14 @@
       </p:sp>
       <p:sp>
         <p:nvSpPr>
-          <p:cNvPr id="313" name="CustomShape 3"/>
+          <p:cNvPr id="309" name="CustomShape 3"/>
           <p:cNvSpPr/>
           <p:nvPr/>
         </p:nvSpPr>
         <p:spPr>
           <a:xfrm>
             <a:off x="2414880" y="5843520"/>
-            <a:ext cx="6545880" cy="831240"/>
+            <a:ext cx="6545520" cy="830880"/>
           </a:xfrm>
           <a:prstGeom prst="rect">
             <a:avLst/>
@@ -14225,9 +13509,6 @@
               <a:t>Mark Rojas</a:t>
             </a:r>
             <a:endParaRPr b="0" lang="en-US" sz="2600" spc="-1" strike="noStrike">
-              <a:solidFill>
-                <a:srgbClr val="ffffff"/>
-              </a:solidFill>
               <a:latin typeface="Arial"/>
             </a:endParaRPr>
           </a:p>
@@ -14284,14 +13565,14 @@
       </p:grpSpPr>
       <p:sp>
         <p:nvSpPr>
-          <p:cNvPr id="342" name="CustomShape 1"/>
+          <p:cNvPr id="338" name="CustomShape 1"/>
           <p:cNvSpPr/>
           <p:nvPr/>
         </p:nvSpPr>
         <p:spPr>
           <a:xfrm>
             <a:off x="2128680" y="527760"/>
-            <a:ext cx="6516360" cy="762480"/>
+            <a:ext cx="6516000" cy="762120"/>
           </a:xfrm>
           <a:prstGeom prst="rect">
             <a:avLst/>
@@ -14333,14 +13614,14 @@
       </p:sp>
       <p:sp>
         <p:nvSpPr>
-          <p:cNvPr id="343" name="CustomShape 2"/>
+          <p:cNvPr id="339" name="CustomShape 2"/>
           <p:cNvSpPr/>
           <p:nvPr/>
         </p:nvSpPr>
         <p:spPr>
           <a:xfrm>
             <a:off x="1371600" y="4937760"/>
-            <a:ext cx="7406280" cy="1443240"/>
+            <a:ext cx="7405920" cy="1442880"/>
           </a:xfrm>
           <a:prstGeom prst="rect">
             <a:avLst/>
@@ -14359,7 +13640,7 @@
         <p:txBody>
           <a:bodyPr lIns="90000" rIns="90000" tIns="45000" bIns="45000"/>
           <a:p>
-            <a:pPr marL="216000" indent="-215640">
+            <a:pPr marL="216000" indent="-215280">
               <a:lnSpc>
                 <a:spcPct val="100000"/>
               </a:lnSpc>
@@ -14376,13 +13657,11 @@
                   <a:srgbClr val="ffffff"/>
                 </a:solidFill>
                 <a:latin typeface="Arial"/>
+                <a:ea typeface="DejaVu Sans"/>
               </a:rPr>
               <a:t>We continue to see roughly the same ratios of Fastballs, Sliders, Cutters, Curveballs, and Change-ups thrown from year-to-year.</a:t>
             </a:r>
             <a:endParaRPr b="0" lang="en-US" sz="1800" spc="-1" strike="noStrike">
-              <a:solidFill>
-                <a:srgbClr val="ffffff"/>
-              </a:solidFill>
               <a:latin typeface="Arial"/>
             </a:endParaRPr>
           </a:p>
@@ -14393,14 +13672,11 @@
               </a:lnSpc>
             </a:pPr>
             <a:endParaRPr b="0" lang="en-US" sz="1800" spc="-1" strike="noStrike">
-              <a:solidFill>
-                <a:srgbClr val="ffffff"/>
-              </a:solidFill>
-              <a:latin typeface="Arial"/>
-            </a:endParaRPr>
-          </a:p>
-          <a:p>
-            <a:pPr marL="216000" indent="-215640">
+              <a:latin typeface="Arial"/>
+            </a:endParaRPr>
+          </a:p>
+          <a:p>
+            <a:pPr marL="216000" indent="-215280">
               <a:lnSpc>
                 <a:spcPct val="100000"/>
               </a:lnSpc>
@@ -14417,13 +13693,11 @@
                   <a:srgbClr val="ffffff"/>
                 </a:solidFill>
                 <a:latin typeface="Arial"/>
+                <a:ea typeface="DejaVu Sans"/>
               </a:rPr>
               <a:t>From 2016-2018, the percent of Fastballs has decreased slightly while Cutters have increased. </a:t>
             </a:r>
             <a:endParaRPr b="0" lang="en-US" sz="1800" spc="-1" strike="noStrike">
-              <a:solidFill>
-                <a:srgbClr val="ffffff"/>
-              </a:solidFill>
               <a:latin typeface="Arial"/>
             </a:endParaRPr>
           </a:p>
@@ -14431,21 +13705,21 @@
       </p:sp>
       <p:grpSp>
         <p:nvGrpSpPr>
-          <p:cNvPr id="344" name="Group 3"/>
+          <p:cNvPr id="340" name="Group 3"/>
           <p:cNvGrpSpPr/>
           <p:nvPr/>
         </p:nvGrpSpPr>
         <p:grpSpPr>
           <a:xfrm>
             <a:off x="2926080" y="1527120"/>
-            <a:ext cx="4303800" cy="3237120"/>
+            <a:ext cx="4303440" cy="3236760"/>
             <a:chOff x="2926080" y="1527120"/>
-            <a:chExt cx="4303800" cy="3237120"/>
+            <a:chExt cx="4303440" cy="3236760"/>
           </a:xfrm>
         </p:grpSpPr>
         <p:pic>
           <p:nvPicPr>
-            <p:cNvPr id="345" name="" descr=""/>
+            <p:cNvPr id="341" name="" descr=""/>
             <p:cNvPicPr/>
             <p:nvPr/>
           </p:nvPicPr>
@@ -14456,7 +13730,7 @@
           <p:spPr>
             <a:xfrm>
               <a:off x="2932560" y="1840320"/>
-              <a:ext cx="4297320" cy="2923920"/>
+              <a:ext cx="4296960" cy="2923560"/>
             </a:xfrm>
             <a:prstGeom prst="rect">
               <a:avLst/>
@@ -14471,14 +13745,14 @@
         </p:pic>
         <p:sp>
           <p:nvSpPr>
-            <p:cNvPr id="346" name="CustomShape 4"/>
+            <p:cNvPr id="342" name="CustomShape 4"/>
             <p:cNvSpPr/>
             <p:nvPr/>
           </p:nvSpPr>
           <p:spPr>
             <a:xfrm>
               <a:off x="2926080" y="1527120"/>
-              <a:ext cx="4303800" cy="312840"/>
+              <a:ext cx="4303440" cy="312480"/>
             </a:xfrm>
             <a:prstGeom prst="rect">
               <a:avLst/>
@@ -14508,13 +13782,11 @@
                     <a:srgbClr val="ffffff"/>
                   </a:solidFill>
                   <a:latin typeface="Arial"/>
+                  <a:ea typeface="DejaVu Sans"/>
                 </a:rPr>
                 <a:t>Percent of Pitch Types Thrown from 2016 - 2018</a:t>
               </a:r>
               <a:endParaRPr b="0" lang="en-US" sz="1400" spc="-1" strike="noStrike">
-                <a:solidFill>
-                  <a:srgbClr val="ffffff"/>
-                </a:solidFill>
                 <a:latin typeface="Arial"/>
               </a:endParaRPr>
             </a:p>
@@ -14572,14 +13844,14 @@
       </p:grpSpPr>
       <p:sp>
         <p:nvSpPr>
-          <p:cNvPr id="347" name="CustomShape 1"/>
+          <p:cNvPr id="343" name="CustomShape 1"/>
           <p:cNvSpPr/>
           <p:nvPr/>
         </p:nvSpPr>
         <p:spPr>
           <a:xfrm>
             <a:off x="2128680" y="527760"/>
-            <a:ext cx="6516360" cy="762480"/>
+            <a:ext cx="6516000" cy="762120"/>
           </a:xfrm>
           <a:prstGeom prst="rect">
             <a:avLst/>
@@ -14621,14 +13893,14 @@
       </p:sp>
       <p:sp>
         <p:nvSpPr>
-          <p:cNvPr id="348" name="CustomShape 2"/>
+          <p:cNvPr id="344" name="CustomShape 2"/>
           <p:cNvSpPr/>
           <p:nvPr/>
         </p:nvSpPr>
         <p:spPr>
           <a:xfrm>
             <a:off x="1640160" y="1521360"/>
-            <a:ext cx="2559960" cy="2285640"/>
+            <a:ext cx="2559600" cy="2285280"/>
           </a:xfrm>
           <a:prstGeom prst="rect">
             <a:avLst/>
@@ -14656,8 +13928,12 @@
             </a:pPr>
             <a:r>
               <a:rPr b="1" lang="en-US" sz="1800" spc="-1" strike="noStrike" u="sng">
+                <a:solidFill>
+                  <a:srgbClr val="000000"/>
+                </a:solidFill>
                 <a:uFillTx/>
                 <a:latin typeface="Arial"/>
+                <a:ea typeface="DejaVu Sans"/>
               </a:rPr>
               <a:t>Past Events:</a:t>
             </a:r>
@@ -14677,6 +13953,7 @@
                   <a:srgbClr val="fff200"/>
                 </a:solidFill>
                 <a:latin typeface="Arial"/>
+                <a:ea typeface="DejaVu Sans"/>
               </a:rPr>
               <a:t>Pitch Type</a:t>
             </a:r>
@@ -14696,6 +13973,7 @@
                   <a:srgbClr val="ffffff"/>
                 </a:solidFill>
                 <a:latin typeface="Arial"/>
+                <a:ea typeface="DejaVu Sans"/>
               </a:rPr>
               <a:t>Pitch Velocity</a:t>
             </a:r>
@@ -14715,6 +13993,7 @@
                   <a:srgbClr val="ffffff"/>
                 </a:solidFill>
                 <a:latin typeface="Arial"/>
+                <a:ea typeface="DejaVu Sans"/>
               </a:rPr>
               <a:t>Pitch Location</a:t>
             </a:r>
@@ -14724,6 +14003,7 @@
                   <a:srgbClr val="ffffff"/>
                 </a:solidFill>
                 <a:latin typeface="Arial"/>
+                <a:ea typeface="DejaVu Sans"/>
               </a:rPr>
               <a:t>*</a:t>
             </a:r>
@@ -14743,6 +14023,7 @@
                   <a:srgbClr val="ffffff"/>
                 </a:solidFill>
                 <a:latin typeface="Arial"/>
+                <a:ea typeface="DejaVu Sans"/>
               </a:rPr>
               <a:t>Pitch Outcome</a:t>
             </a:r>
@@ -14752,6 +14033,7 @@
                   <a:srgbClr val="ffffff"/>
                 </a:solidFill>
                 <a:latin typeface="Arial"/>
+                <a:ea typeface="DejaVu Sans"/>
               </a:rPr>
               <a:t>*</a:t>
             </a:r>
@@ -14771,6 +14053,7 @@
                   <a:srgbClr val="ffffff"/>
                 </a:solidFill>
                 <a:latin typeface="Arial"/>
+                <a:ea typeface="DejaVu Sans"/>
               </a:rPr>
               <a:t>Pitch Sequences</a:t>
             </a:r>
@@ -14780,6 +14063,7 @@
                   <a:srgbClr val="ffffff"/>
                 </a:solidFill>
                 <a:latin typeface="Arial"/>
+                <a:ea typeface="DejaVu Sans"/>
               </a:rPr>
               <a:t>*</a:t>
             </a:r>
@@ -14799,6 +14083,7 @@
                   <a:srgbClr val="ffffff"/>
                 </a:solidFill>
                 <a:latin typeface="Arial"/>
+                <a:ea typeface="DejaVu Sans"/>
               </a:rPr>
               <a:t>Hit Type</a:t>
             </a:r>
@@ -14808,6 +14093,7 @@
                   <a:srgbClr val="ffffff"/>
                 </a:solidFill>
                 <a:latin typeface="Arial"/>
+                <a:ea typeface="DejaVu Sans"/>
               </a:rPr>
               <a:t>*</a:t>
             </a:r>
@@ -14827,6 +14113,7 @@
                   <a:srgbClr val="ffffff"/>
                 </a:solidFill>
                 <a:latin typeface="Arial"/>
+                <a:ea typeface="DejaVu Sans"/>
               </a:rPr>
               <a:t>Hit Zone</a:t>
             </a:r>
@@ -14836,6 +14123,7 @@
                   <a:srgbClr val="ffffff"/>
                 </a:solidFill>
                 <a:latin typeface="Arial"/>
+                <a:ea typeface="DejaVu Sans"/>
               </a:rPr>
               <a:t>*</a:t>
             </a:r>
@@ -14855,6 +14143,7 @@
                   <a:srgbClr val="ffffff"/>
                 </a:solidFill>
                 <a:latin typeface="Arial"/>
+                <a:ea typeface="DejaVu Sans"/>
               </a:rPr>
               <a:t>Is_Bunt_Shown</a:t>
             </a:r>
@@ -14864,6 +14153,7 @@
                   <a:srgbClr val="ffffff"/>
                 </a:solidFill>
                 <a:latin typeface="Arial"/>
+                <a:ea typeface="DejaVu Sans"/>
               </a:rPr>
               <a:t>*</a:t>
             </a:r>
@@ -14883,6 +14173,7 @@
                   <a:srgbClr val="ffffff"/>
                 </a:solidFill>
                 <a:latin typeface="Arial"/>
+                <a:ea typeface="DejaVu Sans"/>
               </a:rPr>
               <a:t>Is_Strike_Zone</a:t>
             </a:r>
@@ -14892,6 +14183,7 @@
                   <a:srgbClr val="ffffff"/>
                 </a:solidFill>
                 <a:latin typeface="Arial"/>
+                <a:ea typeface="DejaVu Sans"/>
               </a:rPr>
               <a:t>*</a:t>
             </a:r>
@@ -14923,14 +14215,14 @@
       </p:sp>
       <p:sp>
         <p:nvSpPr>
-          <p:cNvPr id="349" name="CustomShape 3"/>
+          <p:cNvPr id="345" name="CustomShape 3"/>
           <p:cNvSpPr/>
           <p:nvPr/>
         </p:nvSpPr>
         <p:spPr>
           <a:xfrm>
             <a:off x="4098240" y="1626480"/>
-            <a:ext cx="4862520" cy="4862520"/>
+            <a:ext cx="4862160" cy="4862160"/>
           </a:xfrm>
           <a:prstGeom prst="rect">
             <a:avLst/>
@@ -14962,6 +14254,7 @@
                   <a:srgbClr val="fac090"/>
                 </a:solidFill>
                 <a:latin typeface="Arial"/>
+                <a:ea typeface="DejaVu Sans"/>
               </a:rPr>
               <a:t>167,427</a:t>
             </a:r>
@@ -14971,6 +14264,7 @@
                   <a:srgbClr val="ffffff"/>
                 </a:solidFill>
                 <a:latin typeface="Arial"/>
+                <a:ea typeface="DejaVu Sans"/>
               </a:rPr>
               <a:t> </a:t>
             </a:r>
@@ -14980,6 +14274,7 @@
                   <a:srgbClr val="fac090"/>
                 </a:solidFill>
                 <a:latin typeface="Arial"/>
+                <a:ea typeface="DejaVu Sans"/>
               </a:rPr>
               <a:t>observations</a:t>
             </a:r>
@@ -14989,6 +14284,7 @@
                   <a:srgbClr val="ffffff"/>
                 </a:solidFill>
                 <a:latin typeface="Arial"/>
+                <a:ea typeface="DejaVu Sans"/>
               </a:rPr>
               <a:t> | </a:t>
             </a:r>
@@ -14998,6 +14294,7 @@
                   <a:srgbClr val="fac090"/>
                 </a:solidFill>
                 <a:latin typeface="Arial"/>
+                <a:ea typeface="DejaVu Sans"/>
               </a:rPr>
               <a:t>41 features</a:t>
             </a:r>
@@ -15007,6 +14304,7 @@
                   <a:srgbClr val="ffffff"/>
                 </a:solidFill>
                 <a:latin typeface="Arial"/>
+                <a:ea typeface="DejaVu Sans"/>
               </a:rPr>
               <a:t> for all 20 POI’s</a:t>
             </a:r>
@@ -15036,6 +14334,7 @@
                   <a:srgbClr val="ffffff"/>
                 </a:solidFill>
                 <a:latin typeface="Arial"/>
+                <a:ea typeface="DejaVu Sans"/>
               </a:rPr>
               <a:t>Past Events – </a:t>
             </a:r>
@@ -15045,6 +14344,7 @@
                   <a:srgbClr val="ffffff"/>
                 </a:solidFill>
                 <a:latin typeface="Arial"/>
+                <a:ea typeface="DejaVu Sans"/>
               </a:rPr>
               <a:t>are those that describe the previous pitch or a result of the previous pitch.</a:t>
             </a:r>
@@ -15074,6 +14374,7 @@
                   <a:srgbClr val="ffffff"/>
                 </a:solidFill>
                 <a:latin typeface="Arial"/>
+                <a:ea typeface="DejaVu Sans"/>
               </a:rPr>
               <a:t>Current Situations – </a:t>
             </a:r>
@@ -15083,6 +14384,7 @@
                   <a:srgbClr val="ffffff"/>
                 </a:solidFill>
                 <a:latin typeface="Arial"/>
+                <a:ea typeface="DejaVu Sans"/>
               </a:rPr>
               <a:t>are those that describe the current in-game condition.</a:t>
             </a:r>
@@ -15112,6 +14414,7 @@
                   <a:srgbClr val="fff200"/>
                 </a:solidFill>
                 <a:latin typeface="Arial"/>
+                <a:ea typeface="DejaVu Sans"/>
               </a:rPr>
               <a:t>Our </a:t>
             </a:r>
@@ -15121,6 +14424,7 @@
                   <a:srgbClr val="fff200"/>
                 </a:solidFill>
                 <a:latin typeface="Arial"/>
+                <a:ea typeface="DejaVu Sans"/>
               </a:rPr>
               <a:t>Target (labeled pitch types)</a:t>
             </a:r>
@@ -15130,6 +14434,7 @@
                   <a:srgbClr val="fff200"/>
                 </a:solidFill>
                 <a:latin typeface="Arial"/>
+                <a:ea typeface="DejaVu Sans"/>
               </a:rPr>
               <a:t>, will be used to train our model and attempt to predict the </a:t>
             </a:r>
@@ -15139,6 +14444,7 @@
                   <a:srgbClr val="fff200"/>
                 </a:solidFill>
                 <a:latin typeface="Arial"/>
+                <a:ea typeface="DejaVu Sans"/>
               </a:rPr>
               <a:t>Next</a:t>
             </a:r>
@@ -15148,6 +14454,7 @@
                   <a:srgbClr val="fff200"/>
                 </a:solidFill>
                 <a:latin typeface="Arial"/>
+                <a:ea typeface="DejaVu Sans"/>
               </a:rPr>
               <a:t> </a:t>
             </a:r>
@@ -15157,6 +14464,7 @@
                   <a:srgbClr val="fff200"/>
                 </a:solidFill>
                 <a:latin typeface="Arial"/>
+                <a:ea typeface="DejaVu Sans"/>
               </a:rPr>
               <a:t>Pitch Type</a:t>
             </a:r>
@@ -15166,6 +14474,7 @@
                   <a:srgbClr val="fff200"/>
                 </a:solidFill>
                 <a:latin typeface="Arial"/>
+                <a:ea typeface="DejaVu Sans"/>
               </a:rPr>
               <a:t>.</a:t>
             </a:r>
@@ -15196,6 +14505,7 @@
                 </a:solidFill>
                 <a:uFillTx/>
                 <a:latin typeface="Arial"/>
+                <a:ea typeface="DejaVu Sans"/>
               </a:rPr>
               <a:t>Target Pitch Types:</a:t>
             </a:r>
@@ -15218,6 +14528,7 @@
                   <a:srgbClr val="fff200"/>
                 </a:solidFill>
                 <a:latin typeface="Bitstream Vera Sans Mono"/>
+                <a:ea typeface="DejaVu Sans"/>
               </a:rPr>
               <a:t>FB = Fastball</a:t>
             </a:r>
@@ -15240,6 +14551,7 @@
                   <a:srgbClr val="fff200"/>
                 </a:solidFill>
                 <a:latin typeface="Bitstream Vera Sans Mono"/>
+                <a:ea typeface="DejaVu Sans"/>
               </a:rPr>
               <a:t>SL = Slider</a:t>
             </a:r>
@@ -15262,6 +14574,7 @@
                   <a:srgbClr val="fff200"/>
                 </a:solidFill>
                 <a:latin typeface="Bitstream Vera Sans Mono"/>
+                <a:ea typeface="DejaVu Sans"/>
               </a:rPr>
               <a:t>CT = Cutter</a:t>
             </a:r>
@@ -15284,6 +14597,7 @@
                   <a:srgbClr val="fff200"/>
                 </a:solidFill>
                 <a:latin typeface="Bitstream Vera Sans Mono"/>
+                <a:ea typeface="DejaVu Sans"/>
               </a:rPr>
               <a:t>CB = Curveball</a:t>
             </a:r>
@@ -15306,6 +14620,7 @@
                   <a:srgbClr val="fff200"/>
                 </a:solidFill>
                 <a:latin typeface="Bitstream Vera Sans Mono"/>
+                <a:ea typeface="DejaVu Sans"/>
               </a:rPr>
               <a:t>CH = Change-up</a:t>
             </a:r>
@@ -15328,6 +14643,7 @@
                   <a:srgbClr val="fff200"/>
                 </a:solidFill>
                 <a:latin typeface="Bitstream Vera Sans Mono"/>
+                <a:ea typeface="DejaVu Sans"/>
               </a:rPr>
               <a:t>SP = Splitter</a:t>
             </a:r>
@@ -15350,6 +14666,7 @@
                   <a:srgbClr val="fff200"/>
                 </a:solidFill>
                 <a:latin typeface="Bitstream Vera Sans Mono"/>
+                <a:ea typeface="DejaVu Sans"/>
               </a:rPr>
               <a:t>KN = Knuckleball</a:t>
             </a:r>
@@ -15361,14 +14678,14 @@
       </p:sp>
       <p:sp>
         <p:nvSpPr>
-          <p:cNvPr id="350" name="CustomShape 4"/>
+          <p:cNvPr id="346" name="CustomShape 4"/>
           <p:cNvSpPr/>
           <p:nvPr/>
         </p:nvSpPr>
         <p:spPr>
           <a:xfrm>
             <a:off x="1640160" y="3898080"/>
-            <a:ext cx="2559960" cy="2413800"/>
+            <a:ext cx="2559600" cy="2413440"/>
           </a:xfrm>
           <a:prstGeom prst="rect">
             <a:avLst/>
@@ -15396,12 +14713,19 @@
             </a:pPr>
             <a:r>
               <a:rPr b="1" lang="en-US" sz="1800" spc="-1" strike="noStrike" u="sng">
+                <a:solidFill>
+                  <a:srgbClr val="ffffff"/>
+                </a:solidFill>
                 <a:uFillTx/>
                 <a:latin typeface="Arial"/>
+                <a:ea typeface="DejaVu Sans"/>
               </a:rPr>
               <a:t>Current Situations:</a:t>
             </a:r>
             <a:endParaRPr b="0" lang="en-US" sz="1800" spc="-1" strike="noStrike">
+              <a:solidFill>
+                <a:srgbClr val="ffffff"/>
+              </a:solidFill>
               <a:latin typeface="Arial"/>
             </a:endParaRPr>
           </a:p>
@@ -15413,11 +14737,18 @@
             </a:pPr>
             <a:r>
               <a:rPr b="0" lang="en-US" sz="1500" spc="-1" strike="noStrike">
-                <a:latin typeface="Arial"/>
+                <a:solidFill>
+                  <a:srgbClr val="ffffff"/>
+                </a:solidFill>
+                <a:latin typeface="Arial"/>
+                <a:ea typeface="DejaVu Sans"/>
               </a:rPr>
               <a:t>Inning</a:t>
             </a:r>
             <a:endParaRPr b="0" lang="en-US" sz="1500" spc="-1" strike="noStrike">
+              <a:solidFill>
+                <a:srgbClr val="ffffff"/>
+              </a:solidFill>
               <a:latin typeface="Arial"/>
             </a:endParaRPr>
           </a:p>
@@ -15429,17 +14760,28 @@
             </a:pPr>
             <a:r>
               <a:rPr b="0" lang="en-US" sz="1500" spc="-1" strike="noStrike">
-                <a:latin typeface="Arial"/>
+                <a:solidFill>
+                  <a:srgbClr val="ffffff"/>
+                </a:solidFill>
+                <a:latin typeface="Arial"/>
+                <a:ea typeface="DejaVu Sans"/>
               </a:rPr>
               <a:t>Top / Bottom Inning</a:t>
             </a:r>
             <a:r>
               <a:rPr b="1" lang="en-US" sz="1500" spc="-1" strike="noStrike">
-                <a:latin typeface="Arial"/>
+                <a:solidFill>
+                  <a:srgbClr val="ffffff"/>
+                </a:solidFill>
+                <a:latin typeface="Arial"/>
+                <a:ea typeface="DejaVu Sans"/>
               </a:rPr>
               <a:t>*</a:t>
             </a:r>
             <a:endParaRPr b="0" lang="en-US" sz="1500" spc="-1" strike="noStrike">
+              <a:solidFill>
+                <a:srgbClr val="ffffff"/>
+              </a:solidFill>
               <a:latin typeface="Arial"/>
             </a:endParaRPr>
           </a:p>
@@ -15451,11 +14793,18 @@
             </a:pPr>
             <a:r>
               <a:rPr b="0" lang="en-US" sz="1500" spc="-1" strike="noStrike">
-                <a:latin typeface="Arial"/>
+                <a:solidFill>
+                  <a:srgbClr val="ffffff"/>
+                </a:solidFill>
+                <a:latin typeface="Arial"/>
+                <a:ea typeface="DejaVu Sans"/>
               </a:rPr>
               <a:t>Pitch Count</a:t>
             </a:r>
             <a:endParaRPr b="0" lang="en-US" sz="1500" spc="-1" strike="noStrike">
+              <a:solidFill>
+                <a:srgbClr val="ffffff"/>
+              </a:solidFill>
               <a:latin typeface="Arial"/>
             </a:endParaRPr>
           </a:p>
@@ -15467,11 +14816,18 @@
             </a:pPr>
             <a:r>
               <a:rPr b="0" lang="en-US" sz="1500" spc="-1" strike="noStrike">
-                <a:latin typeface="Arial"/>
+                <a:solidFill>
+                  <a:srgbClr val="ffffff"/>
+                </a:solidFill>
+                <a:latin typeface="Arial"/>
+                <a:ea typeface="DejaVu Sans"/>
               </a:rPr>
               <a:t>Hitter Count</a:t>
             </a:r>
             <a:endParaRPr b="0" lang="en-US" sz="1500" spc="-1" strike="noStrike">
+              <a:solidFill>
+                <a:srgbClr val="ffffff"/>
+              </a:solidFill>
               <a:latin typeface="Arial"/>
             </a:endParaRPr>
           </a:p>
@@ -15483,17 +14839,28 @@
             </a:pPr>
             <a:r>
               <a:rPr b="0" lang="en-US" sz="1500" spc="-1" strike="noStrike">
-                <a:latin typeface="Arial"/>
+                <a:solidFill>
+                  <a:srgbClr val="ffffff"/>
+                </a:solidFill>
+                <a:latin typeface="Arial"/>
+                <a:ea typeface="DejaVu Sans"/>
               </a:rPr>
               <a:t>Hitter Handedness</a:t>
             </a:r>
             <a:r>
               <a:rPr b="1" lang="en-US" sz="1500" spc="-1" strike="noStrike">
-                <a:latin typeface="Arial"/>
+                <a:solidFill>
+                  <a:srgbClr val="ffffff"/>
+                </a:solidFill>
+                <a:latin typeface="Arial"/>
+                <a:ea typeface="DejaVu Sans"/>
               </a:rPr>
               <a:t>*</a:t>
             </a:r>
             <a:endParaRPr b="0" lang="en-US" sz="1500" spc="-1" strike="noStrike">
+              <a:solidFill>
+                <a:srgbClr val="ffffff"/>
+              </a:solidFill>
               <a:latin typeface="Arial"/>
             </a:endParaRPr>
           </a:p>
@@ -15505,17 +14872,28 @@
             </a:pPr>
             <a:r>
               <a:rPr b="0" lang="en-US" sz="1500" spc="-1" strike="noStrike">
-                <a:latin typeface="Arial"/>
+                <a:solidFill>
+                  <a:srgbClr val="ffffff"/>
+                </a:solidFill>
+                <a:latin typeface="Arial"/>
+                <a:ea typeface="DejaVu Sans"/>
               </a:rPr>
               <a:t>At-Bat Count</a:t>
             </a:r>
             <a:r>
               <a:rPr b="1" lang="en-US" sz="1500" spc="-1" strike="noStrike">
-                <a:latin typeface="Arial"/>
+                <a:solidFill>
+                  <a:srgbClr val="ffffff"/>
+                </a:solidFill>
+                <a:latin typeface="Arial"/>
+                <a:ea typeface="DejaVu Sans"/>
               </a:rPr>
               <a:t>*</a:t>
             </a:r>
             <a:endParaRPr b="0" lang="en-US" sz="1500" spc="-1" strike="noStrike">
+              <a:solidFill>
+                <a:srgbClr val="ffffff"/>
+              </a:solidFill>
               <a:latin typeface="Arial"/>
             </a:endParaRPr>
           </a:p>
@@ -15527,11 +14905,18 @@
             </a:pPr>
             <a:r>
               <a:rPr b="0" lang="en-US" sz="1500" spc="-1" strike="noStrike">
-                <a:latin typeface="Arial"/>
+                <a:solidFill>
+                  <a:srgbClr val="ffffff"/>
+                </a:solidFill>
+                <a:latin typeface="Arial"/>
+                <a:ea typeface="DejaVu Sans"/>
               </a:rPr>
               <a:t>Number of Outs</a:t>
             </a:r>
             <a:endParaRPr b="0" lang="en-US" sz="1500" spc="-1" strike="noStrike">
+              <a:solidFill>
+                <a:srgbClr val="ffffff"/>
+              </a:solidFill>
               <a:latin typeface="Arial"/>
             </a:endParaRPr>
           </a:p>
@@ -15543,11 +14928,18 @@
             </a:pPr>
             <a:r>
               <a:rPr b="0" lang="en-US" sz="1500" spc="-1" strike="noStrike">
-                <a:latin typeface="Arial"/>
+                <a:solidFill>
+                  <a:srgbClr val="ffffff"/>
+                </a:solidFill>
+                <a:latin typeface="Arial"/>
+                <a:ea typeface="DejaVu Sans"/>
               </a:rPr>
               <a:t>Cumulative Pitch Type Sums</a:t>
             </a:r>
             <a:endParaRPr b="0" lang="en-US" sz="1500" spc="-1" strike="noStrike">
+              <a:solidFill>
+                <a:srgbClr val="ffffff"/>
+              </a:solidFill>
               <a:latin typeface="Arial"/>
             </a:endParaRPr>
           </a:p>
@@ -15559,26 +14951,33 @@
             </a:pPr>
             <a:r>
               <a:rPr b="0" lang="en-US" sz="1500" spc="-1" strike="noStrike">
-                <a:latin typeface="Arial"/>
+                <a:solidFill>
+                  <a:srgbClr val="ffffff"/>
+                </a:solidFill>
+                <a:latin typeface="Arial"/>
+                <a:ea typeface="DejaVu Sans"/>
               </a:rPr>
               <a:t>Cumulative Pitch Type %</a:t>
             </a:r>
             <a:endParaRPr b="0" lang="en-US" sz="1500" spc="-1" strike="noStrike">
-              <a:latin typeface="Arial"/>
-            </a:endParaRPr>
-          </a:p>
-        </p:txBody>
-      </p:sp>
-      <p:sp>
-        <p:nvSpPr>
-          <p:cNvPr id="351" name="CustomShape 5"/>
+              <a:solidFill>
+                <a:srgbClr val="ffffff"/>
+              </a:solidFill>
+              <a:latin typeface="Arial"/>
+            </a:endParaRPr>
+          </a:p>
+        </p:txBody>
+      </p:sp>
+      <p:sp>
+        <p:nvSpPr>
+          <p:cNvPr id="347" name="CustomShape 5"/>
           <p:cNvSpPr/>
           <p:nvPr/>
         </p:nvSpPr>
         <p:spPr>
           <a:xfrm>
             <a:off x="1573920" y="6348240"/>
-            <a:ext cx="2377080" cy="301680"/>
+            <a:ext cx="2376720" cy="301320"/>
           </a:xfrm>
           <a:prstGeom prst="rect">
             <a:avLst/>
@@ -15604,11 +15003,18 @@
             </a:pPr>
             <a:r>
               <a:rPr b="1" lang="en-US" sz="1500" spc="-1" strike="noStrike">
-                <a:latin typeface="Arial"/>
+                <a:solidFill>
+                  <a:srgbClr val="ffffff"/>
+                </a:solidFill>
+                <a:latin typeface="Arial"/>
+                <a:ea typeface="DejaVu Sans"/>
               </a:rPr>
               <a:t>* categorical features</a:t>
             </a:r>
             <a:endParaRPr b="0" lang="en-US" sz="1500" spc="-1" strike="noStrike">
+              <a:solidFill>
+                <a:srgbClr val="ffffff"/>
+              </a:solidFill>
               <a:latin typeface="Arial"/>
             </a:endParaRPr>
           </a:p>
@@ -15665,14 +15071,14 @@
       </p:grpSpPr>
       <p:sp>
         <p:nvSpPr>
-          <p:cNvPr id="352" name="CustomShape 1"/>
+          <p:cNvPr id="348" name="CustomShape 1"/>
           <p:cNvSpPr/>
           <p:nvPr/>
         </p:nvSpPr>
         <p:spPr>
           <a:xfrm>
             <a:off x="601560" y="374760"/>
-            <a:ext cx="8092440" cy="762480"/>
+            <a:ext cx="8092080" cy="762120"/>
           </a:xfrm>
           <a:prstGeom prst="rect">
             <a:avLst/>
@@ -15716,7 +15122,7 @@
       </p:sp>
       <p:pic>
         <p:nvPicPr>
-          <p:cNvPr id="353" name="" descr=""/>
+          <p:cNvPr id="349" name="" descr=""/>
           <p:cNvPicPr/>
           <p:nvPr/>
         </p:nvPicPr>
@@ -15727,7 +15133,7 @@
         <p:spPr>
           <a:xfrm>
             <a:off x="274320" y="3183840"/>
-            <a:ext cx="3355560" cy="1449360"/>
+            <a:ext cx="3355200" cy="1449000"/>
           </a:xfrm>
           <a:prstGeom prst="rect">
             <a:avLst/>
@@ -15742,7 +15148,7 @@
       </p:pic>
       <p:pic>
         <p:nvPicPr>
-          <p:cNvPr id="354" name="" descr=""/>
+          <p:cNvPr id="350" name="" descr=""/>
           <p:cNvPicPr/>
           <p:nvPr/>
         </p:nvPicPr>
@@ -15753,7 +15159,7 @@
         <p:spPr>
           <a:xfrm>
             <a:off x="6145920" y="1335600"/>
-            <a:ext cx="2285640" cy="1828440"/>
+            <a:ext cx="2285280" cy="1828080"/>
           </a:xfrm>
           <a:prstGeom prst="rect">
             <a:avLst/>
@@ -15768,21 +15174,21 @@
       </p:pic>
       <p:grpSp>
         <p:nvGrpSpPr>
-          <p:cNvPr id="355" name="Group 2"/>
+          <p:cNvPr id="351" name="Group 2"/>
           <p:cNvGrpSpPr/>
           <p:nvPr/>
         </p:nvGrpSpPr>
         <p:grpSpPr>
           <a:xfrm>
             <a:off x="5689080" y="3225600"/>
-            <a:ext cx="3163680" cy="1828440"/>
+            <a:ext cx="3163320" cy="1828080"/>
             <a:chOff x="5689080" y="3225600"/>
-            <a:chExt cx="3163680" cy="1828440"/>
+            <a:chExt cx="3163320" cy="1828080"/>
           </a:xfrm>
         </p:grpSpPr>
         <p:pic>
           <p:nvPicPr>
-            <p:cNvPr id="356" name="" descr=""/>
+            <p:cNvPr id="352" name="" descr=""/>
             <p:cNvPicPr/>
             <p:nvPr/>
           </p:nvPicPr>
@@ -15793,7 +15199,7 @@
           <p:spPr>
             <a:xfrm>
               <a:off x="7764840" y="3225600"/>
-              <a:ext cx="1087920" cy="1828440"/>
+              <a:ext cx="1087560" cy="1828080"/>
             </a:xfrm>
             <a:prstGeom prst="rect">
               <a:avLst/>
@@ -15805,21 +15211,21 @@
         </p:pic>
         <p:grpSp>
           <p:nvGrpSpPr>
-            <p:cNvPr id="357" name="Group 3"/>
+            <p:cNvPr id="353" name="Group 3"/>
             <p:cNvGrpSpPr/>
             <p:nvPr/>
           </p:nvGrpSpPr>
           <p:grpSpPr>
             <a:xfrm>
               <a:off x="5689080" y="3225600"/>
-              <a:ext cx="2075400" cy="1828440"/>
+              <a:ext cx="2075040" cy="1828080"/>
               <a:chOff x="5689080" y="3225600"/>
-              <a:chExt cx="2075400" cy="1828440"/>
+              <a:chExt cx="2075040" cy="1828080"/>
             </a:xfrm>
           </p:grpSpPr>
           <p:pic>
             <p:nvPicPr>
-              <p:cNvPr id="358" name="" descr=""/>
+              <p:cNvPr id="354" name="" descr=""/>
               <p:cNvPicPr/>
               <p:nvPr/>
             </p:nvPicPr>
@@ -15830,7 +15236,7 @@
             <p:spPr>
               <a:xfrm>
                 <a:off x="5689080" y="3225600"/>
-                <a:ext cx="1042200" cy="1828440"/>
+                <a:ext cx="1041840" cy="1828080"/>
               </a:xfrm>
               <a:prstGeom prst="rect">
                 <a:avLst/>
@@ -15842,7 +15248,7 @@
           </p:pic>
           <p:pic>
             <p:nvPicPr>
-              <p:cNvPr id="359" name="" descr=""/>
+              <p:cNvPr id="355" name="" descr=""/>
               <p:cNvPicPr/>
               <p:nvPr/>
             </p:nvPicPr>
@@ -15853,7 +15259,7 @@
             <p:spPr>
               <a:xfrm>
                 <a:off x="6731640" y="3225600"/>
-                <a:ext cx="1032840" cy="1828440"/>
+                <a:ext cx="1032480" cy="1828080"/>
               </a:xfrm>
               <a:prstGeom prst="rect">
                 <a:avLst/>
@@ -15867,21 +15273,21 @@
       </p:grpSp>
       <p:grpSp>
         <p:nvGrpSpPr>
-          <p:cNvPr id="360" name="Group 4"/>
+          <p:cNvPr id="356" name="Group 4"/>
           <p:cNvGrpSpPr/>
           <p:nvPr/>
         </p:nvGrpSpPr>
         <p:grpSpPr>
           <a:xfrm>
             <a:off x="274320" y="1299600"/>
-            <a:ext cx="2194200" cy="1828440"/>
+            <a:ext cx="2193840" cy="1828080"/>
             <a:chOff x="274320" y="1299600"/>
-            <a:chExt cx="2194200" cy="1828440"/>
+            <a:chExt cx="2193840" cy="1828080"/>
           </a:xfrm>
         </p:grpSpPr>
         <p:pic>
           <p:nvPicPr>
-            <p:cNvPr id="361" name="" descr=""/>
+            <p:cNvPr id="357" name="" descr=""/>
             <p:cNvPicPr/>
             <p:nvPr/>
           </p:nvPicPr>
@@ -15892,7 +15298,7 @@
           <p:spPr>
             <a:xfrm>
               <a:off x="274320" y="1299600"/>
-              <a:ext cx="1023840" cy="1828440"/>
+              <a:ext cx="1023480" cy="1828080"/>
             </a:xfrm>
             <a:prstGeom prst="rect">
               <a:avLst/>
@@ -15907,7 +15313,7 @@
         </p:pic>
         <p:pic>
           <p:nvPicPr>
-            <p:cNvPr id="362" name="" descr=""/>
+            <p:cNvPr id="358" name="" descr=""/>
             <p:cNvPicPr/>
             <p:nvPr/>
           </p:nvPicPr>
@@ -15918,7 +15324,7 @@
           <p:spPr>
             <a:xfrm>
               <a:off x="1380600" y="1299600"/>
-              <a:ext cx="1087920" cy="1828440"/>
+              <a:ext cx="1087560" cy="1828080"/>
             </a:xfrm>
             <a:prstGeom prst="rect">
               <a:avLst/>
@@ -15934,7 +15340,7 @@
       </p:grpSp>
       <p:pic>
         <p:nvPicPr>
-          <p:cNvPr id="363" name="" descr=""/>
+          <p:cNvPr id="359" name="" descr=""/>
           <p:cNvPicPr/>
           <p:nvPr/>
         </p:nvPicPr>
@@ -15945,7 +15351,7 @@
         <p:spPr>
           <a:xfrm>
             <a:off x="274320" y="4846320"/>
-            <a:ext cx="1032840" cy="1828440"/>
+            <a:ext cx="1032480" cy="1828080"/>
           </a:xfrm>
           <a:prstGeom prst="rect">
             <a:avLst/>
@@ -15960,14 +15366,14 @@
       </p:pic>
       <p:sp>
         <p:nvSpPr>
-          <p:cNvPr id="364" name="CustomShape 5"/>
+          <p:cNvPr id="360" name="CustomShape 5"/>
           <p:cNvSpPr/>
           <p:nvPr/>
         </p:nvSpPr>
         <p:spPr>
           <a:xfrm>
             <a:off x="2560320" y="1281600"/>
-            <a:ext cx="2468520" cy="1711080"/>
+            <a:ext cx="2468160" cy="1710720"/>
           </a:xfrm>
           <a:prstGeom prst="rect">
             <a:avLst/>
@@ -15998,6 +15404,7 @@
                 </a:solidFill>
                 <a:uFillTx/>
                 <a:latin typeface="Arial"/>
+                <a:ea typeface="DejaVu Sans"/>
               </a:rPr>
               <a:t>Breakers</a:t>
             </a:r>
@@ -16007,6 +15414,7 @@
                   <a:srgbClr val="8ae234"/>
                 </a:solidFill>
                 <a:latin typeface="Arial"/>
+                <a:ea typeface="DejaVu Sans"/>
               </a:rPr>
               <a:t>:</a:t>
             </a:r>
@@ -16029,6 +15437,7 @@
                   <a:srgbClr val="fff200"/>
                 </a:solidFill>
                 <a:latin typeface="Arial"/>
+                <a:ea typeface="DejaVu Sans"/>
               </a:rPr>
               <a:t>Curveball</a:t>
             </a:r>
@@ -16038,6 +15447,7 @@
                   <a:srgbClr val="fff200"/>
                 </a:solidFill>
                 <a:latin typeface="Arial"/>
+                <a:ea typeface="DejaVu Sans"/>
               </a:rPr>
               <a:t> </a:t>
             </a:r>
@@ -16047,6 +15457,7 @@
                   <a:srgbClr val="ffffff"/>
                 </a:solidFill>
                 <a:latin typeface="Arial"/>
+                <a:ea typeface="DejaVu Sans"/>
               </a:rPr>
               <a:t>(70-80 mph)</a:t>
             </a:r>
@@ -16069,6 +15480,7 @@
                   <a:srgbClr val="ffffff"/>
                 </a:solidFill>
                 <a:latin typeface="Arial"/>
+                <a:ea typeface="DejaVu Sans"/>
               </a:rPr>
               <a:t>Breaks from top to bottom</a:t>
             </a:r>
@@ -16101,6 +15513,7 @@
                   <a:srgbClr val="fff200"/>
                 </a:solidFill>
                 <a:latin typeface="Arial"/>
+                <a:ea typeface="DejaVu Sans"/>
               </a:rPr>
               <a:t>Slider</a:t>
             </a:r>
@@ -16110,6 +15523,7 @@
                   <a:srgbClr val="fff200"/>
                 </a:solidFill>
                 <a:latin typeface="Arial"/>
+                <a:ea typeface="DejaVu Sans"/>
               </a:rPr>
               <a:t> </a:t>
             </a:r>
@@ -16119,6 +15533,7 @@
                   <a:srgbClr val="ffffff"/>
                 </a:solidFill>
                 <a:latin typeface="Arial"/>
+                <a:ea typeface="DejaVu Sans"/>
               </a:rPr>
               <a:t>(80-90 mph)</a:t>
             </a:r>
@@ -16138,6 +15553,7 @@
                   <a:srgbClr val="ffffff"/>
                 </a:solidFill>
                 <a:latin typeface="Arial"/>
+                <a:ea typeface="DejaVu Sans"/>
               </a:rPr>
               <a:t>Breaks down and away from Right Handed Hitters</a:t>
             </a:r>
@@ -16157,6 +15573,7 @@
                   <a:srgbClr val="ffffff"/>
                 </a:solidFill>
                 <a:latin typeface="Arial"/>
+                <a:ea typeface="DejaVu Sans"/>
               </a:rPr>
               <a:t>It is between a fastball and curve</a:t>
             </a:r>
@@ -16168,7 +15585,7 @@
       </p:sp>
       <p:sp>
         <p:nvSpPr>
-          <p:cNvPr id="365" name="Line 6"/>
+          <p:cNvPr id="361" name="Line 6"/>
           <p:cNvSpPr/>
           <p:nvPr/>
         </p:nvSpPr>
@@ -16196,7 +15613,7 @@
       </p:sp>
       <p:sp>
         <p:nvSpPr>
-          <p:cNvPr id="366" name="Line 7"/>
+          <p:cNvPr id="362" name="Line 7"/>
           <p:cNvSpPr/>
           <p:nvPr/>
         </p:nvSpPr>
@@ -16224,14 +15641,14 @@
       </p:sp>
       <p:sp>
         <p:nvSpPr>
-          <p:cNvPr id="367" name="CustomShape 8"/>
+          <p:cNvPr id="363" name="CustomShape 8"/>
           <p:cNvSpPr/>
           <p:nvPr/>
         </p:nvSpPr>
         <p:spPr>
           <a:xfrm>
             <a:off x="1371600" y="4847760"/>
-            <a:ext cx="2194200" cy="1827000"/>
+            <a:ext cx="2193840" cy="1826640"/>
           </a:xfrm>
           <a:prstGeom prst="rect">
             <a:avLst/>
@@ -16262,6 +15679,7 @@
                 </a:solidFill>
                 <a:uFillTx/>
                 <a:latin typeface="Arial"/>
+                <a:ea typeface="DejaVu Sans"/>
               </a:rPr>
               <a:t>Change-ups</a:t>
             </a:r>
@@ -16271,6 +15689,7 @@
                   <a:srgbClr val="8ae234"/>
                 </a:solidFill>
                 <a:latin typeface="Arial"/>
+                <a:ea typeface="DejaVu Sans"/>
               </a:rPr>
               <a:t>:</a:t>
             </a:r>
@@ -16300,6 +15719,7 @@
                   <a:srgbClr val="fff200"/>
                 </a:solidFill>
                 <a:latin typeface="Arial"/>
+                <a:ea typeface="DejaVu Sans"/>
               </a:rPr>
               <a:t>Change-up</a:t>
             </a:r>
@@ -16309,6 +15729,7 @@
                   <a:srgbClr val="fff200"/>
                 </a:solidFill>
                 <a:latin typeface="Arial"/>
+                <a:ea typeface="DejaVu Sans"/>
               </a:rPr>
               <a:t> </a:t>
             </a:r>
@@ -16318,6 +15739,7 @@
                   <a:srgbClr val="ffffff"/>
                 </a:solidFill>
                 <a:latin typeface="Arial"/>
+                <a:ea typeface="DejaVu Sans"/>
               </a:rPr>
               <a:t>(70-85 mph)</a:t>
             </a:r>
@@ -16337,6 +15759,7 @@
                   <a:srgbClr val="ffffff"/>
                 </a:solidFill>
                 <a:latin typeface="Arial"/>
+                <a:ea typeface="DejaVu Sans"/>
               </a:rPr>
               <a:t>Slower than a fastball, but thrown with the same arm motion</a:t>
             </a:r>
@@ -16348,14 +15771,14 @@
       </p:sp>
       <p:sp>
         <p:nvSpPr>
-          <p:cNvPr id="368" name="CustomShape 9"/>
+          <p:cNvPr id="364" name="CustomShape 9"/>
           <p:cNvSpPr/>
           <p:nvPr/>
         </p:nvSpPr>
         <p:spPr>
           <a:xfrm>
             <a:off x="3749040" y="3474720"/>
-            <a:ext cx="1554120" cy="1162440"/>
+            <a:ext cx="1553760" cy="1162080"/>
           </a:xfrm>
           <a:prstGeom prst="rect">
             <a:avLst/>
@@ -16385,6 +15808,7 @@
                   <a:srgbClr val="fff200"/>
                 </a:solidFill>
                 <a:latin typeface="Arial"/>
+                <a:ea typeface="DejaVu Sans"/>
               </a:rPr>
               <a:t>Knuckleball</a:t>
             </a:r>
@@ -16394,6 +15818,7 @@
                   <a:srgbClr val="fff200"/>
                 </a:solidFill>
                 <a:latin typeface="Arial"/>
+                <a:ea typeface="DejaVu Sans"/>
               </a:rPr>
               <a:t> </a:t>
             </a:r>
@@ -16413,6 +15838,7 @@
                   <a:srgbClr val="ffffff"/>
                 </a:solidFill>
                 <a:latin typeface="Arial"/>
+                <a:ea typeface="DejaVu Sans"/>
               </a:rPr>
               <a:t>(60-70 mph)</a:t>
             </a:r>
@@ -16432,6 +15858,7 @@
                   <a:srgbClr val="ffffff"/>
                 </a:solidFill>
                 <a:latin typeface="Arial"/>
+                <a:ea typeface="DejaVu Sans"/>
               </a:rPr>
               <a:t>Unpredictable pitch, movement will vary</a:t>
             </a:r>
@@ -16443,7 +15870,7 @@
       </p:sp>
       <p:sp>
         <p:nvSpPr>
-          <p:cNvPr id="369" name="Line 10"/>
+          <p:cNvPr id="365" name="Line 10"/>
           <p:cNvSpPr/>
           <p:nvPr/>
         </p:nvSpPr>
@@ -16471,14 +15898,14 @@
       </p:sp>
       <p:sp>
         <p:nvSpPr>
-          <p:cNvPr id="370" name="CustomShape 11"/>
+          <p:cNvPr id="366" name="CustomShape 11"/>
           <p:cNvSpPr/>
           <p:nvPr/>
         </p:nvSpPr>
         <p:spPr>
           <a:xfrm>
             <a:off x="3783600" y="4847760"/>
-            <a:ext cx="5177160" cy="1827000"/>
+            <a:ext cx="5176800" cy="1826640"/>
           </a:xfrm>
           <a:prstGeom prst="rect">
             <a:avLst/>
@@ -16509,6 +15936,7 @@
                 </a:solidFill>
                 <a:uFillTx/>
                 <a:latin typeface="Arial"/>
+                <a:ea typeface="DejaVu Sans"/>
               </a:rPr>
               <a:t>Fastballs</a:t>
             </a:r>
@@ -16518,6 +15946,7 @@
                   <a:srgbClr val="8ae234"/>
                 </a:solidFill>
                 <a:latin typeface="Arial"/>
+                <a:ea typeface="DejaVu Sans"/>
               </a:rPr>
               <a:t>:</a:t>
             </a:r>
@@ -16540,6 +15969,7 @@
                   <a:srgbClr val="fff200"/>
                 </a:solidFill>
                 <a:latin typeface="Arial"/>
+                <a:ea typeface="DejaVu Sans"/>
               </a:rPr>
               <a:t>Four-seam </a:t>
             </a:r>
@@ -16549,6 +15979,7 @@
                   <a:srgbClr val="ffffff"/>
                 </a:solidFill>
                 <a:latin typeface="Arial"/>
+                <a:ea typeface="DejaVu Sans"/>
               </a:rPr>
               <a:t>(85-100 mph) - Fastest, straightest pitch, little movement</a:t>
             </a:r>
@@ -16571,6 +16002,7 @@
                   <a:srgbClr val="fff200"/>
                 </a:solidFill>
                 <a:latin typeface="Arial"/>
+                <a:ea typeface="DejaVu Sans"/>
               </a:rPr>
               <a:t>Two-seam / Sinker</a:t>
             </a:r>
@@ -16580,6 +16012,7 @@
                   <a:srgbClr val="ffffff"/>
                 </a:solidFill>
                 <a:latin typeface="Arial"/>
+                <a:ea typeface="DejaVu Sans"/>
               </a:rPr>
               <a:t> (80-90 mph) - Moves downward</a:t>
             </a:r>
@@ -16602,6 +16035,7 @@
                   <a:srgbClr val="fff200"/>
                 </a:solidFill>
                 <a:latin typeface="Arial"/>
+                <a:ea typeface="DejaVu Sans"/>
               </a:rPr>
               <a:t>Splitter</a:t>
             </a:r>
@@ -16611,6 +16045,7 @@
                   <a:srgbClr val="ffffff"/>
                 </a:solidFill>
                 <a:latin typeface="Arial"/>
+                <a:ea typeface="DejaVu Sans"/>
               </a:rPr>
               <a:t> (80-90 mph) – Breaks down suddenly before reaching plate</a:t>
             </a:r>
@@ -16633,6 +16068,7 @@
                   <a:srgbClr val="fff200"/>
                 </a:solidFill>
                 <a:latin typeface="Arial"/>
+                <a:ea typeface="DejaVu Sans"/>
               </a:rPr>
               <a:t>Forkball</a:t>
             </a:r>
@@ -16642,6 +16078,7 @@
                   <a:srgbClr val="fff200"/>
                 </a:solidFill>
                 <a:latin typeface="Arial"/>
+                <a:ea typeface="DejaVu Sans"/>
               </a:rPr>
               <a:t> </a:t>
             </a:r>
@@ -16651,6 +16088,7 @@
                   <a:srgbClr val="ffffff"/>
                 </a:solidFill>
                 <a:latin typeface="Arial"/>
+                <a:ea typeface="DejaVu Sans"/>
               </a:rPr>
               <a:t>(75-85 mph) – Like splitter but gradual downward movement</a:t>
             </a:r>
@@ -16673,6 +16111,7 @@
                   <a:srgbClr val="fff200"/>
                 </a:solidFill>
                 <a:latin typeface="Arial"/>
+                <a:ea typeface="DejaVu Sans"/>
               </a:rPr>
               <a:t>Cutter</a:t>
             </a:r>
@@ -16682,6 +16121,7 @@
                   <a:srgbClr val="fff200"/>
                 </a:solidFill>
                 <a:latin typeface="Arial"/>
+                <a:ea typeface="DejaVu Sans"/>
               </a:rPr>
               <a:t> </a:t>
             </a:r>
@@ -16691,6 +16131,7 @@
                   <a:srgbClr val="ffffff"/>
                 </a:solidFill>
                 <a:latin typeface="Arial"/>
+                <a:ea typeface="DejaVu Sans"/>
               </a:rPr>
               <a:t>(85-95 mph) – Faster than slider, more movement than fastball</a:t>
             </a:r>
@@ -16751,14 +16192,14 @@
       </p:grpSpPr>
       <p:sp>
         <p:nvSpPr>
-          <p:cNvPr id="371" name="CustomShape 1"/>
+          <p:cNvPr id="367" name="CustomShape 1"/>
           <p:cNvSpPr/>
           <p:nvPr/>
         </p:nvSpPr>
         <p:spPr>
           <a:xfrm>
             <a:off x="2056680" y="424080"/>
-            <a:ext cx="6363720" cy="762480"/>
+            <a:ext cx="6363360" cy="762120"/>
           </a:xfrm>
           <a:prstGeom prst="rect">
             <a:avLst/>
@@ -16800,14 +16241,14 @@
       </p:sp>
       <p:sp>
         <p:nvSpPr>
-          <p:cNvPr id="372" name="CustomShape 2"/>
+          <p:cNvPr id="368" name="CustomShape 2"/>
           <p:cNvSpPr/>
           <p:nvPr/>
         </p:nvSpPr>
         <p:spPr>
           <a:xfrm>
             <a:off x="1463040" y="5603040"/>
-            <a:ext cx="7314840" cy="289800"/>
+            <a:ext cx="7314480" cy="289440"/>
           </a:xfrm>
           <a:prstGeom prst="rect">
             <a:avLst/>
@@ -16837,13 +16278,11 @@
                   <a:srgbClr val="ffffff"/>
                 </a:solidFill>
                 <a:latin typeface="Arial"/>
+                <a:ea typeface="DejaVu Sans"/>
               </a:rPr>
               <a:t>Percent of pitch-types each pitcher throws as part of their arsenal (2016-2018)</a:t>
             </a:r>
             <a:endParaRPr b="0" lang="en-US" sz="1400" spc="-1" strike="noStrike">
-              <a:solidFill>
-                <a:srgbClr val="ffffff"/>
-              </a:solidFill>
               <a:latin typeface="Arial"/>
             </a:endParaRPr>
           </a:p>
@@ -16851,21 +16290,21 @@
       </p:sp>
       <p:grpSp>
         <p:nvGrpSpPr>
-          <p:cNvPr id="373" name="Group 3"/>
+          <p:cNvPr id="369" name="Group 3"/>
           <p:cNvGrpSpPr/>
           <p:nvPr/>
         </p:nvGrpSpPr>
         <p:grpSpPr>
           <a:xfrm>
             <a:off x="3158640" y="1360800"/>
-            <a:ext cx="3660120" cy="4195080"/>
+            <a:ext cx="3659760" cy="4194720"/>
             <a:chOff x="3158640" y="1360800"/>
-            <a:chExt cx="3660120" cy="4195080"/>
+            <a:chExt cx="3659760" cy="4194720"/>
           </a:xfrm>
         </p:grpSpPr>
         <p:pic>
           <p:nvPicPr>
-            <p:cNvPr id="374" name="" descr=""/>
+            <p:cNvPr id="370" name="" descr=""/>
             <p:cNvPicPr/>
             <p:nvPr/>
           </p:nvPicPr>
@@ -16876,7 +16315,7 @@
           <p:spPr>
             <a:xfrm>
               <a:off x="3158640" y="1360800"/>
-              <a:ext cx="1232280" cy="4195080"/>
+              <a:ext cx="1231920" cy="4194720"/>
             </a:xfrm>
             <a:prstGeom prst="rect">
               <a:avLst/>
@@ -16888,7 +16327,7 @@
         </p:pic>
         <p:pic>
           <p:nvPicPr>
-            <p:cNvPr id="375" name="" descr=""/>
+            <p:cNvPr id="371" name="" descr=""/>
             <p:cNvPicPr/>
             <p:nvPr/>
           </p:nvPicPr>
@@ -16899,7 +16338,7 @@
           <p:spPr>
             <a:xfrm>
               <a:off x="4373280" y="1360800"/>
-              <a:ext cx="2445480" cy="4195080"/>
+              <a:ext cx="2445120" cy="4194720"/>
             </a:xfrm>
             <a:prstGeom prst="rect">
               <a:avLst/>
@@ -16912,14 +16351,14 @@
       </p:grpSp>
       <p:sp>
         <p:nvSpPr>
-          <p:cNvPr id="376" name="CustomShape 4"/>
+          <p:cNvPr id="372" name="CustomShape 4"/>
           <p:cNvSpPr/>
           <p:nvPr/>
         </p:nvSpPr>
         <p:spPr>
           <a:xfrm>
             <a:off x="3178080" y="5963040"/>
-            <a:ext cx="3588120" cy="545760"/>
+            <a:ext cx="3587760" cy="545400"/>
           </a:xfrm>
           <a:prstGeom prst="rect">
             <a:avLst/>
@@ -16949,6 +16388,7 @@
                   <a:srgbClr val="fff200"/>
                 </a:solidFill>
                 <a:latin typeface="Arial"/>
+                <a:ea typeface="DejaVu Sans"/>
               </a:rPr>
               <a:t>Class Imbalance!</a:t>
             </a:r>
@@ -17009,14 +16449,14 @@
       </p:grpSpPr>
       <p:sp>
         <p:nvSpPr>
-          <p:cNvPr id="377" name="CustomShape 1"/>
+          <p:cNvPr id="373" name="CustomShape 1"/>
           <p:cNvSpPr/>
           <p:nvPr/>
         </p:nvSpPr>
         <p:spPr>
           <a:xfrm>
             <a:off x="2056680" y="424080"/>
-            <a:ext cx="6363720" cy="762480"/>
+            <a:ext cx="6363360" cy="762120"/>
           </a:xfrm>
           <a:prstGeom prst="rect">
             <a:avLst/>
@@ -17058,14 +16498,14 @@
       </p:sp>
       <p:sp>
         <p:nvSpPr>
-          <p:cNvPr id="378" name="CustomShape 2"/>
+          <p:cNvPr id="374" name="CustomShape 2"/>
           <p:cNvSpPr/>
           <p:nvPr/>
         </p:nvSpPr>
         <p:spPr>
           <a:xfrm>
             <a:off x="5494320" y="2106000"/>
-            <a:ext cx="3385800" cy="1002600"/>
+            <a:ext cx="3385440" cy="1002240"/>
           </a:xfrm>
           <a:prstGeom prst="rect">
             <a:avLst/>
@@ -17100,13 +16540,11 @@
                   <a:srgbClr val="ffffff"/>
                 </a:solidFill>
                 <a:latin typeface="Arial"/>
+                <a:ea typeface="DejaVu Sans"/>
               </a:rPr>
               <a:t>Two-pitch sequences</a:t>
             </a:r>
             <a:endParaRPr b="0" lang="en-US" sz="1600" spc="-1" strike="noStrike">
-              <a:solidFill>
-                <a:srgbClr val="ffffff"/>
-              </a:solidFill>
               <a:latin typeface="Arial"/>
             </a:endParaRPr>
           </a:p>
@@ -17122,28 +16560,26 @@
                   <a:srgbClr val="ffffff"/>
                 </a:solidFill>
                 <a:latin typeface="Arial"/>
+                <a:ea typeface="DejaVu Sans"/>
               </a:rPr>
               <a:t>Sequence of pitches consisting of previous pitch followed by the next pitch</a:t>
             </a:r>
             <a:endParaRPr b="0" lang="en-US" sz="1400" spc="-1" strike="noStrike">
-              <a:solidFill>
-                <a:srgbClr val="ffffff"/>
-              </a:solidFill>
-              <a:latin typeface="Arial"/>
-            </a:endParaRPr>
-          </a:p>
-        </p:txBody>
-      </p:sp>
-      <p:sp>
-        <p:nvSpPr>
-          <p:cNvPr id="379" name="CustomShape 3"/>
+              <a:latin typeface="Arial"/>
+            </a:endParaRPr>
+          </a:p>
+        </p:txBody>
+      </p:sp>
+      <p:sp>
+        <p:nvSpPr>
+          <p:cNvPr id="375" name="CustomShape 3"/>
           <p:cNvSpPr/>
           <p:nvPr/>
         </p:nvSpPr>
         <p:spPr>
           <a:xfrm>
             <a:off x="1532160" y="2107800"/>
-            <a:ext cx="3550320" cy="1183680"/>
+            <a:ext cx="3549960" cy="1183320"/>
           </a:xfrm>
           <a:prstGeom prst="rect">
             <a:avLst/>
@@ -17178,13 +16614,11 @@
                   <a:srgbClr val="ffffff"/>
                 </a:solidFill>
                 <a:latin typeface="Arial"/>
+                <a:ea typeface="DejaVu Sans"/>
               </a:rPr>
               <a:t>First pitches</a:t>
             </a:r>
             <a:endParaRPr b="0" lang="en-US" sz="1600" spc="-1" strike="noStrike">
-              <a:solidFill>
-                <a:srgbClr val="ffffff"/>
-              </a:solidFill>
               <a:latin typeface="Arial"/>
             </a:endParaRPr>
           </a:p>
@@ -17200,28 +16634,26 @@
                   <a:srgbClr val="ffffff"/>
                 </a:solidFill>
                 <a:latin typeface="Arial"/>
+                <a:ea typeface="DejaVu Sans"/>
               </a:rPr>
               <a:t>Start of every inning, there is a first pitch, when there is not a previous pitch</a:t>
             </a:r>
             <a:endParaRPr b="0" lang="en-US" sz="1400" spc="-1" strike="noStrike">
-              <a:solidFill>
-                <a:srgbClr val="ffffff"/>
-              </a:solidFill>
-              <a:latin typeface="Arial"/>
-            </a:endParaRPr>
-          </a:p>
-        </p:txBody>
-      </p:sp>
-      <p:sp>
-        <p:nvSpPr>
-          <p:cNvPr id="380" name="CustomShape 4"/>
+              <a:latin typeface="Arial"/>
+            </a:endParaRPr>
+          </a:p>
+        </p:txBody>
+      </p:sp>
+      <p:sp>
+        <p:nvSpPr>
+          <p:cNvPr id="376" name="CustomShape 4"/>
           <p:cNvSpPr/>
           <p:nvPr/>
         </p:nvSpPr>
         <p:spPr>
           <a:xfrm>
             <a:off x="2194560" y="1304640"/>
-            <a:ext cx="6309000" cy="706680"/>
+            <a:ext cx="6308640" cy="706320"/>
           </a:xfrm>
           <a:prstGeom prst="rect">
             <a:avLst/>
@@ -17253,13 +16685,11 @@
                   <a:srgbClr val="ffffff"/>
                 </a:solidFill>
                 <a:latin typeface="Arial"/>
+                <a:ea typeface="DejaVu Sans"/>
               </a:rPr>
               <a:t>First, let’s consider only the previous pitch when predicting the next pitch. There are two ways to apply the naive approach.</a:t>
             </a:r>
             <a:endParaRPr b="0" lang="en-US" sz="1800" spc="-1" strike="noStrike">
-              <a:solidFill>
-                <a:srgbClr val="ffffff"/>
-              </a:solidFill>
               <a:latin typeface="Arial"/>
             </a:endParaRPr>
           </a:p>
@@ -17267,7 +16697,7 @@
       </p:sp>
       <p:pic>
         <p:nvPicPr>
-          <p:cNvPr id="381" name="" descr=""/>
+          <p:cNvPr id="377" name="" descr=""/>
           <p:cNvPicPr/>
           <p:nvPr/>
         </p:nvPicPr>
@@ -17278,7 +16708,7 @@
         <p:spPr>
           <a:xfrm>
             <a:off x="1297800" y="3059280"/>
-            <a:ext cx="3767040" cy="3108600"/>
+            <a:ext cx="3766680" cy="3108240"/>
           </a:xfrm>
           <a:prstGeom prst="rect">
             <a:avLst/>
@@ -17293,14 +16723,14 @@
       </p:pic>
       <p:sp>
         <p:nvSpPr>
-          <p:cNvPr id="382" name="CustomShape 5"/>
+          <p:cNvPr id="378" name="CustomShape 5"/>
           <p:cNvSpPr/>
           <p:nvPr/>
         </p:nvSpPr>
         <p:spPr>
           <a:xfrm>
             <a:off x="1463040" y="6215040"/>
-            <a:ext cx="7314840" cy="289800"/>
+            <a:ext cx="7314480" cy="289440"/>
           </a:xfrm>
           <a:prstGeom prst="rect">
             <a:avLst/>
@@ -17330,6 +16760,7 @@
                   <a:srgbClr val="ffffff"/>
                 </a:solidFill>
                 <a:latin typeface="Arial"/>
+                <a:ea typeface="DejaVu Sans"/>
               </a:rPr>
               <a:t>Distribution of </a:t>
             </a:r>
@@ -17339,6 +16770,7 @@
                   <a:srgbClr val="ffffff"/>
                 </a:solidFill>
                 <a:latin typeface="Arial"/>
+                <a:ea typeface="DejaVu Sans"/>
               </a:rPr>
               <a:t>First Pitch</a:t>
             </a:r>
@@ -17348,6 +16780,7 @@
                   <a:srgbClr val="ffffff"/>
                 </a:solidFill>
                 <a:latin typeface="Arial"/>
+                <a:ea typeface="DejaVu Sans"/>
               </a:rPr>
               <a:t> and </a:t>
             </a:r>
@@ -17357,6 +16790,7 @@
                   <a:srgbClr val="ffffff"/>
                 </a:solidFill>
                 <a:latin typeface="Arial"/>
+                <a:ea typeface="DejaVu Sans"/>
               </a:rPr>
               <a:t>Two-Pitch Sequences </a:t>
             </a:r>
@@ -17366,6 +16800,7 @@
                   <a:srgbClr val="ffffff"/>
                 </a:solidFill>
                 <a:latin typeface="Arial"/>
+                <a:ea typeface="DejaVu Sans"/>
               </a:rPr>
               <a:t>for </a:t>
             </a:r>
@@ -17375,6 +16810,7 @@
                   <a:srgbClr val="ffffff"/>
                 </a:solidFill>
                 <a:latin typeface="Arial"/>
+                <a:ea typeface="DejaVu Sans"/>
               </a:rPr>
               <a:t>Carlos Martinez</a:t>
             </a:r>
@@ -17384,13 +16820,11 @@
                   <a:srgbClr val="ffffff"/>
                 </a:solidFill>
                 <a:latin typeface="Arial"/>
+                <a:ea typeface="DejaVu Sans"/>
               </a:rPr>
               <a:t> (2016-2018)</a:t>
             </a:r>
             <a:endParaRPr b="0" lang="en-US" sz="1400" spc="-1" strike="noStrike">
-              <a:solidFill>
-                <a:srgbClr val="ffffff"/>
-              </a:solidFill>
               <a:latin typeface="Arial"/>
             </a:endParaRPr>
           </a:p>
@@ -17398,7 +16832,7 @@
       </p:sp>
       <p:pic>
         <p:nvPicPr>
-          <p:cNvPr id="383" name="" descr=""/>
+          <p:cNvPr id="379" name="" descr=""/>
           <p:cNvPicPr/>
           <p:nvPr/>
         </p:nvPicPr>
@@ -17409,7 +16843,7 @@
         <p:spPr>
           <a:xfrm>
             <a:off x="5276160" y="3059280"/>
-            <a:ext cx="3501720" cy="3108600"/>
+            <a:ext cx="3501360" cy="3108240"/>
           </a:xfrm>
           <a:prstGeom prst="rect">
             <a:avLst/>
@@ -17473,14 +16907,14 @@
       </p:grpSpPr>
       <p:sp>
         <p:nvSpPr>
-          <p:cNvPr id="384" name="CustomShape 1"/>
+          <p:cNvPr id="380" name="CustomShape 1"/>
           <p:cNvSpPr/>
           <p:nvPr/>
         </p:nvSpPr>
         <p:spPr>
           <a:xfrm>
             <a:off x="2056680" y="424080"/>
-            <a:ext cx="6363720" cy="762480"/>
+            <a:ext cx="6363360" cy="762120"/>
           </a:xfrm>
           <a:prstGeom prst="rect">
             <a:avLst/>
@@ -17552,14 +16986,14 @@
       </p:sp>
       <p:sp>
         <p:nvSpPr>
-          <p:cNvPr id="385" name="CustomShape 2"/>
+          <p:cNvPr id="381" name="CustomShape 2"/>
           <p:cNvSpPr/>
           <p:nvPr/>
         </p:nvSpPr>
         <p:spPr>
           <a:xfrm>
             <a:off x="1618560" y="1556640"/>
-            <a:ext cx="7303320" cy="587880"/>
+            <a:ext cx="7302960" cy="587520"/>
           </a:xfrm>
           <a:prstGeom prst="rect">
             <a:avLst/>
@@ -17591,12 +17025,17 @@
                   <a:srgbClr val="ffffff"/>
                 </a:solidFill>
                 <a:latin typeface="Arial"/>
+                <a:ea typeface="DejaVu Sans"/>
               </a:rPr>
               <a:t>In the case for Carlos Martinez, we see that we have</a:t>
             </a:r>
             <a:r>
               <a:rPr b="0" lang="en-US" sz="1800" spc="-1" strike="noStrike">
-                <a:latin typeface="Arial"/>
+                <a:solidFill>
+                  <a:srgbClr val="000000"/>
+                </a:solidFill>
+                <a:latin typeface="Arial"/>
+                <a:ea typeface="DejaVu Sans"/>
               </a:rPr>
               <a:t> </a:t>
             </a:r>
@@ -17606,6 +17045,7 @@
                   <a:srgbClr val="fff200"/>
                 </a:solidFill>
                 <a:latin typeface="Arial"/>
+                <a:ea typeface="DejaVu Sans"/>
               </a:rPr>
               <a:t>exactly 5 classes</a:t>
             </a:r>
@@ -17615,6 +17055,7 @@
                   <a:srgbClr val="fff200"/>
                 </a:solidFill>
                 <a:latin typeface="Arial"/>
+                <a:ea typeface="DejaVu Sans"/>
               </a:rPr>
               <a:t>, </a:t>
             </a:r>
@@ -17624,6 +17065,7 @@
                   <a:srgbClr val="ffffff"/>
                 </a:solidFill>
                 <a:latin typeface="Arial"/>
+                <a:ea typeface="DejaVu Sans"/>
               </a:rPr>
               <a:t>requiring</a:t>
             </a:r>
@@ -17633,6 +17075,7 @@
                   <a:srgbClr val="fff200"/>
                 </a:solidFill>
                 <a:latin typeface="Arial"/>
+                <a:ea typeface="DejaVu Sans"/>
               </a:rPr>
               <a:t> </a:t>
             </a:r>
@@ -17642,6 +17085,7 @@
                   <a:srgbClr val="fff200"/>
                 </a:solidFill>
                 <a:latin typeface="Arial"/>
+                <a:ea typeface="DejaVu Sans"/>
               </a:rPr>
               <a:t>multi-class classification</a:t>
             </a:r>
@@ -17651,6 +17095,7 @@
                   <a:srgbClr val="fff200"/>
                 </a:solidFill>
                 <a:latin typeface="Arial"/>
+                <a:ea typeface="DejaVu Sans"/>
               </a:rPr>
               <a:t>.</a:t>
             </a:r>
@@ -17692,13 +17137,13 @@
       </p:sp>
       <p:graphicFrame>
         <p:nvGraphicFramePr>
-          <p:cNvPr id="386" name="Table 3"/>
+          <p:cNvPr id="382" name="Table 3"/>
           <p:cNvGraphicFramePr/>
           <p:nvPr/>
         </p:nvGraphicFramePr>
         <p:xfrm>
           <a:off x="3422160" y="2295360"/>
-          <a:ext cx="3171960" cy="1483560"/>
+          <a:ext cx="3171960" cy="1643040"/>
         </p:xfrm>
         <a:graphic>
           <a:graphicData uri="http://schemas.openxmlformats.org/drawingml/2006/table">
@@ -18278,14 +17723,14 @@
       </p:graphicFrame>
       <p:sp>
         <p:nvSpPr>
-          <p:cNvPr id="387" name="CustomShape 4"/>
+          <p:cNvPr id="383" name="CustomShape 4"/>
           <p:cNvSpPr/>
           <p:nvPr/>
         </p:nvSpPr>
         <p:spPr>
           <a:xfrm>
             <a:off x="1463040" y="4430880"/>
-            <a:ext cx="7406280" cy="1714320"/>
+            <a:ext cx="7405920" cy="1713960"/>
           </a:xfrm>
           <a:prstGeom prst="rect">
             <a:avLst/>
@@ -18318,6 +17763,7 @@
                   <a:srgbClr val="ffffff"/>
                 </a:solidFill>
                 <a:latin typeface="Arial"/>
+                <a:ea typeface="DejaVu Sans"/>
               </a:rPr>
               <a:t>When considering </a:t>
             </a:r>
@@ -18327,6 +17773,7 @@
                   <a:srgbClr val="fff200"/>
                 </a:solidFill>
                 <a:latin typeface="Arial"/>
+                <a:ea typeface="DejaVu Sans"/>
               </a:rPr>
               <a:t>accuracy</a:t>
             </a:r>
@@ -18336,6 +17783,7 @@
                   <a:srgbClr val="ffffff"/>
                 </a:solidFill>
                 <a:latin typeface="Arial"/>
+                <a:ea typeface="DejaVu Sans"/>
               </a:rPr>
               <a:t> as a performance metric, the majority class is the </a:t>
             </a:r>
@@ -18345,6 +17793,7 @@
                   <a:srgbClr val="ffffff"/>
                 </a:solidFill>
                 <a:latin typeface="Arial"/>
+                <a:ea typeface="DejaVu Sans"/>
               </a:rPr>
               <a:t>Fastball (FB)</a:t>
             </a:r>
@@ -18354,6 +17803,7 @@
                   <a:srgbClr val="ffffff"/>
                 </a:solidFill>
                 <a:latin typeface="Arial"/>
+                <a:ea typeface="DejaVu Sans"/>
               </a:rPr>
               <a:t> at </a:t>
             </a:r>
@@ -18363,6 +17813,7 @@
                   <a:srgbClr val="ffffff"/>
                 </a:solidFill>
                 <a:latin typeface="Arial"/>
+                <a:ea typeface="DejaVu Sans"/>
               </a:rPr>
               <a:t>0.538</a:t>
             </a:r>
@@ -18372,6 +17823,7 @@
                   <a:srgbClr val="ffffff"/>
                 </a:solidFill>
                 <a:latin typeface="Arial"/>
+                <a:ea typeface="DejaVu Sans"/>
               </a:rPr>
               <a:t>. </a:t>
             </a:r>
@@ -18466,14 +17918,14 @@
       </p:sp>
       <p:sp>
         <p:nvSpPr>
-          <p:cNvPr id="388" name="CustomShape 5"/>
+          <p:cNvPr id="384" name="CustomShape 5"/>
           <p:cNvSpPr/>
           <p:nvPr/>
         </p:nvSpPr>
         <p:spPr>
           <a:xfrm>
             <a:off x="2572560" y="4009680"/>
-            <a:ext cx="4977720" cy="290160"/>
+            <a:ext cx="4977360" cy="289800"/>
           </a:xfrm>
           <a:prstGeom prst="rect">
             <a:avLst/>
@@ -18503,6 +17955,7 @@
                   <a:srgbClr val="ffffff"/>
                 </a:solidFill>
                 <a:latin typeface="Arial"/>
+                <a:ea typeface="DejaVu Sans"/>
               </a:rPr>
               <a:t>Pitch Types and Percentage Thrown for </a:t>
             </a:r>
@@ -18512,6 +17965,7 @@
                   <a:srgbClr val="ffffff"/>
                 </a:solidFill>
                 <a:latin typeface="Arial"/>
+                <a:ea typeface="DejaVu Sans"/>
               </a:rPr>
               <a:t>Carlos Martinez</a:t>
             </a:r>
@@ -18521,28 +17975,26 @@
                   <a:srgbClr val="ffffff"/>
                 </a:solidFill>
                 <a:latin typeface="Arial"/>
+                <a:ea typeface="DejaVu Sans"/>
               </a:rPr>
               <a:t> (2016-2018)</a:t>
             </a:r>
             <a:endParaRPr b="0" lang="en-US" sz="1200" spc="-1" strike="noStrike">
-              <a:solidFill>
-                <a:srgbClr val="ffffff"/>
-              </a:solidFill>
-              <a:latin typeface="Arial"/>
-            </a:endParaRPr>
-          </a:p>
-        </p:txBody>
-      </p:sp>
-      <p:sp>
-        <p:nvSpPr>
-          <p:cNvPr id="389" name="CustomShape 6"/>
+              <a:latin typeface="Arial"/>
+            </a:endParaRPr>
+          </a:p>
+        </p:txBody>
+      </p:sp>
+      <p:sp>
+        <p:nvSpPr>
+          <p:cNvPr id="385" name="CustomShape 6"/>
           <p:cNvSpPr/>
           <p:nvPr/>
         </p:nvSpPr>
         <p:spPr>
           <a:xfrm>
             <a:off x="3524400" y="6145920"/>
-            <a:ext cx="3017160" cy="402480"/>
+            <a:ext cx="3016800" cy="402120"/>
           </a:xfrm>
           <a:prstGeom prst="rect">
             <a:avLst/>
@@ -18572,6 +18024,7 @@
                   <a:srgbClr val="f04e4d"/>
                 </a:solidFill>
                 <a:latin typeface="Arial"/>
+                <a:ea typeface="DejaVu Sans"/>
               </a:rPr>
               <a:t>Accuracy Not Ideal!!!</a:t>
             </a:r>
@@ -18632,14 +18085,14 @@
       </p:grpSpPr>
       <p:sp>
         <p:nvSpPr>
-          <p:cNvPr id="390" name="CustomShape 1"/>
+          <p:cNvPr id="386" name="CustomShape 1"/>
           <p:cNvSpPr/>
           <p:nvPr/>
         </p:nvSpPr>
         <p:spPr>
           <a:xfrm>
             <a:off x="2056680" y="424080"/>
-            <a:ext cx="6363720" cy="762480"/>
+            <a:ext cx="6363360" cy="762120"/>
           </a:xfrm>
           <a:prstGeom prst="rect">
             <a:avLst/>
@@ -18711,14 +18164,14 @@
       </p:sp>
       <p:sp>
         <p:nvSpPr>
-          <p:cNvPr id="391" name="CustomShape 2"/>
+          <p:cNvPr id="387" name="CustomShape 2"/>
           <p:cNvSpPr/>
           <p:nvPr/>
         </p:nvSpPr>
         <p:spPr>
           <a:xfrm>
             <a:off x="1371600" y="1920240"/>
-            <a:ext cx="7589160" cy="1645560"/>
+            <a:ext cx="7588800" cy="1645200"/>
           </a:xfrm>
           <a:prstGeom prst="rect">
             <a:avLst/>
@@ -18756,6 +18209,9 @@
             </a:r>
             <a:r>
               <a:rPr b="0" lang="en-US" sz="1800" spc="-1" strike="noStrike">
+                <a:solidFill>
+                  <a:srgbClr val="000000"/>
+                </a:solidFill>
                 <a:latin typeface="Arial"/>
                 <a:ea typeface="Noto Sans CJK SC Regular"/>
               </a:rPr>
@@ -19019,7 +18475,7 @@
       </p:sp>
       <p:pic>
         <p:nvPicPr>
-          <p:cNvPr id="392" name="" descr=""/>
+          <p:cNvPr id="388" name="" descr=""/>
           <p:cNvPicPr/>
           <p:nvPr/>
         </p:nvPicPr>
@@ -19030,7 +18486,7 @@
         <p:spPr>
           <a:xfrm>
             <a:off x="1679040" y="4311000"/>
-            <a:ext cx="4663080" cy="2216880"/>
+            <a:ext cx="4662720" cy="2216520"/>
           </a:xfrm>
           <a:prstGeom prst="rect">
             <a:avLst/>
@@ -19045,14 +18501,14 @@
       </p:pic>
       <p:sp>
         <p:nvSpPr>
-          <p:cNvPr id="393" name="CustomShape 3"/>
+          <p:cNvPr id="389" name="CustomShape 3"/>
           <p:cNvSpPr/>
           <p:nvPr/>
         </p:nvSpPr>
         <p:spPr>
           <a:xfrm>
             <a:off x="6564240" y="4372560"/>
-            <a:ext cx="2011320" cy="2011320"/>
+            <a:ext cx="2010960" cy="2010960"/>
           </a:xfrm>
           <a:custGeom>
             <a:avLst/>
@@ -19312,14 +18768,14 @@
       </p:sp>
       <p:sp>
         <p:nvSpPr>
-          <p:cNvPr id="394" name="CustomShape 4"/>
+          <p:cNvPr id="390" name="CustomShape 4"/>
           <p:cNvSpPr/>
           <p:nvPr/>
         </p:nvSpPr>
         <p:spPr>
           <a:xfrm>
             <a:off x="1607040" y="3700080"/>
-            <a:ext cx="6949080" cy="541800"/>
+            <a:ext cx="6948720" cy="541440"/>
           </a:xfrm>
           <a:prstGeom prst="rect">
             <a:avLst/>
@@ -19349,6 +18805,7 @@
                   <a:srgbClr val="ffffff"/>
                 </a:solidFill>
                 <a:latin typeface="Arial"/>
+                <a:ea typeface="DejaVu Sans"/>
               </a:rPr>
               <a:t>Based on Carlos’ </a:t>
             </a:r>
@@ -19358,6 +18815,7 @@
                   <a:srgbClr val="ffffff"/>
                 </a:solidFill>
                 <a:latin typeface="Arial"/>
+                <a:ea typeface="DejaVu Sans"/>
               </a:rPr>
               <a:t>two-sequence</a:t>
             </a:r>
@@ -19367,13 +18825,11 @@
                   <a:srgbClr val="ffffff"/>
                 </a:solidFill>
                 <a:latin typeface="Arial"/>
+                <a:ea typeface="DejaVu Sans"/>
               </a:rPr>
               <a:t> pitch data where the first pitch was a Fastball, we calculate the following mean values  as predicted probabilities.</a:t>
             </a:r>
             <a:endParaRPr b="0" lang="en-US" sz="1600" spc="-1" strike="noStrike">
-              <a:solidFill>
-                <a:srgbClr val="ffffff"/>
-              </a:solidFill>
               <a:latin typeface="Arial"/>
             </a:endParaRPr>
           </a:p>
@@ -19430,14 +18886,14 @@
       </p:grpSpPr>
       <p:sp>
         <p:nvSpPr>
-          <p:cNvPr id="395" name="CustomShape 1"/>
+          <p:cNvPr id="391" name="CustomShape 1"/>
           <p:cNvSpPr/>
           <p:nvPr/>
         </p:nvSpPr>
         <p:spPr>
           <a:xfrm>
             <a:off x="601560" y="374760"/>
-            <a:ext cx="8092440" cy="762480"/>
+            <a:ext cx="8092080" cy="762120"/>
           </a:xfrm>
           <a:prstGeom prst="rect">
             <a:avLst/>
@@ -19481,14 +18937,14 @@
       </p:sp>
       <p:sp>
         <p:nvSpPr>
-          <p:cNvPr id="396" name="CustomShape 2"/>
+          <p:cNvPr id="392" name="CustomShape 2"/>
           <p:cNvSpPr/>
           <p:nvPr/>
         </p:nvSpPr>
         <p:spPr>
           <a:xfrm>
             <a:off x="1113840" y="1609920"/>
-            <a:ext cx="7040520" cy="601920"/>
+            <a:ext cx="7040160" cy="601560"/>
           </a:xfrm>
           <a:prstGeom prst="rect">
             <a:avLst/>
@@ -19507,7 +18963,7 @@
         <p:txBody>
           <a:bodyPr lIns="90000" rIns="90000" tIns="45000" bIns="45000"/>
           <a:p>
-            <a:pPr marL="216000" indent="-215640">
+            <a:pPr marL="216000" indent="-215280">
               <a:lnSpc>
                 <a:spcPct val="100000"/>
               </a:lnSpc>
@@ -19524,6 +18980,7 @@
                   <a:srgbClr val="ffffff"/>
                 </a:solidFill>
                 <a:latin typeface="Arial"/>
+                <a:ea typeface="DejaVu Sans"/>
               </a:rPr>
               <a:t>Identified and removed features with a </a:t>
             </a:r>
@@ -19533,6 +18990,7 @@
                   <a:srgbClr val="fff200"/>
                 </a:solidFill>
                 <a:latin typeface="Arial"/>
+                <a:ea typeface="DejaVu Sans"/>
               </a:rPr>
               <a:t>95% </a:t>
             </a:r>
@@ -19542,6 +19000,7 @@
                   <a:srgbClr val="ffffff"/>
                 </a:solidFill>
                 <a:latin typeface="Arial"/>
+                <a:ea typeface="DejaVu Sans"/>
               </a:rPr>
               <a:t>or greater correlation.</a:t>
             </a:r>
@@ -19550,7 +19009,7 @@
             </a:endParaRPr>
           </a:p>
           <a:p>
-            <a:pPr marL="216000" indent="-215640">
+            <a:pPr marL="216000" indent="-215280">
               <a:lnSpc>
                 <a:spcPct val="100000"/>
               </a:lnSpc>
@@ -19567,6 +19026,7 @@
                   <a:srgbClr val="ffffff"/>
                 </a:solidFill>
                 <a:latin typeface="Arial"/>
+                <a:ea typeface="DejaVu Sans"/>
               </a:rPr>
               <a:t>Removed a total of </a:t>
             </a:r>
@@ -19576,6 +19036,7 @@
                   <a:srgbClr val="fff200"/>
                 </a:solidFill>
                 <a:latin typeface="Arial"/>
+                <a:ea typeface="DejaVu Sans"/>
               </a:rPr>
               <a:t>21</a:t>
             </a:r>
@@ -19585,6 +19046,7 @@
                   <a:srgbClr val="ffffff"/>
                 </a:solidFill>
                 <a:latin typeface="Arial"/>
+                <a:ea typeface="DejaVu Sans"/>
               </a:rPr>
               <a:t> unique features for one or more pitchers.</a:t>
             </a:r>
@@ -19596,7 +19058,7 @@
       </p:sp>
       <p:pic>
         <p:nvPicPr>
-          <p:cNvPr id="397" name="" descr=""/>
+          <p:cNvPr id="393" name="" descr=""/>
           <p:cNvPicPr/>
           <p:nvPr/>
         </p:nvPicPr>
@@ -19607,7 +19069,7 @@
         <p:spPr>
           <a:xfrm>
             <a:off x="1740240" y="2305440"/>
-            <a:ext cx="5760360" cy="4244760"/>
+            <a:ext cx="5760000" cy="4244400"/>
           </a:xfrm>
           <a:prstGeom prst="rect">
             <a:avLst/>
@@ -19671,14 +19133,14 @@
       </p:grpSpPr>
       <p:sp>
         <p:nvSpPr>
-          <p:cNvPr id="398" name="CustomShape 1"/>
+          <p:cNvPr id="394" name="CustomShape 1"/>
           <p:cNvSpPr/>
           <p:nvPr/>
         </p:nvSpPr>
         <p:spPr>
           <a:xfrm>
             <a:off x="601560" y="374760"/>
-            <a:ext cx="8092440" cy="762480"/>
+            <a:ext cx="8092080" cy="762120"/>
           </a:xfrm>
           <a:prstGeom prst="rect">
             <a:avLst/>
@@ -19722,14 +19184,14 @@
       </p:sp>
       <p:sp>
         <p:nvSpPr>
-          <p:cNvPr id="399" name="CustomShape 2"/>
+          <p:cNvPr id="395" name="CustomShape 2"/>
           <p:cNvSpPr/>
           <p:nvPr/>
         </p:nvSpPr>
         <p:spPr>
           <a:xfrm>
             <a:off x="3011760" y="1686600"/>
-            <a:ext cx="5871240" cy="693360"/>
+            <a:ext cx="5870880" cy="693000"/>
           </a:xfrm>
           <a:prstGeom prst="rect">
             <a:avLst/>
@@ -19759,13 +19221,11 @@
                   <a:srgbClr val="ffffff"/>
                 </a:solidFill>
                 <a:latin typeface="Arial"/>
+                <a:ea typeface="DejaVu Sans"/>
               </a:rPr>
               <a:t>Estimated Feature Importance using Gradient Boosting.</a:t>
             </a:r>
             <a:endParaRPr b="0" lang="en-US" sz="1800" spc="-1" strike="noStrike">
-              <a:solidFill>
-                <a:srgbClr val="ffffff"/>
-              </a:solidFill>
               <a:latin typeface="Arial"/>
             </a:endParaRPr>
           </a:p>
@@ -19781,13 +19241,11 @@
                   <a:srgbClr val="ffffff"/>
                 </a:solidFill>
                 <a:latin typeface="Arial"/>
+                <a:ea typeface="DejaVu Sans"/>
               </a:rPr>
               <a:t>Features with zero-to-low importance were removed.</a:t>
             </a:r>
             <a:endParaRPr b="0" lang="en-US" sz="1800" spc="-1" strike="noStrike">
-              <a:solidFill>
-                <a:srgbClr val="ffffff"/>
-              </a:solidFill>
               <a:latin typeface="Arial"/>
             </a:endParaRPr>
           </a:p>
@@ -19795,7 +19253,7 @@
       </p:sp>
       <p:pic>
         <p:nvPicPr>
-          <p:cNvPr id="400" name="" descr=""/>
+          <p:cNvPr id="396" name="" descr=""/>
           <p:cNvPicPr/>
           <p:nvPr/>
         </p:nvPicPr>
@@ -19806,7 +19264,7 @@
         <p:spPr>
           <a:xfrm>
             <a:off x="3103560" y="2576880"/>
-            <a:ext cx="5635440" cy="3441240"/>
+            <a:ext cx="5635080" cy="3440880"/>
           </a:xfrm>
           <a:prstGeom prst="rect">
             <a:avLst/>
@@ -19821,14 +19279,14 @@
       </p:pic>
       <p:sp>
         <p:nvSpPr>
-          <p:cNvPr id="401" name="CustomShape 3"/>
+          <p:cNvPr id="397" name="CustomShape 3"/>
           <p:cNvSpPr/>
           <p:nvPr/>
         </p:nvSpPr>
         <p:spPr>
           <a:xfrm>
             <a:off x="182880" y="2723760"/>
-            <a:ext cx="2776320" cy="3200040"/>
+            <a:ext cx="2775960" cy="3199680"/>
           </a:xfrm>
           <a:prstGeom prst="rect">
             <a:avLst/>
@@ -19859,13 +19317,11 @@
                 </a:solidFill>
                 <a:uFillTx/>
                 <a:latin typeface="Arial"/>
+                <a:ea typeface="DejaVu Sans"/>
               </a:rPr>
               <a:t>Top Feature for each Pitcher</a:t>
             </a:r>
             <a:endParaRPr b="0" lang="en-US" sz="1400" spc="-1" strike="noStrike">
-              <a:solidFill>
-                <a:srgbClr val="ffffff"/>
-              </a:solidFill>
               <a:latin typeface="Arial"/>
             </a:endParaRPr>
           </a:p>
@@ -19876,14 +19332,11 @@
               </a:lnSpc>
             </a:pPr>
             <a:endParaRPr b="0" lang="en-US" sz="1400" spc="-1" strike="noStrike">
-              <a:solidFill>
-                <a:srgbClr val="ffffff"/>
-              </a:solidFill>
-              <a:latin typeface="Arial"/>
-            </a:endParaRPr>
-          </a:p>
-          <a:p>
-            <a:pPr marL="216000" indent="-215640">
+              <a:latin typeface="Arial"/>
+            </a:endParaRPr>
+          </a:p>
+          <a:p>
+            <a:pPr marL="216000" indent="-215280">
               <a:lnSpc>
                 <a:spcPct val="100000"/>
               </a:lnSpc>
@@ -19903,6 +19356,7 @@
                   <a:srgbClr val="ffffff"/>
                 </a:solidFill>
                 <a:latin typeface="Arial"/>
+                <a:ea typeface="DejaVu Sans"/>
               </a:rPr>
               <a:t>Number of pitches thrown in the game (</a:t>
             </a:r>
@@ -19912,6 +19366,7 @@
                   <a:srgbClr val="ffffff"/>
                 </a:solidFill>
                 <a:latin typeface="Arial"/>
+                <a:ea typeface="DejaVu Sans"/>
               </a:rPr>
               <a:t>p_p_count</a:t>
             </a:r>
@@ -19921,13 +19376,11 @@
                   <a:srgbClr val="ffffff"/>
                 </a:solidFill>
                 <a:latin typeface="Arial"/>
+                <a:ea typeface="DejaVu Sans"/>
               </a:rPr>
               <a:t>)</a:t>
             </a:r>
             <a:endParaRPr b="0" lang="en-US" sz="1400" spc="-1" strike="noStrike">
-              <a:solidFill>
-                <a:srgbClr val="ffffff"/>
-              </a:solidFill>
               <a:latin typeface="Arial"/>
             </a:endParaRPr>
           </a:p>
@@ -19938,9 +19391,6 @@
               </a:lnSpc>
             </a:pPr>
             <a:endParaRPr b="0" lang="en-US" sz="1400" spc="-1" strike="noStrike">
-              <a:solidFill>
-                <a:srgbClr val="ffffff"/>
-              </a:solidFill>
               <a:latin typeface="Arial"/>
             </a:endParaRPr>
           </a:p>
@@ -19951,9 +19401,6 @@
               </a:lnSpc>
             </a:pPr>
             <a:endParaRPr b="0" lang="en-US" sz="1400" spc="-1" strike="noStrike">
-              <a:solidFill>
-                <a:srgbClr val="ffffff"/>
-              </a:solidFill>
               <a:latin typeface="Arial"/>
             </a:endParaRPr>
           </a:p>
@@ -19970,13 +19417,11 @@
                 </a:solidFill>
                 <a:uFillTx/>
                 <a:latin typeface="Arial"/>
+                <a:ea typeface="DejaVu Sans"/>
               </a:rPr>
               <a:t>Other top Features</a:t>
             </a:r>
             <a:endParaRPr b="0" lang="en-US" sz="1400" spc="-1" strike="noStrike">
-              <a:solidFill>
-                <a:srgbClr val="ffffff"/>
-              </a:solidFill>
               <a:latin typeface="Arial"/>
             </a:endParaRPr>
           </a:p>
@@ -19987,14 +19432,11 @@
               </a:lnSpc>
             </a:pPr>
             <a:endParaRPr b="0" lang="en-US" sz="1400" spc="-1" strike="noStrike">
-              <a:solidFill>
-                <a:srgbClr val="ffffff"/>
-              </a:solidFill>
-              <a:latin typeface="Arial"/>
-            </a:endParaRPr>
-          </a:p>
-          <a:p>
-            <a:pPr marL="216000" indent="-215640">
+              <a:latin typeface="Arial"/>
+            </a:endParaRPr>
+          </a:p>
+          <a:p>
+            <a:pPr marL="216000" indent="-215280">
               <a:lnSpc>
                 <a:spcPct val="100000"/>
               </a:lnSpc>
@@ -20014,18 +19456,16 @@
                   <a:srgbClr val="ffffff"/>
                 </a:solidFill>
                 <a:latin typeface="Arial"/>
+                <a:ea typeface="DejaVu Sans"/>
               </a:rPr>
               <a:t>Cumulative sums and %’s for varying pitch types</a:t>
             </a:r>
             <a:endParaRPr b="0" lang="en-US" sz="1400" spc="-1" strike="noStrike">
-              <a:solidFill>
-                <a:srgbClr val="ffffff"/>
-              </a:solidFill>
-              <a:latin typeface="Arial"/>
-            </a:endParaRPr>
-          </a:p>
-          <a:p>
-            <a:pPr marL="216000" indent="-215640">
+              <a:latin typeface="Arial"/>
+            </a:endParaRPr>
+          </a:p>
+          <a:p>
+            <a:pPr marL="216000" indent="-215280">
               <a:lnSpc>
                 <a:spcPct val="100000"/>
               </a:lnSpc>
@@ -20045,18 +19485,16 @@
                   <a:srgbClr val="ffffff"/>
                 </a:solidFill>
                 <a:latin typeface="Arial"/>
+                <a:ea typeface="DejaVu Sans"/>
               </a:rPr>
               <a:t>Previous pitch speed</a:t>
             </a:r>
             <a:endParaRPr b="0" lang="en-US" sz="1400" spc="-1" strike="noStrike">
-              <a:solidFill>
-                <a:srgbClr val="ffffff"/>
-              </a:solidFill>
-              <a:latin typeface="Arial"/>
-            </a:endParaRPr>
-          </a:p>
-          <a:p>
-            <a:pPr marL="216000" indent="-215640">
+              <a:latin typeface="Arial"/>
+            </a:endParaRPr>
+          </a:p>
+          <a:p>
+            <a:pPr marL="216000" indent="-215280">
               <a:lnSpc>
                 <a:spcPct val="100000"/>
               </a:lnSpc>
@@ -20076,18 +19514,16 @@
                   <a:srgbClr val="ffffff"/>
                 </a:solidFill>
                 <a:latin typeface="Arial"/>
+                <a:ea typeface="DejaVu Sans"/>
               </a:rPr>
               <a:t>Inning</a:t>
             </a:r>
             <a:endParaRPr b="0" lang="en-US" sz="1400" spc="-1" strike="noStrike">
-              <a:solidFill>
-                <a:srgbClr val="ffffff"/>
-              </a:solidFill>
-              <a:latin typeface="Arial"/>
-            </a:endParaRPr>
-          </a:p>
-          <a:p>
-            <a:pPr marL="216000" indent="-215640">
+              <a:latin typeface="Arial"/>
+            </a:endParaRPr>
+          </a:p>
+          <a:p>
+            <a:pPr marL="216000" indent="-215280">
               <a:lnSpc>
                 <a:spcPct val="100000"/>
               </a:lnSpc>
@@ -20107,28 +19543,26 @@
                   <a:srgbClr val="ffffff"/>
                 </a:solidFill>
                 <a:latin typeface="Arial"/>
+                <a:ea typeface="DejaVu Sans"/>
               </a:rPr>
               <a:t>At-bat count (balls - strikes)</a:t>
             </a:r>
             <a:endParaRPr b="0" lang="en-US" sz="1400" spc="-1" strike="noStrike">
-              <a:solidFill>
-                <a:srgbClr val="ffffff"/>
-              </a:solidFill>
-              <a:latin typeface="Arial"/>
-            </a:endParaRPr>
-          </a:p>
-        </p:txBody>
-      </p:sp>
-      <p:sp>
-        <p:nvSpPr>
-          <p:cNvPr id="402" name="CustomShape 4"/>
+              <a:latin typeface="Arial"/>
+            </a:endParaRPr>
+          </a:p>
+        </p:txBody>
+      </p:sp>
+      <p:sp>
+        <p:nvSpPr>
+          <p:cNvPr id="398" name="CustomShape 4"/>
           <p:cNvSpPr/>
           <p:nvPr/>
         </p:nvSpPr>
         <p:spPr>
           <a:xfrm>
             <a:off x="4003920" y="6146640"/>
-            <a:ext cx="3931560" cy="289800"/>
+            <a:ext cx="3931200" cy="289440"/>
           </a:xfrm>
           <a:prstGeom prst="rect">
             <a:avLst/>
@@ -20158,13 +19592,11 @@
                   <a:srgbClr val="ffffff"/>
                 </a:solidFill>
                 <a:latin typeface="Arial"/>
+                <a:ea typeface="DejaVu Sans"/>
               </a:rPr>
               <a:t>Top 20 Important Features for Marcus Stroman</a:t>
             </a:r>
             <a:endParaRPr b="0" lang="en-US" sz="1400" spc="-1" strike="noStrike">
-              <a:solidFill>
-                <a:srgbClr val="ffffff"/>
-              </a:solidFill>
               <a:latin typeface="Arial"/>
             </a:endParaRPr>
           </a:p>
@@ -20221,14 +19653,14 @@
       </p:grpSpPr>
       <p:sp>
         <p:nvSpPr>
-          <p:cNvPr id="403" name="CustomShape 1"/>
+          <p:cNvPr id="399" name="CustomShape 1"/>
           <p:cNvSpPr/>
           <p:nvPr/>
         </p:nvSpPr>
         <p:spPr>
           <a:xfrm>
             <a:off x="601560" y="374760"/>
-            <a:ext cx="8092440" cy="762480"/>
+            <a:ext cx="8092080" cy="762120"/>
           </a:xfrm>
           <a:prstGeom prst="rect">
             <a:avLst/>
@@ -20272,14 +19704,14 @@
       </p:sp>
       <p:sp>
         <p:nvSpPr>
-          <p:cNvPr id="404" name="CustomShape 2"/>
+          <p:cNvPr id="400" name="CustomShape 2"/>
           <p:cNvSpPr/>
           <p:nvPr/>
         </p:nvSpPr>
         <p:spPr>
           <a:xfrm>
             <a:off x="2723760" y="1407600"/>
-            <a:ext cx="6217560" cy="365400"/>
+            <a:ext cx="6217200" cy="365040"/>
           </a:xfrm>
           <a:prstGeom prst="rect">
             <a:avLst/>
@@ -20312,6 +19744,7 @@
                   <a:srgbClr val="ffffff"/>
                 </a:solidFill>
                 <a:latin typeface="Arial"/>
+                <a:ea typeface="DejaVu Sans"/>
               </a:rPr>
               <a:t>Top features contributing to </a:t>
             </a:r>
@@ -20321,6 +19754,7 @@
                   <a:srgbClr val="fff200"/>
                 </a:solidFill>
                 <a:latin typeface="Arial"/>
+                <a:ea typeface="DejaVu Sans"/>
               </a:rPr>
               <a:t>99%</a:t>
             </a:r>
@@ -20330,6 +19764,7 @@
                   <a:srgbClr val="ffffff"/>
                 </a:solidFill>
                 <a:latin typeface="Arial"/>
+                <a:ea typeface="DejaVu Sans"/>
               </a:rPr>
               <a:t> of cumulative importance.</a:t>
             </a:r>
@@ -20341,14 +19776,14 @@
       </p:sp>
       <p:sp>
         <p:nvSpPr>
-          <p:cNvPr id="405" name="CustomShape 3"/>
+          <p:cNvPr id="401" name="CustomShape 3"/>
           <p:cNvSpPr/>
           <p:nvPr/>
         </p:nvSpPr>
         <p:spPr>
           <a:xfrm>
             <a:off x="3350160" y="5894640"/>
-            <a:ext cx="4937400" cy="345240"/>
+            <a:ext cx="4937040" cy="344880"/>
           </a:xfrm>
           <a:prstGeom prst="rect">
             <a:avLst/>
@@ -20378,13 +19813,11 @@
                   <a:srgbClr val="ffffff"/>
                 </a:solidFill>
                 <a:latin typeface="Arial"/>
+                <a:ea typeface="DejaVu Sans"/>
               </a:rPr>
               <a:t>Cumulative Feature Importance Curve for Marcus Stroman</a:t>
             </a:r>
             <a:endParaRPr b="0" lang="en-US" sz="1400" spc="-1" strike="noStrike">
-              <a:solidFill>
-                <a:srgbClr val="ffffff"/>
-              </a:solidFill>
               <a:latin typeface="Arial"/>
             </a:endParaRPr>
           </a:p>
@@ -20392,7 +19825,7 @@
       </p:sp>
       <p:pic>
         <p:nvPicPr>
-          <p:cNvPr id="406" name="" descr=""/>
+          <p:cNvPr id="402" name="" descr=""/>
           <p:cNvPicPr/>
           <p:nvPr/>
         </p:nvPicPr>
@@ -20403,7 +19836,7 @@
         <p:spPr>
           <a:xfrm>
             <a:off x="3113640" y="2011680"/>
-            <a:ext cx="5463720" cy="3748680"/>
+            <a:ext cx="5463360" cy="3748320"/>
           </a:xfrm>
           <a:prstGeom prst="rect">
             <a:avLst/>
@@ -20418,14 +19851,14 @@
       </p:pic>
       <p:sp>
         <p:nvSpPr>
-          <p:cNvPr id="407" name="CustomShape 4"/>
+          <p:cNvPr id="403" name="CustomShape 4"/>
           <p:cNvSpPr/>
           <p:nvPr/>
         </p:nvSpPr>
         <p:spPr>
           <a:xfrm>
             <a:off x="91440" y="2831760"/>
-            <a:ext cx="2925720" cy="1914120"/>
+            <a:ext cx="2925360" cy="1913760"/>
           </a:xfrm>
           <a:prstGeom prst="rect">
             <a:avLst/>
@@ -20451,7 +19884,11 @@
             </a:pPr>
             <a:r>
               <a:rPr b="1" lang="en-US" sz="1400" spc="-1" strike="noStrike">
-                <a:latin typeface="Arial"/>
+                <a:solidFill>
+                  <a:srgbClr val="000000"/>
+                </a:solidFill>
+                <a:latin typeface="Arial"/>
+                <a:ea typeface="DejaVu Sans"/>
               </a:rPr>
               <a:t>   </a:t>
             </a:r>
@@ -20461,6 +19898,7 @@
                   <a:srgbClr val="ffffff"/>
                 </a:solidFill>
                 <a:latin typeface="Arial"/>
+                <a:ea typeface="DejaVu Sans"/>
               </a:rPr>
               <a:t> </a:t>
             </a:r>
@@ -20471,6 +19909,7 @@
                 </a:solidFill>
                 <a:uFillTx/>
                 <a:latin typeface="Arial"/>
+                <a:ea typeface="DejaVu Sans"/>
               </a:rPr>
               <a:t>In this example</a:t>
             </a:r>
@@ -20489,7 +19928,7 @@
             </a:endParaRPr>
           </a:p>
           <a:p>
-            <a:pPr marL="216000" indent="-215640">
+            <a:pPr marL="216000" indent="-215280">
               <a:lnSpc>
                 <a:spcPct val="100000"/>
               </a:lnSpc>
@@ -20509,6 +19948,7 @@
                   <a:srgbClr val="fff200"/>
                 </a:solidFill>
                 <a:latin typeface="Arial"/>
+                <a:ea typeface="DejaVu Sans"/>
               </a:rPr>
               <a:t>77</a:t>
             </a:r>
@@ -20518,6 +19958,7 @@
                   <a:srgbClr val="ffffff"/>
                 </a:solidFill>
                 <a:latin typeface="Arial"/>
+                <a:ea typeface="DejaVu Sans"/>
               </a:rPr>
               <a:t> features required for 99% cumulative importance</a:t>
             </a:r>
@@ -20526,7 +19967,7 @@
             </a:endParaRPr>
           </a:p>
           <a:p>
-            <a:pPr marL="216000" indent="-215640">
+            <a:pPr marL="216000" indent="-215280">
               <a:lnSpc>
                 <a:spcPct val="100000"/>
               </a:lnSpc>
@@ -20546,6 +19987,7 @@
                   <a:srgbClr val="fff200"/>
                 </a:solidFill>
                 <a:latin typeface="Arial"/>
+                <a:ea typeface="DejaVu Sans"/>
               </a:rPr>
               <a:t>41</a:t>
             </a:r>
@@ -20555,6 +19997,7 @@
                   <a:srgbClr val="ffffff"/>
                 </a:solidFill>
                 <a:latin typeface="Arial"/>
+                <a:ea typeface="DejaVu Sans"/>
               </a:rPr>
               <a:t> zero-to-low importance features removed from data set</a:t>
             </a:r>
@@ -20615,14 +20058,14 @@
       </p:grpSpPr>
       <p:sp>
         <p:nvSpPr>
-          <p:cNvPr id="314" name="CustomShape 1"/>
+          <p:cNvPr id="310" name="CustomShape 1"/>
           <p:cNvSpPr/>
           <p:nvPr/>
         </p:nvSpPr>
         <p:spPr>
           <a:xfrm>
             <a:off x="601560" y="374760"/>
-            <a:ext cx="8092440" cy="762480"/>
+            <a:ext cx="8092080" cy="762120"/>
           </a:xfrm>
           <a:prstGeom prst="rect">
             <a:avLst/>
@@ -20666,14 +20109,14 @@
       </p:sp>
       <p:sp>
         <p:nvSpPr>
-          <p:cNvPr id="315" name="CustomShape 2"/>
+          <p:cNvPr id="311" name="CustomShape 2"/>
           <p:cNvSpPr/>
           <p:nvPr/>
         </p:nvSpPr>
         <p:spPr>
           <a:xfrm>
             <a:off x="365760" y="1954080"/>
-            <a:ext cx="8412120" cy="4172040"/>
+            <a:ext cx="8411760" cy="4171680"/>
           </a:xfrm>
           <a:prstGeom prst="rect">
             <a:avLst/>
@@ -20694,7 +20137,7 @@
             <a:normAutofit/>
           </a:bodyPr>
           <a:p>
-            <a:pPr marL="432000" indent="-323640">
+            <a:pPr marL="432000" indent="-323280">
               <a:lnSpc>
                 <a:spcPct val="100000"/>
               </a:lnSpc>
@@ -20714,6 +20157,7 @@
                   <a:srgbClr val="ffffff"/>
                 </a:solidFill>
                 <a:latin typeface="Arial"/>
+                <a:ea typeface="DejaVu Sans"/>
               </a:rPr>
               <a:t>Major League Baseball (MLB) attendance dropped more than </a:t>
             </a:r>
@@ -20723,6 +20167,7 @@
                   <a:srgbClr val="fff200"/>
                 </a:solidFill>
                 <a:latin typeface="Arial"/>
+                <a:ea typeface="DejaVu Sans"/>
               </a:rPr>
               <a:t>6%</a:t>
             </a:r>
@@ -20732,6 +20177,7 @@
                   <a:srgbClr val="ffffff"/>
                 </a:solidFill>
                 <a:latin typeface="Arial"/>
+                <a:ea typeface="DejaVu Sans"/>
               </a:rPr>
               <a:t> this year, continuing a steady decline.</a:t>
             </a:r>
@@ -20767,6 +20213,7 @@
                   <a:srgbClr val="fff200"/>
                 </a:solidFill>
                 <a:latin typeface="Arial"/>
+                <a:ea typeface="DejaVu Sans"/>
               </a:rPr>
               <a:t>“</a:t>
             </a:r>
@@ -20776,6 +20223,7 @@
                   <a:srgbClr val="fff200"/>
                 </a:solidFill>
                 <a:latin typeface="Arial"/>
+                <a:ea typeface="DejaVu Sans"/>
               </a:rPr>
               <a:t>It’s the lowest league-wide attendance since 2003 and the largest single-season drop in a decade.</a:t>
             </a:r>
@@ -20785,6 +20233,7 @@
                   <a:srgbClr val="fff200"/>
                 </a:solidFill>
                 <a:latin typeface="Arial"/>
+                <a:ea typeface="DejaVu Sans"/>
               </a:rPr>
               <a:t>”</a:t>
             </a:r>
@@ -20806,7 +20255,7 @@
             </a:endParaRPr>
           </a:p>
           <a:p>
-            <a:pPr marL="432000" indent="-323640">
+            <a:pPr marL="432000" indent="-323280">
               <a:lnSpc>
                 <a:spcPct val="100000"/>
               </a:lnSpc>
@@ -20826,6 +20275,7 @@
                   <a:srgbClr val="ffffff"/>
                 </a:solidFill>
                 <a:latin typeface="Arial"/>
+                <a:ea typeface="DejaVu Sans"/>
               </a:rPr>
               <a:t>While some clubs saw a jump in attendance, </a:t>
             </a:r>
@@ -20835,6 +20285,7 @@
                   <a:srgbClr val="fff200"/>
                 </a:solidFill>
                 <a:latin typeface="Arial"/>
+                <a:ea typeface="DejaVu Sans"/>
               </a:rPr>
               <a:t>17</a:t>
             </a:r>
@@ -20844,6 +20295,7 @@
                   <a:srgbClr val="fff200"/>
                 </a:solidFill>
                 <a:latin typeface="Arial"/>
+                <a:ea typeface="DejaVu Sans"/>
               </a:rPr>
               <a:t> </a:t>
             </a:r>
@@ -20853,6 +20305,7 @@
                   <a:srgbClr val="ffffff"/>
                 </a:solidFill>
                 <a:latin typeface="Arial"/>
+                <a:ea typeface="DejaVu Sans"/>
               </a:rPr>
               <a:t>of the</a:t>
             </a:r>
@@ -20862,6 +20315,7 @@
                   <a:srgbClr val="fff200"/>
                 </a:solidFill>
                 <a:latin typeface="Arial"/>
+                <a:ea typeface="DejaVu Sans"/>
               </a:rPr>
               <a:t> </a:t>
             </a:r>
@@ -20871,6 +20325,7 @@
                   <a:srgbClr val="fff200"/>
                 </a:solidFill>
                 <a:latin typeface="Arial"/>
+                <a:ea typeface="DejaVu Sans"/>
               </a:rPr>
               <a:t>30</a:t>
             </a:r>
@@ -20880,6 +20335,7 @@
                   <a:srgbClr val="ffffff"/>
                 </a:solidFill>
                 <a:latin typeface="Arial"/>
+                <a:ea typeface="DejaVu Sans"/>
               </a:rPr>
               <a:t> franchises sold fewer tickets than they did last year. </a:t>
             </a:r>
@@ -20888,7 +20344,7 @@
             </a:endParaRPr>
           </a:p>
           <a:p>
-            <a:pPr marL="432000" indent="-323640">
+            <a:pPr marL="432000" indent="-323280">
               <a:lnSpc>
                 <a:spcPct val="100000"/>
               </a:lnSpc>
@@ -20908,6 +20364,7 @@
                   <a:srgbClr val="ffffff"/>
                 </a:solidFill>
                 <a:latin typeface="Arial"/>
+                <a:ea typeface="DejaVu Sans"/>
               </a:rPr>
               <a:t>Using average ticket prices from Team Marketing Report, that comes to about</a:t>
             </a:r>
@@ -20917,6 +20374,7 @@
                   <a:srgbClr val="fff200"/>
                 </a:solidFill>
                 <a:latin typeface="Arial"/>
+                <a:ea typeface="DejaVu Sans"/>
               </a:rPr>
               <a:t> </a:t>
             </a:r>
@@ -20926,6 +20384,7 @@
                   <a:srgbClr val="fff200"/>
                 </a:solidFill>
                 <a:latin typeface="Arial"/>
+                <a:ea typeface="DejaVu Sans"/>
               </a:rPr>
               <a:t>$93.7 million in lost ticket revenue in 2018</a:t>
             </a:r>
@@ -20935,6 +20394,7 @@
                   <a:srgbClr val="fff200"/>
                 </a:solidFill>
                 <a:latin typeface="Arial"/>
+                <a:ea typeface="DejaVu Sans"/>
               </a:rPr>
               <a:t>.</a:t>
             </a:r>
@@ -20957,16 +20417,18 @@
                   <a:srgbClr val="bce4e5"/>
                 </a:solidFill>
                 <a:latin typeface="Bitstream Vera Sans"/>
+                <a:ea typeface="DejaVu Sans"/>
               </a:rPr>
               <a:t>- </a:t>
             </a:r>
             <a:r>
               <a:rPr b="0" lang="en-US" sz="2000" spc="-1" strike="noStrike" u="sng">
                 <a:solidFill>
-                  <a:srgbClr val="bce4e5"/>
+                  <a:srgbClr val="0000ff"/>
                 </a:solidFill>
                 <a:uFillTx/>
                 <a:latin typeface="Bitstream Vera Sans"/>
+                <a:ea typeface="DejaVu Sans"/>
                 <a:hlinkClick r:id="rId1"/>
               </a:rPr>
               <a:t>money.com</a:t>
@@ -21028,14 +20490,14 @@
       </p:grpSpPr>
       <p:sp>
         <p:nvSpPr>
-          <p:cNvPr id="408" name="CustomShape 1"/>
+          <p:cNvPr id="404" name="CustomShape 1"/>
           <p:cNvSpPr/>
           <p:nvPr/>
         </p:nvSpPr>
         <p:spPr>
           <a:xfrm>
             <a:off x="601560" y="374760"/>
-            <a:ext cx="8092440" cy="762480"/>
+            <a:ext cx="8092080" cy="762120"/>
           </a:xfrm>
           <a:prstGeom prst="rect">
             <a:avLst/>
@@ -21079,14 +20541,14 @@
       </p:sp>
       <p:sp>
         <p:nvSpPr>
-          <p:cNvPr id="409" name="CustomShape 2"/>
+          <p:cNvPr id="405" name="CustomShape 2"/>
           <p:cNvSpPr/>
           <p:nvPr/>
         </p:nvSpPr>
         <p:spPr>
           <a:xfrm>
             <a:off x="2286000" y="1463040"/>
-            <a:ext cx="6547320" cy="1005480"/>
+            <a:ext cx="6546960" cy="1005120"/>
           </a:xfrm>
           <a:prstGeom prst="rect">
             <a:avLst/>
@@ -21116,28 +20578,26 @@
                   <a:srgbClr val="ffffff"/>
                 </a:solidFill>
                 <a:latin typeface="Arial"/>
+                <a:ea typeface="DejaVu Sans"/>
               </a:rPr>
               <a:t>Now that we know more about the data, we can select a predictive model to assess the data in a way that helps make predictions about what might happen in the future.</a:t>
             </a:r>
             <a:endParaRPr b="0" lang="en-US" sz="1800" spc="-1" strike="noStrike">
-              <a:solidFill>
-                <a:srgbClr val="ffffff"/>
-              </a:solidFill>
-              <a:latin typeface="Arial"/>
-            </a:endParaRPr>
-          </a:p>
-        </p:txBody>
-      </p:sp>
-      <p:sp>
-        <p:nvSpPr>
-          <p:cNvPr id="410" name="CustomShape 3"/>
+              <a:latin typeface="Arial"/>
+            </a:endParaRPr>
+          </a:p>
+        </p:txBody>
+      </p:sp>
+      <p:sp>
+        <p:nvSpPr>
+          <p:cNvPr id="406" name="CustomShape 3"/>
           <p:cNvSpPr/>
           <p:nvPr/>
         </p:nvSpPr>
         <p:spPr>
           <a:xfrm>
             <a:off x="2286000" y="2579040"/>
-            <a:ext cx="2468520" cy="1296720"/>
+            <a:ext cx="2468160" cy="1296360"/>
           </a:xfrm>
           <a:prstGeom prst="rect">
             <a:avLst/>
@@ -21156,7 +20616,7 @@
         <p:txBody>
           <a:bodyPr lIns="90000" rIns="90000" tIns="45000" bIns="45000"/>
           <a:p>
-            <a:pPr marL="216000" indent="-215640">
+            <a:pPr marL="216000" indent="-215280">
               <a:lnSpc>
                 <a:spcPct val="100000"/>
               </a:lnSpc>
@@ -21176,18 +20636,16 @@
                   <a:srgbClr val="ffffff"/>
                 </a:solidFill>
                 <a:latin typeface="Arial"/>
+                <a:ea typeface="DejaVu Sans"/>
               </a:rPr>
               <a:t>Labeled Data</a:t>
             </a:r>
             <a:endParaRPr b="0" lang="en-US" sz="1800" spc="-1" strike="noStrike">
-              <a:solidFill>
-                <a:srgbClr val="ffffff"/>
-              </a:solidFill>
-              <a:latin typeface="Arial"/>
-            </a:endParaRPr>
-          </a:p>
-          <a:p>
-            <a:pPr marL="216000" indent="-215640">
+              <a:latin typeface="Arial"/>
+            </a:endParaRPr>
+          </a:p>
+          <a:p>
+            <a:pPr marL="216000" indent="-215280">
               <a:lnSpc>
                 <a:spcPct val="100000"/>
               </a:lnSpc>
@@ -21207,18 +20665,16 @@
                   <a:srgbClr val="ffffff"/>
                 </a:solidFill>
                 <a:latin typeface="Arial"/>
+                <a:ea typeface="DejaVu Sans"/>
               </a:rPr>
               <a:t>Multiple Classes</a:t>
             </a:r>
             <a:endParaRPr b="0" lang="en-US" sz="1800" spc="-1" strike="noStrike">
-              <a:solidFill>
-                <a:srgbClr val="ffffff"/>
-              </a:solidFill>
-              <a:latin typeface="Arial"/>
-            </a:endParaRPr>
-          </a:p>
-          <a:p>
-            <a:pPr marL="216000" indent="-215640">
+              <a:latin typeface="Arial"/>
+            </a:endParaRPr>
+          </a:p>
+          <a:p>
+            <a:pPr marL="216000" indent="-215280">
               <a:lnSpc>
                 <a:spcPct val="100000"/>
               </a:lnSpc>
@@ -21238,28 +20694,26 @@
                   <a:srgbClr val="ffffff"/>
                 </a:solidFill>
                 <a:latin typeface="Arial"/>
+                <a:ea typeface="DejaVu Sans"/>
               </a:rPr>
               <a:t>Imbalanced Targets</a:t>
             </a:r>
             <a:endParaRPr b="0" lang="en-US" sz="1800" spc="-1" strike="noStrike">
-              <a:solidFill>
-                <a:srgbClr val="ffffff"/>
-              </a:solidFill>
-              <a:latin typeface="Arial"/>
-            </a:endParaRPr>
-          </a:p>
-        </p:txBody>
-      </p:sp>
-      <p:sp>
-        <p:nvSpPr>
-          <p:cNvPr id="411" name="CustomShape 4"/>
+              <a:latin typeface="Arial"/>
+            </a:endParaRPr>
+          </a:p>
+        </p:txBody>
+      </p:sp>
+      <p:sp>
+        <p:nvSpPr>
+          <p:cNvPr id="407" name="CustomShape 4"/>
           <p:cNvSpPr/>
           <p:nvPr/>
         </p:nvSpPr>
         <p:spPr>
           <a:xfrm>
             <a:off x="4826880" y="2579040"/>
-            <a:ext cx="304200" cy="1078200"/>
+            <a:ext cx="303840" cy="1077840"/>
           </a:xfrm>
           <a:custGeom>
             <a:avLst/>
@@ -21317,14 +20771,14 @@
       </p:sp>
       <p:sp>
         <p:nvSpPr>
-          <p:cNvPr id="412" name="CustomShape 5"/>
+          <p:cNvPr id="408" name="CustomShape 5"/>
           <p:cNvSpPr/>
           <p:nvPr/>
         </p:nvSpPr>
         <p:spPr>
           <a:xfrm>
             <a:off x="5058000" y="2687400"/>
-            <a:ext cx="3423240" cy="693360"/>
+            <a:ext cx="3422880" cy="693000"/>
           </a:xfrm>
           <a:prstGeom prst="rect">
             <a:avLst/>
@@ -21357,6 +20811,7 @@
                   <a:srgbClr val="fff200"/>
                 </a:solidFill>
                 <a:latin typeface="Arial"/>
+                <a:ea typeface="DejaVu Sans"/>
               </a:rPr>
               <a:t>Supervised Learning </a:t>
             </a:r>
@@ -21379,6 +20834,7 @@
                   <a:srgbClr val="fff200"/>
                 </a:solidFill>
                 <a:latin typeface="Arial"/>
+                <a:ea typeface="DejaVu Sans"/>
               </a:rPr>
               <a:t>Multi-class Classification</a:t>
             </a:r>
@@ -21390,14 +20846,14 @@
       </p:sp>
       <p:sp>
         <p:nvSpPr>
-          <p:cNvPr id="413" name="CustomShape 6"/>
+          <p:cNvPr id="409" name="CustomShape 6"/>
           <p:cNvSpPr/>
           <p:nvPr/>
         </p:nvSpPr>
         <p:spPr>
           <a:xfrm>
             <a:off x="731520" y="4019040"/>
-            <a:ext cx="7772040" cy="2507040"/>
+            <a:ext cx="7771680" cy="2506680"/>
           </a:xfrm>
           <a:prstGeom prst="rect">
             <a:avLst/>
@@ -21430,6 +20886,7 @@
                   <a:srgbClr val="ffffff"/>
                 </a:solidFill>
                 <a:latin typeface="Arial"/>
+                <a:ea typeface="DejaVu Sans"/>
               </a:rPr>
               <a:t>Commonly used Machine Learning Algorithms:</a:t>
             </a:r>
@@ -21452,6 +20909,7 @@
                   <a:srgbClr val="fff200"/>
                 </a:solidFill>
                 <a:latin typeface="Arial"/>
+                <a:ea typeface="DejaVu Sans"/>
               </a:rPr>
               <a:t>Logistic Regression</a:t>
             </a:r>
@@ -21461,6 +20919,7 @@
                   <a:srgbClr val="fff200"/>
                 </a:solidFill>
                 <a:latin typeface="Arial"/>
+                <a:ea typeface="DejaVu Sans"/>
               </a:rPr>
               <a:t> </a:t>
             </a:r>
@@ -21470,6 +20929,7 @@
                   <a:srgbClr val="ffffff"/>
                 </a:solidFill>
                 <a:latin typeface="Arial"/>
+                <a:ea typeface="DejaVu Sans"/>
               </a:rPr>
               <a:t>can perform multinomial classification, applying a non-linear function (sigmoid).</a:t>
             </a:r>
@@ -21492,6 +20952,7 @@
                   <a:srgbClr val="fff200"/>
                 </a:solidFill>
                 <a:latin typeface="Arial"/>
+                <a:ea typeface="DejaVu Sans"/>
               </a:rPr>
               <a:t>Support Vector Machine</a:t>
             </a:r>
@@ -21501,6 +20962,7 @@
                   <a:srgbClr val="fff200"/>
                 </a:solidFill>
                 <a:latin typeface="Arial"/>
+                <a:ea typeface="DejaVu Sans"/>
               </a:rPr>
               <a:t> </a:t>
             </a:r>
@@ -21510,6 +20972,7 @@
                   <a:srgbClr val="ffffff"/>
                 </a:solidFill>
                 <a:latin typeface="Arial"/>
+                <a:ea typeface="DejaVu Sans"/>
               </a:rPr>
               <a:t>maximizes the margin between the classes and the hyperplane using a loss function. However, training time can be higher than other models and less effective with noisier data.</a:t>
             </a:r>
@@ -21532,6 +20995,7 @@
                   <a:srgbClr val="fff200"/>
                 </a:solidFill>
                 <a:latin typeface="Arial"/>
+                <a:ea typeface="DejaVu Sans"/>
               </a:rPr>
               <a:t>Decision Trees</a:t>
             </a:r>
@@ -21541,6 +21005,7 @@
                   <a:srgbClr val="fff200"/>
                 </a:solidFill>
                 <a:latin typeface="Arial"/>
+                <a:ea typeface="DejaVu Sans"/>
               </a:rPr>
               <a:t> </a:t>
             </a:r>
@@ -21550,6 +21015,7 @@
                   <a:srgbClr val="ffffff"/>
                 </a:solidFill>
                 <a:latin typeface="Arial"/>
+                <a:ea typeface="DejaVu Sans"/>
               </a:rPr>
               <a:t>are easily interpretable and non-parametric (distribution-free), managing outliers but susceptible to overfitting.</a:t>
             </a:r>
@@ -21610,14 +21076,14 @@
       </p:grpSpPr>
       <p:sp>
         <p:nvSpPr>
-          <p:cNvPr id="414" name="CustomShape 1"/>
+          <p:cNvPr id="410" name="CustomShape 1"/>
           <p:cNvSpPr/>
           <p:nvPr/>
         </p:nvSpPr>
         <p:spPr>
           <a:xfrm>
             <a:off x="601560" y="374760"/>
-            <a:ext cx="8092440" cy="762480"/>
+            <a:ext cx="8092080" cy="762120"/>
           </a:xfrm>
           <a:prstGeom prst="rect">
             <a:avLst/>
@@ -21681,14 +21147,14 @@
       </p:sp>
       <p:sp>
         <p:nvSpPr>
-          <p:cNvPr id="415" name="CustomShape 2"/>
+          <p:cNvPr id="411" name="CustomShape 2"/>
           <p:cNvSpPr/>
           <p:nvPr/>
         </p:nvSpPr>
         <p:spPr>
           <a:xfrm>
             <a:off x="365760" y="2293920"/>
-            <a:ext cx="8412120" cy="3832200"/>
+            <a:ext cx="8411760" cy="3831840"/>
           </a:xfrm>
           <a:prstGeom prst="rect">
             <a:avLst/>
@@ -21718,6 +21184,7 @@
                   <a:srgbClr val="fff200"/>
                 </a:solidFill>
                 <a:latin typeface="Arial"/>
+                <a:ea typeface="DejaVu Sans"/>
               </a:rPr>
               <a:t>Random Forest </a:t>
             </a:r>
@@ -21727,6 +21194,7 @@
                   <a:srgbClr val="ffffff"/>
                 </a:solidFill>
                 <a:latin typeface="Arial"/>
+                <a:ea typeface="DejaVu Sans"/>
               </a:rPr>
               <a:t>is an ensemble of randomized decision trees. Each decision tree gets a random sample of training data and a subset of features to base a decision on. </a:t>
             </a:r>
@@ -21756,6 +21224,7 @@
                   <a:srgbClr val="fff200"/>
                 </a:solidFill>
                 <a:latin typeface="Arial"/>
+                <a:ea typeface="DejaVu Sans"/>
               </a:rPr>
               <a:t>Gradient Tree Boosting</a:t>
             </a:r>
@@ -21765,6 +21234,7 @@
                   <a:srgbClr val="fff200"/>
                 </a:solidFill>
                 <a:latin typeface="Arial"/>
+                <a:ea typeface="DejaVu Sans"/>
               </a:rPr>
               <a:t> </a:t>
             </a:r>
@@ -21774,6 +21244,7 @@
                   <a:srgbClr val="ffffff"/>
                 </a:solidFill>
                 <a:latin typeface="Arial"/>
+                <a:ea typeface="DejaVu Sans"/>
               </a:rPr>
               <a:t>essentially converts weak learners (i.e., decision trees) into strong learners. Not easily interpretable and sensitive to small changes in the set of features.</a:t>
             </a:r>
@@ -21803,6 +21274,7 @@
                   <a:srgbClr val="fff200"/>
                 </a:solidFill>
                 <a:latin typeface="Arial"/>
+                <a:ea typeface="DejaVu Sans"/>
               </a:rPr>
               <a:t>Ensemble Voting Classifier</a:t>
             </a:r>
@@ -21812,6 +21284,7 @@
                   <a:srgbClr val="fff200"/>
                 </a:solidFill>
                 <a:latin typeface="Arial"/>
+                <a:ea typeface="DejaVu Sans"/>
               </a:rPr>
               <a:t> </a:t>
             </a:r>
@@ -21821,6 +21294,7 @@
                   <a:srgbClr val="ffffff"/>
                 </a:solidFill>
                 <a:latin typeface="Arial"/>
+                <a:ea typeface="DejaVu Sans"/>
               </a:rPr>
               <a:t>combines machine learning base estimators for classification via plurality voting to achieve improved generalization and robustness over a single estimator.</a:t>
             </a:r>
@@ -21881,14 +21355,14 @@
       </p:grpSpPr>
       <p:sp>
         <p:nvSpPr>
-          <p:cNvPr id="416" name="CustomShape 1"/>
+          <p:cNvPr id="412" name="CustomShape 1"/>
           <p:cNvSpPr/>
           <p:nvPr/>
         </p:nvSpPr>
         <p:spPr>
           <a:xfrm>
             <a:off x="601560" y="374760"/>
-            <a:ext cx="8092440" cy="762480"/>
+            <a:ext cx="8092080" cy="762120"/>
           </a:xfrm>
           <a:prstGeom prst="rect">
             <a:avLst/>
@@ -21932,14 +21406,14 @@
       </p:sp>
       <p:sp>
         <p:nvSpPr>
-          <p:cNvPr id="417" name="CustomShape 2"/>
+          <p:cNvPr id="413" name="CustomShape 2"/>
           <p:cNvSpPr/>
           <p:nvPr/>
         </p:nvSpPr>
         <p:spPr>
           <a:xfrm>
             <a:off x="551520" y="1887120"/>
-            <a:ext cx="8170920" cy="939960"/>
+            <a:ext cx="8170560" cy="939600"/>
           </a:xfrm>
           <a:prstGeom prst="rect">
             <a:avLst/>
@@ -21970,6 +21444,7 @@
                 </a:solidFill>
                 <a:uFillTx/>
                 <a:latin typeface="Arial"/>
+                <a:ea typeface="DejaVu Sans"/>
               </a:rPr>
               <a:t>Decision</a:t>
             </a:r>
@@ -21979,6 +21454,7 @@
                   <a:srgbClr val="ffffff"/>
                 </a:solidFill>
                 <a:latin typeface="Arial"/>
+                <a:ea typeface="DejaVu Sans"/>
               </a:rPr>
               <a:t>: use an </a:t>
             </a:r>
@@ -21988,6 +21464,7 @@
                   <a:srgbClr val="fff200"/>
                 </a:solidFill>
                 <a:latin typeface="Arial"/>
+                <a:ea typeface="DejaVu Sans"/>
               </a:rPr>
               <a:t>ensemble approach</a:t>
             </a:r>
@@ -21997,6 +21474,7 @@
                   <a:srgbClr val="ffffff"/>
                 </a:solidFill>
                 <a:latin typeface="Arial"/>
+                <a:ea typeface="DejaVu Sans"/>
               </a:rPr>
               <a:t>, combining multiple models with varying predictions in hopes of creating a stronger final prediction.</a:t>
             </a:r>
@@ -22008,14 +21486,14 @@
       </p:sp>
       <p:sp>
         <p:nvSpPr>
-          <p:cNvPr id="418" name="CustomShape 3"/>
+          <p:cNvPr id="414" name="CustomShape 3"/>
           <p:cNvSpPr/>
           <p:nvPr/>
         </p:nvSpPr>
         <p:spPr>
           <a:xfrm>
             <a:off x="551520" y="2859120"/>
-            <a:ext cx="8170920" cy="2949120"/>
+            <a:ext cx="8170560" cy="2948760"/>
           </a:xfrm>
           <a:prstGeom prst="rect">
             <a:avLst/>
@@ -22034,7 +21512,7 @@
         <p:txBody>
           <a:bodyPr lIns="90000" rIns="90000" tIns="45000" bIns="45000"/>
           <a:p>
-            <a:pPr marL="216000" indent="-215640">
+            <a:pPr marL="216000" indent="-215280">
               <a:lnSpc>
                 <a:spcPct val="100000"/>
               </a:lnSpc>
@@ -22054,6 +21532,7 @@
                   <a:srgbClr val="ffffff"/>
                 </a:solidFill>
                 <a:latin typeface="Arial"/>
+                <a:ea typeface="DejaVu Sans"/>
               </a:rPr>
               <a:t>Performed cross-validation to pre-evaluate ‘out-of-the-box’ models. </a:t>
             </a:r>
@@ -22062,7 +21541,7 @@
             </a:endParaRPr>
           </a:p>
           <a:p>
-            <a:pPr marL="216000" indent="-215640">
+            <a:pPr marL="216000" indent="-215280">
               <a:lnSpc>
                 <a:spcPct val="100000"/>
               </a:lnSpc>
@@ -22082,6 +21561,7 @@
                   <a:srgbClr val="ffffff"/>
                 </a:solidFill>
                 <a:latin typeface="Arial"/>
+                <a:ea typeface="DejaVu Sans"/>
               </a:rPr>
               <a:t>Selected the following classifiers to use as estimators:</a:t>
             </a:r>
@@ -22090,7 +21570,7 @@
             </a:endParaRPr>
           </a:p>
           <a:p>
-            <a:pPr lvl="1" marL="457200">
+            <a:pPr lvl="1" marL="457200" indent="-216000">
               <a:lnSpc>
                 <a:spcPct val="100000"/>
               </a:lnSpc>
@@ -22109,6 +21589,7 @@
                   <a:srgbClr val="ffffff"/>
                 </a:solidFill>
                 <a:latin typeface="Arial"/>
+                <a:ea typeface="DejaVu Sans"/>
               </a:rPr>
               <a:t>Logistic Regression</a:t>
             </a:r>
@@ -22117,7 +21598,7 @@
             </a:endParaRPr>
           </a:p>
           <a:p>
-            <a:pPr lvl="1" marL="457200">
+            <a:pPr lvl="1" marL="457200" indent="-216000">
               <a:lnSpc>
                 <a:spcPct val="100000"/>
               </a:lnSpc>
@@ -22136,6 +21617,7 @@
                   <a:srgbClr val="ffffff"/>
                 </a:solidFill>
                 <a:latin typeface="Arial"/>
+                <a:ea typeface="DejaVu Sans"/>
               </a:rPr>
               <a:t>Support Vector Machine (with Radial Basis Function kernel)</a:t>
             </a:r>
@@ -22144,7 +21626,7 @@
             </a:endParaRPr>
           </a:p>
           <a:p>
-            <a:pPr lvl="1" marL="457200">
+            <a:pPr lvl="1" marL="457200" indent="-216000">
               <a:lnSpc>
                 <a:spcPct val="100000"/>
               </a:lnSpc>
@@ -22163,6 +21645,7 @@
                   <a:srgbClr val="ffffff"/>
                 </a:solidFill>
                 <a:latin typeface="Arial"/>
+                <a:ea typeface="DejaVu Sans"/>
               </a:rPr>
               <a:t>Decision Trees</a:t>
             </a:r>
@@ -22171,7 +21654,7 @@
             </a:endParaRPr>
           </a:p>
           <a:p>
-            <a:pPr lvl="1" marL="457200">
+            <a:pPr lvl="1" marL="457200" indent="-216000">
               <a:lnSpc>
                 <a:spcPct val="100000"/>
               </a:lnSpc>
@@ -22190,6 +21673,7 @@
                   <a:srgbClr val="ffffff"/>
                 </a:solidFill>
                 <a:latin typeface="Arial"/>
+                <a:ea typeface="DejaVu Sans"/>
               </a:rPr>
               <a:t>Random Forest</a:t>
             </a:r>
@@ -22198,7 +21682,7 @@
             </a:endParaRPr>
           </a:p>
           <a:p>
-            <a:pPr lvl="1" marL="457200">
+            <a:pPr lvl="1" marL="457200" indent="-216000">
               <a:lnSpc>
                 <a:spcPct val="100000"/>
               </a:lnSpc>
@@ -22217,6 +21701,7 @@
                   <a:srgbClr val="ffffff"/>
                 </a:solidFill>
                 <a:latin typeface="Arial"/>
+                <a:ea typeface="DejaVu Sans"/>
               </a:rPr>
               <a:t>Gradient Boosting</a:t>
             </a:r>
@@ -22225,7 +21710,7 @@
             </a:endParaRPr>
           </a:p>
           <a:p>
-            <a:pPr marL="216000" indent="-215640">
+            <a:pPr marL="216000" indent="-215280">
               <a:lnSpc>
                 <a:spcPct val="100000"/>
               </a:lnSpc>
@@ -22245,6 +21730,7 @@
                   <a:srgbClr val="ffffff"/>
                 </a:solidFill>
                 <a:latin typeface="Arial"/>
+                <a:ea typeface="DejaVu Sans"/>
               </a:rPr>
               <a:t>Performed Grid SearchCV on each classifier for hyper-parameter tuning.</a:t>
             </a:r>
@@ -22253,7 +21739,7 @@
             </a:endParaRPr>
           </a:p>
           <a:p>
-            <a:pPr marL="216000" indent="-215640">
+            <a:pPr marL="216000" indent="-215280">
               <a:lnSpc>
                 <a:spcPct val="100000"/>
               </a:lnSpc>
@@ -22273,6 +21759,7 @@
                   <a:srgbClr val="ffffff"/>
                 </a:solidFill>
                 <a:latin typeface="Arial"/>
+                <a:ea typeface="DejaVu Sans"/>
               </a:rPr>
               <a:t>Scaled and centered numerical features based on quantile ranges.</a:t>
             </a:r>
@@ -22281,7 +21768,7 @@
             </a:endParaRPr>
           </a:p>
           <a:p>
-            <a:pPr marL="216000" indent="-215640">
+            <a:pPr marL="216000" indent="-215280">
               <a:lnSpc>
                 <a:spcPct val="100000"/>
               </a:lnSpc>
@@ -22301,6 +21788,7 @@
                   <a:srgbClr val="fff200"/>
                 </a:solidFill>
                 <a:latin typeface="Arial"/>
+                <a:ea typeface="DejaVu Sans"/>
               </a:rPr>
               <a:t>‘</a:t>
             </a:r>
@@ -22310,6 +21798,7 @@
                   <a:srgbClr val="fff200"/>
                 </a:solidFill>
                 <a:latin typeface="Arial"/>
+                <a:ea typeface="DejaVu Sans"/>
               </a:rPr>
               <a:t>Best Estimators’</a:t>
             </a:r>
@@ -22319,6 +21808,7 @@
                   <a:srgbClr val="fff200"/>
                 </a:solidFill>
                 <a:latin typeface="Arial"/>
+                <a:ea typeface="DejaVu Sans"/>
               </a:rPr>
               <a:t> used for each classifier in ensemble voting classifier.</a:t>
             </a:r>
@@ -22379,14 +21869,14 @@
       </p:grpSpPr>
       <p:sp>
         <p:nvSpPr>
-          <p:cNvPr id="419" name="CustomShape 1"/>
+          <p:cNvPr id="415" name="CustomShape 1"/>
           <p:cNvSpPr/>
           <p:nvPr/>
         </p:nvSpPr>
         <p:spPr>
           <a:xfrm>
             <a:off x="601560" y="374760"/>
-            <a:ext cx="8092440" cy="762480"/>
+            <a:ext cx="8092080" cy="762120"/>
           </a:xfrm>
           <a:prstGeom prst="rect">
             <a:avLst/>
@@ -22430,14 +21920,14 @@
       </p:sp>
       <p:sp>
         <p:nvSpPr>
-          <p:cNvPr id="420" name="CustomShape 2"/>
+          <p:cNvPr id="416" name="CustomShape 2"/>
           <p:cNvSpPr/>
           <p:nvPr/>
         </p:nvSpPr>
         <p:spPr>
           <a:xfrm>
             <a:off x="127440" y="3078000"/>
-            <a:ext cx="2742840" cy="1762920"/>
+            <a:ext cx="2742480" cy="1762560"/>
           </a:xfrm>
           <a:prstGeom prst="rect">
             <a:avLst/>
@@ -22471,18 +21961,16 @@
                 </a:solidFill>
                 <a:uFillTx/>
                 <a:latin typeface="Arial"/>
+                <a:ea typeface="DejaVu Sans"/>
               </a:rPr>
               <a:t>Observations:</a:t>
             </a:r>
             <a:endParaRPr b="0" lang="en-US" sz="1400" spc="-1" strike="noStrike">
-              <a:solidFill>
-                <a:srgbClr val="ffffff"/>
-              </a:solidFill>
-              <a:latin typeface="Arial"/>
-            </a:endParaRPr>
-          </a:p>
-          <a:p>
-            <a:pPr marL="216000" indent="-215640">
+              <a:latin typeface="Arial"/>
+            </a:endParaRPr>
+          </a:p>
+          <a:p>
+            <a:pPr marL="216000" indent="-215280">
               <a:lnSpc>
                 <a:spcPct val="100000"/>
               </a:lnSpc>
@@ -22502,18 +21990,16 @@
                   <a:srgbClr val="ffffff"/>
                 </a:solidFill>
                 <a:latin typeface="Arial"/>
+                <a:ea typeface="DejaVu Sans"/>
               </a:rPr>
               <a:t>Similar median values for Fastballs and Cutters</a:t>
             </a:r>
             <a:endParaRPr b="0" lang="en-US" sz="1400" spc="-1" strike="noStrike">
-              <a:solidFill>
-                <a:srgbClr val="ffffff"/>
-              </a:solidFill>
-              <a:latin typeface="Arial"/>
-            </a:endParaRPr>
-          </a:p>
-          <a:p>
-            <a:pPr marL="216000" indent="-215640">
+              <a:latin typeface="Arial"/>
+            </a:endParaRPr>
+          </a:p>
+          <a:p>
+            <a:pPr marL="216000" indent="-215280">
               <a:lnSpc>
                 <a:spcPct val="100000"/>
               </a:lnSpc>
@@ -22533,18 +22019,16 @@
                   <a:srgbClr val="ffffff"/>
                 </a:solidFill>
                 <a:latin typeface="Arial"/>
+                <a:ea typeface="DejaVu Sans"/>
               </a:rPr>
               <a:t>SVM predicts slightly more Curveballs</a:t>
             </a:r>
             <a:endParaRPr b="0" lang="en-US" sz="1400" spc="-1" strike="noStrike">
-              <a:solidFill>
-                <a:srgbClr val="ffffff"/>
-              </a:solidFill>
-              <a:latin typeface="Arial"/>
-            </a:endParaRPr>
-          </a:p>
-          <a:p>
-            <a:pPr marL="216000" indent="-215640">
+              <a:latin typeface="Arial"/>
+            </a:endParaRPr>
+          </a:p>
+          <a:p>
+            <a:pPr marL="216000" indent="-215280">
               <a:lnSpc>
                 <a:spcPct val="100000"/>
               </a:lnSpc>
@@ -22564,13 +22048,11 @@
                   <a:srgbClr val="ffffff"/>
                 </a:solidFill>
                 <a:latin typeface="Arial"/>
+                <a:ea typeface="DejaVu Sans"/>
               </a:rPr>
               <a:t>Decision Trees predict more Sliders than Change-ups</a:t>
             </a:r>
             <a:endParaRPr b="0" lang="en-US" sz="1400" spc="-1" strike="noStrike">
-              <a:solidFill>
-                <a:srgbClr val="ffffff"/>
-              </a:solidFill>
               <a:latin typeface="Arial"/>
             </a:endParaRPr>
           </a:p>
@@ -22578,7 +22060,7 @@
       </p:sp>
       <p:pic>
         <p:nvPicPr>
-          <p:cNvPr id="421" name="" descr=""/>
+          <p:cNvPr id="417" name="" descr=""/>
           <p:cNvPicPr/>
           <p:nvPr/>
         </p:nvPicPr>
@@ -22589,7 +22071,7 @@
         <p:spPr>
           <a:xfrm>
             <a:off x="2926080" y="2362680"/>
-            <a:ext cx="5993280" cy="3903480"/>
+            <a:ext cx="5992920" cy="3903120"/>
           </a:xfrm>
           <a:prstGeom prst="rect">
             <a:avLst/>
@@ -22604,14 +22086,14 @@
       </p:pic>
       <p:sp>
         <p:nvSpPr>
-          <p:cNvPr id="422" name="CustomShape 3"/>
+          <p:cNvPr id="418" name="CustomShape 3"/>
           <p:cNvSpPr/>
           <p:nvPr/>
         </p:nvSpPr>
         <p:spPr>
           <a:xfrm>
             <a:off x="2867760" y="6290640"/>
-            <a:ext cx="6126120" cy="322920"/>
+            <a:ext cx="6125760" cy="322560"/>
           </a:xfrm>
           <a:prstGeom prst="rect">
             <a:avLst/>
@@ -22641,28 +22123,26 @@
                   <a:srgbClr val="ffffff"/>
                 </a:solidFill>
                 <a:latin typeface="Arial"/>
+                <a:ea typeface="DejaVu Sans"/>
               </a:rPr>
               <a:t>Median Class Probabilities for each Classifier for Carlos Martinez</a:t>
             </a:r>
             <a:endParaRPr b="0" lang="en-US" sz="1400" spc="-1" strike="noStrike">
-              <a:solidFill>
-                <a:srgbClr val="ffffff"/>
-              </a:solidFill>
-              <a:latin typeface="Arial"/>
-            </a:endParaRPr>
-          </a:p>
-        </p:txBody>
-      </p:sp>
-      <p:sp>
-        <p:nvSpPr>
-          <p:cNvPr id="423" name="CustomShape 4"/>
+              <a:latin typeface="Arial"/>
+            </a:endParaRPr>
+          </a:p>
+        </p:txBody>
+      </p:sp>
+      <p:sp>
+        <p:nvSpPr>
+          <p:cNvPr id="419" name="CustomShape 4"/>
           <p:cNvSpPr/>
           <p:nvPr/>
         </p:nvSpPr>
         <p:spPr>
           <a:xfrm>
             <a:off x="2795760" y="1753920"/>
-            <a:ext cx="6217560" cy="528120"/>
+            <a:ext cx="6217200" cy="527760"/>
           </a:xfrm>
           <a:prstGeom prst="rect">
             <a:avLst/>
@@ -22692,13 +22172,11 @@
                   <a:srgbClr val="ffffff"/>
                 </a:solidFill>
                 <a:latin typeface="Arial"/>
+                <a:ea typeface="DejaVu Sans"/>
               </a:rPr>
               <a:t>Individual Classifiers vs. Ensemble of Classifiers</a:t>
             </a:r>
             <a:endParaRPr b="0" lang="en-US" sz="2000" spc="-1" strike="noStrike">
-              <a:solidFill>
-                <a:srgbClr val="ffffff"/>
-              </a:solidFill>
               <a:latin typeface="Arial"/>
             </a:endParaRPr>
           </a:p>
@@ -22755,14 +22233,14 @@
       </p:grpSpPr>
       <p:sp>
         <p:nvSpPr>
-          <p:cNvPr id="424" name="CustomShape 1"/>
+          <p:cNvPr id="420" name="CustomShape 1"/>
           <p:cNvSpPr/>
           <p:nvPr/>
         </p:nvSpPr>
         <p:spPr>
           <a:xfrm>
             <a:off x="601560" y="374760"/>
-            <a:ext cx="8092440" cy="762480"/>
+            <a:ext cx="8092080" cy="762120"/>
           </a:xfrm>
           <a:prstGeom prst="rect">
             <a:avLst/>
@@ -22806,7 +22284,7 @@
       </p:sp>
       <p:pic>
         <p:nvPicPr>
-          <p:cNvPr id="425" name="" descr=""/>
+          <p:cNvPr id="421" name="" descr=""/>
           <p:cNvPicPr/>
           <p:nvPr/>
         </p:nvPicPr>
@@ -22817,7 +22295,7 @@
         <p:spPr>
           <a:xfrm>
             <a:off x="2560320" y="1668240"/>
-            <a:ext cx="4310640" cy="1082160"/>
+            <a:ext cx="4310280" cy="1081800"/>
           </a:xfrm>
           <a:prstGeom prst="rect">
             <a:avLst/>
@@ -22832,14 +22310,14 @@
       </p:pic>
       <p:sp>
         <p:nvSpPr>
-          <p:cNvPr id="426" name="CustomShape 2"/>
+          <p:cNvPr id="422" name="CustomShape 2"/>
           <p:cNvSpPr/>
           <p:nvPr/>
         </p:nvSpPr>
         <p:spPr>
           <a:xfrm>
             <a:off x="1368720" y="3054600"/>
-            <a:ext cx="6857640" cy="3310560"/>
+            <a:ext cx="6857280" cy="3310200"/>
           </a:xfrm>
           <a:prstGeom prst="rect">
             <a:avLst/>
@@ -22865,33 +22343,53 @@
             </a:pPr>
             <a:r>
               <a:rPr b="1" lang="en-US" sz="1800" spc="-1" strike="noStrike">
-                <a:latin typeface="Arial"/>
+                <a:solidFill>
+                  <a:srgbClr val="000000"/>
+                </a:solidFill>
+                <a:latin typeface="Arial"/>
+                <a:ea typeface="DejaVu Sans"/>
               </a:rPr>
               <a:t>Example: </a:t>
             </a:r>
             <a:r>
               <a:rPr b="0" lang="en-US" sz="1800" spc="-1" strike="noStrike">
-                <a:latin typeface="Arial"/>
+                <a:solidFill>
+                  <a:srgbClr val="000000"/>
+                </a:solidFill>
+                <a:latin typeface="Arial"/>
+                <a:ea typeface="DejaVu Sans"/>
               </a:rPr>
               <a:t>Predicting if pitch-type is a </a:t>
             </a:r>
             <a:r>
               <a:rPr b="1" lang="en-US" sz="1800" spc="-1" strike="noStrike" u="sng">
+                <a:solidFill>
+                  <a:srgbClr val="000000"/>
+                </a:solidFill>
                 <a:uFillTx/>
                 <a:latin typeface="Arial"/>
+                <a:ea typeface="DejaVu Sans"/>
               </a:rPr>
               <a:t>Fastball</a:t>
             </a:r>
             <a:r>
               <a:rPr b="0" lang="en-US" sz="1800" spc="-1" strike="noStrike">
-                <a:latin typeface="Arial"/>
+                <a:solidFill>
+                  <a:srgbClr val="000000"/>
+                </a:solidFill>
+                <a:latin typeface="Arial"/>
+                <a:ea typeface="DejaVu Sans"/>
               </a:rPr>
               <a:t> or </a:t>
             </a:r>
             <a:r>
               <a:rPr b="1" lang="en-US" sz="1800" spc="-1" strike="noStrike" u="sng">
+                <a:solidFill>
+                  <a:srgbClr val="000000"/>
+                </a:solidFill>
                 <a:uFillTx/>
                 <a:latin typeface="Arial"/>
+                <a:ea typeface="DejaVu Sans"/>
               </a:rPr>
               <a:t>Not a Fastball</a:t>
             </a:r>
@@ -22921,6 +22419,7 @@
                   <a:srgbClr val="fff200"/>
                 </a:solidFill>
                 <a:latin typeface="Arial"/>
+                <a:ea typeface="DejaVu Sans"/>
               </a:rPr>
               <a:t>True Positives (TP)</a:t>
             </a:r>
@@ -22930,6 +22429,7 @@
                   <a:srgbClr val="fff200"/>
                 </a:solidFill>
                 <a:latin typeface="Arial"/>
+                <a:ea typeface="DejaVu Sans"/>
               </a:rPr>
               <a:t> </a:t>
             </a:r>
@@ -22939,6 +22439,7 @@
                   <a:srgbClr val="ffffff"/>
                 </a:solidFill>
                 <a:latin typeface="Arial"/>
+                <a:ea typeface="DejaVu Sans"/>
               </a:rPr>
               <a:t>– Correctly predicted positive pitch-type</a:t>
             </a:r>
@@ -22958,6 +22459,7 @@
                   <a:srgbClr val="ffffff"/>
                 </a:solidFill>
                 <a:latin typeface="Arial"/>
+                <a:ea typeface="DejaVu Sans"/>
               </a:rPr>
               <a:t>	</a:t>
             </a:r>
@@ -22967,6 +22469,7 @@
                   <a:srgbClr val="ffffff"/>
                 </a:solidFill>
                 <a:latin typeface="Arial"/>
+                <a:ea typeface="DejaVu Sans"/>
               </a:rPr>
               <a:t>e.g., </a:t>
             </a:r>
@@ -22976,6 +22479,7 @@
                   <a:srgbClr val="ffffff"/>
                 </a:solidFill>
                 <a:latin typeface="Arial"/>
+                <a:ea typeface="DejaVu Sans"/>
               </a:rPr>
               <a:t>Predicted</a:t>
             </a:r>
@@ -22985,6 +22489,7 @@
                   <a:srgbClr val="ffffff"/>
                 </a:solidFill>
                 <a:latin typeface="Arial"/>
+                <a:ea typeface="DejaVu Sans"/>
               </a:rPr>
               <a:t>: Fastball  |  </a:t>
             </a:r>
@@ -22994,6 +22499,7 @@
                   <a:srgbClr val="ffffff"/>
                 </a:solidFill>
                 <a:latin typeface="Arial"/>
+                <a:ea typeface="DejaVu Sans"/>
               </a:rPr>
               <a:t>Actual</a:t>
             </a:r>
@@ -23003,6 +22509,7 @@
                   <a:srgbClr val="ffffff"/>
                 </a:solidFill>
                 <a:latin typeface="Arial"/>
+                <a:ea typeface="DejaVu Sans"/>
               </a:rPr>
               <a:t>: Fastball </a:t>
             </a:r>
@@ -23032,6 +22539,7 @@
                   <a:srgbClr val="fff200"/>
                 </a:solidFill>
                 <a:latin typeface="Arial"/>
+                <a:ea typeface="DejaVu Sans"/>
               </a:rPr>
               <a:t>True Negatives (TN) </a:t>
             </a:r>
@@ -23041,6 +22549,7 @@
                   <a:srgbClr val="ffffff"/>
                 </a:solidFill>
                 <a:latin typeface="Arial"/>
+                <a:ea typeface="DejaVu Sans"/>
               </a:rPr>
               <a:t>– Correctly predicted negative pitch-type</a:t>
             </a:r>
@@ -23060,6 +22569,7 @@
                   <a:srgbClr val="ffffff"/>
                 </a:solidFill>
                 <a:latin typeface="Arial"/>
+                <a:ea typeface="DejaVu Sans"/>
               </a:rPr>
               <a:t>	</a:t>
             </a:r>
@@ -23069,6 +22579,7 @@
                   <a:srgbClr val="ffffff"/>
                 </a:solidFill>
                 <a:latin typeface="Arial"/>
+                <a:ea typeface="DejaVu Sans"/>
               </a:rPr>
               <a:t>e.g., </a:t>
             </a:r>
@@ -23078,6 +22589,7 @@
                   <a:srgbClr val="ffffff"/>
                 </a:solidFill>
                 <a:latin typeface="Arial"/>
+                <a:ea typeface="DejaVu Sans"/>
               </a:rPr>
               <a:t>Predicted:</a:t>
             </a:r>
@@ -23087,6 +22599,7 @@
                   <a:srgbClr val="ffffff"/>
                 </a:solidFill>
                 <a:latin typeface="Arial"/>
+                <a:ea typeface="DejaVu Sans"/>
               </a:rPr>
               <a:t> Not a Fastball  |  </a:t>
             </a:r>
@@ -23096,6 +22609,7 @@
                   <a:srgbClr val="ffffff"/>
                 </a:solidFill>
                 <a:latin typeface="Arial"/>
+                <a:ea typeface="DejaVu Sans"/>
               </a:rPr>
               <a:t>Actual:</a:t>
             </a:r>
@@ -23105,6 +22619,7 @@
                   <a:srgbClr val="ffffff"/>
                 </a:solidFill>
                 <a:latin typeface="Arial"/>
+                <a:ea typeface="DejaVu Sans"/>
               </a:rPr>
               <a:t> Not a Fastball </a:t>
             </a:r>
@@ -23134,6 +22649,7 @@
                   <a:srgbClr val="fff200"/>
                 </a:solidFill>
                 <a:latin typeface="Arial"/>
+                <a:ea typeface="DejaVu Sans"/>
               </a:rPr>
               <a:t>False Positives (FP)</a:t>
             </a:r>
@@ -23143,6 +22659,7 @@
                   <a:srgbClr val="fff200"/>
                 </a:solidFill>
                 <a:latin typeface="Arial"/>
+                <a:ea typeface="DejaVu Sans"/>
               </a:rPr>
               <a:t> </a:t>
             </a:r>
@@ -23152,6 +22669,7 @@
                   <a:srgbClr val="ffffff"/>
                 </a:solidFill>
                 <a:latin typeface="Arial"/>
+                <a:ea typeface="DejaVu Sans"/>
               </a:rPr>
               <a:t>– Incorrectly predicted positive pitch-type</a:t>
             </a:r>
@@ -23171,6 +22689,7 @@
                   <a:srgbClr val="ffffff"/>
                 </a:solidFill>
                 <a:latin typeface="Arial"/>
+                <a:ea typeface="DejaVu Sans"/>
               </a:rPr>
               <a:t>	</a:t>
             </a:r>
@@ -23180,6 +22699,7 @@
                   <a:srgbClr val="ffffff"/>
                 </a:solidFill>
                 <a:latin typeface="Arial"/>
+                <a:ea typeface="DejaVu Sans"/>
               </a:rPr>
               <a:t>e.g., </a:t>
             </a:r>
@@ -23189,6 +22709,7 @@
                   <a:srgbClr val="ffffff"/>
                 </a:solidFill>
                 <a:latin typeface="Arial"/>
+                <a:ea typeface="DejaVu Sans"/>
               </a:rPr>
               <a:t>Predicted:</a:t>
             </a:r>
@@ -23198,6 +22719,7 @@
                   <a:srgbClr val="ffffff"/>
                 </a:solidFill>
                 <a:latin typeface="Arial"/>
+                <a:ea typeface="DejaVu Sans"/>
               </a:rPr>
               <a:t> Fastball  |  </a:t>
             </a:r>
@@ -23207,6 +22729,7 @@
                   <a:srgbClr val="ffffff"/>
                 </a:solidFill>
                 <a:latin typeface="Arial"/>
+                <a:ea typeface="DejaVu Sans"/>
               </a:rPr>
               <a:t>Actual:</a:t>
             </a:r>
@@ -23216,6 +22739,7 @@
                   <a:srgbClr val="ffffff"/>
                 </a:solidFill>
                 <a:latin typeface="Arial"/>
+                <a:ea typeface="DejaVu Sans"/>
               </a:rPr>
               <a:t> Not a Fastball </a:t>
             </a:r>
@@ -23245,6 +22769,7 @@
                   <a:srgbClr val="fff200"/>
                 </a:solidFill>
                 <a:latin typeface="Arial"/>
+                <a:ea typeface="DejaVu Sans"/>
               </a:rPr>
               <a:t>False Negatives (FN)</a:t>
             </a:r>
@@ -23254,6 +22779,7 @@
                   <a:srgbClr val="ffffff"/>
                 </a:solidFill>
                 <a:latin typeface="Arial"/>
+                <a:ea typeface="DejaVu Sans"/>
               </a:rPr>
               <a:t> </a:t>
             </a:r>
@@ -23263,6 +22789,7 @@
                   <a:srgbClr val="ffffff"/>
                 </a:solidFill>
                 <a:latin typeface="Arial"/>
+                <a:ea typeface="DejaVu Sans"/>
               </a:rPr>
               <a:t>– Incorrectly predicted negative pitch-type</a:t>
             </a:r>
@@ -23282,6 +22809,7 @@
                   <a:srgbClr val="ffffff"/>
                 </a:solidFill>
                 <a:latin typeface="Arial"/>
+                <a:ea typeface="DejaVu Sans"/>
               </a:rPr>
               <a:t>	</a:t>
             </a:r>
@@ -23291,6 +22819,7 @@
                   <a:srgbClr val="ffffff"/>
                 </a:solidFill>
                 <a:latin typeface="Arial"/>
+                <a:ea typeface="DejaVu Sans"/>
               </a:rPr>
               <a:t>e.g., </a:t>
             </a:r>
@@ -23300,6 +22829,7 @@
                   <a:srgbClr val="ffffff"/>
                 </a:solidFill>
                 <a:latin typeface="Arial"/>
+                <a:ea typeface="DejaVu Sans"/>
               </a:rPr>
               <a:t>Predicted:</a:t>
             </a:r>
@@ -23309,6 +22839,7 @@
                   <a:srgbClr val="ffffff"/>
                 </a:solidFill>
                 <a:latin typeface="Arial"/>
+                <a:ea typeface="DejaVu Sans"/>
               </a:rPr>
               <a:t> Not a Fastball  |  </a:t>
             </a:r>
@@ -23318,6 +22849,7 @@
                   <a:srgbClr val="ffffff"/>
                 </a:solidFill>
                 <a:latin typeface="Arial"/>
+                <a:ea typeface="DejaVu Sans"/>
               </a:rPr>
               <a:t>Actual:</a:t>
             </a:r>
@@ -23327,6 +22859,7 @@
                   <a:srgbClr val="ffffff"/>
                 </a:solidFill>
                 <a:latin typeface="Arial"/>
+                <a:ea typeface="DejaVu Sans"/>
               </a:rPr>
               <a:t> Fastball </a:t>
             </a:r>
@@ -23387,14 +22920,14 @@
       </p:grpSpPr>
       <p:sp>
         <p:nvSpPr>
-          <p:cNvPr id="427" name="CustomShape 1"/>
+          <p:cNvPr id="423" name="CustomShape 1"/>
           <p:cNvSpPr/>
           <p:nvPr/>
         </p:nvSpPr>
         <p:spPr>
           <a:xfrm>
             <a:off x="601560" y="374760"/>
-            <a:ext cx="8092440" cy="762480"/>
+            <a:ext cx="8092080" cy="762120"/>
           </a:xfrm>
           <a:prstGeom prst="rect">
             <a:avLst/>
@@ -23438,14 +22971,14 @@
       </p:sp>
       <p:sp>
         <p:nvSpPr>
-          <p:cNvPr id="428" name="CustomShape 2"/>
+          <p:cNvPr id="424" name="CustomShape 2"/>
           <p:cNvSpPr/>
           <p:nvPr/>
         </p:nvSpPr>
         <p:spPr>
           <a:xfrm>
             <a:off x="2493360" y="1465920"/>
-            <a:ext cx="4541400" cy="911160"/>
+            <a:ext cx="4541040" cy="910800"/>
           </a:xfrm>
           <a:prstGeom prst="rect">
             <a:avLst/>
@@ -23476,18 +23009,16 @@
                 </a:solidFill>
                 <a:uFillTx/>
                 <a:latin typeface="Arial"/>
+                <a:ea typeface="DejaVu Sans"/>
               </a:rPr>
               <a:t>Confusion Matrix for Clayton Kershaw</a:t>
             </a:r>
             <a:endParaRPr b="0" lang="en-US" sz="1600" spc="-1" strike="noStrike">
-              <a:solidFill>
-                <a:srgbClr val="ffffff"/>
-              </a:solidFill>
-              <a:latin typeface="Arial"/>
-            </a:endParaRPr>
-          </a:p>
-          <a:p>
-            <a:pPr marL="216000" indent="-215640">
+              <a:latin typeface="Arial"/>
+            </a:endParaRPr>
+          </a:p>
+          <a:p>
+            <a:pPr marL="216000" indent="-215280">
               <a:lnSpc>
                 <a:spcPct val="100000"/>
               </a:lnSpc>
@@ -23507,18 +23038,16 @@
                   <a:srgbClr val="ffffff"/>
                 </a:solidFill>
                 <a:latin typeface="Arial"/>
+                <a:ea typeface="DejaVu Sans"/>
               </a:rPr>
               <a:t>Most pitch-types were predicted to be Fastballs (FB) </a:t>
             </a:r>
             <a:endParaRPr b="0" lang="en-US" sz="1400" spc="-1" strike="noStrike">
-              <a:solidFill>
-                <a:srgbClr val="ffffff"/>
-              </a:solidFill>
-              <a:latin typeface="Arial"/>
-            </a:endParaRPr>
-          </a:p>
-          <a:p>
-            <a:pPr marL="216000" indent="-215640">
+              <a:latin typeface="Arial"/>
+            </a:endParaRPr>
+          </a:p>
+          <a:p>
+            <a:pPr marL="216000" indent="-215280">
               <a:lnSpc>
                 <a:spcPct val="100000"/>
               </a:lnSpc>
@@ -23538,28 +23067,26 @@
                   <a:srgbClr val="ffffff"/>
                 </a:solidFill>
                 <a:latin typeface="Arial"/>
+                <a:ea typeface="DejaVu Sans"/>
               </a:rPr>
               <a:t>Second-most predicted were Sliders (SL) </a:t>
             </a:r>
             <a:endParaRPr b="0" lang="en-US" sz="1400" spc="-1" strike="noStrike">
-              <a:solidFill>
-                <a:srgbClr val="ffffff"/>
-              </a:solidFill>
-              <a:latin typeface="Arial"/>
-            </a:endParaRPr>
-          </a:p>
-        </p:txBody>
-      </p:sp>
-      <p:sp>
-        <p:nvSpPr>
-          <p:cNvPr id="429" name="CustomShape 3"/>
+              <a:latin typeface="Arial"/>
+            </a:endParaRPr>
+          </a:p>
+        </p:txBody>
+      </p:sp>
+      <p:sp>
+        <p:nvSpPr>
+          <p:cNvPr id="425" name="CustomShape 3"/>
           <p:cNvSpPr/>
           <p:nvPr/>
         </p:nvSpPr>
         <p:spPr>
           <a:xfrm>
             <a:off x="1005840" y="2527560"/>
-            <a:ext cx="7040520" cy="306720"/>
+            <a:ext cx="7040160" cy="306360"/>
           </a:xfrm>
           <a:prstGeom prst="rect">
             <a:avLst/>
@@ -23589,13 +23116,11 @@
                   <a:srgbClr val="ffffff"/>
                 </a:solidFill>
                 <a:latin typeface="Arial"/>
+                <a:ea typeface="DejaVu Sans"/>
               </a:rPr>
               <a:t>As a result, the model is unable to effectively distinguish between FB’s and SL’s.</a:t>
             </a:r>
             <a:endParaRPr b="0" lang="en-US" sz="1400" spc="-1" strike="noStrike">
-              <a:solidFill>
-                <a:srgbClr val="ffffff"/>
-              </a:solidFill>
               <a:latin typeface="Arial"/>
             </a:endParaRPr>
           </a:p>
@@ -23603,21 +23128,21 @@
       </p:sp>
       <p:grpSp>
         <p:nvGrpSpPr>
-          <p:cNvPr id="430" name="Group 4"/>
+          <p:cNvPr id="426" name="Group 4"/>
           <p:cNvGrpSpPr/>
           <p:nvPr/>
         </p:nvGrpSpPr>
         <p:grpSpPr>
           <a:xfrm>
             <a:off x="825840" y="2855520"/>
-            <a:ext cx="7414200" cy="3108600"/>
+            <a:ext cx="7413840" cy="3108240"/>
             <a:chOff x="825840" y="2855520"/>
-            <a:chExt cx="7414200" cy="3108600"/>
+            <a:chExt cx="7413840" cy="3108240"/>
           </a:xfrm>
         </p:grpSpPr>
         <p:pic>
           <p:nvPicPr>
-            <p:cNvPr id="431" name="" descr=""/>
+            <p:cNvPr id="427" name="" descr=""/>
             <p:cNvPicPr/>
             <p:nvPr/>
           </p:nvPicPr>
@@ -23628,7 +23153,7 @@
           <p:spPr>
             <a:xfrm>
               <a:off x="825840" y="2855520"/>
-              <a:ext cx="3529080" cy="3108600"/>
+              <a:ext cx="3528720" cy="3108240"/>
             </a:xfrm>
             <a:prstGeom prst="rect">
               <a:avLst/>
@@ -23643,7 +23168,7 @@
         </p:pic>
         <p:pic>
           <p:nvPicPr>
-            <p:cNvPr id="432" name="" descr=""/>
+            <p:cNvPr id="428" name="" descr=""/>
             <p:cNvPicPr/>
             <p:nvPr/>
           </p:nvPicPr>
@@ -23654,7 +23179,7 @@
           <p:spPr>
             <a:xfrm>
               <a:off x="4528080" y="2855520"/>
-              <a:ext cx="3711960" cy="3108600"/>
+              <a:ext cx="3711600" cy="3108240"/>
             </a:xfrm>
             <a:prstGeom prst="rect">
               <a:avLst/>
@@ -23719,14 +23244,14 @@
       </p:grpSpPr>
       <p:sp>
         <p:nvSpPr>
-          <p:cNvPr id="433" name="CustomShape 1"/>
+          <p:cNvPr id="429" name="CustomShape 1"/>
           <p:cNvSpPr/>
           <p:nvPr/>
         </p:nvSpPr>
         <p:spPr>
           <a:xfrm>
             <a:off x="601560" y="374760"/>
-            <a:ext cx="8092440" cy="762480"/>
+            <a:ext cx="8092080" cy="762120"/>
           </a:xfrm>
           <a:prstGeom prst="rect">
             <a:avLst/>
@@ -23770,7 +23295,7 @@
       </p:sp>
       <p:pic>
         <p:nvPicPr>
-          <p:cNvPr id="434" name="" descr=""/>
+          <p:cNvPr id="430" name="" descr=""/>
           <p:cNvPicPr/>
           <p:nvPr/>
         </p:nvPicPr>
@@ -23781,7 +23306,7 @@
         <p:spPr>
           <a:xfrm>
             <a:off x="2560320" y="1668240"/>
-            <a:ext cx="4310640" cy="1082160"/>
+            <a:ext cx="4310280" cy="1081800"/>
           </a:xfrm>
           <a:prstGeom prst="rect">
             <a:avLst/>
@@ -23796,14 +23321,14 @@
       </p:pic>
       <p:sp>
         <p:nvSpPr>
-          <p:cNvPr id="435" name="CustomShape 2"/>
+          <p:cNvPr id="431" name="CustomShape 2"/>
           <p:cNvSpPr/>
           <p:nvPr/>
         </p:nvSpPr>
         <p:spPr>
           <a:xfrm>
             <a:off x="640080" y="2906280"/>
-            <a:ext cx="8046360" cy="3566520"/>
+            <a:ext cx="8046000" cy="3566160"/>
           </a:xfrm>
           <a:prstGeom prst="rect">
             <a:avLst/>
@@ -23833,6 +23358,7 @@
                   <a:srgbClr val="fff200"/>
                 </a:solidFill>
                 <a:latin typeface="Arial"/>
+                <a:ea typeface="DejaVu Sans"/>
               </a:rPr>
               <a:t>Accuracy</a:t>
             </a:r>
@@ -23852,6 +23378,7 @@
                   <a:srgbClr val="ffffff"/>
                 </a:solidFill>
                 <a:latin typeface="Arial"/>
+                <a:ea typeface="DejaVu Sans"/>
               </a:rPr>
               <a:t>Ratio of correctly predicted observation to total observations</a:t>
             </a:r>
@@ -23874,6 +23401,7 @@
                   <a:srgbClr val="ffffff"/>
                 </a:solidFill>
                 <a:latin typeface="Bitstream Vera Sans Mono"/>
+                <a:ea typeface="DejaVu Sans"/>
               </a:rPr>
               <a:t>(TP + TN) / (TP + FP + FN + TN) </a:t>
             </a:r>
@@ -23903,6 +23431,7 @@
                   <a:srgbClr val="fff200"/>
                 </a:solidFill>
                 <a:latin typeface="Arial"/>
+                <a:ea typeface="DejaVu Sans"/>
               </a:rPr>
               <a:t>Precision</a:t>
             </a:r>
@@ -23922,6 +23451,7 @@
                   <a:srgbClr val="ffffff"/>
                 </a:solidFill>
                 <a:latin typeface="Arial"/>
+                <a:ea typeface="DejaVu Sans"/>
               </a:rPr>
               <a:t>Ratio of correctly predicted ‘positive’ observations to total predicted positive observations</a:t>
             </a:r>
@@ -23931,6 +23461,7 @@
                   <a:srgbClr val="ffffff"/>
                 </a:solidFill>
                 <a:latin typeface="Arial"/>
+                <a:ea typeface="DejaVu Sans"/>
               </a:rPr>
               <a:t> </a:t>
             </a:r>
@@ -23953,6 +23484,7 @@
                   <a:srgbClr val="ffffff"/>
                 </a:solidFill>
                 <a:latin typeface="Bitstream Vera Sans Mono"/>
+                <a:ea typeface="DejaVu Sans"/>
               </a:rPr>
               <a:t>TP / (TP + FP) </a:t>
             </a:r>
@@ -23962,6 +23494,7 @@
                   <a:srgbClr val="ffffff"/>
                 </a:solidFill>
                 <a:latin typeface="Arial"/>
+                <a:ea typeface="DejaVu Sans"/>
               </a:rPr>
               <a:t> </a:t>
             </a:r>
@@ -24178,14 +23711,14 @@
       </p:grpSpPr>
       <p:sp>
         <p:nvSpPr>
-          <p:cNvPr id="436" name="CustomShape 1"/>
+          <p:cNvPr id="432" name="CustomShape 1"/>
           <p:cNvSpPr/>
           <p:nvPr/>
         </p:nvSpPr>
         <p:spPr>
           <a:xfrm>
             <a:off x="601560" y="374760"/>
-            <a:ext cx="8092440" cy="762480"/>
+            <a:ext cx="8092080" cy="762120"/>
           </a:xfrm>
           <a:prstGeom prst="rect">
             <a:avLst/>
@@ -24229,7 +23762,7 @@
       </p:sp>
       <p:pic>
         <p:nvPicPr>
-          <p:cNvPr id="437" name="" descr=""/>
+          <p:cNvPr id="433" name="" descr=""/>
           <p:cNvPicPr/>
           <p:nvPr/>
         </p:nvPicPr>
@@ -24240,7 +23773,7 @@
         <p:spPr>
           <a:xfrm>
             <a:off x="667080" y="2247120"/>
-            <a:ext cx="3993120" cy="1572480"/>
+            <a:ext cx="3992760" cy="1572120"/>
           </a:xfrm>
           <a:prstGeom prst="rect">
             <a:avLst/>
@@ -24255,7 +23788,7 @@
       </p:pic>
       <p:pic>
         <p:nvPicPr>
-          <p:cNvPr id="438" name="" descr=""/>
+          <p:cNvPr id="434" name="" descr=""/>
           <p:cNvPicPr/>
           <p:nvPr/>
         </p:nvPicPr>
@@ -24266,7 +23799,7 @@
         <p:spPr>
           <a:xfrm>
             <a:off x="4991040" y="1609920"/>
-            <a:ext cx="3529080" cy="3108600"/>
+            <a:ext cx="3528720" cy="3108240"/>
           </a:xfrm>
           <a:prstGeom prst="rect">
             <a:avLst/>
@@ -24281,13 +23814,13 @@
       </p:pic>
       <p:graphicFrame>
         <p:nvGraphicFramePr>
-          <p:cNvPr id="439" name="Table 2"/>
+          <p:cNvPr id="435" name="Table 2"/>
           <p:cNvGraphicFramePr/>
           <p:nvPr/>
         </p:nvGraphicFramePr>
         <p:xfrm>
           <a:off x="507960" y="5053320"/>
-          <a:ext cx="5119920" cy="1554840"/>
+          <a:ext cx="5119920" cy="1554480"/>
         </p:xfrm>
         <a:graphic>
           <a:graphicData uri="http://schemas.openxmlformats.org/drawingml/2006/table">
@@ -25413,7 +24946,7 @@
                   </a:tcPr>
                 </a:tc>
               </a:tr>
-              <a:tr h="318600">
+              <a:tr h="318240">
                 <a:tc>
                   <a:txBody>
                     <a:bodyPr lIns="90000" rIns="90000"/>
@@ -25697,14 +25230,14 @@
       </p:graphicFrame>
       <p:sp>
         <p:nvSpPr>
-          <p:cNvPr id="440" name="CustomShape 3"/>
+          <p:cNvPr id="436" name="CustomShape 3"/>
           <p:cNvSpPr/>
           <p:nvPr/>
         </p:nvSpPr>
         <p:spPr>
           <a:xfrm>
             <a:off x="404640" y="4732560"/>
-            <a:ext cx="3382920" cy="289800"/>
+            <a:ext cx="3382560" cy="289440"/>
           </a:xfrm>
           <a:prstGeom prst="rect">
             <a:avLst/>
@@ -25734,28 +25267,26 @@
                   <a:srgbClr val="ffffff"/>
                 </a:solidFill>
                 <a:latin typeface="Arial"/>
+                <a:ea typeface="DejaVu Sans"/>
               </a:rPr>
               <a:t>Accuracy = (TP+TN) / (TP+FP+FN+TN)</a:t>
             </a:r>
             <a:endParaRPr b="0" lang="en-US" sz="1400" spc="-1" strike="noStrike">
-              <a:solidFill>
-                <a:srgbClr val="ffffff"/>
-              </a:solidFill>
-              <a:latin typeface="Arial"/>
-            </a:endParaRPr>
-          </a:p>
-        </p:txBody>
-      </p:sp>
-      <p:sp>
-        <p:nvSpPr>
-          <p:cNvPr id="441" name="CustomShape 4"/>
+              <a:latin typeface="Arial"/>
+            </a:endParaRPr>
+          </a:p>
+        </p:txBody>
+      </p:sp>
+      <p:sp>
+        <p:nvSpPr>
+          <p:cNvPr id="437" name="CustomShape 4"/>
           <p:cNvSpPr/>
           <p:nvPr/>
         </p:nvSpPr>
         <p:spPr>
           <a:xfrm>
             <a:off x="5807880" y="4993200"/>
-            <a:ext cx="534240" cy="1645560"/>
+            <a:ext cx="533880" cy="1645200"/>
           </a:xfrm>
           <a:custGeom>
             <a:avLst/>
@@ -25813,14 +25344,14 @@
       </p:sp>
       <p:sp>
         <p:nvSpPr>
-          <p:cNvPr id="442" name="CustomShape 5"/>
+          <p:cNvPr id="438" name="CustomShape 5"/>
           <p:cNvSpPr/>
           <p:nvPr/>
         </p:nvSpPr>
         <p:spPr>
           <a:xfrm>
             <a:off x="6495120" y="5486400"/>
-            <a:ext cx="2011320" cy="639720"/>
+            <a:ext cx="2010960" cy="639360"/>
           </a:xfrm>
           <a:prstGeom prst="rect">
             <a:avLst/>
@@ -25859,9 +25390,6 @@
               <a:t>Average Accuracy</a:t>
             </a:r>
             <a:endParaRPr b="0" lang="en-US" sz="1600" spc="-1" strike="noStrike">
-              <a:solidFill>
-                <a:srgbClr val="000000"/>
-              </a:solidFill>
               <a:latin typeface="Arial"/>
             </a:endParaRPr>
           </a:p>
@@ -25882,24 +25410,21 @@
               <a:t>0.75</a:t>
             </a:r>
             <a:endParaRPr b="0" lang="en-US" sz="1600" spc="-1" strike="noStrike">
-              <a:solidFill>
-                <a:srgbClr val="000000"/>
-              </a:solidFill>
-              <a:latin typeface="Arial"/>
-            </a:endParaRPr>
-          </a:p>
-        </p:txBody>
-      </p:sp>
-      <p:sp>
-        <p:nvSpPr>
-          <p:cNvPr id="443" name="CustomShape 6"/>
+              <a:latin typeface="Arial"/>
+            </a:endParaRPr>
+          </a:p>
+        </p:txBody>
+      </p:sp>
+      <p:sp>
+        <p:nvSpPr>
+          <p:cNvPr id="439" name="CustomShape 6"/>
           <p:cNvSpPr/>
           <p:nvPr/>
         </p:nvSpPr>
         <p:spPr>
           <a:xfrm>
             <a:off x="692640" y="1924560"/>
-            <a:ext cx="3970440" cy="489600"/>
+            <a:ext cx="3970080" cy="489240"/>
           </a:xfrm>
           <a:prstGeom prst="rect">
             <a:avLst/>
@@ -25929,13 +25454,11 @@
                   <a:srgbClr val="ffffff"/>
                 </a:solidFill>
                 <a:latin typeface="Arial"/>
+                <a:ea typeface="DejaVu Sans"/>
               </a:rPr>
               <a:t>Classification Report for Clayton Kershaw</a:t>
             </a:r>
             <a:endParaRPr b="0" lang="en-US" sz="1400" spc="-1" strike="noStrike">
-              <a:solidFill>
-                <a:srgbClr val="ffffff"/>
-              </a:solidFill>
               <a:latin typeface="Arial"/>
             </a:endParaRPr>
           </a:p>
@@ -25992,14 +25515,14 @@
       </p:grpSpPr>
       <p:sp>
         <p:nvSpPr>
-          <p:cNvPr id="444" name="CustomShape 1"/>
+          <p:cNvPr id="440" name="CustomShape 1"/>
           <p:cNvSpPr/>
           <p:nvPr/>
         </p:nvSpPr>
         <p:spPr>
           <a:xfrm>
             <a:off x="997560" y="374760"/>
-            <a:ext cx="8092440" cy="762480"/>
+            <a:ext cx="8092080" cy="762120"/>
           </a:xfrm>
           <a:prstGeom prst="rect">
             <a:avLst/>
@@ -26043,14 +25566,14 @@
       </p:sp>
       <p:sp>
         <p:nvSpPr>
-          <p:cNvPr id="445" name="CustomShape 2"/>
+          <p:cNvPr id="441" name="CustomShape 2"/>
           <p:cNvSpPr/>
           <p:nvPr/>
         </p:nvSpPr>
         <p:spPr>
           <a:xfrm>
             <a:off x="1172160" y="1685160"/>
-            <a:ext cx="7497720" cy="1296000"/>
+            <a:ext cx="7497360" cy="1295640"/>
           </a:xfrm>
           <a:prstGeom prst="rect">
             <a:avLst/>
@@ -26069,7 +25592,7 @@
         <p:txBody>
           <a:bodyPr lIns="90000" rIns="90000" tIns="45000" bIns="45000"/>
           <a:p>
-            <a:pPr marL="216000" indent="-215640">
+            <a:pPr marL="216000" indent="-215280">
               <a:lnSpc>
                 <a:spcPct val="100000"/>
               </a:lnSpc>
@@ -26086,13 +25609,11 @@
                   <a:srgbClr val="ffffff"/>
                 </a:solidFill>
                 <a:latin typeface="Arial"/>
+                <a:ea typeface="DejaVu Sans"/>
               </a:rPr>
               <a:t>While most classification machine learning models can be validated by accuracy estimation techniques, this is not the case for this project.</a:t>
             </a:r>
             <a:endParaRPr b="0" lang="en-US" sz="1600" spc="-1" strike="noStrike">
-              <a:solidFill>
-                <a:srgbClr val="ffffff"/>
-              </a:solidFill>
               <a:latin typeface="Arial"/>
             </a:endParaRPr>
           </a:p>
@@ -26103,14 +25624,11 @@
               </a:lnSpc>
             </a:pPr>
             <a:endParaRPr b="0" lang="en-US" sz="1600" spc="-1" strike="noStrike">
-              <a:solidFill>
-                <a:srgbClr val="ffffff"/>
-              </a:solidFill>
-              <a:latin typeface="Arial"/>
-            </a:endParaRPr>
-          </a:p>
-          <a:p>
-            <a:pPr marL="216000" indent="-215640">
+              <a:latin typeface="Arial"/>
+            </a:endParaRPr>
+          </a:p>
+          <a:p>
+            <a:pPr marL="216000" indent="-215280">
               <a:lnSpc>
                 <a:spcPct val="100000"/>
               </a:lnSpc>
@@ -26127,6 +25645,7 @@
                   <a:srgbClr val="ffffff"/>
                 </a:solidFill>
                 <a:latin typeface="Arial"/>
+                <a:ea typeface="DejaVu Sans"/>
               </a:rPr>
               <a:t>ROC curves are good for summarizing the trade-off between the True Positive Rate and False Positive Rate at different probability thresholds.</a:t>
             </a:r>
@@ -26136,28 +25655,26 @@
                   <a:srgbClr val="ffffff"/>
                 </a:solidFill>
                 <a:latin typeface="Arial"/>
+                <a:ea typeface="DejaVu Sans"/>
               </a:rPr>
               <a:t> </a:t>
             </a:r>
             <a:endParaRPr b="0" lang="en-US" sz="1800" spc="-1" strike="noStrike">
-              <a:solidFill>
-                <a:srgbClr val="ffffff"/>
-              </a:solidFill>
-              <a:latin typeface="Arial"/>
-            </a:endParaRPr>
-          </a:p>
-        </p:txBody>
-      </p:sp>
-      <p:sp>
-        <p:nvSpPr>
-          <p:cNvPr id="446" name="CustomShape 3"/>
+              <a:latin typeface="Arial"/>
+            </a:endParaRPr>
+          </a:p>
+        </p:txBody>
+      </p:sp>
+      <p:sp>
+        <p:nvSpPr>
+          <p:cNvPr id="442" name="CustomShape 3"/>
           <p:cNvSpPr/>
           <p:nvPr/>
         </p:nvSpPr>
         <p:spPr>
           <a:xfrm>
             <a:off x="1172160" y="6015600"/>
-            <a:ext cx="7497720" cy="456840"/>
+            <a:ext cx="7497360" cy="456480"/>
           </a:xfrm>
           <a:prstGeom prst="rect">
             <a:avLst/>
@@ -26176,7 +25693,7 @@
         <p:txBody>
           <a:bodyPr lIns="90000" rIns="90000" tIns="45000" bIns="45000"/>
           <a:p>
-            <a:pPr marL="216000" indent="-215640">
+            <a:pPr marL="216000" indent="-215280">
               <a:lnSpc>
                 <a:spcPct val="100000"/>
               </a:lnSpc>
@@ -26193,6 +25710,7 @@
                   <a:srgbClr val="fff200"/>
                 </a:solidFill>
                 <a:latin typeface="Arial"/>
+                <a:ea typeface="DejaVu Sans"/>
               </a:rPr>
               <a:t>Not appropriate when working with imbalanced classes.</a:t>
             </a:r>
@@ -26204,7 +25722,7 @@
       </p:sp>
       <p:pic>
         <p:nvPicPr>
-          <p:cNvPr id="447" name="" descr=""/>
+          <p:cNvPr id="443" name="" descr=""/>
           <p:cNvPicPr/>
           <p:nvPr/>
         </p:nvPicPr>
@@ -26215,7 +25733,7 @@
         <p:spPr>
           <a:xfrm>
             <a:off x="1975320" y="3053520"/>
-            <a:ext cx="5993280" cy="2921040"/>
+            <a:ext cx="5992920" cy="2920680"/>
           </a:xfrm>
           <a:prstGeom prst="rect">
             <a:avLst/>
@@ -26230,14 +25748,14 @@
       </p:pic>
       <p:sp>
         <p:nvSpPr>
-          <p:cNvPr id="448" name="CustomShape 4"/>
+          <p:cNvPr id="444" name="CustomShape 4"/>
           <p:cNvSpPr/>
           <p:nvPr/>
         </p:nvSpPr>
         <p:spPr>
           <a:xfrm>
             <a:off x="202320" y="3998160"/>
-            <a:ext cx="1645560" cy="731160"/>
+            <a:ext cx="1645200" cy="730800"/>
           </a:xfrm>
           <a:prstGeom prst="rect">
             <a:avLst/>
@@ -26267,13 +25785,11 @@
                   <a:srgbClr val="ffffff"/>
                 </a:solidFill>
                 <a:latin typeface="Arial"/>
+                <a:ea typeface="DejaVu Sans"/>
               </a:rPr>
               <a:t>Indicates difficulty distinguishing between classes</a:t>
             </a:r>
             <a:endParaRPr b="0" lang="en-US" sz="1400" spc="-1" strike="noStrike">
-              <a:solidFill>
-                <a:srgbClr val="ffffff"/>
-              </a:solidFill>
               <a:latin typeface="Arial"/>
             </a:endParaRPr>
           </a:p>
@@ -26330,14 +25846,14 @@
       </p:grpSpPr>
       <p:sp>
         <p:nvSpPr>
-          <p:cNvPr id="449" name="CustomShape 1"/>
+          <p:cNvPr id="445" name="CustomShape 1"/>
           <p:cNvSpPr/>
           <p:nvPr/>
         </p:nvSpPr>
         <p:spPr>
           <a:xfrm>
             <a:off x="997560" y="374760"/>
-            <a:ext cx="8092440" cy="762480"/>
+            <a:ext cx="8092080" cy="762120"/>
           </a:xfrm>
           <a:prstGeom prst="rect">
             <a:avLst/>
@@ -26411,14 +25927,14 @@
       </p:sp>
       <p:sp>
         <p:nvSpPr>
-          <p:cNvPr id="450" name="CustomShape 2"/>
+          <p:cNvPr id="446" name="CustomShape 2"/>
           <p:cNvSpPr/>
           <p:nvPr/>
         </p:nvSpPr>
         <p:spPr>
           <a:xfrm>
             <a:off x="1280160" y="4563000"/>
-            <a:ext cx="6766200" cy="1563120"/>
+            <a:ext cx="6765840" cy="1562760"/>
           </a:xfrm>
           <a:prstGeom prst="rect">
             <a:avLst/>
@@ -26437,7 +25953,7 @@
         <p:txBody>
           <a:bodyPr lIns="90000" rIns="90000" tIns="45000" bIns="45000"/>
           <a:p>
-            <a:pPr marL="216000" indent="-215640">
+            <a:pPr marL="216000" indent="-215280">
               <a:lnSpc>
                 <a:spcPct val="100000"/>
               </a:lnSpc>
@@ -26457,18 +25973,16 @@
                   <a:srgbClr val="ffffff"/>
                 </a:solidFill>
                 <a:latin typeface="Arial"/>
+                <a:ea typeface="DejaVu Sans"/>
               </a:rPr>
               <a:t>Precision-Recall is a useful measure of success of prediction when the classes are very imbalanced.</a:t>
             </a:r>
             <a:endParaRPr b="0" lang="en-US" sz="1400" spc="-1" strike="noStrike">
-              <a:solidFill>
-                <a:srgbClr val="ffffff"/>
-              </a:solidFill>
-              <a:latin typeface="Arial"/>
-            </a:endParaRPr>
-          </a:p>
-          <a:p>
-            <a:pPr marL="216000" indent="-215640">
+              <a:latin typeface="Arial"/>
+            </a:endParaRPr>
+          </a:p>
+          <a:p>
+            <a:pPr marL="216000" indent="-215280">
               <a:lnSpc>
                 <a:spcPct val="100000"/>
               </a:lnSpc>
@@ -26488,18 +26002,16 @@
                   <a:srgbClr val="ffffff"/>
                 </a:solidFill>
                 <a:latin typeface="Arial"/>
+                <a:ea typeface="DejaVu Sans"/>
               </a:rPr>
               <a:t>High AUC represents High Recall (low False Negative rate) and High Precision (low False Positive rate).</a:t>
             </a:r>
             <a:endParaRPr b="0" lang="en-US" sz="1400" spc="-1" strike="noStrike">
-              <a:solidFill>
-                <a:srgbClr val="ffffff"/>
-              </a:solidFill>
-              <a:latin typeface="Arial"/>
-            </a:endParaRPr>
-          </a:p>
-          <a:p>
-            <a:pPr marL="216000" indent="-215640">
+              <a:latin typeface="Arial"/>
+            </a:endParaRPr>
+          </a:p>
+          <a:p>
+            <a:pPr marL="216000" indent="-215280">
               <a:lnSpc>
                 <a:spcPct val="100000"/>
               </a:lnSpc>
@@ -26519,6 +26031,7 @@
                   <a:srgbClr val="ffffff"/>
                 </a:solidFill>
                 <a:latin typeface="Bitstream Vera Sans Mono"/>
+                <a:ea typeface="DejaVu Sans"/>
               </a:rPr>
               <a:t>High Recall + Low Precision</a:t>
             </a:r>
@@ -26528,18 +26041,16 @@
                   <a:srgbClr val="ffffff"/>
                 </a:solidFill>
                 <a:latin typeface="Arial"/>
+                <a:ea typeface="DejaVu Sans"/>
               </a:rPr>
               <a:t> = Many results with many incorrect predictions</a:t>
             </a:r>
             <a:endParaRPr b="0" lang="en-US" sz="1400" spc="-1" strike="noStrike">
-              <a:solidFill>
-                <a:srgbClr val="ffffff"/>
-              </a:solidFill>
-              <a:latin typeface="Arial"/>
-            </a:endParaRPr>
-          </a:p>
-          <a:p>
-            <a:pPr marL="216000" indent="-215640">
+              <a:latin typeface="Arial"/>
+            </a:endParaRPr>
+          </a:p>
+          <a:p>
+            <a:pPr marL="216000" indent="-215280">
               <a:lnSpc>
                 <a:spcPct val="100000"/>
               </a:lnSpc>
@@ -26559,6 +26070,7 @@
                   <a:srgbClr val="ffffff"/>
                 </a:solidFill>
                 <a:latin typeface="Bitstream Vera Sans Mono"/>
+                <a:ea typeface="DejaVu Sans"/>
               </a:rPr>
               <a:t>Low Recall + High Precision</a:t>
             </a:r>
@@ -26568,13 +26080,11 @@
                   <a:srgbClr val="ffffff"/>
                 </a:solidFill>
                 <a:latin typeface="Arial"/>
+                <a:ea typeface="DejaVu Sans"/>
               </a:rPr>
               <a:t> = Few results but with many correct predictions</a:t>
             </a:r>
             <a:endParaRPr b="0" lang="en-US" sz="1400" spc="-1" strike="noStrike">
-              <a:solidFill>
-                <a:srgbClr val="ffffff"/>
-              </a:solidFill>
               <a:latin typeface="Arial"/>
             </a:endParaRPr>
           </a:p>
@@ -26582,7 +26092,7 @@
       </p:sp>
       <p:pic>
         <p:nvPicPr>
-          <p:cNvPr id="451" name="" descr=""/>
+          <p:cNvPr id="447" name="" descr=""/>
           <p:cNvPicPr/>
           <p:nvPr/>
         </p:nvPicPr>
@@ -26593,7 +26103,7 @@
         <p:spPr>
           <a:xfrm>
             <a:off x="2125080" y="1583280"/>
-            <a:ext cx="5245200" cy="2619720"/>
+            <a:ext cx="5244840" cy="2619360"/>
           </a:xfrm>
           <a:prstGeom prst="rect">
             <a:avLst/>
@@ -26608,14 +26118,14 @@
       </p:pic>
       <p:sp>
         <p:nvSpPr>
-          <p:cNvPr id="452" name="CustomShape 3"/>
+          <p:cNvPr id="448" name="CustomShape 3"/>
           <p:cNvSpPr/>
           <p:nvPr/>
         </p:nvSpPr>
         <p:spPr>
           <a:xfrm>
             <a:off x="4608000" y="2707200"/>
-            <a:ext cx="456840" cy="456840"/>
+            <a:ext cx="456480" cy="456480"/>
           </a:xfrm>
           <a:prstGeom prst="ellipse">
             <a:avLst/>
@@ -26637,7 +26147,7 @@
       </p:sp>
       <p:sp>
         <p:nvSpPr>
-          <p:cNvPr id="453" name="Line 4"/>
+          <p:cNvPr id="449" name="Line 4"/>
           <p:cNvSpPr/>
           <p:nvPr/>
         </p:nvSpPr>
@@ -26665,14 +26175,14 @@
       </p:sp>
       <p:sp>
         <p:nvSpPr>
-          <p:cNvPr id="454" name="CustomShape 5"/>
+          <p:cNvPr id="450" name="CustomShape 5"/>
           <p:cNvSpPr/>
           <p:nvPr/>
         </p:nvSpPr>
         <p:spPr>
           <a:xfrm>
             <a:off x="4389120" y="2011680"/>
-            <a:ext cx="2011320" cy="747720"/>
+            <a:ext cx="2010960" cy="747360"/>
           </a:xfrm>
           <a:prstGeom prst="rect">
             <a:avLst/>
@@ -26702,6 +26212,7 @@
                   <a:srgbClr val="3465a4"/>
                 </a:solidFill>
                 <a:latin typeface="Arial"/>
+                <a:ea typeface="DejaVu Sans"/>
               </a:rPr>
               <a:t>Is this the Best Trade-off of Precision-Recall?</a:t>
             </a:r>
@@ -26724,6 +26235,7 @@
                   <a:srgbClr val="3465a4"/>
                 </a:solidFill>
                 <a:latin typeface="Arial"/>
+                <a:ea typeface="DejaVu Sans"/>
               </a:rPr>
               <a:t>	</a:t>
             </a:r>
@@ -26733,6 +26245,7 @@
                   <a:srgbClr val="3465a4"/>
                 </a:solidFill>
                 <a:latin typeface="Arial"/>
+                <a:ea typeface="DejaVu Sans"/>
               </a:rPr>
               <a:t>	</a:t>
             </a:r>
@@ -26742,6 +26255,7 @@
                   <a:srgbClr val="3465a4"/>
                 </a:solidFill>
                 <a:latin typeface="Arial"/>
+                <a:ea typeface="DejaVu Sans"/>
               </a:rPr>
               <a:t>Depends</a:t>
             </a:r>
@@ -26802,14 +26316,14 @@
       </p:grpSpPr>
       <p:sp>
         <p:nvSpPr>
-          <p:cNvPr id="316" name="CustomShape 1"/>
+          <p:cNvPr id="312" name="CustomShape 1"/>
           <p:cNvSpPr/>
           <p:nvPr/>
         </p:nvSpPr>
         <p:spPr>
           <a:xfrm>
             <a:off x="601560" y="374760"/>
-            <a:ext cx="8092440" cy="762480"/>
+            <a:ext cx="8092080" cy="762120"/>
           </a:xfrm>
           <a:prstGeom prst="rect">
             <a:avLst/>
@@ -26853,14 +26367,14 @@
       </p:sp>
       <p:sp>
         <p:nvSpPr>
-          <p:cNvPr id="317" name="CustomShape 2"/>
+          <p:cNvPr id="313" name="CustomShape 2"/>
           <p:cNvSpPr/>
           <p:nvPr/>
         </p:nvSpPr>
         <p:spPr>
           <a:xfrm>
             <a:off x="731520" y="3687120"/>
-            <a:ext cx="3660120" cy="540000"/>
+            <a:ext cx="3659760" cy="539640"/>
           </a:xfrm>
           <a:prstGeom prst="rect">
             <a:avLst/>
@@ -26892,28 +26406,26 @@
                   <a:srgbClr val="ffffff"/>
                 </a:solidFill>
                 <a:latin typeface="Arial"/>
+                <a:ea typeface="DejaVu Sans"/>
               </a:rPr>
               <a:t>Possible Reasons: </a:t>
             </a:r>
             <a:endParaRPr b="0" lang="en-US" sz="3200" spc="-1" strike="noStrike">
-              <a:solidFill>
-                <a:srgbClr val="ffffff"/>
-              </a:solidFill>
-              <a:latin typeface="Arial"/>
-            </a:endParaRPr>
-          </a:p>
-        </p:txBody>
-      </p:sp>
-      <p:sp>
-        <p:nvSpPr>
-          <p:cNvPr id="318" name="CustomShape 3"/>
+              <a:latin typeface="Arial"/>
+            </a:endParaRPr>
+          </a:p>
+        </p:txBody>
+      </p:sp>
+      <p:sp>
+        <p:nvSpPr>
+          <p:cNvPr id="314" name="CustomShape 3"/>
           <p:cNvSpPr/>
           <p:nvPr/>
         </p:nvSpPr>
         <p:spPr>
           <a:xfrm>
             <a:off x="4494240" y="2936520"/>
-            <a:ext cx="4015440" cy="2366640"/>
+            <a:ext cx="4015080" cy="2366280"/>
           </a:xfrm>
           <a:prstGeom prst="rect">
             <a:avLst/>
@@ -26934,7 +26446,7 @@
             <a:normAutofit/>
           </a:bodyPr>
           <a:p>
-            <a:pPr marL="432000" indent="-323640">
+            <a:pPr marL="432000" indent="-323280">
               <a:lnSpc>
                 <a:spcPct val="115000"/>
               </a:lnSpc>
@@ -26954,6 +26466,7 @@
                   <a:srgbClr val="ffffff"/>
                 </a:solidFill>
                 <a:latin typeface="Arial"/>
+                <a:ea typeface="DejaVu Sans"/>
               </a:rPr>
               <a:t>High Ticket Prices</a:t>
             </a:r>
@@ -26962,7 +26475,7 @@
             </a:endParaRPr>
           </a:p>
           <a:p>
-            <a:pPr marL="432000" indent="-323640">
+            <a:pPr marL="432000" indent="-323280">
               <a:lnSpc>
                 <a:spcPct val="115000"/>
               </a:lnSpc>
@@ -26982,6 +26495,7 @@
                   <a:srgbClr val="ffffff"/>
                 </a:solidFill>
                 <a:latin typeface="Arial"/>
+                <a:ea typeface="DejaVu Sans"/>
               </a:rPr>
               <a:t>Poor Weather Conditions</a:t>
             </a:r>
@@ -26990,7 +26504,7 @@
             </a:endParaRPr>
           </a:p>
           <a:p>
-            <a:pPr marL="432000" indent="-323640">
+            <a:pPr marL="432000" indent="-323280">
               <a:lnSpc>
                 <a:spcPct val="115000"/>
               </a:lnSpc>
@@ -27010,6 +26524,7 @@
                   <a:srgbClr val="ffffff"/>
                 </a:solidFill>
                 <a:latin typeface="Arial"/>
+                <a:ea typeface="DejaVu Sans"/>
               </a:rPr>
               <a:t>Off-season Inactivity</a:t>
             </a:r>
@@ -27018,7 +26533,7 @@
             </a:endParaRPr>
           </a:p>
           <a:p>
-            <a:pPr marL="432000" indent="-323640">
+            <a:pPr marL="432000" indent="-323280">
               <a:lnSpc>
                 <a:spcPct val="115000"/>
               </a:lnSpc>
@@ -27038,6 +26553,7 @@
                   <a:srgbClr val="fff200"/>
                 </a:solidFill>
                 <a:latin typeface="Arial"/>
+                <a:ea typeface="DejaVu Sans"/>
               </a:rPr>
               <a:t>In-game Action! </a:t>
             </a:r>
@@ -27047,6 +26563,7 @@
                   <a:srgbClr val="fff200"/>
                 </a:solidFill>
                 <a:latin typeface="Arial"/>
+                <a:ea typeface="DejaVu Sans"/>
               </a:rPr>
               <a:t>( </a:t>
             </a:r>
@@ -27056,6 +26573,7 @@
                   <a:srgbClr val="fff200"/>
                 </a:solidFill>
                 <a:latin typeface="Arial"/>
+                <a:ea typeface="DejaVu Sans"/>
               </a:rPr>
               <a:t>or lack of </a:t>
             </a:r>
@@ -27065,6 +26583,7 @@
                   <a:srgbClr val="fff200"/>
                 </a:solidFill>
                 <a:latin typeface="Arial"/>
+                <a:ea typeface="DejaVu Sans"/>
               </a:rPr>
               <a:t>)</a:t>
             </a:r>
@@ -27125,14 +26644,14 @@
       </p:grpSpPr>
       <p:sp>
         <p:nvSpPr>
-          <p:cNvPr id="455" name="CustomShape 1"/>
+          <p:cNvPr id="451" name="CustomShape 1"/>
           <p:cNvSpPr/>
           <p:nvPr/>
         </p:nvSpPr>
         <p:spPr>
           <a:xfrm>
             <a:off x="997560" y="374760"/>
-            <a:ext cx="8092440" cy="762480"/>
+            <a:ext cx="8092080" cy="762120"/>
           </a:xfrm>
           <a:prstGeom prst="rect">
             <a:avLst/>
@@ -27196,14 +26715,14 @@
       </p:sp>
       <p:sp>
         <p:nvSpPr>
-          <p:cNvPr id="456" name="CustomShape 2"/>
+          <p:cNvPr id="452" name="CustomShape 2"/>
           <p:cNvSpPr/>
           <p:nvPr/>
         </p:nvSpPr>
         <p:spPr>
           <a:xfrm>
             <a:off x="2394000" y="5852160"/>
-            <a:ext cx="4663080" cy="374400"/>
+            <a:ext cx="4662720" cy="374040"/>
           </a:xfrm>
           <a:prstGeom prst="rect">
             <a:avLst/>
@@ -27222,7 +26741,7 @@
         <p:txBody>
           <a:bodyPr lIns="90000" rIns="90000" tIns="45000" bIns="45000"/>
           <a:p>
-            <a:pPr marL="216000" indent="-215640">
+            <a:pPr marL="216000" indent="-215280">
               <a:lnSpc>
                 <a:spcPct val="100000"/>
               </a:lnSpc>
@@ -27242,13 +26761,11 @@
                   <a:srgbClr val="ffffff"/>
                 </a:solidFill>
                 <a:latin typeface="Arial"/>
+                <a:ea typeface="DejaVu Sans"/>
               </a:rPr>
               <a:t>Breakdown of Precision-Recall Curves for each Class</a:t>
             </a:r>
             <a:endParaRPr b="0" lang="en-US" sz="1400" spc="-1" strike="noStrike">
-              <a:solidFill>
-                <a:srgbClr val="ffffff"/>
-              </a:solidFill>
               <a:latin typeface="Arial"/>
             </a:endParaRPr>
           </a:p>
@@ -27256,7 +26773,7 @@
       </p:sp>
       <p:pic>
         <p:nvPicPr>
-          <p:cNvPr id="457" name="" descr=""/>
+          <p:cNvPr id="453" name="" descr=""/>
           <p:cNvPicPr/>
           <p:nvPr/>
         </p:nvPicPr>
@@ -27267,7 +26784,7 @@
         <p:spPr>
           <a:xfrm>
             <a:off x="849240" y="1892520"/>
-            <a:ext cx="7613280" cy="3862080"/>
+            <a:ext cx="7612920" cy="3861720"/>
           </a:xfrm>
           <a:prstGeom prst="rect">
             <a:avLst/>
@@ -27331,14 +26848,14 @@
       </p:grpSpPr>
       <p:sp>
         <p:nvSpPr>
-          <p:cNvPr id="458" name="CustomShape 1"/>
+          <p:cNvPr id="454" name="CustomShape 1"/>
           <p:cNvSpPr/>
           <p:nvPr/>
         </p:nvSpPr>
         <p:spPr>
           <a:xfrm>
             <a:off x="601560" y="374760"/>
-            <a:ext cx="8075880" cy="762480"/>
+            <a:ext cx="8075520" cy="762120"/>
           </a:xfrm>
           <a:prstGeom prst="rect">
             <a:avLst/>
@@ -27382,7 +26899,7 @@
       </p:sp>
       <p:pic>
         <p:nvPicPr>
-          <p:cNvPr id="459" name="" descr=""/>
+          <p:cNvPr id="455" name="" descr=""/>
           <p:cNvPicPr/>
           <p:nvPr/>
         </p:nvPicPr>
@@ -27393,7 +26910,7 @@
         <p:spPr>
           <a:xfrm>
             <a:off x="2546640" y="1962360"/>
-            <a:ext cx="5756760" cy="2984760"/>
+            <a:ext cx="5756400" cy="2984400"/>
           </a:xfrm>
           <a:prstGeom prst="rect">
             <a:avLst/>
@@ -27408,14 +26925,14 @@
       </p:pic>
       <p:sp>
         <p:nvSpPr>
-          <p:cNvPr id="460" name="CustomShape 2"/>
+          <p:cNvPr id="456" name="CustomShape 2"/>
           <p:cNvSpPr/>
           <p:nvPr/>
         </p:nvSpPr>
         <p:spPr>
           <a:xfrm>
             <a:off x="1758960" y="5074200"/>
-            <a:ext cx="7290360" cy="996480"/>
+            <a:ext cx="7290000" cy="996120"/>
           </a:xfrm>
           <a:prstGeom prst="rect">
             <a:avLst/>
@@ -27434,7 +26951,7 @@
         <p:txBody>
           <a:bodyPr lIns="90000" rIns="90000" tIns="45000" bIns="45000"/>
           <a:p>
-            <a:pPr marL="216000" indent="-215640">
+            <a:pPr marL="216000" indent="-215280">
               <a:lnSpc>
                 <a:spcPct val="100000"/>
               </a:lnSpc>
@@ -27454,18 +26971,16 @@
                   <a:srgbClr val="ffffff"/>
                 </a:solidFill>
                 <a:latin typeface="Arial"/>
+                <a:ea typeface="DejaVu Sans"/>
               </a:rPr>
               <a:t>Gradient Boosting and Ensemble approach showed best results.</a:t>
             </a:r>
             <a:endParaRPr b="0" lang="en-US" sz="1600" spc="-1" strike="noStrike">
-              <a:solidFill>
-                <a:srgbClr val="ffffff"/>
-              </a:solidFill>
-              <a:latin typeface="Arial"/>
-            </a:endParaRPr>
-          </a:p>
-          <a:p>
-            <a:pPr marL="216000" indent="-215640">
+              <a:latin typeface="Arial"/>
+            </a:endParaRPr>
+          </a:p>
+          <a:p>
+            <a:pPr marL="216000" indent="-215280">
               <a:lnSpc>
                 <a:spcPct val="100000"/>
               </a:lnSpc>
@@ -27485,18 +27000,16 @@
                   <a:srgbClr val="ffffff"/>
                 </a:solidFill>
                 <a:latin typeface="Arial"/>
+                <a:ea typeface="DejaVu Sans"/>
               </a:rPr>
               <a:t>Random Forests (ensemble of randomized decision trees) performed poorly.</a:t>
             </a:r>
             <a:endParaRPr b="0" lang="en-US" sz="1600" spc="-1" strike="noStrike">
-              <a:solidFill>
-                <a:srgbClr val="ffffff"/>
-              </a:solidFill>
-              <a:latin typeface="Arial"/>
-            </a:endParaRPr>
-          </a:p>
-          <a:p>
-            <a:pPr marL="216000" indent="-215640">
+              <a:latin typeface="Arial"/>
+            </a:endParaRPr>
+          </a:p>
+          <a:p>
+            <a:pPr marL="216000" indent="-215280">
               <a:lnSpc>
                 <a:spcPct val="100000"/>
               </a:lnSpc>
@@ -27516,28 +27029,26 @@
                   <a:srgbClr val="ffffff"/>
                 </a:solidFill>
                 <a:latin typeface="Arial"/>
+                <a:ea typeface="DejaVu Sans"/>
               </a:rPr>
               <a:t>Accuracy results inconsistent.</a:t>
             </a:r>
             <a:endParaRPr b="0" lang="en-US" sz="1600" spc="-1" strike="noStrike">
-              <a:solidFill>
-                <a:srgbClr val="ffffff"/>
-              </a:solidFill>
-              <a:latin typeface="Arial"/>
-            </a:endParaRPr>
-          </a:p>
-        </p:txBody>
-      </p:sp>
-      <p:sp>
-        <p:nvSpPr>
-          <p:cNvPr id="461" name="CustomShape 3"/>
+              <a:latin typeface="Arial"/>
+            </a:endParaRPr>
+          </a:p>
+        </p:txBody>
+      </p:sp>
+      <p:sp>
+        <p:nvSpPr>
+          <p:cNvPr id="457" name="CustomShape 3"/>
           <p:cNvSpPr/>
           <p:nvPr/>
         </p:nvSpPr>
         <p:spPr>
           <a:xfrm>
             <a:off x="2676240" y="1316520"/>
-            <a:ext cx="5486040" cy="608400"/>
+            <a:ext cx="5485680" cy="608040"/>
           </a:xfrm>
           <a:prstGeom prst="rect">
             <a:avLst/>
@@ -27570,13 +27081,11 @@
                   <a:srgbClr val="ffffff"/>
                 </a:solidFill>
                 <a:latin typeface="Arial"/>
+                <a:ea typeface="DejaVu Sans"/>
               </a:rPr>
               <a:t>Accuracy Scores</a:t>
             </a:r>
             <a:endParaRPr b="0" lang="en-US" sz="1800" spc="-1" strike="noStrike">
-              <a:solidFill>
-                <a:srgbClr val="ffffff"/>
-              </a:solidFill>
               <a:latin typeface="Arial"/>
             </a:endParaRPr>
           </a:p>
@@ -27595,28 +27104,26 @@
                   <a:srgbClr val="ffffff"/>
                 </a:solidFill>
                 <a:latin typeface="Arial"/>
+                <a:ea typeface="DejaVu Sans"/>
               </a:rPr>
               <a:t>Predictive Models vs. Majority Class Baseline</a:t>
             </a:r>
             <a:endParaRPr b="0" lang="en-US" sz="1600" spc="-1" strike="noStrike">
-              <a:solidFill>
-                <a:srgbClr val="ffffff"/>
-              </a:solidFill>
-              <a:latin typeface="Arial"/>
-            </a:endParaRPr>
-          </a:p>
-        </p:txBody>
-      </p:sp>
-      <p:sp>
-        <p:nvSpPr>
-          <p:cNvPr id="462" name="CustomShape 4"/>
+              <a:latin typeface="Arial"/>
+            </a:endParaRPr>
+          </a:p>
+        </p:txBody>
+      </p:sp>
+      <p:sp>
+        <p:nvSpPr>
+          <p:cNvPr id="458" name="CustomShape 4"/>
           <p:cNvSpPr/>
           <p:nvPr/>
         </p:nvSpPr>
         <p:spPr>
           <a:xfrm>
             <a:off x="274320" y="2252880"/>
-            <a:ext cx="2102760" cy="1775880"/>
+            <a:ext cx="2102400" cy="1775520"/>
           </a:xfrm>
           <a:prstGeom prst="rect">
             <a:avLst/>
@@ -27649,6 +27156,7 @@
                   <a:srgbClr val="ffffff"/>
                 </a:solidFill>
                 <a:latin typeface="Arial"/>
+                <a:ea typeface="DejaVu Sans"/>
               </a:rPr>
               <a:t>Best Accuracy = 1</a:t>
             </a:r>
@@ -27684,6 +27192,7 @@
                   <a:srgbClr val="ffffff"/>
                 </a:solidFill>
                 <a:latin typeface="Arial"/>
+                <a:ea typeface="DejaVu Sans"/>
               </a:rPr>
               <a:t>Cells in </a:t>
             </a:r>
@@ -27693,6 +27202,7 @@
                   <a:srgbClr val="e0efd4"/>
                 </a:solidFill>
                 <a:latin typeface="Arial"/>
+                <a:ea typeface="DejaVu Sans"/>
               </a:rPr>
               <a:t>Green</a:t>
             </a:r>
@@ -27702,6 +27212,7 @@
                   <a:srgbClr val="e0efd4"/>
                 </a:solidFill>
                 <a:latin typeface="Arial"/>
+                <a:ea typeface="DejaVu Sans"/>
               </a:rPr>
               <a:t> </a:t>
             </a:r>
@@ -27724,6 +27235,7 @@
                   <a:srgbClr val="ffffff"/>
                 </a:solidFill>
                 <a:latin typeface="Arial"/>
+                <a:ea typeface="DejaVu Sans"/>
               </a:rPr>
               <a:t>Top Accuracy Score</a:t>
             </a:r>
@@ -27753,6 +27265,7 @@
                   <a:srgbClr val="e0efd4"/>
                 </a:solidFill>
                 <a:latin typeface="Arial"/>
+                <a:ea typeface="DejaVu Sans"/>
               </a:rPr>
               <a:t>Cells in </a:t>
             </a:r>
@@ -27762,6 +27275,7 @@
                   <a:srgbClr val="f7a19a"/>
                 </a:solidFill>
                 <a:latin typeface="Arial"/>
+                <a:ea typeface="DejaVu Sans"/>
               </a:rPr>
               <a:t>Red </a:t>
             </a:r>
@@ -27781,6 +27295,7 @@
                   <a:srgbClr val="ffffff"/>
                 </a:solidFill>
                 <a:latin typeface="Arial"/>
+                <a:ea typeface="DejaVu Sans"/>
               </a:rPr>
               <a:t>Worst Accuracy Score</a:t>
             </a:r>
@@ -27841,14 +27356,14 @@
       </p:grpSpPr>
       <p:sp>
         <p:nvSpPr>
-          <p:cNvPr id="463" name="CustomShape 1"/>
+          <p:cNvPr id="459" name="CustomShape 1"/>
           <p:cNvSpPr/>
           <p:nvPr/>
         </p:nvSpPr>
         <p:spPr>
           <a:xfrm>
             <a:off x="601560" y="374760"/>
-            <a:ext cx="8075880" cy="762480"/>
+            <a:ext cx="8075520" cy="762120"/>
           </a:xfrm>
           <a:prstGeom prst="rect">
             <a:avLst/>
@@ -27892,14 +27407,14 @@
       </p:sp>
       <p:sp>
         <p:nvSpPr>
-          <p:cNvPr id="464" name="CustomShape 2"/>
+          <p:cNvPr id="460" name="CustomShape 2"/>
           <p:cNvSpPr/>
           <p:nvPr/>
         </p:nvSpPr>
         <p:spPr>
           <a:xfrm>
             <a:off x="1758960" y="5074200"/>
-            <a:ext cx="7290360" cy="1212120"/>
+            <a:ext cx="7290000" cy="1211760"/>
           </a:xfrm>
           <a:prstGeom prst="rect">
             <a:avLst/>
@@ -27918,7 +27433,7 @@
         <p:txBody>
           <a:bodyPr lIns="90000" rIns="90000" tIns="45000" bIns="45000"/>
           <a:p>
-            <a:pPr marL="216000" indent="-215640">
+            <a:pPr marL="216000" indent="-215280">
               <a:lnSpc>
                 <a:spcPct val="100000"/>
               </a:lnSpc>
@@ -27938,18 +27453,16 @@
                   <a:srgbClr val="ffffff"/>
                 </a:solidFill>
                 <a:latin typeface="Arial"/>
+                <a:ea typeface="DejaVu Sans"/>
               </a:rPr>
               <a:t>Imbalanced classes, Logloss a better performance measure than Accuracy.</a:t>
             </a:r>
             <a:endParaRPr b="0" lang="en-US" sz="1600" spc="-1" strike="noStrike">
-              <a:solidFill>
-                <a:srgbClr val="ffffff"/>
-              </a:solidFill>
-              <a:latin typeface="Arial"/>
-            </a:endParaRPr>
-          </a:p>
-          <a:p>
-            <a:pPr marL="216000" indent="-215640">
+              <a:latin typeface="Arial"/>
+            </a:endParaRPr>
+          </a:p>
+          <a:p>
+            <a:pPr marL="216000" indent="-215280">
               <a:lnSpc>
                 <a:spcPct val="100000"/>
               </a:lnSpc>
@@ -27969,18 +27482,16 @@
                   <a:srgbClr val="ffffff"/>
                 </a:solidFill>
                 <a:latin typeface="Arial"/>
+                <a:ea typeface="DejaVu Sans"/>
               </a:rPr>
               <a:t>All predictive models outperformed the mean Logloss Baseline.</a:t>
             </a:r>
             <a:endParaRPr b="0" lang="en-US" sz="1600" spc="-1" strike="noStrike">
-              <a:solidFill>
-                <a:srgbClr val="ffffff"/>
-              </a:solidFill>
-              <a:latin typeface="Arial"/>
-            </a:endParaRPr>
-          </a:p>
-          <a:p>
-            <a:pPr marL="216000" indent="-215640">
+              <a:latin typeface="Arial"/>
+            </a:endParaRPr>
+          </a:p>
+          <a:p>
+            <a:pPr marL="216000" indent="-215280">
               <a:lnSpc>
                 <a:spcPct val="100000"/>
               </a:lnSpc>
@@ -28000,18 +27511,16 @@
                   <a:srgbClr val="ffffff"/>
                 </a:solidFill>
                 <a:latin typeface="Arial"/>
+                <a:ea typeface="DejaVu Sans"/>
               </a:rPr>
               <a:t>For most pitchers, Gradient Boosting outperformed all other models.</a:t>
             </a:r>
             <a:endParaRPr b="0" lang="en-US" sz="1600" spc="-1" strike="noStrike">
-              <a:solidFill>
-                <a:srgbClr val="ffffff"/>
-              </a:solidFill>
-              <a:latin typeface="Arial"/>
-            </a:endParaRPr>
-          </a:p>
-          <a:p>
-            <a:pPr marL="216000" indent="-215640">
+              <a:latin typeface="Arial"/>
+            </a:endParaRPr>
+          </a:p>
+          <a:p>
+            <a:pPr marL="216000" indent="-215280">
               <a:lnSpc>
                 <a:spcPct val="100000"/>
               </a:lnSpc>
@@ -28031,28 +27540,26 @@
                   <a:srgbClr val="ffffff"/>
                 </a:solidFill>
                 <a:latin typeface="Arial"/>
+                <a:ea typeface="DejaVu Sans"/>
               </a:rPr>
               <a:t>Logloss errors were best for Pitchers who throw 5 or more pitch-types.</a:t>
             </a:r>
             <a:endParaRPr b="0" lang="en-US" sz="1600" spc="-1" strike="noStrike">
-              <a:solidFill>
-                <a:srgbClr val="ffffff"/>
-              </a:solidFill>
-              <a:latin typeface="Arial"/>
-            </a:endParaRPr>
-          </a:p>
-        </p:txBody>
-      </p:sp>
-      <p:sp>
-        <p:nvSpPr>
-          <p:cNvPr id="465" name="CustomShape 3"/>
+              <a:latin typeface="Arial"/>
+            </a:endParaRPr>
+          </a:p>
+        </p:txBody>
+      </p:sp>
+      <p:sp>
+        <p:nvSpPr>
+          <p:cNvPr id="461" name="CustomShape 3"/>
           <p:cNvSpPr/>
           <p:nvPr/>
         </p:nvSpPr>
         <p:spPr>
           <a:xfrm>
             <a:off x="2676240" y="1316520"/>
-            <a:ext cx="5486040" cy="608400"/>
+            <a:ext cx="5485680" cy="608040"/>
           </a:xfrm>
           <a:prstGeom prst="rect">
             <a:avLst/>
@@ -28085,13 +27592,11 @@
                   <a:srgbClr val="ffffff"/>
                 </a:solidFill>
                 <a:latin typeface="Arial"/>
+                <a:ea typeface="DejaVu Sans"/>
               </a:rPr>
               <a:t>Multi-class Logarithmic Loss</a:t>
             </a:r>
             <a:endParaRPr b="0" lang="en-US" sz="1800" spc="-1" strike="noStrike">
-              <a:solidFill>
-                <a:srgbClr val="ffffff"/>
-              </a:solidFill>
               <a:latin typeface="Arial"/>
             </a:endParaRPr>
           </a:p>
@@ -28110,28 +27615,26 @@
                   <a:srgbClr val="ffffff"/>
                 </a:solidFill>
                 <a:latin typeface="Arial"/>
+                <a:ea typeface="DejaVu Sans"/>
               </a:rPr>
               <a:t>Predictive Models vs. Mean Baseline</a:t>
             </a:r>
             <a:endParaRPr b="0" lang="en-US" sz="1600" spc="-1" strike="noStrike">
-              <a:solidFill>
-                <a:srgbClr val="ffffff"/>
-              </a:solidFill>
-              <a:latin typeface="Arial"/>
-            </a:endParaRPr>
-          </a:p>
-        </p:txBody>
-      </p:sp>
-      <p:sp>
-        <p:nvSpPr>
-          <p:cNvPr id="466" name="CustomShape 4"/>
+              <a:latin typeface="Arial"/>
+            </a:endParaRPr>
+          </a:p>
+        </p:txBody>
+      </p:sp>
+      <p:sp>
+        <p:nvSpPr>
+          <p:cNvPr id="462" name="CustomShape 4"/>
           <p:cNvSpPr/>
           <p:nvPr/>
         </p:nvSpPr>
         <p:spPr>
           <a:xfrm>
             <a:off x="274320" y="2252880"/>
-            <a:ext cx="2102760" cy="1775880"/>
+            <a:ext cx="2102400" cy="1775520"/>
           </a:xfrm>
           <a:prstGeom prst="rect">
             <a:avLst/>
@@ -28164,6 +27667,7 @@
                   <a:srgbClr val="ffffff"/>
                 </a:solidFill>
                 <a:latin typeface="Arial"/>
+                <a:ea typeface="DejaVu Sans"/>
               </a:rPr>
               <a:t>Best Logloss = 0</a:t>
             </a:r>
@@ -28199,6 +27703,7 @@
                   <a:srgbClr val="ffffff"/>
                 </a:solidFill>
                 <a:latin typeface="Arial"/>
+                <a:ea typeface="DejaVu Sans"/>
               </a:rPr>
               <a:t>Cells in </a:t>
             </a:r>
@@ -28208,6 +27713,7 @@
                   <a:srgbClr val="e0efd4"/>
                 </a:solidFill>
                 <a:latin typeface="Arial"/>
+                <a:ea typeface="DejaVu Sans"/>
               </a:rPr>
               <a:t>Green</a:t>
             </a:r>
@@ -28217,6 +27723,7 @@
                   <a:srgbClr val="e0efd4"/>
                 </a:solidFill>
                 <a:latin typeface="Arial"/>
+                <a:ea typeface="DejaVu Sans"/>
               </a:rPr>
               <a:t> </a:t>
             </a:r>
@@ -28239,6 +27746,7 @@
                   <a:srgbClr val="ffffff"/>
                 </a:solidFill>
                 <a:latin typeface="Arial"/>
+                <a:ea typeface="DejaVu Sans"/>
               </a:rPr>
               <a:t>Worst Logloss Error</a:t>
             </a:r>
@@ -28268,6 +27776,7 @@
                   <a:srgbClr val="ffffff"/>
                 </a:solidFill>
                 <a:latin typeface="Arial"/>
+                <a:ea typeface="DejaVu Sans"/>
               </a:rPr>
               <a:t>Cells in </a:t>
             </a:r>
@@ -28277,6 +27786,7 @@
                   <a:srgbClr val="f7a19a"/>
                 </a:solidFill>
                 <a:latin typeface="Arial"/>
+                <a:ea typeface="DejaVu Sans"/>
               </a:rPr>
               <a:t>Red </a:t>
             </a:r>
@@ -28296,6 +27806,7 @@
                   <a:srgbClr val="ffffff"/>
                 </a:solidFill>
                 <a:latin typeface="Arial"/>
+                <a:ea typeface="DejaVu Sans"/>
               </a:rPr>
               <a:t>Top Logloss Error</a:t>
             </a:r>
@@ -28307,7 +27818,7 @@
       </p:sp>
       <p:pic>
         <p:nvPicPr>
-          <p:cNvPr id="467" name="" descr=""/>
+          <p:cNvPr id="463" name="" descr=""/>
           <p:cNvPicPr/>
           <p:nvPr/>
         </p:nvPicPr>
@@ -28318,7 +27829,7 @@
         <p:spPr>
           <a:xfrm>
             <a:off x="2554560" y="1939680"/>
-            <a:ext cx="5760360" cy="2989800"/>
+            <a:ext cx="5760000" cy="2989440"/>
           </a:xfrm>
           <a:prstGeom prst="rect">
             <a:avLst/>
@@ -28382,14 +27893,14 @@
       </p:grpSpPr>
       <p:sp>
         <p:nvSpPr>
-          <p:cNvPr id="468" name="CustomShape 1"/>
+          <p:cNvPr id="464" name="CustomShape 1"/>
           <p:cNvSpPr/>
           <p:nvPr/>
         </p:nvSpPr>
         <p:spPr>
           <a:xfrm>
             <a:off x="601560" y="374760"/>
-            <a:ext cx="8075880" cy="762480"/>
+            <a:ext cx="8075520" cy="762120"/>
           </a:xfrm>
           <a:prstGeom prst="rect">
             <a:avLst/>
@@ -28433,14 +27944,14 @@
       </p:sp>
       <p:sp>
         <p:nvSpPr>
-          <p:cNvPr id="469" name="CustomShape 2"/>
+          <p:cNvPr id="465" name="CustomShape 2"/>
           <p:cNvSpPr/>
           <p:nvPr/>
         </p:nvSpPr>
         <p:spPr>
           <a:xfrm>
             <a:off x="731520" y="1939680"/>
-            <a:ext cx="7772040" cy="4103280"/>
+            <a:ext cx="7771680" cy="4102920"/>
           </a:xfrm>
           <a:prstGeom prst="rect">
             <a:avLst/>
@@ -28459,7 +27970,7 @@
         <p:txBody>
           <a:bodyPr lIns="90000" rIns="90000" tIns="45000" bIns="45000"/>
           <a:p>
-            <a:pPr marL="216000" indent="-215640">
+            <a:pPr marL="216000" indent="-215280">
               <a:lnSpc>
                 <a:spcPct val="100000"/>
               </a:lnSpc>
@@ -28482,18 +27993,16 @@
                   <a:srgbClr val="ffffff"/>
                 </a:solidFill>
                 <a:latin typeface="Arial"/>
+                <a:ea typeface="DejaVu Sans"/>
               </a:rPr>
               <a:t>On average, more than 50% of all pitches thrown are Fastballs.</a:t>
             </a:r>
             <a:endParaRPr b="0" lang="en-US" sz="2200" spc="-1" strike="noStrike">
-              <a:solidFill>
-                <a:srgbClr val="ffffff"/>
-              </a:solidFill>
-              <a:latin typeface="Arial"/>
-            </a:endParaRPr>
-          </a:p>
-          <a:p>
-            <a:pPr marL="216000" indent="-215640">
+              <a:latin typeface="Arial"/>
+            </a:endParaRPr>
+          </a:p>
+          <a:p>
+            <a:pPr marL="216000" indent="-215280">
               <a:lnSpc>
                 <a:spcPct val="100000"/>
               </a:lnSpc>
@@ -28516,18 +28025,16 @@
                   <a:srgbClr val="ffffff"/>
                 </a:solidFill>
                 <a:latin typeface="Arial"/>
+                <a:ea typeface="DejaVu Sans"/>
               </a:rPr>
               <a:t>Due to imbalanced classes, we should not use Accuracy and ROC curves to measure a models performance.</a:t>
             </a:r>
             <a:endParaRPr b="0" lang="en-US" sz="2200" spc="-1" strike="noStrike">
-              <a:solidFill>
-                <a:srgbClr val="ffffff"/>
-              </a:solidFill>
-              <a:latin typeface="Arial"/>
-            </a:endParaRPr>
-          </a:p>
-          <a:p>
-            <a:pPr marL="216000" indent="-215640">
+              <a:latin typeface="Arial"/>
+            </a:endParaRPr>
+          </a:p>
+          <a:p>
+            <a:pPr marL="216000" indent="-215280">
               <a:lnSpc>
                 <a:spcPct val="100000"/>
               </a:lnSpc>
@@ -28549,18 +28056,16 @@
                   <a:srgbClr val="ffffff"/>
                 </a:solidFill>
                 <a:latin typeface="Arial"/>
+                <a:ea typeface="DejaVu Sans"/>
               </a:rPr>
               <a:t>When comparing Logarithmic Log Loss (cross-entropy) for predictive models against the mean baseline, it is possible to minimize errors by as much as 10% - 40%.</a:t>
             </a:r>
             <a:endParaRPr b="0" lang="en-US" sz="2200" spc="-1" strike="noStrike">
-              <a:solidFill>
-                <a:srgbClr val="ffffff"/>
-              </a:solidFill>
-              <a:latin typeface="Arial"/>
-            </a:endParaRPr>
-          </a:p>
-          <a:p>
-            <a:pPr marL="216000" indent="-215640">
+              <a:latin typeface="Arial"/>
+            </a:endParaRPr>
+          </a:p>
+          <a:p>
+            <a:pPr marL="216000" indent="-215280">
               <a:lnSpc>
                 <a:spcPct val="100000"/>
               </a:lnSpc>
@@ -28582,18 +28087,16 @@
                   <a:srgbClr val="ffffff"/>
                 </a:solidFill>
                 <a:latin typeface="Arial"/>
+                <a:ea typeface="DejaVu Sans"/>
               </a:rPr>
               <a:t>Pitcher’s pitch count provides greatest importance to predicting the next pitch.</a:t>
             </a:r>
             <a:endParaRPr b="0" lang="en-US" sz="2200" spc="-1" strike="noStrike">
-              <a:solidFill>
-                <a:srgbClr val="ffffff"/>
-              </a:solidFill>
-              <a:latin typeface="Arial"/>
-            </a:endParaRPr>
-          </a:p>
-          <a:p>
-            <a:pPr marL="216000" indent="-215640">
+              <a:latin typeface="Arial"/>
+            </a:endParaRPr>
+          </a:p>
+          <a:p>
+            <a:pPr marL="216000" indent="-215280">
               <a:lnSpc>
                 <a:spcPct val="100000"/>
               </a:lnSpc>
@@ -28615,13 +28118,11 @@
                   <a:srgbClr val="ffffff"/>
                 </a:solidFill>
                 <a:latin typeface="Arial"/>
+                <a:ea typeface="DejaVu Sans"/>
               </a:rPr>
               <a:t>Similarity in pitch speed and location between pitch-types from same pitch group make it difficult to distinguish.  </a:t>
             </a:r>
             <a:endParaRPr b="0" lang="en-US" sz="2200" spc="-1" strike="noStrike">
-              <a:solidFill>
-                <a:srgbClr val="ffffff"/>
-              </a:solidFill>
               <a:latin typeface="Arial"/>
             </a:endParaRPr>
           </a:p>
@@ -28678,14 +28179,14 @@
       </p:grpSpPr>
       <p:sp>
         <p:nvSpPr>
-          <p:cNvPr id="470" name="CustomShape 1"/>
+          <p:cNvPr id="466" name="CustomShape 1"/>
           <p:cNvSpPr/>
           <p:nvPr/>
         </p:nvSpPr>
         <p:spPr>
           <a:xfrm>
             <a:off x="601560" y="374760"/>
-            <a:ext cx="8075880" cy="762480"/>
+            <a:ext cx="8075520" cy="762120"/>
           </a:xfrm>
           <a:prstGeom prst="rect">
             <a:avLst/>
@@ -28729,14 +28230,14 @@
       </p:sp>
       <p:sp>
         <p:nvSpPr>
-          <p:cNvPr id="471" name="CustomShape 2"/>
+          <p:cNvPr id="467" name="CustomShape 2"/>
           <p:cNvSpPr/>
           <p:nvPr/>
         </p:nvSpPr>
         <p:spPr>
           <a:xfrm>
             <a:off x="731520" y="2335680"/>
-            <a:ext cx="7772040" cy="3021840"/>
+            <a:ext cx="7771680" cy="3021480"/>
           </a:xfrm>
           <a:prstGeom prst="rect">
             <a:avLst/>
@@ -28755,7 +28256,7 @@
         <p:txBody>
           <a:bodyPr lIns="90000" rIns="90000" tIns="45000" bIns="45000"/>
           <a:p>
-            <a:pPr marL="216000" indent="-215640">
+            <a:pPr marL="216000" indent="-215280">
               <a:lnSpc>
                 <a:spcPct val="100000"/>
               </a:lnSpc>
@@ -28778,6 +28279,7 @@
                   <a:srgbClr val="ffffff"/>
                 </a:solidFill>
                 <a:latin typeface="Arial"/>
+                <a:ea typeface="DejaVu Sans"/>
               </a:rPr>
               <a:t>Compare in-game pitches to predicted pitches to monitor success rate.</a:t>
             </a:r>
@@ -28786,7 +28288,7 @@
             </a:endParaRPr>
           </a:p>
           <a:p>
-            <a:pPr marL="216000" indent="-215640">
+            <a:pPr marL="216000" indent="-215280">
               <a:lnSpc>
                 <a:spcPct val="100000"/>
               </a:lnSpc>
@@ -28818,7 +28320,7 @@
             </a:endParaRPr>
           </a:p>
           <a:p>
-            <a:pPr marL="216000" indent="-215640">
+            <a:pPr marL="216000" indent="-215280">
               <a:lnSpc>
                 <a:spcPct val="100000"/>
               </a:lnSpc>
@@ -28850,7 +28352,7 @@
             </a:endParaRPr>
           </a:p>
           <a:p>
-            <a:pPr marL="216000" indent="-215640">
+            <a:pPr marL="216000" indent="-215280">
               <a:lnSpc>
                 <a:spcPct val="100000"/>
               </a:lnSpc>
@@ -28933,14 +28435,14 @@
       </p:grpSpPr>
       <p:sp>
         <p:nvSpPr>
-          <p:cNvPr id="472" name="CustomShape 1"/>
+          <p:cNvPr id="468" name="CustomShape 1"/>
           <p:cNvSpPr/>
           <p:nvPr/>
         </p:nvSpPr>
         <p:spPr>
           <a:xfrm>
             <a:off x="601560" y="374760"/>
-            <a:ext cx="8075880" cy="762480"/>
+            <a:ext cx="8075520" cy="762120"/>
           </a:xfrm>
           <a:prstGeom prst="rect">
             <a:avLst/>
@@ -28984,14 +28486,14 @@
       </p:sp>
       <p:sp>
         <p:nvSpPr>
-          <p:cNvPr id="473" name="CustomShape 2"/>
+          <p:cNvPr id="469" name="CustomShape 2"/>
           <p:cNvSpPr/>
           <p:nvPr/>
         </p:nvSpPr>
         <p:spPr>
           <a:xfrm>
             <a:off x="731520" y="1920240"/>
-            <a:ext cx="7772040" cy="3620160"/>
+            <a:ext cx="7771680" cy="3619800"/>
           </a:xfrm>
           <a:prstGeom prst="rect">
             <a:avLst/>
@@ -29010,7 +28512,7 @@
         <p:txBody>
           <a:bodyPr lIns="90000" rIns="90000" tIns="45000" bIns="45000"/>
           <a:p>
-            <a:pPr marL="216000" indent="-215640">
+            <a:pPr marL="216000" indent="-215280">
               <a:lnSpc>
                 <a:spcPct val="100000"/>
               </a:lnSpc>
@@ -29033,6 +28535,7 @@
                   <a:srgbClr val="ffffff"/>
                 </a:solidFill>
                 <a:latin typeface="Arial"/>
+                <a:ea typeface="DejaVu Sans"/>
               </a:rPr>
               <a:t>Increase data to include all starting and relief pitchers for more than just three seasons.</a:t>
             </a:r>
@@ -29042,6 +28545,7 @@
                   <a:srgbClr val="ffffff"/>
                 </a:solidFill>
                 <a:latin typeface="Arial"/>
+                <a:ea typeface="DejaVu Sans"/>
               </a:rPr>
               <a:t> </a:t>
             </a:r>
@@ -29051,18 +28555,16 @@
                   <a:srgbClr val="ffffff"/>
                 </a:solidFill>
                 <a:latin typeface="Arial"/>
+                <a:ea typeface="DejaVu Sans"/>
               </a:rPr>
               <a:t>(decrease variance)</a:t>
             </a:r>
             <a:endParaRPr b="0" lang="en-US" sz="2000" spc="-1" strike="noStrike">
-              <a:solidFill>
-                <a:srgbClr val="ffffff"/>
-              </a:solidFill>
-              <a:latin typeface="Arial"/>
-            </a:endParaRPr>
-          </a:p>
-          <a:p>
-            <a:pPr marL="216000" indent="-215640">
+              <a:latin typeface="Arial"/>
+            </a:endParaRPr>
+          </a:p>
+          <a:p>
+            <a:pPr marL="216000" indent="-215280">
               <a:lnSpc>
                 <a:spcPct val="100000"/>
               </a:lnSpc>
@@ -29100,14 +28602,11 @@
               <a:t>(decrease bias)</a:t>
             </a:r>
             <a:endParaRPr b="0" lang="en-US" sz="2000" spc="-1" strike="noStrike">
-              <a:solidFill>
-                <a:srgbClr val="ffffff"/>
-              </a:solidFill>
-              <a:latin typeface="Arial"/>
-            </a:endParaRPr>
-          </a:p>
-          <a:p>
-            <a:pPr marL="216000" indent="-215640">
+              <a:latin typeface="Arial"/>
+            </a:endParaRPr>
+          </a:p>
+          <a:p>
+            <a:pPr marL="216000" indent="-215280">
               <a:lnSpc>
                 <a:spcPct val="100000"/>
               </a:lnSpc>
@@ -29135,9 +28634,6 @@
               <a:t>Consider multi-label, multi-class classification problem by attempting to predict:</a:t>
             </a:r>
             <a:endParaRPr b="0" lang="en-US" sz="2000" spc="-1" strike="noStrike">
-              <a:solidFill>
-                <a:srgbClr val="ffffff"/>
-              </a:solidFill>
               <a:latin typeface="Arial"/>
             </a:endParaRPr>
           </a:p>
@@ -29164,14 +28660,11 @@
               <a:t>Pitch-type + Pitch Group + Pitch Location </a:t>
             </a:r>
             <a:endParaRPr b="0" lang="en-US" sz="1800" spc="-1" strike="noStrike">
-              <a:solidFill>
-                <a:srgbClr val="ffffff"/>
-              </a:solidFill>
-              <a:latin typeface="Arial"/>
-            </a:endParaRPr>
-          </a:p>
-          <a:p>
-            <a:pPr marL="216000" indent="-215640">
+              <a:latin typeface="Arial"/>
+            </a:endParaRPr>
+          </a:p>
+          <a:p>
+            <a:pPr marL="216000" indent="-215280">
               <a:lnSpc>
                 <a:spcPct val="100000"/>
               </a:lnSpc>
@@ -29199,9 +28692,6 @@
               <a:t>Apply a combination of Supervised and Unsupervised Learning to address and include unlabeled pitch data.</a:t>
             </a:r>
             <a:endParaRPr b="0" lang="en-US" sz="2000" spc="-1" strike="noStrike">
-              <a:solidFill>
-                <a:srgbClr val="ffffff"/>
-              </a:solidFill>
               <a:latin typeface="Arial"/>
             </a:endParaRPr>
           </a:p>
@@ -29258,14 +28748,14 @@
       </p:grpSpPr>
       <p:sp>
         <p:nvSpPr>
-          <p:cNvPr id="474" name="CustomShape 1"/>
+          <p:cNvPr id="470" name="CustomShape 1"/>
           <p:cNvSpPr/>
           <p:nvPr/>
         </p:nvSpPr>
         <p:spPr>
           <a:xfrm>
             <a:off x="601560" y="374760"/>
-            <a:ext cx="8075880" cy="762480"/>
+            <a:ext cx="8075520" cy="762120"/>
           </a:xfrm>
           <a:prstGeom prst="rect">
             <a:avLst/>
@@ -29299,17 +28789,7 @@
                 <a:latin typeface="Calibri"/>
                 <a:ea typeface="DejaVu Sans"/>
               </a:rPr>
-              <a:t>Questi</a:t>
-            </a:r>
-            <a:r>
-              <a:rPr b="0" lang="en-US" sz="3600" spc="-1" strike="noStrike">
-                <a:solidFill>
-                  <a:srgbClr val="fac090"/>
-                </a:solidFill>
-                <a:latin typeface="Calibri"/>
-                <a:ea typeface="DejaVu Sans"/>
-              </a:rPr>
-              <a:t>ons?</a:t>
+              <a:t>Questions?</a:t>
             </a:r>
             <a:endParaRPr b="0" lang="en-US" sz="3600" spc="-1" strike="noStrike">
               <a:latin typeface="Arial"/>
@@ -29319,14 +28799,14 @@
       </p:sp>
       <p:sp>
         <p:nvSpPr>
-          <p:cNvPr id="475" name="CustomShape 2"/>
+          <p:cNvPr id="471" name="CustomShape 2"/>
           <p:cNvSpPr/>
           <p:nvPr/>
         </p:nvSpPr>
         <p:spPr>
           <a:xfrm>
             <a:off x="731520" y="1920240"/>
-            <a:ext cx="7771680" cy="3619800"/>
+            <a:ext cx="7771320" cy="3619440"/>
           </a:xfrm>
           <a:prstGeom prst="rect">
             <a:avLst/>
@@ -29367,9 +28847,6 @@
               <a:t>Mark Rojas</a:t>
             </a:r>
             <a:endParaRPr b="0" lang="en-US" sz="2600" spc="-1" strike="noStrike">
-              <a:solidFill>
-                <a:srgbClr val="ffffff"/>
-              </a:solidFill>
               <a:latin typeface="Arial"/>
             </a:endParaRPr>
           </a:p>
@@ -29396,9 +28873,6 @@
               <a:t>Cell: (832) 330-2870</a:t>
             </a:r>
             <a:endParaRPr b="0" lang="en-US" sz="1600" spc="-1" strike="noStrike">
-              <a:solidFill>
-                <a:srgbClr val="ffffff"/>
-              </a:solidFill>
               <a:latin typeface="Arial"/>
             </a:endParaRPr>
           </a:p>
@@ -29427,7 +28901,7 @@
             <a:r>
               <a:rPr b="0" lang="en-US" sz="1600" spc="-1" strike="noStrike" u="sng">
                 <a:solidFill>
-                  <a:srgbClr val="bce4e5"/>
+                  <a:srgbClr val="0000ff"/>
                 </a:solidFill>
                 <a:uFillTx/>
                 <a:latin typeface="Arial"/>
@@ -29437,9 +28911,6 @@
               <a:t>rojas.mm@gmail.com</a:t>
             </a:r>
             <a:endParaRPr b="0" lang="en-US" sz="1600" spc="-1" strike="noStrike">
-              <a:solidFill>
-                <a:srgbClr val="ffffff"/>
-              </a:solidFill>
               <a:latin typeface="Arial"/>
             </a:endParaRPr>
           </a:p>
@@ -29466,9 +28937,6 @@
               <a:t>Skype: markrojas</a:t>
             </a:r>
             <a:endParaRPr b="0" lang="en-US" sz="1600" spc="-1" strike="noStrike">
-              <a:solidFill>
-                <a:srgbClr val="ffffff"/>
-              </a:solidFill>
               <a:latin typeface="Arial"/>
             </a:endParaRPr>
           </a:p>
@@ -29497,7 +28965,7 @@
             <a:r>
               <a:rPr b="0" lang="en-US" sz="1600" spc="-1" strike="noStrike" u="sng">
                 <a:solidFill>
-                  <a:srgbClr val="bce4e5"/>
+                  <a:srgbClr val="0000ff"/>
                 </a:solidFill>
                 <a:uFillTx/>
                 <a:latin typeface="Arial"/>
@@ -29507,9 +28975,6 @@
               <a:t>https://www.linkedin.com/in/mark-rojas/</a:t>
             </a:r>
             <a:endParaRPr b="0" lang="en-US" sz="1600" spc="-1" strike="noStrike">
-              <a:solidFill>
-                <a:srgbClr val="ffffff"/>
-              </a:solidFill>
               <a:latin typeface="Arial"/>
             </a:endParaRPr>
           </a:p>
@@ -29538,7 +29003,7 @@
             <a:r>
               <a:rPr b="0" lang="en-US" sz="1600" spc="-1" strike="noStrike" u="sng">
                 <a:solidFill>
-                  <a:srgbClr val="bce4e5"/>
+                  <a:srgbClr val="0000ff"/>
                 </a:solidFill>
                 <a:uFillTx/>
                 <a:latin typeface="Arial"/>
@@ -29548,9 +29013,6 @@
               <a:t>https://github.com/markrojas</a:t>
             </a:r>
             <a:endParaRPr b="0" lang="en-US" sz="1600" spc="-1" strike="noStrike">
-              <a:solidFill>
-                <a:srgbClr val="ffffff"/>
-              </a:solidFill>
               <a:latin typeface="Arial"/>
             </a:endParaRPr>
           </a:p>
@@ -29577,9 +29039,6 @@
               <a:t>Pitch Prediction Repository: </a:t>
             </a:r>
             <a:endParaRPr b="0" lang="en-US" sz="1600" spc="-1" strike="noStrike">
-              <a:solidFill>
-                <a:srgbClr val="ffffff"/>
-              </a:solidFill>
               <a:latin typeface="Arial"/>
             </a:endParaRPr>
           </a:p>
@@ -29598,7 +29057,7 @@
             <a:r>
               <a:rPr b="0" lang="en-US" sz="1400" spc="-1" strike="noStrike" u="sng">
                 <a:solidFill>
-                  <a:srgbClr val="bce4e5"/>
+                  <a:srgbClr val="0000ff"/>
                 </a:solidFill>
                 <a:uFillTx/>
                 <a:latin typeface="Arial"/>
@@ -29608,9 +29067,6 @@
               <a:t>https://github.com/markrojas/Springboard_DSCT/tree/master/capstone_projects/capstone_I</a:t>
             </a:r>
             <a:endParaRPr b="0" lang="en-US" sz="1400" spc="-1" strike="noStrike">
-              <a:solidFill>
-                <a:srgbClr val="ffffff"/>
-              </a:solidFill>
               <a:latin typeface="Arial"/>
             </a:endParaRPr>
           </a:p>
@@ -29627,9 +29083,6 @@
               </a:spcAft>
             </a:pPr>
             <a:endParaRPr b="0" lang="en-US" sz="1400" spc="-1" strike="noStrike">
-              <a:solidFill>
-                <a:srgbClr val="ffffff"/>
-              </a:solidFill>
               <a:latin typeface="Arial"/>
             </a:endParaRPr>
           </a:p>
@@ -29686,14 +29139,14 @@
       </p:grpSpPr>
       <p:sp>
         <p:nvSpPr>
-          <p:cNvPr id="319" name="CustomShape 1"/>
+          <p:cNvPr id="315" name="CustomShape 1"/>
           <p:cNvSpPr/>
           <p:nvPr/>
         </p:nvSpPr>
         <p:spPr>
           <a:xfrm>
             <a:off x="601560" y="374760"/>
-            <a:ext cx="8092440" cy="762480"/>
+            <a:ext cx="8092080" cy="762120"/>
           </a:xfrm>
           <a:prstGeom prst="rect">
             <a:avLst/>
@@ -29737,14 +29190,14 @@
       </p:sp>
       <p:sp>
         <p:nvSpPr>
-          <p:cNvPr id="320" name="CustomShape 2"/>
+          <p:cNvPr id="316" name="CustomShape 2"/>
           <p:cNvSpPr/>
           <p:nvPr/>
         </p:nvSpPr>
         <p:spPr>
           <a:xfrm>
             <a:off x="365760" y="2103120"/>
-            <a:ext cx="8412120" cy="2011320"/>
+            <a:ext cx="8411760" cy="2010960"/>
           </a:xfrm>
           <a:prstGeom prst="rect">
             <a:avLst/>
@@ -29765,7 +29218,7 @@
             <a:normAutofit/>
           </a:bodyPr>
           <a:p>
-            <a:pPr marL="432000" indent="-323640">
+            <a:pPr marL="432000" indent="-323280">
               <a:lnSpc>
                 <a:spcPct val="115000"/>
               </a:lnSpc>
@@ -29785,6 +29238,7 @@
                   <a:srgbClr val="ffffff"/>
                 </a:solidFill>
                 <a:latin typeface="Arial"/>
+                <a:ea typeface="DejaVu Sans"/>
               </a:rPr>
               <a:t>Increased player salaries makes lowering ticket prices unsustainable.</a:t>
             </a:r>
@@ -29793,7 +29247,7 @@
             </a:endParaRPr>
           </a:p>
           <a:p>
-            <a:pPr marL="432000" indent="-323640">
+            <a:pPr marL="432000" indent="-323280">
               <a:lnSpc>
                 <a:spcPct val="115000"/>
               </a:lnSpc>
@@ -29813,6 +29267,7 @@
                   <a:srgbClr val="ffffff"/>
                 </a:solidFill>
                 <a:latin typeface="Arial"/>
+                <a:ea typeface="DejaVu Sans"/>
               </a:rPr>
               <a:t>As of today, we are still unable to control the weather.</a:t>
             </a:r>
@@ -29821,7 +29276,7 @@
             </a:endParaRPr>
           </a:p>
           <a:p>
-            <a:pPr marL="432000" indent="-323640">
+            <a:pPr marL="432000" indent="-323280">
               <a:lnSpc>
                 <a:spcPct val="115000"/>
               </a:lnSpc>
@@ -29841,6 +29296,7 @@
                   <a:srgbClr val="ffffff"/>
                 </a:solidFill>
                 <a:latin typeface="Arial"/>
+                <a:ea typeface="DejaVu Sans"/>
               </a:rPr>
               <a:t>Not every team can acquire the ‘big’ name free-agent during the off-season or </a:t>
             </a:r>
@@ -29850,6 +29306,7 @@
                   <a:srgbClr val="faa61a"/>
                 </a:solidFill>
                 <a:latin typeface="Arial"/>
+                <a:ea typeface="DejaVu Sans"/>
               </a:rPr>
               <a:t>win the World Series like the Houston Astros did in 2017 who recorded a $23.7 million boost in sales in 2018.</a:t>
             </a:r>
@@ -29871,14 +29328,14 @@
       </p:sp>
       <p:sp>
         <p:nvSpPr>
-          <p:cNvPr id="321" name="CustomShape 3"/>
+          <p:cNvPr id="317" name="CustomShape 3"/>
           <p:cNvSpPr/>
           <p:nvPr/>
         </p:nvSpPr>
         <p:spPr>
           <a:xfrm>
             <a:off x="984960" y="4589640"/>
-            <a:ext cx="7232760" cy="1112400"/>
+            <a:ext cx="7232400" cy="1112040"/>
           </a:xfrm>
           <a:prstGeom prst="rect">
             <a:avLst/>
@@ -29913,13 +29370,11 @@
                   <a:srgbClr val="ffffff"/>
                 </a:solidFill>
                 <a:latin typeface="Arial"/>
+                <a:ea typeface="DejaVu Sans"/>
               </a:rPr>
               <a:t>Let’s improve the in-game action! </a:t>
             </a:r>
             <a:endParaRPr b="0" lang="en-US" sz="3600" spc="-1" strike="noStrike">
-              <a:solidFill>
-                <a:srgbClr val="ffffff"/>
-              </a:solidFill>
               <a:latin typeface="Arial"/>
             </a:endParaRPr>
           </a:p>
@@ -29938,13 +29393,11 @@
                   <a:srgbClr val="ffffff"/>
                 </a:solidFill>
                 <a:latin typeface="Arial"/>
+                <a:ea typeface="DejaVu Sans"/>
               </a:rPr>
               <a:t>But how?</a:t>
             </a:r>
             <a:endParaRPr b="0" lang="en-US" sz="2800" spc="-1" strike="noStrike">
-              <a:solidFill>
-                <a:srgbClr val="ffffff"/>
-              </a:solidFill>
               <a:latin typeface="Arial"/>
             </a:endParaRPr>
           </a:p>
@@ -30001,14 +29454,14 @@
       </p:grpSpPr>
       <p:sp>
         <p:nvSpPr>
-          <p:cNvPr id="322" name="CustomShape 1"/>
+          <p:cNvPr id="318" name="CustomShape 1"/>
           <p:cNvSpPr/>
           <p:nvPr/>
         </p:nvSpPr>
         <p:spPr>
           <a:xfrm>
             <a:off x="601560" y="374760"/>
-            <a:ext cx="8092440" cy="762480"/>
+            <a:ext cx="8092080" cy="762120"/>
           </a:xfrm>
           <a:prstGeom prst="rect">
             <a:avLst/>
@@ -30072,7 +29525,7 @@
       </p:sp>
       <p:pic>
         <p:nvPicPr>
-          <p:cNvPr id="323" name="" descr=""/>
+          <p:cNvPr id="319" name="" descr=""/>
           <p:cNvPicPr/>
           <p:nvPr/>
         </p:nvPicPr>
@@ -30083,7 +29536,7 @@
         <p:spPr>
           <a:xfrm>
             <a:off x="2028240" y="1645920"/>
-            <a:ext cx="6886080" cy="4848120"/>
+            <a:ext cx="6885720" cy="4847760"/>
           </a:xfrm>
           <a:prstGeom prst="rect">
             <a:avLst/>
@@ -30098,14 +29551,14 @@
       </p:pic>
       <p:sp>
         <p:nvSpPr>
-          <p:cNvPr id="324" name="CustomShape 2"/>
+          <p:cNvPr id="320" name="CustomShape 2"/>
           <p:cNvSpPr/>
           <p:nvPr/>
         </p:nvSpPr>
         <p:spPr>
           <a:xfrm>
             <a:off x="2759760" y="4297680"/>
-            <a:ext cx="2011320" cy="365400"/>
+            <a:ext cx="2010960" cy="365040"/>
           </a:xfrm>
           <a:prstGeom prst="wedgeRoundRectCallout">
             <a:avLst>
@@ -30149,24 +29602,21 @@
               <a:t>Partial Season Lockout</a:t>
             </a:r>
             <a:endParaRPr b="0" lang="en-US" sz="1400" spc="-1" strike="noStrike">
-              <a:solidFill>
-                <a:srgbClr val="000000"/>
-              </a:solidFill>
-              <a:latin typeface="Arial"/>
-            </a:endParaRPr>
-          </a:p>
-        </p:txBody>
-      </p:sp>
-      <p:sp>
-        <p:nvSpPr>
-          <p:cNvPr id="325" name="CustomShape 3"/>
+              <a:latin typeface="Arial"/>
+            </a:endParaRPr>
+          </a:p>
+        </p:txBody>
+      </p:sp>
+      <p:sp>
+        <p:nvSpPr>
+          <p:cNvPr id="321" name="CustomShape 3"/>
           <p:cNvSpPr/>
           <p:nvPr/>
         </p:nvSpPr>
         <p:spPr>
           <a:xfrm>
             <a:off x="145080" y="2276280"/>
-            <a:ext cx="1818720" cy="489600"/>
+            <a:ext cx="1818360" cy="489240"/>
           </a:xfrm>
           <a:prstGeom prst="rect">
             <a:avLst/>
@@ -30196,13 +29646,11 @@
                   <a:srgbClr val="ffffff"/>
                 </a:solidFill>
                 <a:latin typeface="Arial"/>
+                <a:ea typeface="DejaVu Sans"/>
               </a:rPr>
               <a:t>Average </a:t>
             </a:r>
             <a:endParaRPr b="0" lang="en-US" sz="1400" spc="-1" strike="noStrike">
-              <a:solidFill>
-                <a:srgbClr val="ffffff"/>
-              </a:solidFill>
               <a:latin typeface="Arial"/>
             </a:endParaRPr>
           </a:p>
@@ -30218,28 +29666,26 @@
                   <a:srgbClr val="ffffff"/>
                 </a:solidFill>
                 <a:latin typeface="Arial"/>
+                <a:ea typeface="DejaVu Sans"/>
               </a:rPr>
               <a:t>Strikeouts per Game</a:t>
             </a:r>
             <a:endParaRPr b="0" lang="en-US" sz="1400" spc="-1" strike="noStrike">
-              <a:solidFill>
-                <a:srgbClr val="ffffff"/>
-              </a:solidFill>
-              <a:latin typeface="Arial"/>
-            </a:endParaRPr>
-          </a:p>
-        </p:txBody>
-      </p:sp>
-      <p:sp>
-        <p:nvSpPr>
-          <p:cNvPr id="326" name="CustomShape 4"/>
+              <a:latin typeface="Arial"/>
+            </a:endParaRPr>
+          </a:p>
+        </p:txBody>
+      </p:sp>
+      <p:sp>
+        <p:nvSpPr>
+          <p:cNvPr id="322" name="CustomShape 4"/>
           <p:cNvSpPr/>
           <p:nvPr/>
         </p:nvSpPr>
         <p:spPr>
           <a:xfrm>
             <a:off x="289800" y="3653640"/>
-            <a:ext cx="1527480" cy="489600"/>
+            <a:ext cx="1527120" cy="489240"/>
           </a:xfrm>
           <a:prstGeom prst="rect">
             <a:avLst/>
@@ -30269,13 +29715,11 @@
                   <a:srgbClr val="ffffff"/>
                 </a:solidFill>
                 <a:latin typeface="Arial"/>
+                <a:ea typeface="DejaVu Sans"/>
               </a:rPr>
               <a:t>Batting Averages</a:t>
             </a:r>
             <a:endParaRPr b="0" lang="en-US" sz="1400" spc="-1" strike="noStrike">
-              <a:solidFill>
-                <a:srgbClr val="ffffff"/>
-              </a:solidFill>
               <a:latin typeface="Arial"/>
             </a:endParaRPr>
           </a:p>
@@ -30291,28 +29735,26 @@
                   <a:srgbClr val="ffffff"/>
                 </a:solidFill>
                 <a:latin typeface="Arial"/>
+                <a:ea typeface="DejaVu Sans"/>
               </a:rPr>
               <a:t>(Hits / At Bats)</a:t>
             </a:r>
             <a:endParaRPr b="0" lang="en-US" sz="1400" spc="-1" strike="noStrike">
-              <a:solidFill>
-                <a:srgbClr val="ffffff"/>
-              </a:solidFill>
-              <a:latin typeface="Arial"/>
-            </a:endParaRPr>
-          </a:p>
-        </p:txBody>
-      </p:sp>
-      <p:sp>
-        <p:nvSpPr>
-          <p:cNvPr id="327" name="CustomShape 5"/>
+              <a:latin typeface="Arial"/>
+            </a:endParaRPr>
+          </a:p>
+        </p:txBody>
+      </p:sp>
+      <p:sp>
+        <p:nvSpPr>
+          <p:cNvPr id="323" name="CustomShape 5"/>
           <p:cNvSpPr/>
           <p:nvPr/>
         </p:nvSpPr>
         <p:spPr>
           <a:xfrm>
             <a:off x="40680" y="5113800"/>
-            <a:ext cx="1926720" cy="489600"/>
+            <a:ext cx="1926360" cy="489240"/>
           </a:xfrm>
           <a:prstGeom prst="rect">
             <a:avLst/>
@@ -30342,13 +29784,11 @@
                   <a:srgbClr val="ffffff"/>
                 </a:solidFill>
                 <a:latin typeface="Arial"/>
+                <a:ea typeface="DejaVu Sans"/>
               </a:rPr>
               <a:t>Average </a:t>
             </a:r>
             <a:endParaRPr b="0" lang="en-US" sz="1400" spc="-1" strike="noStrike">
-              <a:solidFill>
-                <a:srgbClr val="ffffff"/>
-              </a:solidFill>
               <a:latin typeface="Arial"/>
             </a:endParaRPr>
           </a:p>
@@ -30364,28 +29804,26 @@
                   <a:srgbClr val="ffffff"/>
                 </a:solidFill>
                 <a:latin typeface="Arial"/>
+                <a:ea typeface="DejaVu Sans"/>
               </a:rPr>
               <a:t>Attendance per Game</a:t>
             </a:r>
             <a:endParaRPr b="0" lang="en-US" sz="1400" spc="-1" strike="noStrike">
-              <a:solidFill>
-                <a:srgbClr val="ffffff"/>
-              </a:solidFill>
-              <a:latin typeface="Arial"/>
-            </a:endParaRPr>
-          </a:p>
-        </p:txBody>
-      </p:sp>
-      <p:sp>
-        <p:nvSpPr>
-          <p:cNvPr id="328" name="CustomShape 6"/>
+              <a:latin typeface="Arial"/>
+            </a:endParaRPr>
+          </a:p>
+        </p:txBody>
+      </p:sp>
+      <p:sp>
+        <p:nvSpPr>
+          <p:cNvPr id="324" name="CustomShape 6"/>
           <p:cNvSpPr/>
           <p:nvPr/>
         </p:nvSpPr>
         <p:spPr>
           <a:xfrm>
             <a:off x="8138160" y="5212080"/>
-            <a:ext cx="1005840" cy="914400"/>
+            <a:ext cx="1005480" cy="914040"/>
           </a:xfrm>
           <a:custGeom>
             <a:avLst/>
@@ -30606,14 +30044,14 @@
       </p:grpSpPr>
       <p:sp>
         <p:nvSpPr>
-          <p:cNvPr id="329" name="CustomShape 1"/>
+          <p:cNvPr id="325" name="CustomShape 1"/>
           <p:cNvSpPr/>
           <p:nvPr/>
         </p:nvSpPr>
         <p:spPr>
           <a:xfrm>
             <a:off x="601560" y="374760"/>
-            <a:ext cx="8092440" cy="762480"/>
+            <a:ext cx="8092080" cy="762120"/>
           </a:xfrm>
           <a:prstGeom prst="rect">
             <a:avLst/>
@@ -30657,14 +30095,14 @@
       </p:sp>
       <p:sp>
         <p:nvSpPr>
-          <p:cNvPr id="330" name="CustomShape 2"/>
+          <p:cNvPr id="326" name="CustomShape 2"/>
           <p:cNvSpPr/>
           <p:nvPr/>
         </p:nvSpPr>
         <p:spPr>
           <a:xfrm>
             <a:off x="457560" y="2269800"/>
-            <a:ext cx="8228880" cy="2423520"/>
+            <a:ext cx="8228520" cy="2423160"/>
           </a:xfrm>
           <a:prstGeom prst="rect">
             <a:avLst/>
@@ -30699,18 +30137,16 @@
                   <a:srgbClr val="ffffff"/>
                 </a:solidFill>
                 <a:latin typeface="Arial"/>
+                <a:ea typeface="DejaVu Sans"/>
               </a:rPr>
               <a:t>By increasing the mean Batting Average (BA) for hitters, we:</a:t>
             </a:r>
             <a:endParaRPr b="0" lang="en-US" sz="2400" spc="-1" strike="noStrike">
-              <a:solidFill>
-                <a:srgbClr val="ffffff"/>
-              </a:solidFill>
-              <a:latin typeface="Arial"/>
-            </a:endParaRPr>
-          </a:p>
-          <a:p>
-            <a:pPr lvl="7" marL="3456000" indent="-215640">
+              <a:latin typeface="Arial"/>
+            </a:endParaRPr>
+          </a:p>
+          <a:p>
+            <a:pPr lvl="7" marL="3456000" indent="-215280">
               <a:lnSpc>
                 <a:spcPct val="150000"/>
               </a:lnSpc>
@@ -30730,18 +30166,16 @@
                   <a:srgbClr val="ffffff"/>
                 </a:solidFill>
                 <a:latin typeface="Arial"/>
+                <a:ea typeface="DejaVu Sans"/>
               </a:rPr>
               <a:t>Increase number of base runners</a:t>
             </a:r>
             <a:endParaRPr b="0" lang="en-US" sz="2000" spc="-1" strike="noStrike">
-              <a:solidFill>
-                <a:srgbClr val="ffffff"/>
-              </a:solidFill>
-              <a:latin typeface="Arial"/>
-            </a:endParaRPr>
-          </a:p>
-          <a:p>
-            <a:pPr lvl="7" marL="3456000" indent="-215640">
+              <a:latin typeface="Arial"/>
+            </a:endParaRPr>
+          </a:p>
+          <a:p>
+            <a:pPr lvl="7" marL="3456000" indent="-215280">
               <a:lnSpc>
                 <a:spcPct val="150000"/>
               </a:lnSpc>
@@ -30761,18 +30195,16 @@
                   <a:srgbClr val="ffffff"/>
                 </a:solidFill>
                 <a:latin typeface="Arial"/>
+                <a:ea typeface="DejaVu Sans"/>
               </a:rPr>
               <a:t>Increase chances for stolen bases</a:t>
             </a:r>
             <a:endParaRPr b="0" lang="en-US" sz="2000" spc="-1" strike="noStrike">
-              <a:solidFill>
-                <a:srgbClr val="ffffff"/>
-              </a:solidFill>
-              <a:latin typeface="Arial"/>
-            </a:endParaRPr>
-          </a:p>
-          <a:p>
-            <a:pPr lvl="7" marL="3456000" indent="-215640">
+              <a:latin typeface="Arial"/>
+            </a:endParaRPr>
+          </a:p>
+          <a:p>
+            <a:pPr lvl="7" marL="3456000" indent="-215280">
               <a:lnSpc>
                 <a:spcPct val="150000"/>
               </a:lnSpc>
@@ -30792,18 +30224,16 @@
                   <a:srgbClr val="ffffff"/>
                 </a:solidFill>
                 <a:latin typeface="Arial"/>
+                <a:ea typeface="DejaVu Sans"/>
               </a:rPr>
               <a:t>Increase opportunities to pick-off runners</a:t>
             </a:r>
             <a:endParaRPr b="0" lang="en-US" sz="2000" spc="-1" strike="noStrike">
-              <a:solidFill>
-                <a:srgbClr val="ffffff"/>
-              </a:solidFill>
-              <a:latin typeface="Arial"/>
-            </a:endParaRPr>
-          </a:p>
-          <a:p>
-            <a:pPr lvl="7" marL="3456000" indent="-215640">
+              <a:latin typeface="Arial"/>
+            </a:endParaRPr>
+          </a:p>
+          <a:p>
+            <a:pPr lvl="7" marL="3456000" indent="-215280">
               <a:lnSpc>
                 <a:spcPct val="150000"/>
               </a:lnSpc>
@@ -30823,28 +30253,26 @@
                   <a:srgbClr val="ffffff"/>
                 </a:solidFill>
                 <a:latin typeface="Arial"/>
+                <a:ea typeface="DejaVu Sans"/>
               </a:rPr>
               <a:t>Increase potential runs</a:t>
             </a:r>
             <a:endParaRPr b="0" lang="en-US" sz="2000" spc="-1" strike="noStrike">
-              <a:solidFill>
-                <a:srgbClr val="ffffff"/>
-              </a:solidFill>
-              <a:latin typeface="Arial"/>
-            </a:endParaRPr>
-          </a:p>
-        </p:txBody>
-      </p:sp>
-      <p:sp>
-        <p:nvSpPr>
-          <p:cNvPr id="331" name="CustomShape 3"/>
+              <a:latin typeface="Arial"/>
+            </a:endParaRPr>
+          </a:p>
+        </p:txBody>
+      </p:sp>
+      <p:sp>
+        <p:nvSpPr>
+          <p:cNvPr id="327" name="CustomShape 3"/>
           <p:cNvSpPr/>
           <p:nvPr/>
         </p:nvSpPr>
         <p:spPr>
           <a:xfrm>
             <a:off x="2898000" y="3019320"/>
-            <a:ext cx="365400" cy="1645560"/>
+            <a:ext cx="365040" cy="1645200"/>
           </a:xfrm>
           <a:custGeom>
             <a:avLst/>
@@ -30902,14 +30330,14 @@
       </p:sp>
       <p:sp>
         <p:nvSpPr>
-          <p:cNvPr id="332" name="CustomShape 4"/>
+          <p:cNvPr id="328" name="CustomShape 4"/>
           <p:cNvSpPr/>
           <p:nvPr/>
         </p:nvSpPr>
         <p:spPr>
           <a:xfrm>
             <a:off x="457560" y="3194640"/>
-            <a:ext cx="2193840" cy="1371240"/>
+            <a:ext cx="2193480" cy="1370880"/>
           </a:xfrm>
           <a:prstGeom prst="rect">
             <a:avLst/>
@@ -30939,6 +30367,7 @@
                   <a:srgbClr val="fff200"/>
                 </a:solidFill>
                 <a:latin typeface="Arial"/>
+                <a:ea typeface="DejaVu Sans"/>
               </a:rPr>
               <a:t>Deliver an action-packed game!</a:t>
             </a:r>
@@ -30968,6 +30397,7 @@
                   <a:srgbClr val="fff200"/>
                 </a:solidFill>
                 <a:latin typeface="Arial"/>
+                <a:ea typeface="DejaVu Sans"/>
               </a:rPr>
               <a:t>Putting butts in the seats!</a:t>
             </a:r>
@@ -31028,14 +30458,14 @@
       </p:grpSpPr>
       <p:sp>
         <p:nvSpPr>
-          <p:cNvPr id="333" name="CustomShape 1"/>
+          <p:cNvPr id="329" name="CustomShape 1"/>
           <p:cNvSpPr/>
           <p:nvPr/>
         </p:nvSpPr>
         <p:spPr>
           <a:xfrm>
             <a:off x="601560" y="374760"/>
-            <a:ext cx="8092440" cy="762480"/>
+            <a:ext cx="8092080" cy="762120"/>
           </a:xfrm>
           <a:prstGeom prst="rect">
             <a:avLst/>
@@ -31079,7 +30509,7 @@
       </p:sp>
       <p:pic>
         <p:nvPicPr>
-          <p:cNvPr id="334" name="" descr=""/>
+          <p:cNvPr id="330" name="" descr=""/>
           <p:cNvPicPr/>
           <p:nvPr/>
         </p:nvPicPr>
@@ -31090,7 +30520,7 @@
         <p:spPr>
           <a:xfrm>
             <a:off x="91440" y="2011680"/>
-            <a:ext cx="8960760" cy="4754520"/>
+            <a:ext cx="8960400" cy="4754160"/>
           </a:xfrm>
           <a:prstGeom prst="rect">
             <a:avLst/>
@@ -31105,14 +30535,14 @@
       </p:pic>
       <p:sp>
         <p:nvSpPr>
-          <p:cNvPr id="335" name="CustomShape 2"/>
+          <p:cNvPr id="331" name="CustomShape 2"/>
           <p:cNvSpPr/>
           <p:nvPr/>
         </p:nvSpPr>
         <p:spPr>
           <a:xfrm>
             <a:off x="4206240" y="1901880"/>
-            <a:ext cx="4845960" cy="4427280"/>
+            <a:ext cx="4845600" cy="4426920"/>
           </a:xfrm>
           <a:prstGeom prst="rect">
             <a:avLst/>
@@ -31334,14 +30764,14 @@
       </p:grpSpPr>
       <p:sp>
         <p:nvSpPr>
-          <p:cNvPr id="336" name="CustomShape 1"/>
+          <p:cNvPr id="332" name="CustomShape 1"/>
           <p:cNvSpPr/>
           <p:nvPr/>
         </p:nvSpPr>
         <p:spPr>
           <a:xfrm>
             <a:off x="2128680" y="527760"/>
-            <a:ext cx="6516360" cy="762480"/>
+            <a:ext cx="6516000" cy="762120"/>
           </a:xfrm>
           <a:prstGeom prst="rect">
             <a:avLst/>
@@ -31383,14 +30813,14 @@
       </p:sp>
       <p:sp>
         <p:nvSpPr>
-          <p:cNvPr id="337" name="CustomShape 2"/>
+          <p:cNvPr id="333" name="CustomShape 2"/>
           <p:cNvSpPr/>
           <p:nvPr/>
         </p:nvSpPr>
         <p:spPr>
           <a:xfrm>
             <a:off x="1645920" y="1596600"/>
-            <a:ext cx="6999120" cy="2975040"/>
+            <a:ext cx="6998760" cy="2974680"/>
           </a:xfrm>
           <a:prstGeom prst="rect">
             <a:avLst/>
@@ -31409,7 +30839,7 @@
         <p:txBody>
           <a:bodyPr lIns="90000" rIns="90000" tIns="45000" bIns="45000"/>
           <a:p>
-            <a:pPr marL="343080" indent="-342000">
+            <a:pPr marL="343080" indent="-341640">
               <a:lnSpc>
                 <a:spcPct val="100000"/>
               </a:lnSpc>
@@ -31450,7 +30880,7 @@
             </a:endParaRPr>
           </a:p>
           <a:p>
-            <a:pPr marL="343080" indent="-342000">
+            <a:pPr marL="343080" indent="-341640">
               <a:lnSpc>
                 <a:spcPct val="100000"/>
               </a:lnSpc>
@@ -31494,14 +30924,14 @@
       </p:sp>
       <p:sp>
         <p:nvSpPr>
-          <p:cNvPr id="338" name="CustomShape 3"/>
+          <p:cNvPr id="334" name="CustomShape 3"/>
           <p:cNvSpPr/>
           <p:nvPr/>
         </p:nvSpPr>
         <p:spPr>
           <a:xfrm>
             <a:off x="1645920" y="4846320"/>
-            <a:ext cx="7040520" cy="1462680"/>
+            <a:ext cx="7040160" cy="1462320"/>
           </a:xfrm>
           <a:prstGeom prst="rect">
             <a:avLst/>
@@ -31531,6 +30961,7 @@
                   <a:srgbClr val="fff200"/>
                 </a:solidFill>
                 <a:latin typeface="Calibri"/>
+                <a:ea typeface="DejaVu Sans"/>
               </a:rPr>
               <a:t>We propose the use of Machine Learning to predict the next-pitch and in turn improve a hitters overall Batting Average.</a:t>
             </a:r>
@@ -31591,14 +31022,14 @@
       </p:grpSpPr>
       <p:sp>
         <p:nvSpPr>
-          <p:cNvPr id="339" name="CustomShape 1"/>
+          <p:cNvPr id="335" name="CustomShape 1"/>
           <p:cNvSpPr/>
           <p:nvPr/>
         </p:nvSpPr>
         <p:spPr>
           <a:xfrm>
             <a:off x="2128680" y="527760"/>
-            <a:ext cx="6516360" cy="762480"/>
+            <a:ext cx="6516000" cy="762120"/>
           </a:xfrm>
           <a:prstGeom prst="rect">
             <a:avLst/>
@@ -31640,14 +31071,14 @@
       </p:sp>
       <p:sp>
         <p:nvSpPr>
-          <p:cNvPr id="340" name="CustomShape 2"/>
+          <p:cNvPr id="336" name="CustomShape 2"/>
           <p:cNvSpPr/>
           <p:nvPr/>
         </p:nvSpPr>
         <p:spPr>
           <a:xfrm>
             <a:off x="1371600" y="1860480"/>
-            <a:ext cx="3108600" cy="4520520"/>
+            <a:ext cx="3108240" cy="4520160"/>
           </a:xfrm>
           <a:prstGeom prst="rect">
             <a:avLst/>
@@ -31677,6 +31108,7 @@
                   <a:srgbClr val="ffffff"/>
                 </a:solidFill>
                 <a:latin typeface="Arial"/>
+                <a:ea typeface="DejaVu Sans"/>
               </a:rPr>
               <a:t>‘</a:t>
             </a:r>
@@ -31686,6 +31118,7 @@
                   <a:srgbClr val="ffffff"/>
                 </a:solidFill>
                 <a:latin typeface="Arial"/>
+                <a:ea typeface="DejaVu Sans"/>
               </a:rPr>
               <a:t>Top’ </a:t>
             </a:r>
@@ -31695,6 +31128,7 @@
                   <a:srgbClr val="fff200"/>
                 </a:solidFill>
                 <a:latin typeface="Arial"/>
+                <a:ea typeface="DejaVu Sans"/>
               </a:rPr>
               <a:t>20</a:t>
             </a:r>
@@ -31704,6 +31138,7 @@
                   <a:srgbClr val="ffffff"/>
                 </a:solidFill>
                 <a:latin typeface="Arial"/>
+                <a:ea typeface="DejaVu Sans"/>
               </a:rPr>
               <a:t> </a:t>
             </a:r>
@@ -31713,6 +31148,7 @@
                   <a:srgbClr val="fff200"/>
                 </a:solidFill>
                 <a:latin typeface="Arial"/>
+                <a:ea typeface="DejaVu Sans"/>
               </a:rPr>
               <a:t>pitchers of interest</a:t>
             </a:r>
@@ -31722,6 +31158,7 @@
                   <a:srgbClr val="ffffff"/>
                 </a:solidFill>
                 <a:latin typeface="Arial"/>
+                <a:ea typeface="DejaVu Sans"/>
               </a:rPr>
               <a:t> </a:t>
             </a:r>
@@ -31731,6 +31168,7 @@
                   <a:srgbClr val="ffffff"/>
                 </a:solidFill>
                 <a:latin typeface="Arial"/>
+                <a:ea typeface="DejaVu Sans"/>
               </a:rPr>
               <a:t>selected from the 2016, 2017, and 2018 seasons.</a:t>
             </a:r>
@@ -31760,6 +31198,7 @@
                   <a:srgbClr val="ffffff"/>
                 </a:solidFill>
                 <a:latin typeface="Arial"/>
+                <a:ea typeface="DejaVu Sans"/>
               </a:rPr>
               <a:t>GS</a:t>
             </a:r>
@@ -31769,6 +31208,7 @@
                   <a:srgbClr val="ffffff"/>
                 </a:solidFill>
                 <a:latin typeface="Arial"/>
+                <a:ea typeface="DejaVu Sans"/>
               </a:rPr>
               <a:t> – </a:t>
             </a:r>
@@ -31778,6 +31218,7 @@
                   <a:srgbClr val="ffffff"/>
                 </a:solidFill>
                 <a:latin typeface="Arial"/>
+                <a:ea typeface="DejaVu Sans"/>
               </a:rPr>
               <a:t>Games started / season</a:t>
             </a:r>
@@ -31797,6 +31238,7 @@
                   <a:srgbClr val="ffffff"/>
                 </a:solidFill>
                 <a:latin typeface="Arial"/>
+                <a:ea typeface="DejaVu Sans"/>
               </a:rPr>
               <a:t>IP</a:t>
             </a:r>
@@ -31806,6 +31248,7 @@
                   <a:srgbClr val="ffffff"/>
                 </a:solidFill>
                 <a:latin typeface="Arial"/>
+                <a:ea typeface="DejaVu Sans"/>
               </a:rPr>
               <a:t> –</a:t>
             </a:r>
@@ -31815,6 +31258,7 @@
                   <a:srgbClr val="ffffff"/>
                 </a:solidFill>
                 <a:latin typeface="Arial"/>
+                <a:ea typeface="DejaVu Sans"/>
               </a:rPr>
               <a:t> Innings pitched / season</a:t>
             </a:r>
@@ -31834,6 +31278,7 @@
                   <a:srgbClr val="ffffff"/>
                 </a:solidFill>
                 <a:latin typeface="Arial"/>
+                <a:ea typeface="DejaVu Sans"/>
               </a:rPr>
               <a:t>Pitches</a:t>
             </a:r>
@@ -31843,6 +31288,7 @@
                   <a:srgbClr val="ffffff"/>
                 </a:solidFill>
                 <a:latin typeface="Arial"/>
+                <a:ea typeface="DejaVu Sans"/>
               </a:rPr>
               <a:t> - </a:t>
             </a:r>
@@ -31852,6 +31298,7 @@
                   <a:srgbClr val="ffffff"/>
                 </a:solidFill>
                 <a:latin typeface="Arial"/>
+                <a:ea typeface="DejaVu Sans"/>
               </a:rPr>
               <a:t>Pitches thrown / season</a:t>
             </a:r>
@@ -31871,6 +31318,7 @@
                   <a:srgbClr val="ffffff"/>
                 </a:solidFill>
                 <a:latin typeface="Arial"/>
+                <a:ea typeface="DejaVu Sans"/>
               </a:rPr>
               <a:t>IP/GS</a:t>
             </a:r>
@@ -31880,6 +31328,7 @@
                   <a:srgbClr val="ffffff"/>
                 </a:solidFill>
                 <a:latin typeface="Arial"/>
+                <a:ea typeface="DejaVu Sans"/>
               </a:rPr>
               <a:t> – </a:t>
             </a:r>
@@ -31889,6 +31338,7 @@
                   <a:srgbClr val="ffffff"/>
                 </a:solidFill>
                 <a:latin typeface="Arial"/>
+                <a:ea typeface="DejaVu Sans"/>
               </a:rPr>
               <a:t>Innings pitched / game</a:t>
             </a:r>
@@ -31908,6 +31358,7 @@
                   <a:srgbClr val="ffffff"/>
                 </a:solidFill>
                 <a:latin typeface="Arial"/>
+                <a:ea typeface="DejaVu Sans"/>
               </a:rPr>
               <a:t>Pitches/GS</a:t>
             </a:r>
@@ -31917,6 +31368,7 @@
                   <a:srgbClr val="ffffff"/>
                 </a:solidFill>
                 <a:latin typeface="Arial"/>
+                <a:ea typeface="DejaVu Sans"/>
               </a:rPr>
               <a:t> – </a:t>
             </a:r>
@@ -31926,6 +31378,7 @@
                   <a:srgbClr val="ffffff"/>
                 </a:solidFill>
                 <a:latin typeface="Arial"/>
+                <a:ea typeface="DejaVu Sans"/>
               </a:rPr>
               <a:t>Pitches thrown / game</a:t>
             </a:r>
@@ -31945,6 +31398,7 @@
                   <a:srgbClr val="ffffff"/>
                 </a:solidFill>
                 <a:latin typeface="Arial"/>
+                <a:ea typeface="DejaVu Sans"/>
               </a:rPr>
               <a:t>Pitches/IP</a:t>
             </a:r>
@@ -31954,6 +31408,7 @@
                   <a:srgbClr val="ffffff"/>
                 </a:solidFill>
                 <a:latin typeface="Arial"/>
+                <a:ea typeface="DejaVu Sans"/>
               </a:rPr>
               <a:t> – </a:t>
             </a:r>
@@ -31963,6 +31418,7 @@
                   <a:srgbClr val="ffffff"/>
                 </a:solidFill>
                 <a:latin typeface="Arial"/>
+                <a:ea typeface="DejaVu Sans"/>
               </a:rPr>
               <a:t>Pitches thrown / inning</a:t>
             </a:r>
@@ -32013,6 +31469,7 @@
                 </a:solidFill>
                 <a:uFillTx/>
                 <a:latin typeface="Arial"/>
+                <a:ea typeface="DejaVu Sans"/>
               </a:rPr>
               <a:t>Note:</a:t>
             </a:r>
@@ -32022,6 +31479,7 @@
                   <a:srgbClr val="fac090"/>
                 </a:solidFill>
                 <a:latin typeface="Arial"/>
+                <a:ea typeface="DejaVu Sans"/>
               </a:rPr>
               <a:t> The averages for these pitchers of interest are in-line with the rest of the starting pitchers in MLB.</a:t>
             </a:r>
@@ -32033,7 +31491,7 @@
       </p:sp>
       <p:pic>
         <p:nvPicPr>
-          <p:cNvPr id="341" name="" descr=""/>
+          <p:cNvPr id="337" name="" descr=""/>
           <p:cNvPicPr/>
           <p:nvPr/>
         </p:nvPicPr>
@@ -32044,7 +31502,7 @@
         <p:spPr>
           <a:xfrm>
             <a:off x="4588560" y="1554480"/>
-            <a:ext cx="4344120" cy="5028840"/>
+            <a:ext cx="4343760" cy="5028480"/>
           </a:xfrm>
           <a:prstGeom prst="rect">
             <a:avLst/>

--- a/capstone_projects/capstone_I/06_Capstone_I_Pitch_Prediction_Slidedeck.pptx
+++ b/capstone_projects/capstone_I/06_Capstone_I_Pitch_Prediction_Slidedeck.pptx
@@ -13359,7 +13359,7 @@
         <p:spPr>
           <a:xfrm>
             <a:off x="2468880" y="3429000"/>
-            <a:ext cx="6555600" cy="1678320"/>
+            <a:ext cx="6555240" cy="1677960"/>
           </a:xfrm>
           <a:prstGeom prst="rect">
             <a:avLst/>
@@ -13419,7 +13419,7 @@
         <p:spPr>
           <a:xfrm>
             <a:off x="2468880" y="5108760"/>
-            <a:ext cx="6555600" cy="609480"/>
+            <a:ext cx="6555240" cy="609120"/>
           </a:xfrm>
           <a:prstGeom prst="rect">
             <a:avLst/>
@@ -13471,7 +13471,7 @@
         <p:spPr>
           <a:xfrm>
             <a:off x="2414880" y="5843520"/>
-            <a:ext cx="6545520" cy="830880"/>
+            <a:ext cx="6545160" cy="830520"/>
           </a:xfrm>
           <a:prstGeom prst="rect">
             <a:avLst/>
@@ -13572,7 +13572,7 @@
         <p:spPr>
           <a:xfrm>
             <a:off x="2128680" y="527760"/>
-            <a:ext cx="6516000" cy="762120"/>
+            <a:ext cx="6515640" cy="761760"/>
           </a:xfrm>
           <a:prstGeom prst="rect">
             <a:avLst/>
@@ -13621,7 +13621,7 @@
         <p:spPr>
           <a:xfrm>
             <a:off x="1371600" y="4937760"/>
-            <a:ext cx="7405920" cy="1442880"/>
+            <a:ext cx="7405560" cy="1442520"/>
           </a:xfrm>
           <a:prstGeom prst="rect">
             <a:avLst/>
@@ -13640,7 +13640,7 @@
         <p:txBody>
           <a:bodyPr lIns="90000" rIns="90000" tIns="45000" bIns="45000"/>
           <a:p>
-            <a:pPr marL="216000" indent="-215280">
+            <a:pPr marL="216000" indent="-214920">
               <a:lnSpc>
                 <a:spcPct val="100000"/>
               </a:lnSpc>
@@ -13676,7 +13676,7 @@
             </a:endParaRPr>
           </a:p>
           <a:p>
-            <a:pPr marL="216000" indent="-215280">
+            <a:pPr marL="216000" indent="-214920">
               <a:lnSpc>
                 <a:spcPct val="100000"/>
               </a:lnSpc>
@@ -13712,9 +13712,9 @@
         <p:grpSpPr>
           <a:xfrm>
             <a:off x="2926080" y="1527120"/>
-            <a:ext cx="4303440" cy="3236760"/>
+            <a:ext cx="4303080" cy="3236400"/>
             <a:chOff x="2926080" y="1527120"/>
-            <a:chExt cx="4303440" cy="3236760"/>
+            <a:chExt cx="4303080" cy="3236400"/>
           </a:xfrm>
         </p:grpSpPr>
         <p:pic>
@@ -13730,7 +13730,7 @@
           <p:spPr>
             <a:xfrm>
               <a:off x="2932560" y="1840320"/>
-              <a:ext cx="4296960" cy="2923560"/>
+              <a:ext cx="4296600" cy="2923200"/>
             </a:xfrm>
             <a:prstGeom prst="rect">
               <a:avLst/>
@@ -13752,7 +13752,7 @@
           <p:spPr>
             <a:xfrm>
               <a:off x="2926080" y="1527120"/>
-              <a:ext cx="4303440" cy="312480"/>
+              <a:ext cx="4303080" cy="312120"/>
             </a:xfrm>
             <a:prstGeom prst="rect">
               <a:avLst/>
@@ -13851,7 +13851,7 @@
         <p:spPr>
           <a:xfrm>
             <a:off x="2128680" y="527760"/>
-            <a:ext cx="6516000" cy="762120"/>
+            <a:ext cx="6515640" cy="761760"/>
           </a:xfrm>
           <a:prstGeom prst="rect">
             <a:avLst/>
@@ -13900,7 +13900,7 @@
         <p:spPr>
           <a:xfrm>
             <a:off x="1640160" y="1521360"/>
-            <a:ext cx="2559600" cy="2285280"/>
+            <a:ext cx="2559240" cy="2284920"/>
           </a:xfrm>
           <a:prstGeom prst="rect">
             <a:avLst/>
@@ -13929,7 +13929,7 @@
             <a:r>
               <a:rPr b="1" lang="en-US" sz="1800" spc="-1" strike="noStrike" u="sng">
                 <a:solidFill>
-                  <a:srgbClr val="000000"/>
+                  <a:srgbClr val="ffffff"/>
                 </a:solidFill>
                 <a:uFillTx/>
                 <a:latin typeface="Arial"/>
@@ -13938,6 +13938,9 @@
               <a:t>Past Events:</a:t>
             </a:r>
             <a:endParaRPr b="0" lang="en-US" sz="1800" spc="-1" strike="noStrike">
+              <a:solidFill>
+                <a:srgbClr val="ffffff"/>
+              </a:solidFill>
               <a:latin typeface="Arial"/>
             </a:endParaRPr>
           </a:p>
@@ -13958,6 +13961,9 @@
               <a:t>Pitch Type</a:t>
             </a:r>
             <a:endParaRPr b="0" lang="en-US" sz="1500" spc="-1" strike="noStrike">
+              <a:solidFill>
+                <a:srgbClr val="ffffff"/>
+              </a:solidFill>
               <a:latin typeface="Arial"/>
             </a:endParaRPr>
           </a:p>
@@ -13978,6 +13984,9 @@
               <a:t>Pitch Velocity</a:t>
             </a:r>
             <a:endParaRPr b="0" lang="en-US" sz="1500" spc="-1" strike="noStrike">
+              <a:solidFill>
+                <a:srgbClr val="ffffff"/>
+              </a:solidFill>
               <a:latin typeface="Arial"/>
             </a:endParaRPr>
           </a:p>
@@ -14008,6 +14017,9 @@
               <a:t>*</a:t>
             </a:r>
             <a:endParaRPr b="0" lang="en-US" sz="1500" spc="-1" strike="noStrike">
+              <a:solidFill>
+                <a:srgbClr val="ffffff"/>
+              </a:solidFill>
               <a:latin typeface="Arial"/>
             </a:endParaRPr>
           </a:p>
@@ -14038,6 +14050,9 @@
               <a:t>*</a:t>
             </a:r>
             <a:endParaRPr b="0" lang="en-US" sz="1500" spc="-1" strike="noStrike">
+              <a:solidFill>
+                <a:srgbClr val="ffffff"/>
+              </a:solidFill>
               <a:latin typeface="Arial"/>
             </a:endParaRPr>
           </a:p>
@@ -14068,6 +14083,9 @@
               <a:t>*</a:t>
             </a:r>
             <a:endParaRPr b="0" lang="en-US" sz="1500" spc="-1" strike="noStrike">
+              <a:solidFill>
+                <a:srgbClr val="ffffff"/>
+              </a:solidFill>
               <a:latin typeface="Arial"/>
             </a:endParaRPr>
           </a:p>
@@ -14098,6 +14116,9 @@
               <a:t>*</a:t>
             </a:r>
             <a:endParaRPr b="0" lang="en-US" sz="1500" spc="-1" strike="noStrike">
+              <a:solidFill>
+                <a:srgbClr val="ffffff"/>
+              </a:solidFill>
               <a:latin typeface="Arial"/>
             </a:endParaRPr>
           </a:p>
@@ -14128,6 +14149,9 @@
               <a:t>*</a:t>
             </a:r>
             <a:endParaRPr b="0" lang="en-US" sz="1500" spc="-1" strike="noStrike">
+              <a:solidFill>
+                <a:srgbClr val="ffffff"/>
+              </a:solidFill>
               <a:latin typeface="Arial"/>
             </a:endParaRPr>
           </a:p>
@@ -14158,6 +14182,9 @@
               <a:t>*</a:t>
             </a:r>
             <a:endParaRPr b="0" lang="en-US" sz="1500" spc="-1" strike="noStrike">
+              <a:solidFill>
+                <a:srgbClr val="ffffff"/>
+              </a:solidFill>
               <a:latin typeface="Arial"/>
             </a:endParaRPr>
           </a:p>
@@ -14188,6 +14215,9 @@
               <a:t>*</a:t>
             </a:r>
             <a:endParaRPr b="0" lang="en-US" sz="1500" spc="-1" strike="noStrike">
+              <a:solidFill>
+                <a:srgbClr val="ffffff"/>
+              </a:solidFill>
               <a:latin typeface="Arial"/>
             </a:endParaRPr>
           </a:p>
@@ -14198,6 +14228,9 @@
               </a:lnSpc>
             </a:pPr>
             <a:endParaRPr b="0" lang="en-US" sz="1500" spc="-1" strike="noStrike">
+              <a:solidFill>
+                <a:srgbClr val="ffffff"/>
+              </a:solidFill>
               <a:latin typeface="Arial"/>
             </a:endParaRPr>
           </a:p>
@@ -14208,6 +14241,9 @@
               </a:lnSpc>
             </a:pPr>
             <a:endParaRPr b="0" lang="en-US" sz="1500" spc="-1" strike="noStrike">
+              <a:solidFill>
+                <a:srgbClr val="ffffff"/>
+              </a:solidFill>
               <a:latin typeface="Arial"/>
             </a:endParaRPr>
           </a:p>
@@ -14222,7 +14258,7 @@
         <p:spPr>
           <a:xfrm>
             <a:off x="4098240" y="1626480"/>
-            <a:ext cx="4862160" cy="4862160"/>
+            <a:ext cx="4861800" cy="4861800"/>
           </a:xfrm>
           <a:prstGeom prst="rect">
             <a:avLst/>
@@ -14685,7 +14721,7 @@
         <p:spPr>
           <a:xfrm>
             <a:off x="1640160" y="3898080"/>
-            <a:ext cx="2559600" cy="2413440"/>
+            <a:ext cx="2559240" cy="2413080"/>
           </a:xfrm>
           <a:prstGeom prst="rect">
             <a:avLst/>
@@ -14977,7 +15013,7 @@
         <p:spPr>
           <a:xfrm>
             <a:off x="1573920" y="6348240"/>
-            <a:ext cx="2376720" cy="301320"/>
+            <a:ext cx="2376360" cy="300960"/>
           </a:xfrm>
           <a:prstGeom prst="rect">
             <a:avLst/>
@@ -15078,7 +15114,7 @@
         <p:spPr>
           <a:xfrm>
             <a:off x="601560" y="374760"/>
-            <a:ext cx="8092080" cy="762120"/>
+            <a:ext cx="8091720" cy="761760"/>
           </a:xfrm>
           <a:prstGeom prst="rect">
             <a:avLst/>
@@ -15133,7 +15169,7 @@
         <p:spPr>
           <a:xfrm>
             <a:off x="274320" y="3183840"/>
-            <a:ext cx="3355200" cy="1449000"/>
+            <a:ext cx="3354840" cy="1448640"/>
           </a:xfrm>
           <a:prstGeom prst="rect">
             <a:avLst/>
@@ -15159,7 +15195,7 @@
         <p:spPr>
           <a:xfrm>
             <a:off x="6145920" y="1335600"/>
-            <a:ext cx="2285280" cy="1828080"/>
+            <a:ext cx="2284920" cy="1827720"/>
           </a:xfrm>
           <a:prstGeom prst="rect">
             <a:avLst/>
@@ -15181,9 +15217,9 @@
         <p:grpSpPr>
           <a:xfrm>
             <a:off x="5689080" y="3225600"/>
-            <a:ext cx="3163320" cy="1828080"/>
+            <a:ext cx="3162960" cy="1827720"/>
             <a:chOff x="5689080" y="3225600"/>
-            <a:chExt cx="3163320" cy="1828080"/>
+            <a:chExt cx="3162960" cy="1827720"/>
           </a:xfrm>
         </p:grpSpPr>
         <p:pic>
@@ -15199,7 +15235,7 @@
           <p:spPr>
             <a:xfrm>
               <a:off x="7764840" y="3225600"/>
-              <a:ext cx="1087560" cy="1828080"/>
+              <a:ext cx="1087200" cy="1827720"/>
             </a:xfrm>
             <a:prstGeom prst="rect">
               <a:avLst/>
@@ -15218,9 +15254,9 @@
           <p:grpSpPr>
             <a:xfrm>
               <a:off x="5689080" y="3225600"/>
-              <a:ext cx="2075040" cy="1828080"/>
+              <a:ext cx="2074680" cy="1827720"/>
               <a:chOff x="5689080" y="3225600"/>
-              <a:chExt cx="2075040" cy="1828080"/>
+              <a:chExt cx="2074680" cy="1827720"/>
             </a:xfrm>
           </p:grpSpPr>
           <p:pic>
@@ -15236,7 +15272,7 @@
             <p:spPr>
               <a:xfrm>
                 <a:off x="5689080" y="3225600"/>
-                <a:ext cx="1041840" cy="1828080"/>
+                <a:ext cx="1041480" cy="1827720"/>
               </a:xfrm>
               <a:prstGeom prst="rect">
                 <a:avLst/>
@@ -15259,7 +15295,7 @@
             <p:spPr>
               <a:xfrm>
                 <a:off x="6731640" y="3225600"/>
-                <a:ext cx="1032480" cy="1828080"/>
+                <a:ext cx="1032120" cy="1827720"/>
               </a:xfrm>
               <a:prstGeom prst="rect">
                 <a:avLst/>
@@ -15280,9 +15316,9 @@
         <p:grpSpPr>
           <a:xfrm>
             <a:off x="274320" y="1299600"/>
-            <a:ext cx="2193840" cy="1828080"/>
+            <a:ext cx="2193480" cy="1827720"/>
             <a:chOff x="274320" y="1299600"/>
-            <a:chExt cx="2193840" cy="1828080"/>
+            <a:chExt cx="2193480" cy="1827720"/>
           </a:xfrm>
         </p:grpSpPr>
         <p:pic>
@@ -15298,7 +15334,7 @@
           <p:spPr>
             <a:xfrm>
               <a:off x="274320" y="1299600"/>
-              <a:ext cx="1023480" cy="1828080"/>
+              <a:ext cx="1023120" cy="1827720"/>
             </a:xfrm>
             <a:prstGeom prst="rect">
               <a:avLst/>
@@ -15324,7 +15360,7 @@
           <p:spPr>
             <a:xfrm>
               <a:off x="1380600" y="1299600"/>
-              <a:ext cx="1087560" cy="1828080"/>
+              <a:ext cx="1087200" cy="1827720"/>
             </a:xfrm>
             <a:prstGeom prst="rect">
               <a:avLst/>
@@ -15351,7 +15387,7 @@
         <p:spPr>
           <a:xfrm>
             <a:off x="274320" y="4846320"/>
-            <a:ext cx="1032480" cy="1828080"/>
+            <a:ext cx="1032120" cy="1827720"/>
           </a:xfrm>
           <a:prstGeom prst="rect">
             <a:avLst/>
@@ -15373,7 +15409,7 @@
         <p:spPr>
           <a:xfrm>
             <a:off x="2560320" y="1281600"/>
-            <a:ext cx="2468160" cy="1710720"/>
+            <a:ext cx="2467800" cy="1710360"/>
           </a:xfrm>
           <a:prstGeom prst="rect">
             <a:avLst/>
@@ -15648,7 +15684,7 @@
         <p:spPr>
           <a:xfrm>
             <a:off x="1371600" y="4847760"/>
-            <a:ext cx="2193840" cy="1826640"/>
+            <a:ext cx="2193480" cy="1826280"/>
           </a:xfrm>
           <a:prstGeom prst="rect">
             <a:avLst/>
@@ -15778,7 +15814,7 @@
         <p:spPr>
           <a:xfrm>
             <a:off x="3749040" y="3474720"/>
-            <a:ext cx="1553760" cy="1162080"/>
+            <a:ext cx="1553400" cy="1161720"/>
           </a:xfrm>
           <a:prstGeom prst="rect">
             <a:avLst/>
@@ -15905,7 +15941,7 @@
         <p:spPr>
           <a:xfrm>
             <a:off x="3783600" y="4847760"/>
-            <a:ext cx="5176800" cy="1826640"/>
+            <a:ext cx="5176440" cy="1826280"/>
           </a:xfrm>
           <a:prstGeom prst="rect">
             <a:avLst/>
@@ -16199,7 +16235,7 @@
         <p:spPr>
           <a:xfrm>
             <a:off x="2056680" y="424080"/>
-            <a:ext cx="6363360" cy="762120"/>
+            <a:ext cx="6363000" cy="761760"/>
           </a:xfrm>
           <a:prstGeom prst="rect">
             <a:avLst/>
@@ -16248,7 +16284,7 @@
         <p:spPr>
           <a:xfrm>
             <a:off x="1463040" y="5603040"/>
-            <a:ext cx="7314480" cy="289440"/>
+            <a:ext cx="7314120" cy="289080"/>
           </a:xfrm>
           <a:prstGeom prst="rect">
             <a:avLst/>
@@ -16297,9 +16333,9 @@
         <p:grpSpPr>
           <a:xfrm>
             <a:off x="3158640" y="1360800"/>
-            <a:ext cx="3659760" cy="4194720"/>
+            <a:ext cx="3659400" cy="4194360"/>
             <a:chOff x="3158640" y="1360800"/>
-            <a:chExt cx="3659760" cy="4194720"/>
+            <a:chExt cx="3659400" cy="4194360"/>
           </a:xfrm>
         </p:grpSpPr>
         <p:pic>
@@ -16315,7 +16351,7 @@
           <p:spPr>
             <a:xfrm>
               <a:off x="3158640" y="1360800"/>
-              <a:ext cx="1231920" cy="4194720"/>
+              <a:ext cx="1231560" cy="4194360"/>
             </a:xfrm>
             <a:prstGeom prst="rect">
               <a:avLst/>
@@ -16338,7 +16374,7 @@
           <p:spPr>
             <a:xfrm>
               <a:off x="4373280" y="1360800"/>
-              <a:ext cx="2445120" cy="4194720"/>
+              <a:ext cx="2444760" cy="4194360"/>
             </a:xfrm>
             <a:prstGeom prst="rect">
               <a:avLst/>
@@ -16358,7 +16394,7 @@
         <p:spPr>
           <a:xfrm>
             <a:off x="3178080" y="5963040"/>
-            <a:ext cx="3587760" cy="545400"/>
+            <a:ext cx="3587400" cy="545040"/>
           </a:xfrm>
           <a:prstGeom prst="rect">
             <a:avLst/>
@@ -16456,7 +16492,7 @@
         <p:spPr>
           <a:xfrm>
             <a:off x="2056680" y="424080"/>
-            <a:ext cx="6363360" cy="762120"/>
+            <a:ext cx="6363000" cy="761760"/>
           </a:xfrm>
           <a:prstGeom prst="rect">
             <a:avLst/>
@@ -16505,7 +16541,7 @@
         <p:spPr>
           <a:xfrm>
             <a:off x="5494320" y="2106000"/>
-            <a:ext cx="3385440" cy="1002240"/>
+            <a:ext cx="3385080" cy="1001880"/>
           </a:xfrm>
           <a:prstGeom prst="rect">
             <a:avLst/>
@@ -16579,7 +16615,7 @@
         <p:spPr>
           <a:xfrm>
             <a:off x="1532160" y="2107800"/>
-            <a:ext cx="3549960" cy="1183320"/>
+            <a:ext cx="3549600" cy="1182960"/>
           </a:xfrm>
           <a:prstGeom prst="rect">
             <a:avLst/>
@@ -16653,7 +16689,7 @@
         <p:spPr>
           <a:xfrm>
             <a:off x="2194560" y="1304640"/>
-            <a:ext cx="6308640" cy="706320"/>
+            <a:ext cx="6308280" cy="705960"/>
           </a:xfrm>
           <a:prstGeom prst="rect">
             <a:avLst/>
@@ -16708,7 +16744,7 @@
         <p:spPr>
           <a:xfrm>
             <a:off x="1297800" y="3059280"/>
-            <a:ext cx="3766680" cy="3108240"/>
+            <a:ext cx="3766320" cy="3107880"/>
           </a:xfrm>
           <a:prstGeom prst="rect">
             <a:avLst/>
@@ -16730,7 +16766,7 @@
         <p:spPr>
           <a:xfrm>
             <a:off x="1463040" y="6215040"/>
-            <a:ext cx="7314480" cy="289440"/>
+            <a:ext cx="7314120" cy="289080"/>
           </a:xfrm>
           <a:prstGeom prst="rect">
             <a:avLst/>
@@ -16843,7 +16879,7 @@
         <p:spPr>
           <a:xfrm>
             <a:off x="5276160" y="3059280"/>
-            <a:ext cx="3501360" cy="3108240"/>
+            <a:ext cx="3501000" cy="3107880"/>
           </a:xfrm>
           <a:prstGeom prst="rect">
             <a:avLst/>
@@ -16914,7 +16950,7 @@
         <p:spPr>
           <a:xfrm>
             <a:off x="2056680" y="424080"/>
-            <a:ext cx="6363360" cy="762120"/>
+            <a:ext cx="6363000" cy="761760"/>
           </a:xfrm>
           <a:prstGeom prst="rect">
             <a:avLst/>
@@ -16993,7 +17029,7 @@
         <p:spPr>
           <a:xfrm>
             <a:off x="1618560" y="1556640"/>
-            <a:ext cx="7302960" cy="587520"/>
+            <a:ext cx="7302600" cy="587160"/>
           </a:xfrm>
           <a:prstGeom prst="rect">
             <a:avLst/>
@@ -17730,7 +17766,7 @@
         <p:spPr>
           <a:xfrm>
             <a:off x="1463040" y="4430880"/>
-            <a:ext cx="7405920" cy="1713960"/>
+            <a:ext cx="7405560" cy="1713600"/>
           </a:xfrm>
           <a:prstGeom prst="rect">
             <a:avLst/>
@@ -17925,7 +17961,7 @@
         <p:spPr>
           <a:xfrm>
             <a:off x="2572560" y="4009680"/>
-            <a:ext cx="4977360" cy="289800"/>
+            <a:ext cx="4977000" cy="289440"/>
           </a:xfrm>
           <a:prstGeom prst="rect">
             <a:avLst/>
@@ -17994,7 +18030,7 @@
         <p:spPr>
           <a:xfrm>
             <a:off x="3524400" y="6145920"/>
-            <a:ext cx="3016800" cy="402120"/>
+            <a:ext cx="3016440" cy="401760"/>
           </a:xfrm>
           <a:prstGeom prst="rect">
             <a:avLst/>
@@ -18092,7 +18128,7 @@
         <p:spPr>
           <a:xfrm>
             <a:off x="2056680" y="424080"/>
-            <a:ext cx="6363360" cy="762120"/>
+            <a:ext cx="6363000" cy="761760"/>
           </a:xfrm>
           <a:prstGeom prst="rect">
             <a:avLst/>
@@ -18171,7 +18207,7 @@
         <p:spPr>
           <a:xfrm>
             <a:off x="1371600" y="1920240"/>
-            <a:ext cx="7588800" cy="1645200"/>
+            <a:ext cx="7588440" cy="1644840"/>
           </a:xfrm>
           <a:prstGeom prst="rect">
             <a:avLst/>
@@ -18486,7 +18522,7 @@
         <p:spPr>
           <a:xfrm>
             <a:off x="1679040" y="4311000"/>
-            <a:ext cx="4662720" cy="2216520"/>
+            <a:ext cx="4662360" cy="2216160"/>
           </a:xfrm>
           <a:prstGeom prst="rect">
             <a:avLst/>
@@ -18508,7 +18544,7 @@
         <p:spPr>
           <a:xfrm>
             <a:off x="6564240" y="4372560"/>
-            <a:ext cx="2010960" cy="2010960"/>
+            <a:ext cx="2010600" cy="2010600"/>
           </a:xfrm>
           <a:custGeom>
             <a:avLst/>
@@ -18775,7 +18811,7 @@
         <p:spPr>
           <a:xfrm>
             <a:off x="1607040" y="3700080"/>
-            <a:ext cx="6948720" cy="541440"/>
+            <a:ext cx="6948360" cy="541080"/>
           </a:xfrm>
           <a:prstGeom prst="rect">
             <a:avLst/>
@@ -18893,7 +18929,7 @@
         <p:spPr>
           <a:xfrm>
             <a:off x="601560" y="374760"/>
-            <a:ext cx="8092080" cy="762120"/>
+            <a:ext cx="8091720" cy="761760"/>
           </a:xfrm>
           <a:prstGeom prst="rect">
             <a:avLst/>
@@ -18944,7 +18980,7 @@
         <p:spPr>
           <a:xfrm>
             <a:off x="1113840" y="1609920"/>
-            <a:ext cx="7040160" cy="601560"/>
+            <a:ext cx="7039800" cy="601200"/>
           </a:xfrm>
           <a:prstGeom prst="rect">
             <a:avLst/>
@@ -18963,7 +18999,7 @@
         <p:txBody>
           <a:bodyPr lIns="90000" rIns="90000" tIns="45000" bIns="45000"/>
           <a:p>
-            <a:pPr marL="216000" indent="-215280">
+            <a:pPr marL="216000" indent="-214920">
               <a:lnSpc>
                 <a:spcPct val="100000"/>
               </a:lnSpc>
@@ -19009,7 +19045,7 @@
             </a:endParaRPr>
           </a:p>
           <a:p>
-            <a:pPr marL="216000" indent="-215280">
+            <a:pPr marL="216000" indent="-214920">
               <a:lnSpc>
                 <a:spcPct val="100000"/>
               </a:lnSpc>
@@ -19069,7 +19105,7 @@
         <p:spPr>
           <a:xfrm>
             <a:off x="1740240" y="2305440"/>
-            <a:ext cx="5760000" cy="4244400"/>
+            <a:ext cx="5759640" cy="4244040"/>
           </a:xfrm>
           <a:prstGeom prst="rect">
             <a:avLst/>
@@ -19140,7 +19176,7 @@
         <p:spPr>
           <a:xfrm>
             <a:off x="601560" y="374760"/>
-            <a:ext cx="8092080" cy="762120"/>
+            <a:ext cx="8091720" cy="761760"/>
           </a:xfrm>
           <a:prstGeom prst="rect">
             <a:avLst/>
@@ -19191,7 +19227,7 @@
         <p:spPr>
           <a:xfrm>
             <a:off x="3011760" y="1686600"/>
-            <a:ext cx="5870880" cy="693000"/>
+            <a:ext cx="5870520" cy="692640"/>
           </a:xfrm>
           <a:prstGeom prst="rect">
             <a:avLst/>
@@ -19264,7 +19300,7 @@
         <p:spPr>
           <a:xfrm>
             <a:off x="3103560" y="2576880"/>
-            <a:ext cx="5635080" cy="3440880"/>
+            <a:ext cx="5634720" cy="3440520"/>
           </a:xfrm>
           <a:prstGeom prst="rect">
             <a:avLst/>
@@ -19286,7 +19322,7 @@
         <p:spPr>
           <a:xfrm>
             <a:off x="182880" y="2723760"/>
-            <a:ext cx="2775960" cy="3199680"/>
+            <a:ext cx="2775600" cy="3199320"/>
           </a:xfrm>
           <a:prstGeom prst="rect">
             <a:avLst/>
@@ -19336,7 +19372,7 @@
             </a:endParaRPr>
           </a:p>
           <a:p>
-            <a:pPr marL="216000" indent="-215280">
+            <a:pPr marL="216000" indent="-214920">
               <a:lnSpc>
                 <a:spcPct val="100000"/>
               </a:lnSpc>
@@ -19436,7 +19472,7 @@
             </a:endParaRPr>
           </a:p>
           <a:p>
-            <a:pPr marL="216000" indent="-215280">
+            <a:pPr marL="216000" indent="-214920">
               <a:lnSpc>
                 <a:spcPct val="100000"/>
               </a:lnSpc>
@@ -19465,7 +19501,7 @@
             </a:endParaRPr>
           </a:p>
           <a:p>
-            <a:pPr marL="216000" indent="-215280">
+            <a:pPr marL="216000" indent="-214920">
               <a:lnSpc>
                 <a:spcPct val="100000"/>
               </a:lnSpc>
@@ -19494,7 +19530,7 @@
             </a:endParaRPr>
           </a:p>
           <a:p>
-            <a:pPr marL="216000" indent="-215280">
+            <a:pPr marL="216000" indent="-214920">
               <a:lnSpc>
                 <a:spcPct val="100000"/>
               </a:lnSpc>
@@ -19523,7 +19559,7 @@
             </a:endParaRPr>
           </a:p>
           <a:p>
-            <a:pPr marL="216000" indent="-215280">
+            <a:pPr marL="216000" indent="-214920">
               <a:lnSpc>
                 <a:spcPct val="100000"/>
               </a:lnSpc>
@@ -19562,7 +19598,7 @@
         <p:spPr>
           <a:xfrm>
             <a:off x="4003920" y="6146640"/>
-            <a:ext cx="3931200" cy="289440"/>
+            <a:ext cx="3930840" cy="289080"/>
           </a:xfrm>
           <a:prstGeom prst="rect">
             <a:avLst/>
@@ -19660,7 +19696,7 @@
         <p:spPr>
           <a:xfrm>
             <a:off x="601560" y="374760"/>
-            <a:ext cx="8092080" cy="762120"/>
+            <a:ext cx="8091720" cy="761760"/>
           </a:xfrm>
           <a:prstGeom prst="rect">
             <a:avLst/>
@@ -19711,7 +19747,7 @@
         <p:spPr>
           <a:xfrm>
             <a:off x="2723760" y="1407600"/>
-            <a:ext cx="6217200" cy="365040"/>
+            <a:ext cx="6216840" cy="364680"/>
           </a:xfrm>
           <a:prstGeom prst="rect">
             <a:avLst/>
@@ -19783,7 +19819,7 @@
         <p:spPr>
           <a:xfrm>
             <a:off x="3350160" y="5894640"/>
-            <a:ext cx="4937040" cy="344880"/>
+            <a:ext cx="4936680" cy="344520"/>
           </a:xfrm>
           <a:prstGeom prst="rect">
             <a:avLst/>
@@ -19836,7 +19872,7 @@
         <p:spPr>
           <a:xfrm>
             <a:off x="3113640" y="2011680"/>
-            <a:ext cx="5463360" cy="3748320"/>
+            <a:ext cx="5463000" cy="3747960"/>
           </a:xfrm>
           <a:prstGeom prst="rect">
             <a:avLst/>
@@ -19858,7 +19894,7 @@
         <p:spPr>
           <a:xfrm>
             <a:off x="91440" y="2831760"/>
-            <a:ext cx="2925360" cy="1913760"/>
+            <a:ext cx="2925000" cy="1913400"/>
           </a:xfrm>
           <a:prstGeom prst="rect">
             <a:avLst/>
@@ -19928,7 +19964,7 @@
             </a:endParaRPr>
           </a:p>
           <a:p>
-            <a:pPr marL="216000" indent="-215280">
+            <a:pPr marL="216000" indent="-214920">
               <a:lnSpc>
                 <a:spcPct val="100000"/>
               </a:lnSpc>
@@ -19967,7 +20003,7 @@
             </a:endParaRPr>
           </a:p>
           <a:p>
-            <a:pPr marL="216000" indent="-215280">
+            <a:pPr marL="216000" indent="-214920">
               <a:lnSpc>
                 <a:spcPct val="100000"/>
               </a:lnSpc>
@@ -20065,7 +20101,7 @@
         <p:spPr>
           <a:xfrm>
             <a:off x="601560" y="374760"/>
-            <a:ext cx="8092080" cy="762120"/>
+            <a:ext cx="8091720" cy="761760"/>
           </a:xfrm>
           <a:prstGeom prst="rect">
             <a:avLst/>
@@ -20116,7 +20152,7 @@
         <p:spPr>
           <a:xfrm>
             <a:off x="365760" y="1954080"/>
-            <a:ext cx="8411760" cy="4171680"/>
+            <a:ext cx="8411400" cy="4171320"/>
           </a:xfrm>
           <a:prstGeom prst="rect">
             <a:avLst/>
@@ -20137,7 +20173,7 @@
             <a:normAutofit/>
           </a:bodyPr>
           <a:p>
-            <a:pPr marL="432000" indent="-323280">
+            <a:pPr marL="432000" indent="-322920">
               <a:lnSpc>
                 <a:spcPct val="100000"/>
               </a:lnSpc>
@@ -20255,7 +20291,7 @@
             </a:endParaRPr>
           </a:p>
           <a:p>
-            <a:pPr marL="432000" indent="-323280">
+            <a:pPr marL="432000" indent="-322920">
               <a:lnSpc>
                 <a:spcPct val="100000"/>
               </a:lnSpc>
@@ -20344,7 +20380,7 @@
             </a:endParaRPr>
           </a:p>
           <a:p>
-            <a:pPr marL="432000" indent="-323280">
+            <a:pPr marL="432000" indent="-322920">
               <a:lnSpc>
                 <a:spcPct val="100000"/>
               </a:lnSpc>
@@ -20497,7 +20533,7 @@
         <p:spPr>
           <a:xfrm>
             <a:off x="601560" y="374760"/>
-            <a:ext cx="8092080" cy="762120"/>
+            <a:ext cx="8091720" cy="761760"/>
           </a:xfrm>
           <a:prstGeom prst="rect">
             <a:avLst/>
@@ -20548,7 +20584,7 @@
         <p:spPr>
           <a:xfrm>
             <a:off x="2286000" y="1463040"/>
-            <a:ext cx="6546960" cy="1005120"/>
+            <a:ext cx="6546600" cy="1004760"/>
           </a:xfrm>
           <a:prstGeom prst="rect">
             <a:avLst/>
@@ -20597,7 +20633,7 @@
         <p:spPr>
           <a:xfrm>
             <a:off x="2286000" y="2579040"/>
-            <a:ext cx="2468160" cy="1296360"/>
+            <a:ext cx="2467800" cy="1296000"/>
           </a:xfrm>
           <a:prstGeom prst="rect">
             <a:avLst/>
@@ -20616,7 +20652,7 @@
         <p:txBody>
           <a:bodyPr lIns="90000" rIns="90000" tIns="45000" bIns="45000"/>
           <a:p>
-            <a:pPr marL="216000" indent="-215280">
+            <a:pPr marL="216000" indent="-214920">
               <a:lnSpc>
                 <a:spcPct val="100000"/>
               </a:lnSpc>
@@ -20645,7 +20681,7 @@
             </a:endParaRPr>
           </a:p>
           <a:p>
-            <a:pPr marL="216000" indent="-215280">
+            <a:pPr marL="216000" indent="-214920">
               <a:lnSpc>
                 <a:spcPct val="100000"/>
               </a:lnSpc>
@@ -20674,7 +20710,7 @@
             </a:endParaRPr>
           </a:p>
           <a:p>
-            <a:pPr marL="216000" indent="-215280">
+            <a:pPr marL="216000" indent="-214920">
               <a:lnSpc>
                 <a:spcPct val="100000"/>
               </a:lnSpc>
@@ -20713,7 +20749,7 @@
         <p:spPr>
           <a:xfrm>
             <a:off x="4826880" y="2579040"/>
-            <a:ext cx="303840" cy="1077840"/>
+            <a:ext cx="303480" cy="1077480"/>
           </a:xfrm>
           <a:custGeom>
             <a:avLst/>
@@ -20778,7 +20814,7 @@
         <p:spPr>
           <a:xfrm>
             <a:off x="5058000" y="2687400"/>
-            <a:ext cx="3422880" cy="693000"/>
+            <a:ext cx="3422520" cy="692640"/>
           </a:xfrm>
           <a:prstGeom prst="rect">
             <a:avLst/>
@@ -20853,7 +20889,7 @@
         <p:spPr>
           <a:xfrm>
             <a:off x="731520" y="4019040"/>
-            <a:ext cx="7771680" cy="2506680"/>
+            <a:ext cx="7771320" cy="2506320"/>
           </a:xfrm>
           <a:prstGeom prst="rect">
             <a:avLst/>
@@ -21083,7 +21119,7 @@
         <p:spPr>
           <a:xfrm>
             <a:off x="601560" y="374760"/>
-            <a:ext cx="8092080" cy="762120"/>
+            <a:ext cx="8091720" cy="761760"/>
           </a:xfrm>
           <a:prstGeom prst="rect">
             <a:avLst/>
@@ -21154,7 +21190,7 @@
         <p:spPr>
           <a:xfrm>
             <a:off x="365760" y="2293920"/>
-            <a:ext cx="8411760" cy="3831840"/>
+            <a:ext cx="8411400" cy="3831480"/>
           </a:xfrm>
           <a:prstGeom prst="rect">
             <a:avLst/>
@@ -21362,7 +21398,7 @@
         <p:spPr>
           <a:xfrm>
             <a:off x="601560" y="374760"/>
-            <a:ext cx="8092080" cy="762120"/>
+            <a:ext cx="8091720" cy="761760"/>
           </a:xfrm>
           <a:prstGeom prst="rect">
             <a:avLst/>
@@ -21413,7 +21449,7 @@
         <p:spPr>
           <a:xfrm>
             <a:off x="551520" y="1887120"/>
-            <a:ext cx="8170560" cy="939600"/>
+            <a:ext cx="8170200" cy="939240"/>
           </a:xfrm>
           <a:prstGeom prst="rect">
             <a:avLst/>
@@ -21493,7 +21529,7 @@
         <p:spPr>
           <a:xfrm>
             <a:off x="551520" y="2859120"/>
-            <a:ext cx="8170560" cy="2948760"/>
+            <a:ext cx="8170200" cy="2948400"/>
           </a:xfrm>
           <a:prstGeom prst="rect">
             <a:avLst/>
@@ -21512,7 +21548,7 @@
         <p:txBody>
           <a:bodyPr lIns="90000" rIns="90000" tIns="45000" bIns="45000"/>
           <a:p>
-            <a:pPr marL="216000" indent="-215280">
+            <a:pPr marL="216000" indent="-214920">
               <a:lnSpc>
                 <a:spcPct val="100000"/>
               </a:lnSpc>
@@ -21541,7 +21577,7 @@
             </a:endParaRPr>
           </a:p>
           <a:p>
-            <a:pPr marL="216000" indent="-215280">
+            <a:pPr marL="216000" indent="-214920">
               <a:lnSpc>
                 <a:spcPct val="100000"/>
               </a:lnSpc>
@@ -21570,7 +21606,7 @@
             </a:endParaRPr>
           </a:p>
           <a:p>
-            <a:pPr lvl="1" marL="457200" indent="-216000">
+            <a:pPr lvl="1" marL="457200" indent="-215640">
               <a:lnSpc>
                 <a:spcPct val="100000"/>
               </a:lnSpc>
@@ -21598,7 +21634,7 @@
             </a:endParaRPr>
           </a:p>
           <a:p>
-            <a:pPr lvl="1" marL="457200" indent="-216000">
+            <a:pPr lvl="1" marL="457200" indent="-215640">
               <a:lnSpc>
                 <a:spcPct val="100000"/>
               </a:lnSpc>
@@ -21626,7 +21662,7 @@
             </a:endParaRPr>
           </a:p>
           <a:p>
-            <a:pPr lvl="1" marL="457200" indent="-216000">
+            <a:pPr lvl="1" marL="457200" indent="-215640">
               <a:lnSpc>
                 <a:spcPct val="100000"/>
               </a:lnSpc>
@@ -21654,7 +21690,7 @@
             </a:endParaRPr>
           </a:p>
           <a:p>
-            <a:pPr lvl="1" marL="457200" indent="-216000">
+            <a:pPr lvl="1" marL="457200" indent="-215640">
               <a:lnSpc>
                 <a:spcPct val="100000"/>
               </a:lnSpc>
@@ -21682,7 +21718,7 @@
             </a:endParaRPr>
           </a:p>
           <a:p>
-            <a:pPr lvl="1" marL="457200" indent="-216000">
+            <a:pPr lvl="1" marL="457200" indent="-215640">
               <a:lnSpc>
                 <a:spcPct val="100000"/>
               </a:lnSpc>
@@ -21710,7 +21746,7 @@
             </a:endParaRPr>
           </a:p>
           <a:p>
-            <a:pPr marL="216000" indent="-215280">
+            <a:pPr marL="216000" indent="-214920">
               <a:lnSpc>
                 <a:spcPct val="100000"/>
               </a:lnSpc>
@@ -21739,7 +21775,7 @@
             </a:endParaRPr>
           </a:p>
           <a:p>
-            <a:pPr marL="216000" indent="-215280">
+            <a:pPr marL="216000" indent="-214920">
               <a:lnSpc>
                 <a:spcPct val="100000"/>
               </a:lnSpc>
@@ -21768,7 +21804,7 @@
             </a:endParaRPr>
           </a:p>
           <a:p>
-            <a:pPr marL="216000" indent="-215280">
+            <a:pPr marL="216000" indent="-214920">
               <a:lnSpc>
                 <a:spcPct val="100000"/>
               </a:lnSpc>
@@ -21876,7 +21912,7 @@
         <p:spPr>
           <a:xfrm>
             <a:off x="601560" y="374760"/>
-            <a:ext cx="8092080" cy="762120"/>
+            <a:ext cx="8091720" cy="761760"/>
           </a:xfrm>
           <a:prstGeom prst="rect">
             <a:avLst/>
@@ -21927,7 +21963,7 @@
         <p:spPr>
           <a:xfrm>
             <a:off x="127440" y="3078000"/>
-            <a:ext cx="2742480" cy="1762560"/>
+            <a:ext cx="2742120" cy="1762200"/>
           </a:xfrm>
           <a:prstGeom prst="rect">
             <a:avLst/>
@@ -21970,7 +22006,7 @@
             </a:endParaRPr>
           </a:p>
           <a:p>
-            <a:pPr marL="216000" indent="-215280">
+            <a:pPr marL="216000" indent="-214920">
               <a:lnSpc>
                 <a:spcPct val="100000"/>
               </a:lnSpc>
@@ -21999,7 +22035,7 @@
             </a:endParaRPr>
           </a:p>
           <a:p>
-            <a:pPr marL="216000" indent="-215280">
+            <a:pPr marL="216000" indent="-214920">
               <a:lnSpc>
                 <a:spcPct val="100000"/>
               </a:lnSpc>
@@ -22028,7 +22064,7 @@
             </a:endParaRPr>
           </a:p>
           <a:p>
-            <a:pPr marL="216000" indent="-215280">
+            <a:pPr marL="216000" indent="-214920">
               <a:lnSpc>
                 <a:spcPct val="100000"/>
               </a:lnSpc>
@@ -22071,7 +22107,7 @@
         <p:spPr>
           <a:xfrm>
             <a:off x="2926080" y="2362680"/>
-            <a:ext cx="5992920" cy="3903120"/>
+            <a:ext cx="5992560" cy="3902760"/>
           </a:xfrm>
           <a:prstGeom prst="rect">
             <a:avLst/>
@@ -22093,7 +22129,7 @@
         <p:spPr>
           <a:xfrm>
             <a:off x="2867760" y="6290640"/>
-            <a:ext cx="6125760" cy="322560"/>
+            <a:ext cx="6125400" cy="322200"/>
           </a:xfrm>
           <a:prstGeom prst="rect">
             <a:avLst/>
@@ -22142,7 +22178,7 @@
         <p:spPr>
           <a:xfrm>
             <a:off x="2795760" y="1753920"/>
-            <a:ext cx="6217200" cy="527760"/>
+            <a:ext cx="6216840" cy="527400"/>
           </a:xfrm>
           <a:prstGeom prst="rect">
             <a:avLst/>
@@ -22240,7 +22276,7 @@
         <p:spPr>
           <a:xfrm>
             <a:off x="601560" y="374760"/>
-            <a:ext cx="8092080" cy="762120"/>
+            <a:ext cx="8091720" cy="761760"/>
           </a:xfrm>
           <a:prstGeom prst="rect">
             <a:avLst/>
@@ -22295,7 +22331,7 @@
         <p:spPr>
           <a:xfrm>
             <a:off x="2560320" y="1668240"/>
-            <a:ext cx="4310280" cy="1081800"/>
+            <a:ext cx="4309920" cy="1081440"/>
           </a:xfrm>
           <a:prstGeom prst="rect">
             <a:avLst/>
@@ -22317,7 +22353,7 @@
         <p:spPr>
           <a:xfrm>
             <a:off x="1368720" y="3054600"/>
-            <a:ext cx="6857280" cy="3310200"/>
+            <a:ext cx="6856920" cy="3309840"/>
           </a:xfrm>
           <a:prstGeom prst="rect">
             <a:avLst/>
@@ -22927,7 +22963,7 @@
         <p:spPr>
           <a:xfrm>
             <a:off x="601560" y="374760"/>
-            <a:ext cx="8092080" cy="762120"/>
+            <a:ext cx="8091720" cy="761760"/>
           </a:xfrm>
           <a:prstGeom prst="rect">
             <a:avLst/>
@@ -22978,7 +23014,7 @@
         <p:spPr>
           <a:xfrm>
             <a:off x="2493360" y="1465920"/>
-            <a:ext cx="4541040" cy="910800"/>
+            <a:ext cx="4540680" cy="910440"/>
           </a:xfrm>
           <a:prstGeom prst="rect">
             <a:avLst/>
@@ -23018,7 +23054,7 @@
             </a:endParaRPr>
           </a:p>
           <a:p>
-            <a:pPr marL="216000" indent="-215280">
+            <a:pPr marL="216000" indent="-214920">
               <a:lnSpc>
                 <a:spcPct val="100000"/>
               </a:lnSpc>
@@ -23047,7 +23083,7 @@
             </a:endParaRPr>
           </a:p>
           <a:p>
-            <a:pPr marL="216000" indent="-215280">
+            <a:pPr marL="216000" indent="-214920">
               <a:lnSpc>
                 <a:spcPct val="100000"/>
               </a:lnSpc>
@@ -23086,7 +23122,7 @@
         <p:spPr>
           <a:xfrm>
             <a:off x="1005840" y="2527560"/>
-            <a:ext cx="7040160" cy="306360"/>
+            <a:ext cx="7039800" cy="306000"/>
           </a:xfrm>
           <a:prstGeom prst="rect">
             <a:avLst/>
@@ -23135,9 +23171,9 @@
         <p:grpSpPr>
           <a:xfrm>
             <a:off x="825840" y="2855520"/>
-            <a:ext cx="7413840" cy="3108240"/>
+            <a:ext cx="7413480" cy="3107880"/>
             <a:chOff x="825840" y="2855520"/>
-            <a:chExt cx="7413840" cy="3108240"/>
+            <a:chExt cx="7413480" cy="3107880"/>
           </a:xfrm>
         </p:grpSpPr>
         <p:pic>
@@ -23153,7 +23189,7 @@
           <p:spPr>
             <a:xfrm>
               <a:off x="825840" y="2855520"/>
-              <a:ext cx="3528720" cy="3108240"/>
+              <a:ext cx="3528360" cy="3107880"/>
             </a:xfrm>
             <a:prstGeom prst="rect">
               <a:avLst/>
@@ -23179,7 +23215,7 @@
           <p:spPr>
             <a:xfrm>
               <a:off x="4528080" y="2855520"/>
-              <a:ext cx="3711600" cy="3108240"/>
+              <a:ext cx="3711240" cy="3107880"/>
             </a:xfrm>
             <a:prstGeom prst="rect">
               <a:avLst/>
@@ -23251,7 +23287,7 @@
         <p:spPr>
           <a:xfrm>
             <a:off x="601560" y="374760"/>
-            <a:ext cx="8092080" cy="762120"/>
+            <a:ext cx="8091720" cy="761760"/>
           </a:xfrm>
           <a:prstGeom prst="rect">
             <a:avLst/>
@@ -23306,7 +23342,7 @@
         <p:spPr>
           <a:xfrm>
             <a:off x="2560320" y="1668240"/>
-            <a:ext cx="4310280" cy="1081800"/>
+            <a:ext cx="4309920" cy="1081440"/>
           </a:xfrm>
           <a:prstGeom prst="rect">
             <a:avLst/>
@@ -23328,7 +23364,7 @@
         <p:spPr>
           <a:xfrm>
             <a:off x="640080" y="2906280"/>
-            <a:ext cx="8046000" cy="3566160"/>
+            <a:ext cx="8045640" cy="3565800"/>
           </a:xfrm>
           <a:prstGeom prst="rect">
             <a:avLst/>
@@ -23718,7 +23754,7 @@
         <p:spPr>
           <a:xfrm>
             <a:off x="601560" y="374760"/>
-            <a:ext cx="8092080" cy="762120"/>
+            <a:ext cx="8091720" cy="761760"/>
           </a:xfrm>
           <a:prstGeom prst="rect">
             <a:avLst/>
@@ -23773,7 +23809,7 @@
         <p:spPr>
           <a:xfrm>
             <a:off x="667080" y="2247120"/>
-            <a:ext cx="3992760" cy="1572120"/>
+            <a:ext cx="3992400" cy="1571760"/>
           </a:xfrm>
           <a:prstGeom prst="rect">
             <a:avLst/>
@@ -23799,7 +23835,7 @@
         <p:spPr>
           <a:xfrm>
             <a:off x="4991040" y="1609920"/>
-            <a:ext cx="3528720" cy="3108240"/>
+            <a:ext cx="3528360" cy="3107880"/>
           </a:xfrm>
           <a:prstGeom prst="rect">
             <a:avLst/>
@@ -23820,7 +23856,7 @@
         </p:nvGraphicFramePr>
         <p:xfrm>
           <a:off x="507960" y="5053320"/>
-          <a:ext cx="5119920" cy="1554480"/>
+          <a:ext cx="5119920" cy="1554120"/>
         </p:xfrm>
         <a:graphic>
           <a:graphicData uri="http://schemas.openxmlformats.org/drawingml/2006/table">
@@ -24946,7 +24982,7 @@
                   </a:tcPr>
                 </a:tc>
               </a:tr>
-              <a:tr h="318240">
+              <a:tr h="317880">
                 <a:tc>
                   <a:txBody>
                     <a:bodyPr lIns="90000" rIns="90000"/>
@@ -25237,7 +25273,7 @@
         <p:spPr>
           <a:xfrm>
             <a:off x="404640" y="4732560"/>
-            <a:ext cx="3382560" cy="289440"/>
+            <a:ext cx="3382200" cy="289080"/>
           </a:xfrm>
           <a:prstGeom prst="rect">
             <a:avLst/>
@@ -25286,7 +25322,7 @@
         <p:spPr>
           <a:xfrm>
             <a:off x="5807880" y="4993200"/>
-            <a:ext cx="533880" cy="1645200"/>
+            <a:ext cx="533520" cy="1644840"/>
           </a:xfrm>
           <a:custGeom>
             <a:avLst/>
@@ -25351,7 +25387,7 @@
         <p:spPr>
           <a:xfrm>
             <a:off x="6495120" y="5486400"/>
-            <a:ext cx="2010960" cy="639360"/>
+            <a:ext cx="2010600" cy="639000"/>
           </a:xfrm>
           <a:prstGeom prst="rect">
             <a:avLst/>
@@ -25424,7 +25460,7 @@
         <p:spPr>
           <a:xfrm>
             <a:off x="692640" y="1924560"/>
-            <a:ext cx="3970080" cy="489240"/>
+            <a:ext cx="3969720" cy="488880"/>
           </a:xfrm>
           <a:prstGeom prst="rect">
             <a:avLst/>
@@ -25522,7 +25558,7 @@
         <p:spPr>
           <a:xfrm>
             <a:off x="997560" y="374760"/>
-            <a:ext cx="8092080" cy="762120"/>
+            <a:ext cx="8091720" cy="761760"/>
           </a:xfrm>
           <a:prstGeom prst="rect">
             <a:avLst/>
@@ -25573,7 +25609,7 @@
         <p:spPr>
           <a:xfrm>
             <a:off x="1172160" y="1685160"/>
-            <a:ext cx="7497360" cy="1295640"/>
+            <a:ext cx="7497000" cy="1295280"/>
           </a:xfrm>
           <a:prstGeom prst="rect">
             <a:avLst/>
@@ -25592,7 +25628,7 @@
         <p:txBody>
           <a:bodyPr lIns="90000" rIns="90000" tIns="45000" bIns="45000"/>
           <a:p>
-            <a:pPr marL="216000" indent="-215280">
+            <a:pPr marL="216000" indent="-214920">
               <a:lnSpc>
                 <a:spcPct val="100000"/>
               </a:lnSpc>
@@ -25628,7 +25664,7 @@
             </a:endParaRPr>
           </a:p>
           <a:p>
-            <a:pPr marL="216000" indent="-215280">
+            <a:pPr marL="216000" indent="-214920">
               <a:lnSpc>
                 <a:spcPct val="100000"/>
               </a:lnSpc>
@@ -25674,7 +25710,7 @@
         <p:spPr>
           <a:xfrm>
             <a:off x="1172160" y="6015600"/>
-            <a:ext cx="7497360" cy="456480"/>
+            <a:ext cx="7497000" cy="456120"/>
           </a:xfrm>
           <a:prstGeom prst="rect">
             <a:avLst/>
@@ -25693,7 +25729,7 @@
         <p:txBody>
           <a:bodyPr lIns="90000" rIns="90000" tIns="45000" bIns="45000"/>
           <a:p>
-            <a:pPr marL="216000" indent="-215280">
+            <a:pPr marL="216000" indent="-214920">
               <a:lnSpc>
                 <a:spcPct val="100000"/>
               </a:lnSpc>
@@ -25733,7 +25769,7 @@
         <p:spPr>
           <a:xfrm>
             <a:off x="1975320" y="3053520"/>
-            <a:ext cx="5992920" cy="2920680"/>
+            <a:ext cx="5992560" cy="2920320"/>
           </a:xfrm>
           <a:prstGeom prst="rect">
             <a:avLst/>
@@ -25755,7 +25791,7 @@
         <p:spPr>
           <a:xfrm>
             <a:off x="202320" y="3998160"/>
-            <a:ext cx="1645200" cy="730800"/>
+            <a:ext cx="1644840" cy="730440"/>
           </a:xfrm>
           <a:prstGeom prst="rect">
             <a:avLst/>
@@ -25853,7 +25889,7 @@
         <p:spPr>
           <a:xfrm>
             <a:off x="997560" y="374760"/>
-            <a:ext cx="8092080" cy="762120"/>
+            <a:ext cx="8091720" cy="761760"/>
           </a:xfrm>
           <a:prstGeom prst="rect">
             <a:avLst/>
@@ -25934,7 +25970,7 @@
         <p:spPr>
           <a:xfrm>
             <a:off x="1280160" y="4563000"/>
-            <a:ext cx="6765840" cy="1562760"/>
+            <a:ext cx="6765480" cy="1562400"/>
           </a:xfrm>
           <a:prstGeom prst="rect">
             <a:avLst/>
@@ -25953,7 +25989,7 @@
         <p:txBody>
           <a:bodyPr lIns="90000" rIns="90000" tIns="45000" bIns="45000"/>
           <a:p>
-            <a:pPr marL="216000" indent="-215280">
+            <a:pPr marL="216000" indent="-214920">
               <a:lnSpc>
                 <a:spcPct val="100000"/>
               </a:lnSpc>
@@ -25982,7 +26018,7 @@
             </a:endParaRPr>
           </a:p>
           <a:p>
-            <a:pPr marL="216000" indent="-215280">
+            <a:pPr marL="216000" indent="-214920">
               <a:lnSpc>
                 <a:spcPct val="100000"/>
               </a:lnSpc>
@@ -26011,7 +26047,7 @@
             </a:endParaRPr>
           </a:p>
           <a:p>
-            <a:pPr marL="216000" indent="-215280">
+            <a:pPr marL="216000" indent="-214920">
               <a:lnSpc>
                 <a:spcPct val="100000"/>
               </a:lnSpc>
@@ -26050,7 +26086,7 @@
             </a:endParaRPr>
           </a:p>
           <a:p>
-            <a:pPr marL="216000" indent="-215280">
+            <a:pPr marL="216000" indent="-214920">
               <a:lnSpc>
                 <a:spcPct val="100000"/>
               </a:lnSpc>
@@ -26103,7 +26139,7 @@
         <p:spPr>
           <a:xfrm>
             <a:off x="2125080" y="1583280"/>
-            <a:ext cx="5244840" cy="2619360"/>
+            <a:ext cx="5244480" cy="2619000"/>
           </a:xfrm>
           <a:prstGeom prst="rect">
             <a:avLst/>
@@ -26125,7 +26161,7 @@
         <p:spPr>
           <a:xfrm>
             <a:off x="4608000" y="2707200"/>
-            <a:ext cx="456480" cy="456480"/>
+            <a:ext cx="456120" cy="456120"/>
           </a:xfrm>
           <a:prstGeom prst="ellipse">
             <a:avLst/>
@@ -26182,7 +26218,7 @@
         <p:spPr>
           <a:xfrm>
             <a:off x="4389120" y="2011680"/>
-            <a:ext cx="2010960" cy="747360"/>
+            <a:ext cx="2010600" cy="747000"/>
           </a:xfrm>
           <a:prstGeom prst="rect">
             <a:avLst/>
@@ -26323,7 +26359,7 @@
         <p:spPr>
           <a:xfrm>
             <a:off x="601560" y="374760"/>
-            <a:ext cx="8092080" cy="762120"/>
+            <a:ext cx="8091720" cy="761760"/>
           </a:xfrm>
           <a:prstGeom prst="rect">
             <a:avLst/>
@@ -26374,7 +26410,7 @@
         <p:spPr>
           <a:xfrm>
             <a:off x="731520" y="3687120"/>
-            <a:ext cx="3659760" cy="539640"/>
+            <a:ext cx="3659400" cy="539280"/>
           </a:xfrm>
           <a:prstGeom prst="rect">
             <a:avLst/>
@@ -26425,7 +26461,7 @@
         <p:spPr>
           <a:xfrm>
             <a:off x="4494240" y="2936520"/>
-            <a:ext cx="4015080" cy="2366280"/>
+            <a:ext cx="4014720" cy="2365920"/>
           </a:xfrm>
           <a:prstGeom prst="rect">
             <a:avLst/>
@@ -26446,7 +26482,7 @@
             <a:normAutofit/>
           </a:bodyPr>
           <a:p>
-            <a:pPr marL="432000" indent="-323280">
+            <a:pPr marL="432000" indent="-322920">
               <a:lnSpc>
                 <a:spcPct val="115000"/>
               </a:lnSpc>
@@ -26475,7 +26511,7 @@
             </a:endParaRPr>
           </a:p>
           <a:p>
-            <a:pPr marL="432000" indent="-323280">
+            <a:pPr marL="432000" indent="-322920">
               <a:lnSpc>
                 <a:spcPct val="115000"/>
               </a:lnSpc>
@@ -26504,7 +26540,7 @@
             </a:endParaRPr>
           </a:p>
           <a:p>
-            <a:pPr marL="432000" indent="-323280">
+            <a:pPr marL="432000" indent="-322920">
               <a:lnSpc>
                 <a:spcPct val="115000"/>
               </a:lnSpc>
@@ -26533,7 +26569,7 @@
             </a:endParaRPr>
           </a:p>
           <a:p>
-            <a:pPr marL="432000" indent="-323280">
+            <a:pPr marL="432000" indent="-322920">
               <a:lnSpc>
                 <a:spcPct val="115000"/>
               </a:lnSpc>
@@ -26651,7 +26687,7 @@
         <p:spPr>
           <a:xfrm>
             <a:off x="997560" y="374760"/>
-            <a:ext cx="8092080" cy="762120"/>
+            <a:ext cx="8091720" cy="761760"/>
           </a:xfrm>
           <a:prstGeom prst="rect">
             <a:avLst/>
@@ -26722,7 +26758,7 @@
         <p:spPr>
           <a:xfrm>
             <a:off x="2394000" y="5852160"/>
-            <a:ext cx="4662720" cy="374040"/>
+            <a:ext cx="4662360" cy="373680"/>
           </a:xfrm>
           <a:prstGeom prst="rect">
             <a:avLst/>
@@ -26741,7 +26777,7 @@
         <p:txBody>
           <a:bodyPr lIns="90000" rIns="90000" tIns="45000" bIns="45000"/>
           <a:p>
-            <a:pPr marL="216000" indent="-215280">
+            <a:pPr marL="216000" indent="-214920">
               <a:lnSpc>
                 <a:spcPct val="100000"/>
               </a:lnSpc>
@@ -26784,7 +26820,7 @@
         <p:spPr>
           <a:xfrm>
             <a:off x="849240" y="1892520"/>
-            <a:ext cx="7612920" cy="3861720"/>
+            <a:ext cx="7612560" cy="3861360"/>
           </a:xfrm>
           <a:prstGeom prst="rect">
             <a:avLst/>
@@ -26855,7 +26891,7 @@
         <p:spPr>
           <a:xfrm>
             <a:off x="601560" y="374760"/>
-            <a:ext cx="8075520" cy="762120"/>
+            <a:ext cx="8075160" cy="761760"/>
           </a:xfrm>
           <a:prstGeom prst="rect">
             <a:avLst/>
@@ -26910,7 +26946,7 @@
         <p:spPr>
           <a:xfrm>
             <a:off x="2546640" y="1962360"/>
-            <a:ext cx="5756400" cy="2984400"/>
+            <a:ext cx="5756040" cy="2984040"/>
           </a:xfrm>
           <a:prstGeom prst="rect">
             <a:avLst/>
@@ -26932,7 +26968,7 @@
         <p:spPr>
           <a:xfrm>
             <a:off x="1758960" y="5074200"/>
-            <a:ext cx="7290000" cy="996120"/>
+            <a:ext cx="7289640" cy="995760"/>
           </a:xfrm>
           <a:prstGeom prst="rect">
             <a:avLst/>
@@ -26951,7 +26987,7 @@
         <p:txBody>
           <a:bodyPr lIns="90000" rIns="90000" tIns="45000" bIns="45000"/>
           <a:p>
-            <a:pPr marL="216000" indent="-215280">
+            <a:pPr marL="216000" indent="-214920">
               <a:lnSpc>
                 <a:spcPct val="100000"/>
               </a:lnSpc>
@@ -26980,7 +27016,7 @@
             </a:endParaRPr>
           </a:p>
           <a:p>
-            <a:pPr marL="216000" indent="-215280">
+            <a:pPr marL="216000" indent="-214920">
               <a:lnSpc>
                 <a:spcPct val="100000"/>
               </a:lnSpc>
@@ -27009,7 +27045,7 @@
             </a:endParaRPr>
           </a:p>
           <a:p>
-            <a:pPr marL="216000" indent="-215280">
+            <a:pPr marL="216000" indent="-214920">
               <a:lnSpc>
                 <a:spcPct val="100000"/>
               </a:lnSpc>
@@ -27048,7 +27084,7 @@
         <p:spPr>
           <a:xfrm>
             <a:off x="2676240" y="1316520"/>
-            <a:ext cx="5485680" cy="608040"/>
+            <a:ext cx="5485320" cy="607680"/>
           </a:xfrm>
           <a:prstGeom prst="rect">
             <a:avLst/>
@@ -27123,7 +27159,7 @@
         <p:spPr>
           <a:xfrm>
             <a:off x="274320" y="2252880"/>
-            <a:ext cx="2102400" cy="1775520"/>
+            <a:ext cx="2102040" cy="1775160"/>
           </a:xfrm>
           <a:prstGeom prst="rect">
             <a:avLst/>
@@ -27363,7 +27399,7 @@
         <p:spPr>
           <a:xfrm>
             <a:off x="601560" y="374760"/>
-            <a:ext cx="8075520" cy="762120"/>
+            <a:ext cx="8075160" cy="761760"/>
           </a:xfrm>
           <a:prstGeom prst="rect">
             <a:avLst/>
@@ -27414,7 +27450,7 @@
         <p:spPr>
           <a:xfrm>
             <a:off x="1758960" y="5074200"/>
-            <a:ext cx="7290000" cy="1211760"/>
+            <a:ext cx="7289640" cy="1211400"/>
           </a:xfrm>
           <a:prstGeom prst="rect">
             <a:avLst/>
@@ -27433,7 +27469,7 @@
         <p:txBody>
           <a:bodyPr lIns="90000" rIns="90000" tIns="45000" bIns="45000"/>
           <a:p>
-            <a:pPr marL="216000" indent="-215280">
+            <a:pPr marL="216000" indent="-214920">
               <a:lnSpc>
                 <a:spcPct val="100000"/>
               </a:lnSpc>
@@ -27462,7 +27498,7 @@
             </a:endParaRPr>
           </a:p>
           <a:p>
-            <a:pPr marL="216000" indent="-215280">
+            <a:pPr marL="216000" indent="-214920">
               <a:lnSpc>
                 <a:spcPct val="100000"/>
               </a:lnSpc>
@@ -27491,7 +27527,7 @@
             </a:endParaRPr>
           </a:p>
           <a:p>
-            <a:pPr marL="216000" indent="-215280">
+            <a:pPr marL="216000" indent="-214920">
               <a:lnSpc>
                 <a:spcPct val="100000"/>
               </a:lnSpc>
@@ -27520,7 +27556,7 @@
             </a:endParaRPr>
           </a:p>
           <a:p>
-            <a:pPr marL="216000" indent="-215280">
+            <a:pPr marL="216000" indent="-214920">
               <a:lnSpc>
                 <a:spcPct val="100000"/>
               </a:lnSpc>
@@ -27559,7 +27595,7 @@
         <p:spPr>
           <a:xfrm>
             <a:off x="2676240" y="1316520"/>
-            <a:ext cx="5485680" cy="608040"/>
+            <a:ext cx="5485320" cy="607680"/>
           </a:xfrm>
           <a:prstGeom prst="rect">
             <a:avLst/>
@@ -27634,7 +27670,7 @@
         <p:spPr>
           <a:xfrm>
             <a:off x="274320" y="2252880"/>
-            <a:ext cx="2102400" cy="1775520"/>
+            <a:ext cx="2102040" cy="1775160"/>
           </a:xfrm>
           <a:prstGeom prst="rect">
             <a:avLst/>
@@ -27829,7 +27865,7 @@
         <p:spPr>
           <a:xfrm>
             <a:off x="2554560" y="1939680"/>
-            <a:ext cx="5760000" cy="2989440"/>
+            <a:ext cx="5759640" cy="2989080"/>
           </a:xfrm>
           <a:prstGeom prst="rect">
             <a:avLst/>
@@ -27900,7 +27936,7 @@
         <p:spPr>
           <a:xfrm>
             <a:off x="601560" y="374760"/>
-            <a:ext cx="8075520" cy="762120"/>
+            <a:ext cx="8075160" cy="761760"/>
           </a:xfrm>
           <a:prstGeom prst="rect">
             <a:avLst/>
@@ -27951,7 +27987,7 @@
         <p:spPr>
           <a:xfrm>
             <a:off x="731520" y="1939680"/>
-            <a:ext cx="7771680" cy="4102920"/>
+            <a:ext cx="7771320" cy="4102560"/>
           </a:xfrm>
           <a:prstGeom prst="rect">
             <a:avLst/>
@@ -27970,7 +28006,7 @@
         <p:txBody>
           <a:bodyPr lIns="90000" rIns="90000" tIns="45000" bIns="45000"/>
           <a:p>
-            <a:pPr marL="216000" indent="-215280">
+            <a:pPr marL="216000" indent="-214920">
               <a:lnSpc>
                 <a:spcPct val="100000"/>
               </a:lnSpc>
@@ -28002,7 +28038,7 @@
             </a:endParaRPr>
           </a:p>
           <a:p>
-            <a:pPr marL="216000" indent="-215280">
+            <a:pPr marL="216000" indent="-214920">
               <a:lnSpc>
                 <a:spcPct val="100000"/>
               </a:lnSpc>
@@ -28034,7 +28070,7 @@
             </a:endParaRPr>
           </a:p>
           <a:p>
-            <a:pPr marL="216000" indent="-215280">
+            <a:pPr marL="216000" indent="-214920">
               <a:lnSpc>
                 <a:spcPct val="100000"/>
               </a:lnSpc>
@@ -28065,7 +28101,7 @@
             </a:endParaRPr>
           </a:p>
           <a:p>
-            <a:pPr marL="216000" indent="-215280">
+            <a:pPr marL="216000" indent="-214920">
               <a:lnSpc>
                 <a:spcPct val="100000"/>
               </a:lnSpc>
@@ -28096,7 +28132,7 @@
             </a:endParaRPr>
           </a:p>
           <a:p>
-            <a:pPr marL="216000" indent="-215280">
+            <a:pPr marL="216000" indent="-214920">
               <a:lnSpc>
                 <a:spcPct val="100000"/>
               </a:lnSpc>
@@ -28186,7 +28222,7 @@
         <p:spPr>
           <a:xfrm>
             <a:off x="601560" y="374760"/>
-            <a:ext cx="8075520" cy="762120"/>
+            <a:ext cx="8075160" cy="761760"/>
           </a:xfrm>
           <a:prstGeom prst="rect">
             <a:avLst/>
@@ -28237,7 +28273,7 @@
         <p:spPr>
           <a:xfrm>
             <a:off x="731520" y="2335680"/>
-            <a:ext cx="7771680" cy="3021480"/>
+            <a:ext cx="7771320" cy="3021120"/>
           </a:xfrm>
           <a:prstGeom prst="rect">
             <a:avLst/>
@@ -28256,7 +28292,7 @@
         <p:txBody>
           <a:bodyPr lIns="90000" rIns="90000" tIns="45000" bIns="45000"/>
           <a:p>
-            <a:pPr marL="216000" indent="-215280">
+            <a:pPr marL="216000" indent="-214920">
               <a:lnSpc>
                 <a:spcPct val="100000"/>
               </a:lnSpc>
@@ -28288,7 +28324,7 @@
             </a:endParaRPr>
           </a:p>
           <a:p>
-            <a:pPr marL="216000" indent="-215280">
+            <a:pPr marL="216000" indent="-214920">
               <a:lnSpc>
                 <a:spcPct val="100000"/>
               </a:lnSpc>
@@ -28320,7 +28356,7 @@
             </a:endParaRPr>
           </a:p>
           <a:p>
-            <a:pPr marL="216000" indent="-215280">
+            <a:pPr marL="216000" indent="-214920">
               <a:lnSpc>
                 <a:spcPct val="100000"/>
               </a:lnSpc>
@@ -28352,7 +28388,7 @@
             </a:endParaRPr>
           </a:p>
           <a:p>
-            <a:pPr marL="216000" indent="-215280">
+            <a:pPr marL="216000" indent="-214920">
               <a:lnSpc>
                 <a:spcPct val="100000"/>
               </a:lnSpc>
@@ -28442,7 +28478,7 @@
         <p:spPr>
           <a:xfrm>
             <a:off x="601560" y="374760"/>
-            <a:ext cx="8075520" cy="762120"/>
+            <a:ext cx="8075160" cy="761760"/>
           </a:xfrm>
           <a:prstGeom prst="rect">
             <a:avLst/>
@@ -28493,7 +28529,7 @@
         <p:spPr>
           <a:xfrm>
             <a:off x="731520" y="1920240"/>
-            <a:ext cx="7771680" cy="3619800"/>
+            <a:ext cx="7771320" cy="3619440"/>
           </a:xfrm>
           <a:prstGeom prst="rect">
             <a:avLst/>
@@ -28512,7 +28548,7 @@
         <p:txBody>
           <a:bodyPr lIns="90000" rIns="90000" tIns="45000" bIns="45000"/>
           <a:p>
-            <a:pPr marL="216000" indent="-215280">
+            <a:pPr marL="216000" indent="-214920">
               <a:lnSpc>
                 <a:spcPct val="100000"/>
               </a:lnSpc>
@@ -28564,7 +28600,7 @@
             </a:endParaRPr>
           </a:p>
           <a:p>
-            <a:pPr marL="216000" indent="-215280">
+            <a:pPr marL="216000" indent="-214920">
               <a:lnSpc>
                 <a:spcPct val="100000"/>
               </a:lnSpc>
@@ -28606,7 +28642,7 @@
             </a:endParaRPr>
           </a:p>
           <a:p>
-            <a:pPr marL="216000" indent="-215280">
+            <a:pPr marL="216000" indent="-214920">
               <a:lnSpc>
                 <a:spcPct val="100000"/>
               </a:lnSpc>
@@ -28664,7 +28700,7 @@
             </a:endParaRPr>
           </a:p>
           <a:p>
-            <a:pPr marL="216000" indent="-215280">
+            <a:pPr marL="216000" indent="-214920">
               <a:lnSpc>
                 <a:spcPct val="100000"/>
               </a:lnSpc>
@@ -28755,7 +28791,7 @@
         <p:spPr>
           <a:xfrm>
             <a:off x="601560" y="374760"/>
-            <a:ext cx="8075520" cy="762120"/>
+            <a:ext cx="8075160" cy="761760"/>
           </a:xfrm>
           <a:prstGeom prst="rect">
             <a:avLst/>
@@ -28806,7 +28842,7 @@
         <p:spPr>
           <a:xfrm>
             <a:off x="731520" y="1920240"/>
-            <a:ext cx="7771320" cy="3619440"/>
+            <a:ext cx="7770960" cy="3619080"/>
           </a:xfrm>
           <a:prstGeom prst="rect">
             <a:avLst/>
@@ -29146,7 +29182,7 @@
         <p:spPr>
           <a:xfrm>
             <a:off x="601560" y="374760"/>
-            <a:ext cx="8092080" cy="762120"/>
+            <a:ext cx="8091720" cy="761760"/>
           </a:xfrm>
           <a:prstGeom prst="rect">
             <a:avLst/>
@@ -29197,7 +29233,7 @@
         <p:spPr>
           <a:xfrm>
             <a:off x="365760" y="2103120"/>
-            <a:ext cx="8411760" cy="2010960"/>
+            <a:ext cx="8411400" cy="2010600"/>
           </a:xfrm>
           <a:prstGeom prst="rect">
             <a:avLst/>
@@ -29218,7 +29254,7 @@
             <a:normAutofit/>
           </a:bodyPr>
           <a:p>
-            <a:pPr marL="432000" indent="-323280">
+            <a:pPr marL="432000" indent="-322920">
               <a:lnSpc>
                 <a:spcPct val="115000"/>
               </a:lnSpc>
@@ -29247,7 +29283,7 @@
             </a:endParaRPr>
           </a:p>
           <a:p>
-            <a:pPr marL="432000" indent="-323280">
+            <a:pPr marL="432000" indent="-322920">
               <a:lnSpc>
                 <a:spcPct val="115000"/>
               </a:lnSpc>
@@ -29276,7 +29312,7 @@
             </a:endParaRPr>
           </a:p>
           <a:p>
-            <a:pPr marL="432000" indent="-323280">
+            <a:pPr marL="432000" indent="-322920">
               <a:lnSpc>
                 <a:spcPct val="115000"/>
               </a:lnSpc>
@@ -29335,7 +29371,7 @@
         <p:spPr>
           <a:xfrm>
             <a:off x="984960" y="4589640"/>
-            <a:ext cx="7232400" cy="1112040"/>
+            <a:ext cx="7232040" cy="1111680"/>
           </a:xfrm>
           <a:prstGeom prst="rect">
             <a:avLst/>
@@ -29461,7 +29497,7 @@
         <p:spPr>
           <a:xfrm>
             <a:off x="601560" y="374760"/>
-            <a:ext cx="8092080" cy="762120"/>
+            <a:ext cx="8091720" cy="761760"/>
           </a:xfrm>
           <a:prstGeom prst="rect">
             <a:avLst/>
@@ -29536,7 +29572,7 @@
         <p:spPr>
           <a:xfrm>
             <a:off x="2028240" y="1645920"/>
-            <a:ext cx="6885720" cy="4847760"/>
+            <a:ext cx="6885360" cy="4847400"/>
           </a:xfrm>
           <a:prstGeom prst="rect">
             <a:avLst/>
@@ -29558,7 +29594,7 @@
         <p:spPr>
           <a:xfrm>
             <a:off x="2759760" y="4297680"/>
-            <a:ext cx="2010960" cy="365040"/>
+            <a:ext cx="2010600" cy="364680"/>
           </a:xfrm>
           <a:prstGeom prst="wedgeRoundRectCallout">
             <a:avLst>
@@ -29616,7 +29652,7 @@
         <p:spPr>
           <a:xfrm>
             <a:off x="145080" y="2276280"/>
-            <a:ext cx="1818360" cy="489240"/>
+            <a:ext cx="1818000" cy="488880"/>
           </a:xfrm>
           <a:prstGeom prst="rect">
             <a:avLst/>
@@ -29685,7 +29721,7 @@
         <p:spPr>
           <a:xfrm>
             <a:off x="289800" y="3653640"/>
-            <a:ext cx="1527120" cy="489240"/>
+            <a:ext cx="1526760" cy="488880"/>
           </a:xfrm>
           <a:prstGeom prst="rect">
             <a:avLst/>
@@ -29754,7 +29790,7 @@
         <p:spPr>
           <a:xfrm>
             <a:off x="40680" y="5113800"/>
-            <a:ext cx="1926360" cy="489240"/>
+            <a:ext cx="1926000" cy="488880"/>
           </a:xfrm>
           <a:prstGeom prst="rect">
             <a:avLst/>
@@ -29823,7 +29859,7 @@
         <p:spPr>
           <a:xfrm>
             <a:off x="8138160" y="5212080"/>
-            <a:ext cx="1005480" cy="914040"/>
+            <a:ext cx="1005120" cy="913680"/>
           </a:xfrm>
           <a:custGeom>
             <a:avLst/>
@@ -30051,7 +30087,7 @@
         <p:spPr>
           <a:xfrm>
             <a:off x="601560" y="374760"/>
-            <a:ext cx="8092080" cy="762120"/>
+            <a:ext cx="8091720" cy="761760"/>
           </a:xfrm>
           <a:prstGeom prst="rect">
             <a:avLst/>
@@ -30102,7 +30138,7 @@
         <p:spPr>
           <a:xfrm>
             <a:off x="457560" y="2269800"/>
-            <a:ext cx="8228520" cy="2423160"/>
+            <a:ext cx="8228160" cy="2422800"/>
           </a:xfrm>
           <a:prstGeom prst="rect">
             <a:avLst/>
@@ -30146,7 +30182,7 @@
             </a:endParaRPr>
           </a:p>
           <a:p>
-            <a:pPr lvl="7" marL="3456000" indent="-215280">
+            <a:pPr lvl="7" marL="3456000" indent="-214920">
               <a:lnSpc>
                 <a:spcPct val="150000"/>
               </a:lnSpc>
@@ -30175,7 +30211,7 @@
             </a:endParaRPr>
           </a:p>
           <a:p>
-            <a:pPr lvl="7" marL="3456000" indent="-215280">
+            <a:pPr lvl="7" marL="3456000" indent="-214920">
               <a:lnSpc>
                 <a:spcPct val="150000"/>
               </a:lnSpc>
@@ -30204,7 +30240,7 @@
             </a:endParaRPr>
           </a:p>
           <a:p>
-            <a:pPr lvl="7" marL="3456000" indent="-215280">
+            <a:pPr lvl="7" marL="3456000" indent="-214920">
               <a:lnSpc>
                 <a:spcPct val="150000"/>
               </a:lnSpc>
@@ -30233,7 +30269,7 @@
             </a:endParaRPr>
           </a:p>
           <a:p>
-            <a:pPr lvl="7" marL="3456000" indent="-215280">
+            <a:pPr lvl="7" marL="3456000" indent="-214920">
               <a:lnSpc>
                 <a:spcPct val="150000"/>
               </a:lnSpc>
@@ -30272,7 +30308,7 @@
         <p:spPr>
           <a:xfrm>
             <a:off x="2898000" y="3019320"/>
-            <a:ext cx="365040" cy="1645200"/>
+            <a:ext cx="364680" cy="1644840"/>
           </a:xfrm>
           <a:custGeom>
             <a:avLst/>
@@ -30337,7 +30373,7 @@
         <p:spPr>
           <a:xfrm>
             <a:off x="457560" y="3194640"/>
-            <a:ext cx="2193480" cy="1370880"/>
+            <a:ext cx="2193120" cy="1370520"/>
           </a:xfrm>
           <a:prstGeom prst="rect">
             <a:avLst/>
@@ -30465,7 +30501,7 @@
         <p:spPr>
           <a:xfrm>
             <a:off x="601560" y="374760"/>
-            <a:ext cx="8092080" cy="762120"/>
+            <a:ext cx="8091720" cy="761760"/>
           </a:xfrm>
           <a:prstGeom prst="rect">
             <a:avLst/>
@@ -30520,7 +30556,7 @@
         <p:spPr>
           <a:xfrm>
             <a:off x="91440" y="2011680"/>
-            <a:ext cx="8960400" cy="4754160"/>
+            <a:ext cx="8960040" cy="4753800"/>
           </a:xfrm>
           <a:prstGeom prst="rect">
             <a:avLst/>
@@ -30542,7 +30578,7 @@
         <p:spPr>
           <a:xfrm>
             <a:off x="4206240" y="1901880"/>
-            <a:ext cx="4845600" cy="4426920"/>
+            <a:ext cx="4845240" cy="4426560"/>
           </a:xfrm>
           <a:prstGeom prst="rect">
             <a:avLst/>
@@ -30771,7 +30807,7 @@
         <p:spPr>
           <a:xfrm>
             <a:off x="2128680" y="527760"/>
-            <a:ext cx="6516000" cy="762120"/>
+            <a:ext cx="6515640" cy="761760"/>
           </a:xfrm>
           <a:prstGeom prst="rect">
             <a:avLst/>
@@ -30820,7 +30856,7 @@
         <p:spPr>
           <a:xfrm>
             <a:off x="1645920" y="1596600"/>
-            <a:ext cx="6998760" cy="2974680"/>
+            <a:ext cx="6998400" cy="2974320"/>
           </a:xfrm>
           <a:prstGeom prst="rect">
             <a:avLst/>
@@ -30839,7 +30875,7 @@
         <p:txBody>
           <a:bodyPr lIns="90000" rIns="90000" tIns="45000" bIns="45000"/>
           <a:p>
-            <a:pPr marL="343080" indent="-341640">
+            <a:pPr marL="343080" indent="-341280">
               <a:lnSpc>
                 <a:spcPct val="100000"/>
               </a:lnSpc>
@@ -30880,7 +30916,7 @@
             </a:endParaRPr>
           </a:p>
           <a:p>
-            <a:pPr marL="343080" indent="-341640">
+            <a:pPr marL="343080" indent="-341280">
               <a:lnSpc>
                 <a:spcPct val="100000"/>
               </a:lnSpc>
@@ -30931,7 +30967,7 @@
         <p:spPr>
           <a:xfrm>
             <a:off x="1645920" y="4846320"/>
-            <a:ext cx="7040160" cy="1462320"/>
+            <a:ext cx="7039800" cy="1461960"/>
           </a:xfrm>
           <a:prstGeom prst="rect">
             <a:avLst/>
@@ -31029,7 +31065,7 @@
         <p:spPr>
           <a:xfrm>
             <a:off x="2128680" y="527760"/>
-            <a:ext cx="6516000" cy="762120"/>
+            <a:ext cx="6515640" cy="761760"/>
           </a:xfrm>
           <a:prstGeom prst="rect">
             <a:avLst/>
@@ -31078,7 +31114,7 @@
         <p:spPr>
           <a:xfrm>
             <a:off x="1371600" y="1860480"/>
-            <a:ext cx="3108240" cy="4520160"/>
+            <a:ext cx="3107880" cy="4519800"/>
           </a:xfrm>
           <a:prstGeom prst="rect">
             <a:avLst/>
@@ -31502,7 +31538,7 @@
         <p:spPr>
           <a:xfrm>
             <a:off x="4588560" y="1554480"/>
-            <a:ext cx="4343760" cy="5028480"/>
+            <a:ext cx="4343400" cy="5028120"/>
           </a:xfrm>
           <a:prstGeom prst="rect">
             <a:avLst/>

--- a/capstone_projects/capstone_I/06_Capstone_I_Pitch_Prediction_Slidedeck.pptx
+++ b/capstone_projects/capstone_I/06_Capstone_I_Pitch_Prediction_Slidedeck.pptx
@@ -10764,7 +10764,13 @@
               <a:rPr b="0" lang="en-US" sz="4400" spc="-1" strike="noStrike">
                 <a:latin typeface="Arial"/>
               </a:rPr>
-              <a:t>Click to edit the title text format</a:t>
+              <a:t>Click to edit the title text </a:t>
+            </a:r>
+            <a:r>
+              <a:rPr b="0" lang="en-US" sz="4400" spc="-1" strike="noStrike">
+                <a:latin typeface="Arial"/>
+              </a:rPr>
+              <a:t>format</a:t>
             </a:r>
             <a:endParaRPr b="0" lang="en-US" sz="4400" spc="-1" strike="noStrike">
               <a:latin typeface="Arial"/>
@@ -11024,7 +11030,19 @@
               <a:rPr b="0" lang="en-US" sz="1800" spc="-1" strike="noStrike">
                 <a:latin typeface="Arial"/>
               </a:rPr>
-              <a:t>Click to edit the title text format</a:t>
+              <a:t>Click to edit </a:t>
+            </a:r>
+            <a:r>
+              <a:rPr b="0" lang="en-US" sz="1800" spc="-1" strike="noStrike">
+                <a:latin typeface="Arial"/>
+              </a:rPr>
+              <a:t>the title text </a:t>
+            </a:r>
+            <a:r>
+              <a:rPr b="0" lang="en-US" sz="1800" spc="-1" strike="noStrike">
+                <a:latin typeface="Arial"/>
+              </a:rPr>
+              <a:t>format</a:t>
             </a:r>
             <a:endParaRPr b="0" lang="en-US" sz="1800" spc="-1" strike="noStrike">
               <a:latin typeface="Arial"/>
@@ -13359,7 +13377,7 @@
         <p:spPr>
           <a:xfrm>
             <a:off x="2468880" y="3429000"/>
-            <a:ext cx="6555240" cy="1677960"/>
+            <a:ext cx="6554880" cy="1677600"/>
           </a:xfrm>
           <a:prstGeom prst="rect">
             <a:avLst/>
@@ -13419,7 +13437,7 @@
         <p:spPr>
           <a:xfrm>
             <a:off x="2468880" y="5108760"/>
-            <a:ext cx="6555240" cy="609120"/>
+            <a:ext cx="6554880" cy="608760"/>
           </a:xfrm>
           <a:prstGeom prst="rect">
             <a:avLst/>
@@ -13471,7 +13489,7 @@
         <p:spPr>
           <a:xfrm>
             <a:off x="2414880" y="5843520"/>
-            <a:ext cx="6545160" cy="830520"/>
+            <a:ext cx="6544800" cy="830160"/>
           </a:xfrm>
           <a:prstGeom prst="rect">
             <a:avLst/>
@@ -13572,7 +13590,7 @@
         <p:spPr>
           <a:xfrm>
             <a:off x="2128680" y="527760"/>
-            <a:ext cx="6515640" cy="761760"/>
+            <a:ext cx="6515280" cy="761400"/>
           </a:xfrm>
           <a:prstGeom prst="rect">
             <a:avLst/>
@@ -13621,7 +13639,7 @@
         <p:spPr>
           <a:xfrm>
             <a:off x="1371600" y="4937760"/>
-            <a:ext cx="7405560" cy="1442520"/>
+            <a:ext cx="7405200" cy="1442160"/>
           </a:xfrm>
           <a:prstGeom prst="rect">
             <a:avLst/>
@@ -13640,7 +13658,7 @@
         <p:txBody>
           <a:bodyPr lIns="90000" rIns="90000" tIns="45000" bIns="45000"/>
           <a:p>
-            <a:pPr marL="216000" indent="-214920">
+            <a:pPr marL="216000" indent="-214560">
               <a:lnSpc>
                 <a:spcPct val="100000"/>
               </a:lnSpc>
@@ -13676,7 +13694,7 @@
             </a:endParaRPr>
           </a:p>
           <a:p>
-            <a:pPr marL="216000" indent="-214920">
+            <a:pPr marL="216000" indent="-214560">
               <a:lnSpc>
                 <a:spcPct val="100000"/>
               </a:lnSpc>
@@ -13712,9 +13730,9 @@
         <p:grpSpPr>
           <a:xfrm>
             <a:off x="2926080" y="1527120"/>
-            <a:ext cx="4303080" cy="3236400"/>
+            <a:ext cx="4302720" cy="3236040"/>
             <a:chOff x="2926080" y="1527120"/>
-            <a:chExt cx="4303080" cy="3236400"/>
+            <a:chExt cx="4302720" cy="3236040"/>
           </a:xfrm>
         </p:grpSpPr>
         <p:pic>
@@ -13730,7 +13748,7 @@
           <p:spPr>
             <a:xfrm>
               <a:off x="2932560" y="1840320"/>
-              <a:ext cx="4296600" cy="2923200"/>
+              <a:ext cx="4296240" cy="2922840"/>
             </a:xfrm>
             <a:prstGeom prst="rect">
               <a:avLst/>
@@ -13752,7 +13770,7 @@
           <p:spPr>
             <a:xfrm>
               <a:off x="2926080" y="1527120"/>
-              <a:ext cx="4303080" cy="312120"/>
+              <a:ext cx="4302720" cy="311760"/>
             </a:xfrm>
             <a:prstGeom prst="rect">
               <a:avLst/>
@@ -13851,7 +13869,7 @@
         <p:spPr>
           <a:xfrm>
             <a:off x="2128680" y="527760"/>
-            <a:ext cx="6515640" cy="761760"/>
+            <a:ext cx="6515280" cy="761400"/>
           </a:xfrm>
           <a:prstGeom prst="rect">
             <a:avLst/>
@@ -13900,7 +13918,7 @@
         <p:spPr>
           <a:xfrm>
             <a:off x="1640160" y="1521360"/>
-            <a:ext cx="2559240" cy="2284920"/>
+            <a:ext cx="2558880" cy="2284560"/>
           </a:xfrm>
           <a:prstGeom prst="rect">
             <a:avLst/>
@@ -13938,9 +13956,6 @@
               <a:t>Past Events:</a:t>
             </a:r>
             <a:endParaRPr b="0" lang="en-US" sz="1800" spc="-1" strike="noStrike">
-              <a:solidFill>
-                <a:srgbClr val="ffffff"/>
-              </a:solidFill>
               <a:latin typeface="Arial"/>
             </a:endParaRPr>
           </a:p>
@@ -13961,9 +13976,6 @@
               <a:t>Pitch Type</a:t>
             </a:r>
             <a:endParaRPr b="0" lang="en-US" sz="1500" spc="-1" strike="noStrike">
-              <a:solidFill>
-                <a:srgbClr val="ffffff"/>
-              </a:solidFill>
               <a:latin typeface="Arial"/>
             </a:endParaRPr>
           </a:p>
@@ -13984,9 +13996,6 @@
               <a:t>Pitch Velocity</a:t>
             </a:r>
             <a:endParaRPr b="0" lang="en-US" sz="1500" spc="-1" strike="noStrike">
-              <a:solidFill>
-                <a:srgbClr val="ffffff"/>
-              </a:solidFill>
               <a:latin typeface="Arial"/>
             </a:endParaRPr>
           </a:p>
@@ -14017,9 +14026,6 @@
               <a:t>*</a:t>
             </a:r>
             <a:endParaRPr b="0" lang="en-US" sz="1500" spc="-1" strike="noStrike">
-              <a:solidFill>
-                <a:srgbClr val="ffffff"/>
-              </a:solidFill>
               <a:latin typeface="Arial"/>
             </a:endParaRPr>
           </a:p>
@@ -14050,9 +14056,6 @@
               <a:t>*</a:t>
             </a:r>
             <a:endParaRPr b="0" lang="en-US" sz="1500" spc="-1" strike="noStrike">
-              <a:solidFill>
-                <a:srgbClr val="ffffff"/>
-              </a:solidFill>
               <a:latin typeface="Arial"/>
             </a:endParaRPr>
           </a:p>
@@ -14083,9 +14086,6 @@
               <a:t>*</a:t>
             </a:r>
             <a:endParaRPr b="0" lang="en-US" sz="1500" spc="-1" strike="noStrike">
-              <a:solidFill>
-                <a:srgbClr val="ffffff"/>
-              </a:solidFill>
               <a:latin typeface="Arial"/>
             </a:endParaRPr>
           </a:p>
@@ -14116,9 +14116,6 @@
               <a:t>*</a:t>
             </a:r>
             <a:endParaRPr b="0" lang="en-US" sz="1500" spc="-1" strike="noStrike">
-              <a:solidFill>
-                <a:srgbClr val="ffffff"/>
-              </a:solidFill>
               <a:latin typeface="Arial"/>
             </a:endParaRPr>
           </a:p>
@@ -14149,9 +14146,6 @@
               <a:t>*</a:t>
             </a:r>
             <a:endParaRPr b="0" lang="en-US" sz="1500" spc="-1" strike="noStrike">
-              <a:solidFill>
-                <a:srgbClr val="ffffff"/>
-              </a:solidFill>
               <a:latin typeface="Arial"/>
             </a:endParaRPr>
           </a:p>
@@ -14182,9 +14176,6 @@
               <a:t>*</a:t>
             </a:r>
             <a:endParaRPr b="0" lang="en-US" sz="1500" spc="-1" strike="noStrike">
-              <a:solidFill>
-                <a:srgbClr val="ffffff"/>
-              </a:solidFill>
               <a:latin typeface="Arial"/>
             </a:endParaRPr>
           </a:p>
@@ -14215,9 +14206,6 @@
               <a:t>*</a:t>
             </a:r>
             <a:endParaRPr b="0" lang="en-US" sz="1500" spc="-1" strike="noStrike">
-              <a:solidFill>
-                <a:srgbClr val="ffffff"/>
-              </a:solidFill>
               <a:latin typeface="Arial"/>
             </a:endParaRPr>
           </a:p>
@@ -14228,9 +14216,6 @@
               </a:lnSpc>
             </a:pPr>
             <a:endParaRPr b="0" lang="en-US" sz="1500" spc="-1" strike="noStrike">
-              <a:solidFill>
-                <a:srgbClr val="ffffff"/>
-              </a:solidFill>
               <a:latin typeface="Arial"/>
             </a:endParaRPr>
           </a:p>
@@ -14241,9 +14226,6 @@
               </a:lnSpc>
             </a:pPr>
             <a:endParaRPr b="0" lang="en-US" sz="1500" spc="-1" strike="noStrike">
-              <a:solidFill>
-                <a:srgbClr val="ffffff"/>
-              </a:solidFill>
               <a:latin typeface="Arial"/>
             </a:endParaRPr>
           </a:p>
@@ -14258,7 +14240,7 @@
         <p:spPr>
           <a:xfrm>
             <a:off x="4098240" y="1626480"/>
-            <a:ext cx="4861800" cy="4861800"/>
+            <a:ext cx="4861440" cy="4861440"/>
           </a:xfrm>
           <a:prstGeom prst="rect">
             <a:avLst/>
@@ -14721,7 +14703,7 @@
         <p:spPr>
           <a:xfrm>
             <a:off x="1640160" y="3898080"/>
-            <a:ext cx="2559240" cy="2413080"/>
+            <a:ext cx="2558880" cy="2412720"/>
           </a:xfrm>
           <a:prstGeom prst="rect">
             <a:avLst/>
@@ -14759,9 +14741,6 @@
               <a:t>Current Situations:</a:t>
             </a:r>
             <a:endParaRPr b="0" lang="en-US" sz="1800" spc="-1" strike="noStrike">
-              <a:solidFill>
-                <a:srgbClr val="ffffff"/>
-              </a:solidFill>
               <a:latin typeface="Arial"/>
             </a:endParaRPr>
           </a:p>
@@ -14782,9 +14761,6 @@
               <a:t>Inning</a:t>
             </a:r>
             <a:endParaRPr b="0" lang="en-US" sz="1500" spc="-1" strike="noStrike">
-              <a:solidFill>
-                <a:srgbClr val="ffffff"/>
-              </a:solidFill>
               <a:latin typeface="Arial"/>
             </a:endParaRPr>
           </a:p>
@@ -14815,9 +14791,6 @@
               <a:t>*</a:t>
             </a:r>
             <a:endParaRPr b="0" lang="en-US" sz="1500" spc="-1" strike="noStrike">
-              <a:solidFill>
-                <a:srgbClr val="ffffff"/>
-              </a:solidFill>
               <a:latin typeface="Arial"/>
             </a:endParaRPr>
           </a:p>
@@ -14838,9 +14811,6 @@
               <a:t>Pitch Count</a:t>
             </a:r>
             <a:endParaRPr b="0" lang="en-US" sz="1500" spc="-1" strike="noStrike">
-              <a:solidFill>
-                <a:srgbClr val="ffffff"/>
-              </a:solidFill>
               <a:latin typeface="Arial"/>
             </a:endParaRPr>
           </a:p>
@@ -14861,9 +14831,6 @@
               <a:t>Hitter Count</a:t>
             </a:r>
             <a:endParaRPr b="0" lang="en-US" sz="1500" spc="-1" strike="noStrike">
-              <a:solidFill>
-                <a:srgbClr val="ffffff"/>
-              </a:solidFill>
               <a:latin typeface="Arial"/>
             </a:endParaRPr>
           </a:p>
@@ -14894,9 +14861,6 @@
               <a:t>*</a:t>
             </a:r>
             <a:endParaRPr b="0" lang="en-US" sz="1500" spc="-1" strike="noStrike">
-              <a:solidFill>
-                <a:srgbClr val="ffffff"/>
-              </a:solidFill>
               <a:latin typeface="Arial"/>
             </a:endParaRPr>
           </a:p>
@@ -14927,9 +14891,6 @@
               <a:t>*</a:t>
             </a:r>
             <a:endParaRPr b="0" lang="en-US" sz="1500" spc="-1" strike="noStrike">
-              <a:solidFill>
-                <a:srgbClr val="ffffff"/>
-              </a:solidFill>
               <a:latin typeface="Arial"/>
             </a:endParaRPr>
           </a:p>
@@ -14950,9 +14911,6 @@
               <a:t>Number of Outs</a:t>
             </a:r>
             <a:endParaRPr b="0" lang="en-US" sz="1500" spc="-1" strike="noStrike">
-              <a:solidFill>
-                <a:srgbClr val="ffffff"/>
-              </a:solidFill>
               <a:latin typeface="Arial"/>
             </a:endParaRPr>
           </a:p>
@@ -14973,9 +14931,6 @@
               <a:t>Cumulative Pitch Type Sums</a:t>
             </a:r>
             <a:endParaRPr b="0" lang="en-US" sz="1500" spc="-1" strike="noStrike">
-              <a:solidFill>
-                <a:srgbClr val="ffffff"/>
-              </a:solidFill>
               <a:latin typeface="Arial"/>
             </a:endParaRPr>
           </a:p>
@@ -14996,9 +14951,6 @@
               <a:t>Cumulative Pitch Type %</a:t>
             </a:r>
             <a:endParaRPr b="0" lang="en-US" sz="1500" spc="-1" strike="noStrike">
-              <a:solidFill>
-                <a:srgbClr val="ffffff"/>
-              </a:solidFill>
               <a:latin typeface="Arial"/>
             </a:endParaRPr>
           </a:p>
@@ -15013,7 +14965,7 @@
         <p:spPr>
           <a:xfrm>
             <a:off x="1573920" y="6348240"/>
-            <a:ext cx="2376360" cy="300960"/>
+            <a:ext cx="2376000" cy="300600"/>
           </a:xfrm>
           <a:prstGeom prst="rect">
             <a:avLst/>
@@ -15048,9 +15000,6 @@
               <a:t>* categorical features</a:t>
             </a:r>
             <a:endParaRPr b="0" lang="en-US" sz="1500" spc="-1" strike="noStrike">
-              <a:solidFill>
-                <a:srgbClr val="ffffff"/>
-              </a:solidFill>
               <a:latin typeface="Arial"/>
             </a:endParaRPr>
           </a:p>
@@ -15114,7 +15063,7 @@
         <p:spPr>
           <a:xfrm>
             <a:off x="601560" y="374760"/>
-            <a:ext cx="8091720" cy="761760"/>
+            <a:ext cx="8091360" cy="761400"/>
           </a:xfrm>
           <a:prstGeom prst="rect">
             <a:avLst/>
@@ -15169,7 +15118,7 @@
         <p:spPr>
           <a:xfrm>
             <a:off x="274320" y="3183840"/>
-            <a:ext cx="3354840" cy="1448640"/>
+            <a:ext cx="3354480" cy="1448280"/>
           </a:xfrm>
           <a:prstGeom prst="rect">
             <a:avLst/>
@@ -15195,7 +15144,7 @@
         <p:spPr>
           <a:xfrm>
             <a:off x="6145920" y="1335600"/>
-            <a:ext cx="2284920" cy="1827720"/>
+            <a:ext cx="2284560" cy="1827360"/>
           </a:xfrm>
           <a:prstGeom prst="rect">
             <a:avLst/>
@@ -15217,9 +15166,9 @@
         <p:grpSpPr>
           <a:xfrm>
             <a:off x="5689080" y="3225600"/>
-            <a:ext cx="3162960" cy="1827720"/>
+            <a:ext cx="3162600" cy="1827360"/>
             <a:chOff x="5689080" y="3225600"/>
-            <a:chExt cx="3162960" cy="1827720"/>
+            <a:chExt cx="3162600" cy="1827360"/>
           </a:xfrm>
         </p:grpSpPr>
         <p:pic>
@@ -15235,7 +15184,7 @@
           <p:spPr>
             <a:xfrm>
               <a:off x="7764840" y="3225600"/>
-              <a:ext cx="1087200" cy="1827720"/>
+              <a:ext cx="1086840" cy="1827360"/>
             </a:xfrm>
             <a:prstGeom prst="rect">
               <a:avLst/>
@@ -15254,9 +15203,9 @@
           <p:grpSpPr>
             <a:xfrm>
               <a:off x="5689080" y="3225600"/>
-              <a:ext cx="2074680" cy="1827720"/>
+              <a:ext cx="2074320" cy="1827360"/>
               <a:chOff x="5689080" y="3225600"/>
-              <a:chExt cx="2074680" cy="1827720"/>
+              <a:chExt cx="2074320" cy="1827360"/>
             </a:xfrm>
           </p:grpSpPr>
           <p:pic>
@@ -15272,7 +15221,7 @@
             <p:spPr>
               <a:xfrm>
                 <a:off x="5689080" y="3225600"/>
-                <a:ext cx="1041480" cy="1827720"/>
+                <a:ext cx="1041120" cy="1827360"/>
               </a:xfrm>
               <a:prstGeom prst="rect">
                 <a:avLst/>
@@ -15295,7 +15244,7 @@
             <p:spPr>
               <a:xfrm>
                 <a:off x="6731640" y="3225600"/>
-                <a:ext cx="1032120" cy="1827720"/>
+                <a:ext cx="1031760" cy="1827360"/>
               </a:xfrm>
               <a:prstGeom prst="rect">
                 <a:avLst/>
@@ -15316,9 +15265,9 @@
         <p:grpSpPr>
           <a:xfrm>
             <a:off x="274320" y="1299600"/>
-            <a:ext cx="2193480" cy="1827720"/>
+            <a:ext cx="2193120" cy="1827360"/>
             <a:chOff x="274320" y="1299600"/>
-            <a:chExt cx="2193480" cy="1827720"/>
+            <a:chExt cx="2193120" cy="1827360"/>
           </a:xfrm>
         </p:grpSpPr>
         <p:pic>
@@ -15334,7 +15283,7 @@
           <p:spPr>
             <a:xfrm>
               <a:off x="274320" y="1299600"/>
-              <a:ext cx="1023120" cy="1827720"/>
+              <a:ext cx="1022760" cy="1827360"/>
             </a:xfrm>
             <a:prstGeom prst="rect">
               <a:avLst/>
@@ -15360,7 +15309,7 @@
           <p:spPr>
             <a:xfrm>
               <a:off x="1380600" y="1299600"/>
-              <a:ext cx="1087200" cy="1827720"/>
+              <a:ext cx="1086840" cy="1827360"/>
             </a:xfrm>
             <a:prstGeom prst="rect">
               <a:avLst/>
@@ -15387,7 +15336,7 @@
         <p:spPr>
           <a:xfrm>
             <a:off x="274320" y="4846320"/>
-            <a:ext cx="1032120" cy="1827720"/>
+            <a:ext cx="1031760" cy="1827360"/>
           </a:xfrm>
           <a:prstGeom prst="rect">
             <a:avLst/>
@@ -15409,7 +15358,7 @@
         <p:spPr>
           <a:xfrm>
             <a:off x="2560320" y="1281600"/>
-            <a:ext cx="2467800" cy="1710360"/>
+            <a:ext cx="2467440" cy="1710000"/>
           </a:xfrm>
           <a:prstGeom prst="rect">
             <a:avLst/>
@@ -15684,7 +15633,7 @@
         <p:spPr>
           <a:xfrm>
             <a:off x="1371600" y="4847760"/>
-            <a:ext cx="2193480" cy="1826280"/>
+            <a:ext cx="2193120" cy="1825920"/>
           </a:xfrm>
           <a:prstGeom prst="rect">
             <a:avLst/>
@@ -15814,7 +15763,7 @@
         <p:spPr>
           <a:xfrm>
             <a:off x="3749040" y="3474720"/>
-            <a:ext cx="1553400" cy="1161720"/>
+            <a:ext cx="1553040" cy="1161360"/>
           </a:xfrm>
           <a:prstGeom prst="rect">
             <a:avLst/>
@@ -15941,7 +15890,7 @@
         <p:spPr>
           <a:xfrm>
             <a:off x="3783600" y="4847760"/>
-            <a:ext cx="5176440" cy="1826280"/>
+            <a:ext cx="5176080" cy="1825920"/>
           </a:xfrm>
           <a:prstGeom prst="rect">
             <a:avLst/>
@@ -16235,7 +16184,7 @@
         <p:spPr>
           <a:xfrm>
             <a:off x="2056680" y="424080"/>
-            <a:ext cx="6363000" cy="761760"/>
+            <a:ext cx="6362640" cy="761400"/>
           </a:xfrm>
           <a:prstGeom prst="rect">
             <a:avLst/>
@@ -16284,7 +16233,7 @@
         <p:spPr>
           <a:xfrm>
             <a:off x="1463040" y="5603040"/>
-            <a:ext cx="7314120" cy="289080"/>
+            <a:ext cx="7313760" cy="288720"/>
           </a:xfrm>
           <a:prstGeom prst="rect">
             <a:avLst/>
@@ -16333,9 +16282,9 @@
         <p:grpSpPr>
           <a:xfrm>
             <a:off x="3158640" y="1360800"/>
-            <a:ext cx="3659400" cy="4194360"/>
+            <a:ext cx="3659040" cy="4194000"/>
             <a:chOff x="3158640" y="1360800"/>
-            <a:chExt cx="3659400" cy="4194360"/>
+            <a:chExt cx="3659040" cy="4194000"/>
           </a:xfrm>
         </p:grpSpPr>
         <p:pic>
@@ -16351,7 +16300,7 @@
           <p:spPr>
             <a:xfrm>
               <a:off x="3158640" y="1360800"/>
-              <a:ext cx="1231560" cy="4194360"/>
+              <a:ext cx="1231200" cy="4194000"/>
             </a:xfrm>
             <a:prstGeom prst="rect">
               <a:avLst/>
@@ -16374,7 +16323,7 @@
           <p:spPr>
             <a:xfrm>
               <a:off x="4373280" y="1360800"/>
-              <a:ext cx="2444760" cy="4194360"/>
+              <a:ext cx="2444400" cy="4194000"/>
             </a:xfrm>
             <a:prstGeom prst="rect">
               <a:avLst/>
@@ -16394,7 +16343,7 @@
         <p:spPr>
           <a:xfrm>
             <a:off x="3178080" y="5963040"/>
-            <a:ext cx="3587400" cy="545040"/>
+            <a:ext cx="3587040" cy="544680"/>
           </a:xfrm>
           <a:prstGeom prst="rect">
             <a:avLst/>
@@ -16492,7 +16441,7 @@
         <p:spPr>
           <a:xfrm>
             <a:off x="2056680" y="424080"/>
-            <a:ext cx="6363000" cy="761760"/>
+            <a:ext cx="6362640" cy="761400"/>
           </a:xfrm>
           <a:prstGeom prst="rect">
             <a:avLst/>
@@ -16541,7 +16490,7 @@
         <p:spPr>
           <a:xfrm>
             <a:off x="5494320" y="2106000"/>
-            <a:ext cx="3385080" cy="1001880"/>
+            <a:ext cx="3384720" cy="1001520"/>
           </a:xfrm>
           <a:prstGeom prst="rect">
             <a:avLst/>
@@ -16615,7 +16564,7 @@
         <p:spPr>
           <a:xfrm>
             <a:off x="1532160" y="2107800"/>
-            <a:ext cx="3549600" cy="1182960"/>
+            <a:ext cx="3549240" cy="1182600"/>
           </a:xfrm>
           <a:prstGeom prst="rect">
             <a:avLst/>
@@ -16689,7 +16638,7 @@
         <p:spPr>
           <a:xfrm>
             <a:off x="2194560" y="1304640"/>
-            <a:ext cx="6308280" cy="705960"/>
+            <a:ext cx="6307920" cy="705600"/>
           </a:xfrm>
           <a:prstGeom prst="rect">
             <a:avLst/>
@@ -16744,7 +16693,7 @@
         <p:spPr>
           <a:xfrm>
             <a:off x="1297800" y="3059280"/>
-            <a:ext cx="3766320" cy="3107880"/>
+            <a:ext cx="3765960" cy="3107520"/>
           </a:xfrm>
           <a:prstGeom prst="rect">
             <a:avLst/>
@@ -16766,7 +16715,7 @@
         <p:spPr>
           <a:xfrm>
             <a:off x="1463040" y="6215040"/>
-            <a:ext cx="7314120" cy="289080"/>
+            <a:ext cx="7313760" cy="288720"/>
           </a:xfrm>
           <a:prstGeom prst="rect">
             <a:avLst/>
@@ -16879,7 +16828,7 @@
         <p:spPr>
           <a:xfrm>
             <a:off x="5276160" y="3059280"/>
-            <a:ext cx="3501000" cy="3107880"/>
+            <a:ext cx="3500640" cy="3107520"/>
           </a:xfrm>
           <a:prstGeom prst="rect">
             <a:avLst/>
@@ -16950,7 +16899,7 @@
         <p:spPr>
           <a:xfrm>
             <a:off x="2056680" y="424080"/>
-            <a:ext cx="6363000" cy="761760"/>
+            <a:ext cx="6362640" cy="761400"/>
           </a:xfrm>
           <a:prstGeom prst="rect">
             <a:avLst/>
@@ -17029,7 +16978,7 @@
         <p:spPr>
           <a:xfrm>
             <a:off x="1618560" y="1556640"/>
-            <a:ext cx="7302600" cy="587160"/>
+            <a:ext cx="7302240" cy="586800"/>
           </a:xfrm>
           <a:prstGeom prst="rect">
             <a:avLst/>
@@ -17766,7 +17715,7 @@
         <p:spPr>
           <a:xfrm>
             <a:off x="1463040" y="4430880"/>
-            <a:ext cx="7405560" cy="1713600"/>
+            <a:ext cx="7405200" cy="1713240"/>
           </a:xfrm>
           <a:prstGeom prst="rect">
             <a:avLst/>
@@ -17961,7 +17910,7 @@
         <p:spPr>
           <a:xfrm>
             <a:off x="2572560" y="4009680"/>
-            <a:ext cx="4977000" cy="289440"/>
+            <a:ext cx="4976640" cy="289080"/>
           </a:xfrm>
           <a:prstGeom prst="rect">
             <a:avLst/>
@@ -18030,7 +17979,7 @@
         <p:spPr>
           <a:xfrm>
             <a:off x="3524400" y="6145920"/>
-            <a:ext cx="3016440" cy="401760"/>
+            <a:ext cx="3016080" cy="401400"/>
           </a:xfrm>
           <a:prstGeom prst="rect">
             <a:avLst/>
@@ -18128,7 +18077,7 @@
         <p:spPr>
           <a:xfrm>
             <a:off x="2056680" y="424080"/>
-            <a:ext cx="6363000" cy="761760"/>
+            <a:ext cx="6362640" cy="761400"/>
           </a:xfrm>
           <a:prstGeom prst="rect">
             <a:avLst/>
@@ -18207,7 +18156,7 @@
         <p:spPr>
           <a:xfrm>
             <a:off x="1371600" y="1920240"/>
-            <a:ext cx="7588440" cy="1644840"/>
+            <a:ext cx="7588080" cy="1644480"/>
           </a:xfrm>
           <a:prstGeom prst="rect">
             <a:avLst/>
@@ -18522,7 +18471,7 @@
         <p:spPr>
           <a:xfrm>
             <a:off x="1679040" y="4311000"/>
-            <a:ext cx="4662360" cy="2216160"/>
+            <a:ext cx="4662000" cy="2215800"/>
           </a:xfrm>
           <a:prstGeom prst="rect">
             <a:avLst/>
@@ -18544,7 +18493,7 @@
         <p:spPr>
           <a:xfrm>
             <a:off x="6564240" y="4372560"/>
-            <a:ext cx="2010600" cy="2010600"/>
+            <a:ext cx="2010240" cy="2010240"/>
           </a:xfrm>
           <a:custGeom>
             <a:avLst/>
@@ -18726,6 +18675,16 @@
                 <a:spcPct val="100000"/>
               </a:lnSpc>
             </a:pPr>
+            <a:r>
+              <a:rPr b="0" lang="en-US" sz="1800" spc="-1" strike="noStrike">
+                <a:solidFill>
+                  <a:srgbClr val="000000"/>
+                </a:solidFill>
+                <a:latin typeface="Arial"/>
+                <a:ea typeface="DejaVu Sans"/>
+              </a:rPr>
+              <a:t>Computed </a:t>
+            </a:r>
             <a:endParaRPr b="0" lang="en-US" sz="1800" spc="-1" strike="noStrike">
               <a:latin typeface="Arial"/>
             </a:endParaRPr>
@@ -18737,45 +18696,15 @@
               </a:lnSpc>
             </a:pPr>
             <a:r>
-              <a:rPr b="1" lang="en-US" sz="1800" spc="-1" strike="noStrike">
+              <a:rPr b="0" lang="en-US" sz="1800" spc="-1" strike="noStrike">
                 <a:solidFill>
                   <a:srgbClr val="000000"/>
                 </a:solidFill>
                 <a:latin typeface="Arial"/>
                 <a:ea typeface="DejaVu Sans"/>
               </a:rPr>
-              <a:t>Computed </a:t>
-            </a:r>
-            <a:endParaRPr b="0" lang="en-US" sz="1800" spc="-1" strike="noStrike">
-              <a:latin typeface="Arial"/>
-            </a:endParaRPr>
-          </a:p>
-          <a:p>
-            <a:pPr algn="ctr">
-              <a:lnSpc>
-                <a:spcPct val="100000"/>
-              </a:lnSpc>
-            </a:pPr>
-            <a:r>
-              <a:rPr b="1" lang="en-US" sz="1800" spc="-1" strike="noStrike">
-                <a:solidFill>
-                  <a:srgbClr val="000000"/>
-                </a:solidFill>
-                <a:latin typeface="Arial"/>
-                <a:ea typeface="DejaVu Sans"/>
-              </a:rPr>
               <a:t>Log Loss</a:t>
             </a:r>
-            <a:endParaRPr b="0" lang="en-US" sz="1800" spc="-1" strike="noStrike">
-              <a:latin typeface="Arial"/>
-            </a:endParaRPr>
-          </a:p>
-          <a:p>
-            <a:pPr algn="ctr">
-              <a:lnSpc>
-                <a:spcPct val="100000"/>
-              </a:lnSpc>
-            </a:pPr>
             <a:endParaRPr b="0" lang="en-US" sz="1800" spc="-1" strike="noStrike">
               <a:latin typeface="Arial"/>
             </a:endParaRPr>
@@ -18811,7 +18740,7 @@
         <p:spPr>
           <a:xfrm>
             <a:off x="1607040" y="3700080"/>
-            <a:ext cx="6948360" cy="541080"/>
+            <a:ext cx="6948000" cy="540720"/>
           </a:xfrm>
           <a:prstGeom prst="rect">
             <a:avLst/>
@@ -18929,7 +18858,7 @@
         <p:spPr>
           <a:xfrm>
             <a:off x="601560" y="374760"/>
-            <a:ext cx="8091720" cy="761760"/>
+            <a:ext cx="8091360" cy="761400"/>
           </a:xfrm>
           <a:prstGeom prst="rect">
             <a:avLst/>
@@ -18980,7 +18909,7 @@
         <p:spPr>
           <a:xfrm>
             <a:off x="1113840" y="1609920"/>
-            <a:ext cx="7039800" cy="601200"/>
+            <a:ext cx="7039440" cy="600840"/>
           </a:xfrm>
           <a:prstGeom prst="rect">
             <a:avLst/>
@@ -18999,7 +18928,7 @@
         <p:txBody>
           <a:bodyPr lIns="90000" rIns="90000" tIns="45000" bIns="45000"/>
           <a:p>
-            <a:pPr marL="216000" indent="-214920">
+            <a:pPr marL="216000" indent="-214560">
               <a:lnSpc>
                 <a:spcPct val="100000"/>
               </a:lnSpc>
@@ -19045,7 +18974,7 @@
             </a:endParaRPr>
           </a:p>
           <a:p>
-            <a:pPr marL="216000" indent="-214920">
+            <a:pPr marL="216000" indent="-214560">
               <a:lnSpc>
                 <a:spcPct val="100000"/>
               </a:lnSpc>
@@ -19105,7 +19034,7 @@
         <p:spPr>
           <a:xfrm>
             <a:off x="1740240" y="2305440"/>
-            <a:ext cx="5759640" cy="4244040"/>
+            <a:ext cx="5759280" cy="4243680"/>
           </a:xfrm>
           <a:prstGeom prst="rect">
             <a:avLst/>
@@ -19176,7 +19105,7 @@
         <p:spPr>
           <a:xfrm>
             <a:off x="601560" y="374760"/>
-            <a:ext cx="8091720" cy="761760"/>
+            <a:ext cx="8091360" cy="761400"/>
           </a:xfrm>
           <a:prstGeom prst="rect">
             <a:avLst/>
@@ -19227,7 +19156,7 @@
         <p:spPr>
           <a:xfrm>
             <a:off x="3011760" y="1686600"/>
-            <a:ext cx="5870520" cy="692640"/>
+            <a:ext cx="5870160" cy="692280"/>
           </a:xfrm>
           <a:prstGeom prst="rect">
             <a:avLst/>
@@ -19300,7 +19229,7 @@
         <p:spPr>
           <a:xfrm>
             <a:off x="3103560" y="2576880"/>
-            <a:ext cx="5634720" cy="3440520"/>
+            <a:ext cx="5634360" cy="3440160"/>
           </a:xfrm>
           <a:prstGeom prst="rect">
             <a:avLst/>
@@ -19322,7 +19251,7 @@
         <p:spPr>
           <a:xfrm>
             <a:off x="182880" y="2723760"/>
-            <a:ext cx="2775600" cy="3199320"/>
+            <a:ext cx="2775240" cy="3198960"/>
           </a:xfrm>
           <a:prstGeom prst="rect">
             <a:avLst/>
@@ -19372,7 +19301,7 @@
             </a:endParaRPr>
           </a:p>
           <a:p>
-            <a:pPr marL="216000" indent="-214920">
+            <a:pPr marL="216000" indent="-214560">
               <a:lnSpc>
                 <a:spcPct val="100000"/>
               </a:lnSpc>
@@ -19472,7 +19401,7 @@
             </a:endParaRPr>
           </a:p>
           <a:p>
-            <a:pPr marL="216000" indent="-214920">
+            <a:pPr marL="216000" indent="-214560">
               <a:lnSpc>
                 <a:spcPct val="100000"/>
               </a:lnSpc>
@@ -19501,7 +19430,7 @@
             </a:endParaRPr>
           </a:p>
           <a:p>
-            <a:pPr marL="216000" indent="-214920">
+            <a:pPr marL="216000" indent="-214560">
               <a:lnSpc>
                 <a:spcPct val="100000"/>
               </a:lnSpc>
@@ -19530,7 +19459,7 @@
             </a:endParaRPr>
           </a:p>
           <a:p>
-            <a:pPr marL="216000" indent="-214920">
+            <a:pPr marL="216000" indent="-214560">
               <a:lnSpc>
                 <a:spcPct val="100000"/>
               </a:lnSpc>
@@ -19559,7 +19488,7 @@
             </a:endParaRPr>
           </a:p>
           <a:p>
-            <a:pPr marL="216000" indent="-214920">
+            <a:pPr marL="216000" indent="-214560">
               <a:lnSpc>
                 <a:spcPct val="100000"/>
               </a:lnSpc>
@@ -19598,7 +19527,7 @@
         <p:spPr>
           <a:xfrm>
             <a:off x="4003920" y="6146640"/>
-            <a:ext cx="3930840" cy="289080"/>
+            <a:ext cx="3930480" cy="288720"/>
           </a:xfrm>
           <a:prstGeom prst="rect">
             <a:avLst/>
@@ -19696,7 +19625,7 @@
         <p:spPr>
           <a:xfrm>
             <a:off x="601560" y="374760"/>
-            <a:ext cx="8091720" cy="761760"/>
+            <a:ext cx="8091360" cy="761400"/>
           </a:xfrm>
           <a:prstGeom prst="rect">
             <a:avLst/>
@@ -19747,7 +19676,7 @@
         <p:spPr>
           <a:xfrm>
             <a:off x="2723760" y="1407600"/>
-            <a:ext cx="6216840" cy="364680"/>
+            <a:ext cx="6216480" cy="364320"/>
           </a:xfrm>
           <a:prstGeom prst="rect">
             <a:avLst/>
@@ -19819,7 +19748,7 @@
         <p:spPr>
           <a:xfrm>
             <a:off x="3350160" y="5894640"/>
-            <a:ext cx="4936680" cy="344520"/>
+            <a:ext cx="4936320" cy="344160"/>
           </a:xfrm>
           <a:prstGeom prst="rect">
             <a:avLst/>
@@ -19872,7 +19801,7 @@
         <p:spPr>
           <a:xfrm>
             <a:off x="3113640" y="2011680"/>
-            <a:ext cx="5463000" cy="3747960"/>
+            <a:ext cx="5462640" cy="3747600"/>
           </a:xfrm>
           <a:prstGeom prst="rect">
             <a:avLst/>
@@ -19894,7 +19823,7 @@
         <p:spPr>
           <a:xfrm>
             <a:off x="91440" y="2831760"/>
-            <a:ext cx="2925000" cy="1913400"/>
+            <a:ext cx="2924640" cy="1913040"/>
           </a:xfrm>
           <a:prstGeom prst="rect">
             <a:avLst/>
@@ -19964,7 +19893,7 @@
             </a:endParaRPr>
           </a:p>
           <a:p>
-            <a:pPr marL="216000" indent="-214920">
+            <a:pPr marL="216000" indent="-214560">
               <a:lnSpc>
                 <a:spcPct val="100000"/>
               </a:lnSpc>
@@ -20003,7 +19932,7 @@
             </a:endParaRPr>
           </a:p>
           <a:p>
-            <a:pPr marL="216000" indent="-214920">
+            <a:pPr marL="216000" indent="-214560">
               <a:lnSpc>
                 <a:spcPct val="100000"/>
               </a:lnSpc>
@@ -20101,7 +20030,7 @@
         <p:spPr>
           <a:xfrm>
             <a:off x="601560" y="374760"/>
-            <a:ext cx="8091720" cy="761760"/>
+            <a:ext cx="8091360" cy="761400"/>
           </a:xfrm>
           <a:prstGeom prst="rect">
             <a:avLst/>
@@ -20152,7 +20081,7 @@
         <p:spPr>
           <a:xfrm>
             <a:off x="365760" y="1954080"/>
-            <a:ext cx="8411400" cy="4171320"/>
+            <a:ext cx="8411040" cy="4170960"/>
           </a:xfrm>
           <a:prstGeom prst="rect">
             <a:avLst/>
@@ -20173,7 +20102,7 @@
             <a:normAutofit/>
           </a:bodyPr>
           <a:p>
-            <a:pPr marL="432000" indent="-322920">
+            <a:pPr marL="432000" indent="-322560">
               <a:lnSpc>
                 <a:spcPct val="100000"/>
               </a:lnSpc>
@@ -20291,7 +20220,7 @@
             </a:endParaRPr>
           </a:p>
           <a:p>
-            <a:pPr marL="432000" indent="-322920">
+            <a:pPr marL="432000" indent="-322560">
               <a:lnSpc>
                 <a:spcPct val="100000"/>
               </a:lnSpc>
@@ -20380,7 +20309,7 @@
             </a:endParaRPr>
           </a:p>
           <a:p>
-            <a:pPr marL="432000" indent="-322920">
+            <a:pPr marL="432000" indent="-322560">
               <a:lnSpc>
                 <a:spcPct val="100000"/>
               </a:lnSpc>
@@ -20533,7 +20462,7 @@
         <p:spPr>
           <a:xfrm>
             <a:off x="601560" y="374760"/>
-            <a:ext cx="8091720" cy="761760"/>
+            <a:ext cx="8091360" cy="761400"/>
           </a:xfrm>
           <a:prstGeom prst="rect">
             <a:avLst/>
@@ -20584,7 +20513,7 @@
         <p:spPr>
           <a:xfrm>
             <a:off x="2286000" y="1463040"/>
-            <a:ext cx="6546600" cy="1004760"/>
+            <a:ext cx="6546240" cy="1004400"/>
           </a:xfrm>
           <a:prstGeom prst="rect">
             <a:avLst/>
@@ -20633,7 +20562,7 @@
         <p:spPr>
           <a:xfrm>
             <a:off x="2286000" y="2579040"/>
-            <a:ext cx="2467800" cy="1296000"/>
+            <a:ext cx="2467440" cy="1295640"/>
           </a:xfrm>
           <a:prstGeom prst="rect">
             <a:avLst/>
@@ -20652,7 +20581,7 @@
         <p:txBody>
           <a:bodyPr lIns="90000" rIns="90000" tIns="45000" bIns="45000"/>
           <a:p>
-            <a:pPr marL="216000" indent="-214920">
+            <a:pPr marL="216000" indent="-214560">
               <a:lnSpc>
                 <a:spcPct val="100000"/>
               </a:lnSpc>
@@ -20681,7 +20610,7 @@
             </a:endParaRPr>
           </a:p>
           <a:p>
-            <a:pPr marL="216000" indent="-214920">
+            <a:pPr marL="216000" indent="-214560">
               <a:lnSpc>
                 <a:spcPct val="100000"/>
               </a:lnSpc>
@@ -20710,7 +20639,7 @@
             </a:endParaRPr>
           </a:p>
           <a:p>
-            <a:pPr marL="216000" indent="-214920">
+            <a:pPr marL="216000" indent="-214560">
               <a:lnSpc>
                 <a:spcPct val="100000"/>
               </a:lnSpc>
@@ -20749,7 +20678,7 @@
         <p:spPr>
           <a:xfrm>
             <a:off x="4826880" y="2579040"/>
-            <a:ext cx="303480" cy="1077480"/>
+            <a:ext cx="303120" cy="1077120"/>
           </a:xfrm>
           <a:custGeom>
             <a:avLst/>
@@ -20814,7 +20743,7 @@
         <p:spPr>
           <a:xfrm>
             <a:off x="5058000" y="2687400"/>
-            <a:ext cx="3422520" cy="692640"/>
+            <a:ext cx="3422160" cy="692280"/>
           </a:xfrm>
           <a:prstGeom prst="rect">
             <a:avLst/>
@@ -20889,7 +20818,7 @@
         <p:spPr>
           <a:xfrm>
             <a:off x="731520" y="4019040"/>
-            <a:ext cx="7771320" cy="2506320"/>
+            <a:ext cx="7770960" cy="2505960"/>
           </a:xfrm>
           <a:prstGeom prst="rect">
             <a:avLst/>
@@ -21119,7 +21048,7 @@
         <p:spPr>
           <a:xfrm>
             <a:off x="601560" y="374760"/>
-            <a:ext cx="8091720" cy="761760"/>
+            <a:ext cx="8091360" cy="761400"/>
           </a:xfrm>
           <a:prstGeom prst="rect">
             <a:avLst/>
@@ -21190,7 +21119,7 @@
         <p:spPr>
           <a:xfrm>
             <a:off x="365760" y="2293920"/>
-            <a:ext cx="8411400" cy="3831480"/>
+            <a:ext cx="8411040" cy="3831120"/>
           </a:xfrm>
           <a:prstGeom prst="rect">
             <a:avLst/>
@@ -21398,7 +21327,7 @@
         <p:spPr>
           <a:xfrm>
             <a:off x="601560" y="374760"/>
-            <a:ext cx="8091720" cy="761760"/>
+            <a:ext cx="8091360" cy="761400"/>
           </a:xfrm>
           <a:prstGeom prst="rect">
             <a:avLst/>
@@ -21449,7 +21378,7 @@
         <p:spPr>
           <a:xfrm>
             <a:off x="551520" y="1887120"/>
-            <a:ext cx="8170200" cy="939240"/>
+            <a:ext cx="8169840" cy="938880"/>
           </a:xfrm>
           <a:prstGeom prst="rect">
             <a:avLst/>
@@ -21529,7 +21458,7 @@
         <p:spPr>
           <a:xfrm>
             <a:off x="551520" y="2859120"/>
-            <a:ext cx="8170200" cy="2948400"/>
+            <a:ext cx="8169840" cy="2948040"/>
           </a:xfrm>
           <a:prstGeom prst="rect">
             <a:avLst/>
@@ -21548,7 +21477,7 @@
         <p:txBody>
           <a:bodyPr lIns="90000" rIns="90000" tIns="45000" bIns="45000"/>
           <a:p>
-            <a:pPr marL="216000" indent="-214920">
+            <a:pPr marL="216000" indent="-214560">
               <a:lnSpc>
                 <a:spcPct val="100000"/>
               </a:lnSpc>
@@ -21577,7 +21506,7 @@
             </a:endParaRPr>
           </a:p>
           <a:p>
-            <a:pPr marL="216000" indent="-214920">
+            <a:pPr marL="216000" indent="-214560">
               <a:lnSpc>
                 <a:spcPct val="100000"/>
               </a:lnSpc>
@@ -21606,7 +21535,7 @@
             </a:endParaRPr>
           </a:p>
           <a:p>
-            <a:pPr lvl="1" marL="457200" indent="-215640">
+            <a:pPr lvl="1" marL="457200" indent="-215280">
               <a:lnSpc>
                 <a:spcPct val="100000"/>
               </a:lnSpc>
@@ -21634,7 +21563,7 @@
             </a:endParaRPr>
           </a:p>
           <a:p>
-            <a:pPr lvl="1" marL="457200" indent="-215640">
+            <a:pPr lvl="1" marL="457200" indent="-215280">
               <a:lnSpc>
                 <a:spcPct val="100000"/>
               </a:lnSpc>
@@ -21662,7 +21591,7 @@
             </a:endParaRPr>
           </a:p>
           <a:p>
-            <a:pPr lvl="1" marL="457200" indent="-215640">
+            <a:pPr lvl="1" marL="457200" indent="-215280">
               <a:lnSpc>
                 <a:spcPct val="100000"/>
               </a:lnSpc>
@@ -21690,7 +21619,7 @@
             </a:endParaRPr>
           </a:p>
           <a:p>
-            <a:pPr lvl="1" marL="457200" indent="-215640">
+            <a:pPr lvl="1" marL="457200" indent="-215280">
               <a:lnSpc>
                 <a:spcPct val="100000"/>
               </a:lnSpc>
@@ -21718,7 +21647,7 @@
             </a:endParaRPr>
           </a:p>
           <a:p>
-            <a:pPr lvl="1" marL="457200" indent="-215640">
+            <a:pPr lvl="1" marL="457200" indent="-215280">
               <a:lnSpc>
                 <a:spcPct val="100000"/>
               </a:lnSpc>
@@ -21746,7 +21675,7 @@
             </a:endParaRPr>
           </a:p>
           <a:p>
-            <a:pPr marL="216000" indent="-214920">
+            <a:pPr marL="216000" indent="-214560">
               <a:lnSpc>
                 <a:spcPct val="100000"/>
               </a:lnSpc>
@@ -21775,7 +21704,7 @@
             </a:endParaRPr>
           </a:p>
           <a:p>
-            <a:pPr marL="216000" indent="-214920">
+            <a:pPr marL="216000" indent="-214560">
               <a:lnSpc>
                 <a:spcPct val="100000"/>
               </a:lnSpc>
@@ -21804,7 +21733,7 @@
             </a:endParaRPr>
           </a:p>
           <a:p>
-            <a:pPr marL="216000" indent="-214920">
+            <a:pPr marL="216000" indent="-214560">
               <a:lnSpc>
                 <a:spcPct val="100000"/>
               </a:lnSpc>
@@ -21912,7 +21841,7 @@
         <p:spPr>
           <a:xfrm>
             <a:off x="601560" y="374760"/>
-            <a:ext cx="8091720" cy="761760"/>
+            <a:ext cx="8091360" cy="761400"/>
           </a:xfrm>
           <a:prstGeom prst="rect">
             <a:avLst/>
@@ -21963,7 +21892,7 @@
         <p:spPr>
           <a:xfrm>
             <a:off x="127440" y="3078000"/>
-            <a:ext cx="2742120" cy="1762200"/>
+            <a:ext cx="2741760" cy="1761840"/>
           </a:xfrm>
           <a:prstGeom prst="rect">
             <a:avLst/>
@@ -22006,7 +21935,7 @@
             </a:endParaRPr>
           </a:p>
           <a:p>
-            <a:pPr marL="216000" indent="-214920">
+            <a:pPr marL="216000" indent="-214560">
               <a:lnSpc>
                 <a:spcPct val="100000"/>
               </a:lnSpc>
@@ -22035,7 +21964,7 @@
             </a:endParaRPr>
           </a:p>
           <a:p>
-            <a:pPr marL="216000" indent="-214920">
+            <a:pPr marL="216000" indent="-214560">
               <a:lnSpc>
                 <a:spcPct val="100000"/>
               </a:lnSpc>
@@ -22064,7 +21993,7 @@
             </a:endParaRPr>
           </a:p>
           <a:p>
-            <a:pPr marL="216000" indent="-214920">
+            <a:pPr marL="216000" indent="-214560">
               <a:lnSpc>
                 <a:spcPct val="100000"/>
               </a:lnSpc>
@@ -22107,7 +22036,7 @@
         <p:spPr>
           <a:xfrm>
             <a:off x="2926080" y="2362680"/>
-            <a:ext cx="5992560" cy="3902760"/>
+            <a:ext cx="5992200" cy="3902400"/>
           </a:xfrm>
           <a:prstGeom prst="rect">
             <a:avLst/>
@@ -22129,7 +22058,7 @@
         <p:spPr>
           <a:xfrm>
             <a:off x="2867760" y="6290640"/>
-            <a:ext cx="6125400" cy="322200"/>
+            <a:ext cx="6125040" cy="321840"/>
           </a:xfrm>
           <a:prstGeom prst="rect">
             <a:avLst/>
@@ -22178,7 +22107,7 @@
         <p:spPr>
           <a:xfrm>
             <a:off x="2795760" y="1753920"/>
-            <a:ext cx="6216840" cy="527400"/>
+            <a:ext cx="6216480" cy="527040"/>
           </a:xfrm>
           <a:prstGeom prst="rect">
             <a:avLst/>
@@ -22276,7 +22205,7 @@
         <p:spPr>
           <a:xfrm>
             <a:off x="601560" y="374760"/>
-            <a:ext cx="8091720" cy="761760"/>
+            <a:ext cx="8091360" cy="761400"/>
           </a:xfrm>
           <a:prstGeom prst="rect">
             <a:avLst/>
@@ -22331,7 +22260,7 @@
         <p:spPr>
           <a:xfrm>
             <a:off x="2560320" y="1668240"/>
-            <a:ext cx="4309920" cy="1081440"/>
+            <a:ext cx="4309560" cy="1081080"/>
           </a:xfrm>
           <a:prstGeom prst="rect">
             <a:avLst/>
@@ -22353,7 +22282,7 @@
         <p:spPr>
           <a:xfrm>
             <a:off x="1368720" y="3054600"/>
-            <a:ext cx="6856920" cy="3309840"/>
+            <a:ext cx="6856560" cy="3309480"/>
           </a:xfrm>
           <a:prstGeom prst="rect">
             <a:avLst/>
@@ -22380,7 +22309,7 @@
             <a:r>
               <a:rPr b="1" lang="en-US" sz="1800" spc="-1" strike="noStrike">
                 <a:solidFill>
-                  <a:srgbClr val="000000"/>
+                  <a:srgbClr val="ffffff"/>
                 </a:solidFill>
                 <a:latin typeface="Arial"/>
                 <a:ea typeface="DejaVu Sans"/>
@@ -22390,7 +22319,7 @@
             <a:r>
               <a:rPr b="0" lang="en-US" sz="1800" spc="-1" strike="noStrike">
                 <a:solidFill>
-                  <a:srgbClr val="000000"/>
+                  <a:srgbClr val="ffffff"/>
                 </a:solidFill>
                 <a:latin typeface="Arial"/>
                 <a:ea typeface="DejaVu Sans"/>
@@ -22400,7 +22329,7 @@
             <a:r>
               <a:rPr b="1" lang="en-US" sz="1800" spc="-1" strike="noStrike" u="sng">
                 <a:solidFill>
-                  <a:srgbClr val="000000"/>
+                  <a:srgbClr val="ffffff"/>
                 </a:solidFill>
                 <a:uFillTx/>
                 <a:latin typeface="Arial"/>
@@ -22411,7 +22340,7 @@
             <a:r>
               <a:rPr b="0" lang="en-US" sz="1800" spc="-1" strike="noStrike">
                 <a:solidFill>
-                  <a:srgbClr val="000000"/>
+                  <a:srgbClr val="ffffff"/>
                 </a:solidFill>
                 <a:latin typeface="Arial"/>
                 <a:ea typeface="DejaVu Sans"/>
@@ -22421,7 +22350,7 @@
             <a:r>
               <a:rPr b="1" lang="en-US" sz="1800" spc="-1" strike="noStrike" u="sng">
                 <a:solidFill>
-                  <a:srgbClr val="000000"/>
+                  <a:srgbClr val="ffffff"/>
                 </a:solidFill>
                 <a:uFillTx/>
                 <a:latin typeface="Arial"/>
@@ -22963,7 +22892,7 @@
         <p:spPr>
           <a:xfrm>
             <a:off x="601560" y="374760"/>
-            <a:ext cx="8091720" cy="761760"/>
+            <a:ext cx="8091360" cy="761400"/>
           </a:xfrm>
           <a:prstGeom prst="rect">
             <a:avLst/>
@@ -23014,7 +22943,7 @@
         <p:spPr>
           <a:xfrm>
             <a:off x="2493360" y="1465920"/>
-            <a:ext cx="4540680" cy="910440"/>
+            <a:ext cx="4540320" cy="910080"/>
           </a:xfrm>
           <a:prstGeom prst="rect">
             <a:avLst/>
@@ -23054,7 +22983,7 @@
             </a:endParaRPr>
           </a:p>
           <a:p>
-            <a:pPr marL="216000" indent="-214920">
+            <a:pPr marL="216000" indent="-214560">
               <a:lnSpc>
                 <a:spcPct val="100000"/>
               </a:lnSpc>
@@ -23083,7 +23012,7 @@
             </a:endParaRPr>
           </a:p>
           <a:p>
-            <a:pPr marL="216000" indent="-214920">
+            <a:pPr marL="216000" indent="-214560">
               <a:lnSpc>
                 <a:spcPct val="100000"/>
               </a:lnSpc>
@@ -23122,7 +23051,7 @@
         <p:spPr>
           <a:xfrm>
             <a:off x="1005840" y="2527560"/>
-            <a:ext cx="7039800" cy="306000"/>
+            <a:ext cx="7039440" cy="305640"/>
           </a:xfrm>
           <a:prstGeom prst="rect">
             <a:avLst/>
@@ -23171,9 +23100,9 @@
         <p:grpSpPr>
           <a:xfrm>
             <a:off x="825840" y="2855520"/>
-            <a:ext cx="7413480" cy="3107880"/>
+            <a:ext cx="7413120" cy="3107520"/>
             <a:chOff x="825840" y="2855520"/>
-            <a:chExt cx="7413480" cy="3107880"/>
+            <a:chExt cx="7413120" cy="3107520"/>
           </a:xfrm>
         </p:grpSpPr>
         <p:pic>
@@ -23189,7 +23118,7 @@
           <p:spPr>
             <a:xfrm>
               <a:off x="825840" y="2855520"/>
-              <a:ext cx="3528360" cy="3107880"/>
+              <a:ext cx="3528000" cy="3107520"/>
             </a:xfrm>
             <a:prstGeom prst="rect">
               <a:avLst/>
@@ -23215,7 +23144,7 @@
           <p:spPr>
             <a:xfrm>
               <a:off x="4528080" y="2855520"/>
-              <a:ext cx="3711240" cy="3107880"/>
+              <a:ext cx="3710880" cy="3107520"/>
             </a:xfrm>
             <a:prstGeom prst="rect">
               <a:avLst/>
@@ -23287,7 +23216,7 @@
         <p:spPr>
           <a:xfrm>
             <a:off x="601560" y="374760"/>
-            <a:ext cx="8091720" cy="761760"/>
+            <a:ext cx="8091360" cy="761400"/>
           </a:xfrm>
           <a:prstGeom prst="rect">
             <a:avLst/>
@@ -23342,7 +23271,7 @@
         <p:spPr>
           <a:xfrm>
             <a:off x="2560320" y="1668240"/>
-            <a:ext cx="4309920" cy="1081440"/>
+            <a:ext cx="4309560" cy="1081080"/>
           </a:xfrm>
           <a:prstGeom prst="rect">
             <a:avLst/>
@@ -23364,7 +23293,7 @@
         <p:spPr>
           <a:xfrm>
             <a:off x="640080" y="2906280"/>
-            <a:ext cx="8045640" cy="3565800"/>
+            <a:ext cx="8045280" cy="3565440"/>
           </a:xfrm>
           <a:prstGeom prst="rect">
             <a:avLst/>
@@ -23754,7 +23683,7 @@
         <p:spPr>
           <a:xfrm>
             <a:off x="601560" y="374760"/>
-            <a:ext cx="8091720" cy="761760"/>
+            <a:ext cx="8091360" cy="761400"/>
           </a:xfrm>
           <a:prstGeom prst="rect">
             <a:avLst/>
@@ -23809,7 +23738,7 @@
         <p:spPr>
           <a:xfrm>
             <a:off x="667080" y="2247120"/>
-            <a:ext cx="3992400" cy="1571760"/>
+            <a:ext cx="3992040" cy="1571400"/>
           </a:xfrm>
           <a:prstGeom prst="rect">
             <a:avLst/>
@@ -23835,7 +23764,7 @@
         <p:spPr>
           <a:xfrm>
             <a:off x="4991040" y="1609920"/>
-            <a:ext cx="3528360" cy="3107880"/>
+            <a:ext cx="3528000" cy="3107520"/>
           </a:xfrm>
           <a:prstGeom prst="rect">
             <a:avLst/>
@@ -23856,7 +23785,7 @@
         </p:nvGraphicFramePr>
         <p:xfrm>
           <a:off x="507960" y="5053320"/>
-          <a:ext cx="5119920" cy="1554120"/>
+          <a:ext cx="5119920" cy="1553760"/>
         </p:xfrm>
         <a:graphic>
           <a:graphicData uri="http://schemas.openxmlformats.org/drawingml/2006/table">
@@ -24982,7 +24911,7 @@
                   </a:tcPr>
                 </a:tc>
               </a:tr>
-              <a:tr h="317880">
+              <a:tr h="317520">
                 <a:tc>
                   <a:txBody>
                     <a:bodyPr lIns="90000" rIns="90000"/>
@@ -25273,7 +25202,7 @@
         <p:spPr>
           <a:xfrm>
             <a:off x="404640" y="4732560"/>
-            <a:ext cx="3382200" cy="289080"/>
+            <a:ext cx="3381840" cy="288720"/>
           </a:xfrm>
           <a:prstGeom prst="rect">
             <a:avLst/>
@@ -25322,7 +25251,7 @@
         <p:spPr>
           <a:xfrm>
             <a:off x="5807880" y="4993200"/>
-            <a:ext cx="533520" cy="1644840"/>
+            <a:ext cx="533160" cy="1644480"/>
           </a:xfrm>
           <a:custGeom>
             <a:avLst/>
@@ -25387,7 +25316,7 @@
         <p:spPr>
           <a:xfrm>
             <a:off x="6495120" y="5486400"/>
-            <a:ext cx="2010600" cy="639000"/>
+            <a:ext cx="2010240" cy="638640"/>
           </a:xfrm>
           <a:prstGeom prst="rect">
             <a:avLst/>
@@ -25460,7 +25389,7 @@
         <p:spPr>
           <a:xfrm>
             <a:off x="692640" y="1924560"/>
-            <a:ext cx="3969720" cy="488880"/>
+            <a:ext cx="3969360" cy="488520"/>
           </a:xfrm>
           <a:prstGeom prst="rect">
             <a:avLst/>
@@ -25558,7 +25487,7 @@
         <p:spPr>
           <a:xfrm>
             <a:off x="997560" y="374760"/>
-            <a:ext cx="8091720" cy="761760"/>
+            <a:ext cx="8091360" cy="761400"/>
           </a:xfrm>
           <a:prstGeom prst="rect">
             <a:avLst/>
@@ -25609,7 +25538,7 @@
         <p:spPr>
           <a:xfrm>
             <a:off x="1172160" y="1685160"/>
-            <a:ext cx="7497000" cy="1295280"/>
+            <a:ext cx="7496640" cy="1294920"/>
           </a:xfrm>
           <a:prstGeom prst="rect">
             <a:avLst/>
@@ -25628,7 +25557,7 @@
         <p:txBody>
           <a:bodyPr lIns="90000" rIns="90000" tIns="45000" bIns="45000"/>
           <a:p>
-            <a:pPr marL="216000" indent="-214920">
+            <a:pPr marL="216000" indent="-214560">
               <a:lnSpc>
                 <a:spcPct val="100000"/>
               </a:lnSpc>
@@ -25664,7 +25593,7 @@
             </a:endParaRPr>
           </a:p>
           <a:p>
-            <a:pPr marL="216000" indent="-214920">
+            <a:pPr marL="216000" indent="-214560">
               <a:lnSpc>
                 <a:spcPct val="100000"/>
               </a:lnSpc>
@@ -25710,7 +25639,7 @@
         <p:spPr>
           <a:xfrm>
             <a:off x="1172160" y="6015600"/>
-            <a:ext cx="7497000" cy="456120"/>
+            <a:ext cx="7496640" cy="455760"/>
           </a:xfrm>
           <a:prstGeom prst="rect">
             <a:avLst/>
@@ -25729,7 +25658,7 @@
         <p:txBody>
           <a:bodyPr lIns="90000" rIns="90000" tIns="45000" bIns="45000"/>
           <a:p>
-            <a:pPr marL="216000" indent="-214920">
+            <a:pPr marL="216000" indent="-214560">
               <a:lnSpc>
                 <a:spcPct val="100000"/>
               </a:lnSpc>
@@ -25769,7 +25698,7 @@
         <p:spPr>
           <a:xfrm>
             <a:off x="1975320" y="3053520"/>
-            <a:ext cx="5992560" cy="2920320"/>
+            <a:ext cx="5992200" cy="2919960"/>
           </a:xfrm>
           <a:prstGeom prst="rect">
             <a:avLst/>
@@ -25791,7 +25720,7 @@
         <p:spPr>
           <a:xfrm>
             <a:off x="202320" y="3998160"/>
-            <a:ext cx="1644840" cy="730440"/>
+            <a:ext cx="1644480" cy="730080"/>
           </a:xfrm>
           <a:prstGeom prst="rect">
             <a:avLst/>
@@ -25889,7 +25818,7 @@
         <p:spPr>
           <a:xfrm>
             <a:off x="997560" y="374760"/>
-            <a:ext cx="8091720" cy="761760"/>
+            <a:ext cx="8091360" cy="761400"/>
           </a:xfrm>
           <a:prstGeom prst="rect">
             <a:avLst/>
@@ -25970,7 +25899,7 @@
         <p:spPr>
           <a:xfrm>
             <a:off x="1280160" y="4563000"/>
-            <a:ext cx="6765480" cy="1562400"/>
+            <a:ext cx="6765120" cy="1562040"/>
           </a:xfrm>
           <a:prstGeom prst="rect">
             <a:avLst/>
@@ -25989,7 +25918,7 @@
         <p:txBody>
           <a:bodyPr lIns="90000" rIns="90000" tIns="45000" bIns="45000"/>
           <a:p>
-            <a:pPr marL="216000" indent="-214920">
+            <a:pPr marL="216000" indent="-214560">
               <a:lnSpc>
                 <a:spcPct val="100000"/>
               </a:lnSpc>
@@ -26018,7 +25947,7 @@
             </a:endParaRPr>
           </a:p>
           <a:p>
-            <a:pPr marL="216000" indent="-214920">
+            <a:pPr marL="216000" indent="-214560">
               <a:lnSpc>
                 <a:spcPct val="100000"/>
               </a:lnSpc>
@@ -26047,7 +25976,7 @@
             </a:endParaRPr>
           </a:p>
           <a:p>
-            <a:pPr marL="216000" indent="-214920">
+            <a:pPr marL="216000" indent="-214560">
               <a:lnSpc>
                 <a:spcPct val="100000"/>
               </a:lnSpc>
@@ -26086,7 +26015,7 @@
             </a:endParaRPr>
           </a:p>
           <a:p>
-            <a:pPr marL="216000" indent="-214920">
+            <a:pPr marL="216000" indent="-214560">
               <a:lnSpc>
                 <a:spcPct val="100000"/>
               </a:lnSpc>
@@ -26139,7 +26068,7 @@
         <p:spPr>
           <a:xfrm>
             <a:off x="2125080" y="1583280"/>
-            <a:ext cx="5244480" cy="2619000"/>
+            <a:ext cx="5244120" cy="2618640"/>
           </a:xfrm>
           <a:prstGeom prst="rect">
             <a:avLst/>
@@ -26161,7 +26090,7 @@
         <p:spPr>
           <a:xfrm>
             <a:off x="4608000" y="2707200"/>
-            <a:ext cx="456120" cy="456120"/>
+            <a:ext cx="455760" cy="455760"/>
           </a:xfrm>
           <a:prstGeom prst="ellipse">
             <a:avLst/>
@@ -26218,7 +26147,7 @@
         <p:spPr>
           <a:xfrm>
             <a:off x="4389120" y="2011680"/>
-            <a:ext cx="2010600" cy="747000"/>
+            <a:ext cx="2010240" cy="746640"/>
           </a:xfrm>
           <a:prstGeom prst="rect">
             <a:avLst/>
@@ -26359,7 +26288,7 @@
         <p:spPr>
           <a:xfrm>
             <a:off x="601560" y="374760"/>
-            <a:ext cx="8091720" cy="761760"/>
+            <a:ext cx="8091360" cy="761400"/>
           </a:xfrm>
           <a:prstGeom prst="rect">
             <a:avLst/>
@@ -26410,7 +26339,7 @@
         <p:spPr>
           <a:xfrm>
             <a:off x="731520" y="3687120"/>
-            <a:ext cx="3659400" cy="539280"/>
+            <a:ext cx="3659040" cy="538920"/>
           </a:xfrm>
           <a:prstGeom prst="rect">
             <a:avLst/>
@@ -26461,7 +26390,7 @@
         <p:spPr>
           <a:xfrm>
             <a:off x="4494240" y="2936520"/>
-            <a:ext cx="4014720" cy="2365920"/>
+            <a:ext cx="4014360" cy="2365560"/>
           </a:xfrm>
           <a:prstGeom prst="rect">
             <a:avLst/>
@@ -26482,7 +26411,7 @@
             <a:normAutofit/>
           </a:bodyPr>
           <a:p>
-            <a:pPr marL="432000" indent="-322920">
+            <a:pPr marL="432000" indent="-322560">
               <a:lnSpc>
                 <a:spcPct val="115000"/>
               </a:lnSpc>
@@ -26511,7 +26440,7 @@
             </a:endParaRPr>
           </a:p>
           <a:p>
-            <a:pPr marL="432000" indent="-322920">
+            <a:pPr marL="432000" indent="-322560">
               <a:lnSpc>
                 <a:spcPct val="115000"/>
               </a:lnSpc>
@@ -26540,7 +26469,7 @@
             </a:endParaRPr>
           </a:p>
           <a:p>
-            <a:pPr marL="432000" indent="-322920">
+            <a:pPr marL="432000" indent="-322560">
               <a:lnSpc>
                 <a:spcPct val="115000"/>
               </a:lnSpc>
@@ -26569,7 +26498,7 @@
             </a:endParaRPr>
           </a:p>
           <a:p>
-            <a:pPr marL="432000" indent="-322920">
+            <a:pPr marL="432000" indent="-322560">
               <a:lnSpc>
                 <a:spcPct val="115000"/>
               </a:lnSpc>
@@ -26687,7 +26616,7 @@
         <p:spPr>
           <a:xfrm>
             <a:off x="997560" y="374760"/>
-            <a:ext cx="8091720" cy="761760"/>
+            <a:ext cx="8091360" cy="761400"/>
           </a:xfrm>
           <a:prstGeom prst="rect">
             <a:avLst/>
@@ -26758,7 +26687,7 @@
         <p:spPr>
           <a:xfrm>
             <a:off x="2394000" y="5852160"/>
-            <a:ext cx="4662360" cy="373680"/>
+            <a:ext cx="4662000" cy="373320"/>
           </a:xfrm>
           <a:prstGeom prst="rect">
             <a:avLst/>
@@ -26777,7 +26706,7 @@
         <p:txBody>
           <a:bodyPr lIns="90000" rIns="90000" tIns="45000" bIns="45000"/>
           <a:p>
-            <a:pPr marL="216000" indent="-214920">
+            <a:pPr marL="216000" indent="-214560">
               <a:lnSpc>
                 <a:spcPct val="100000"/>
               </a:lnSpc>
@@ -26820,7 +26749,7 @@
         <p:spPr>
           <a:xfrm>
             <a:off x="849240" y="1892520"/>
-            <a:ext cx="7612560" cy="3861360"/>
+            <a:ext cx="7612200" cy="3861000"/>
           </a:xfrm>
           <a:prstGeom prst="rect">
             <a:avLst/>
@@ -26891,7 +26820,7 @@
         <p:spPr>
           <a:xfrm>
             <a:off x="601560" y="374760"/>
-            <a:ext cx="8075160" cy="761760"/>
+            <a:ext cx="8074800" cy="761400"/>
           </a:xfrm>
           <a:prstGeom prst="rect">
             <a:avLst/>
@@ -26946,7 +26875,7 @@
         <p:spPr>
           <a:xfrm>
             <a:off x="2546640" y="1962360"/>
-            <a:ext cx="5756040" cy="2984040"/>
+            <a:ext cx="5755680" cy="2983680"/>
           </a:xfrm>
           <a:prstGeom prst="rect">
             <a:avLst/>
@@ -26968,7 +26897,7 @@
         <p:spPr>
           <a:xfrm>
             <a:off x="1758960" y="5074200"/>
-            <a:ext cx="7289640" cy="995760"/>
+            <a:ext cx="7289280" cy="995400"/>
           </a:xfrm>
           <a:prstGeom prst="rect">
             <a:avLst/>
@@ -26987,7 +26916,7 @@
         <p:txBody>
           <a:bodyPr lIns="90000" rIns="90000" tIns="45000" bIns="45000"/>
           <a:p>
-            <a:pPr marL="216000" indent="-214920">
+            <a:pPr marL="216000" indent="-214560">
               <a:lnSpc>
                 <a:spcPct val="100000"/>
               </a:lnSpc>
@@ -27016,7 +26945,7 @@
             </a:endParaRPr>
           </a:p>
           <a:p>
-            <a:pPr marL="216000" indent="-214920">
+            <a:pPr marL="216000" indent="-214560">
               <a:lnSpc>
                 <a:spcPct val="100000"/>
               </a:lnSpc>
@@ -27045,7 +26974,7 @@
             </a:endParaRPr>
           </a:p>
           <a:p>
-            <a:pPr marL="216000" indent="-214920">
+            <a:pPr marL="216000" indent="-214560">
               <a:lnSpc>
                 <a:spcPct val="100000"/>
               </a:lnSpc>
@@ -27084,7 +27013,7 @@
         <p:spPr>
           <a:xfrm>
             <a:off x="2676240" y="1316520"/>
-            <a:ext cx="5485320" cy="607680"/>
+            <a:ext cx="5484960" cy="607320"/>
           </a:xfrm>
           <a:prstGeom prst="rect">
             <a:avLst/>
@@ -27159,7 +27088,7 @@
         <p:spPr>
           <a:xfrm>
             <a:off x="274320" y="2252880"/>
-            <a:ext cx="2102040" cy="1775160"/>
+            <a:ext cx="2101680" cy="1774800"/>
           </a:xfrm>
           <a:prstGeom prst="rect">
             <a:avLst/>
@@ -27298,7 +27227,7 @@
             <a:r>
               <a:rPr b="1" lang="en-US" sz="1600" spc="-1" strike="noStrike">
                 <a:solidFill>
-                  <a:srgbClr val="e0efd4"/>
+                  <a:srgbClr val="ffffff"/>
                 </a:solidFill>
                 <a:latin typeface="Arial"/>
                 <a:ea typeface="DejaVu Sans"/>
@@ -27399,7 +27328,7 @@
         <p:spPr>
           <a:xfrm>
             <a:off x="601560" y="374760"/>
-            <a:ext cx="8075160" cy="761760"/>
+            <a:ext cx="8074800" cy="761400"/>
           </a:xfrm>
           <a:prstGeom prst="rect">
             <a:avLst/>
@@ -27450,7 +27379,7 @@
         <p:spPr>
           <a:xfrm>
             <a:off x="1758960" y="5074200"/>
-            <a:ext cx="7289640" cy="1211400"/>
+            <a:ext cx="7289280" cy="1211040"/>
           </a:xfrm>
           <a:prstGeom prst="rect">
             <a:avLst/>
@@ -27469,7 +27398,7 @@
         <p:txBody>
           <a:bodyPr lIns="90000" rIns="90000" tIns="45000" bIns="45000"/>
           <a:p>
-            <a:pPr marL="216000" indent="-214920">
+            <a:pPr marL="216000" indent="-214560">
               <a:lnSpc>
                 <a:spcPct val="100000"/>
               </a:lnSpc>
@@ -27498,7 +27427,7 @@
             </a:endParaRPr>
           </a:p>
           <a:p>
-            <a:pPr marL="216000" indent="-214920">
+            <a:pPr marL="216000" indent="-214560">
               <a:lnSpc>
                 <a:spcPct val="100000"/>
               </a:lnSpc>
@@ -27527,7 +27456,7 @@
             </a:endParaRPr>
           </a:p>
           <a:p>
-            <a:pPr marL="216000" indent="-214920">
+            <a:pPr marL="216000" indent="-214560">
               <a:lnSpc>
                 <a:spcPct val="100000"/>
               </a:lnSpc>
@@ -27556,7 +27485,7 @@
             </a:endParaRPr>
           </a:p>
           <a:p>
-            <a:pPr marL="216000" indent="-214920">
+            <a:pPr marL="216000" indent="-214560">
               <a:lnSpc>
                 <a:spcPct val="100000"/>
               </a:lnSpc>
@@ -27578,7 +27507,7 @@
                 <a:latin typeface="Arial"/>
                 <a:ea typeface="DejaVu Sans"/>
               </a:rPr>
-              <a:t>Logloss errors were best for Pitchers who throw 5 or more pitch-types.</a:t>
+              <a:t>Logloss errors were best for Pitchers who throw &gt;=5 different pitch-types.</a:t>
             </a:r>
             <a:endParaRPr b="0" lang="en-US" sz="1600" spc="-1" strike="noStrike">
               <a:latin typeface="Arial"/>
@@ -27595,7 +27524,7 @@
         <p:spPr>
           <a:xfrm>
             <a:off x="2676240" y="1316520"/>
-            <a:ext cx="5485320" cy="607680"/>
+            <a:ext cx="5484960" cy="607320"/>
           </a:xfrm>
           <a:prstGeom prst="rect">
             <a:avLst/>
@@ -27670,7 +27599,7 @@
         <p:spPr>
           <a:xfrm>
             <a:off x="274320" y="2252880"/>
-            <a:ext cx="2102040" cy="1775160"/>
+            <a:ext cx="2101680" cy="1774800"/>
           </a:xfrm>
           <a:prstGeom prst="rect">
             <a:avLst/>
@@ -27865,7 +27794,7 @@
         <p:spPr>
           <a:xfrm>
             <a:off x="2554560" y="1939680"/>
-            <a:ext cx="5759640" cy="2989080"/>
+            <a:ext cx="5759280" cy="2988720"/>
           </a:xfrm>
           <a:prstGeom prst="rect">
             <a:avLst/>
@@ -27936,7 +27865,7 @@
         <p:spPr>
           <a:xfrm>
             <a:off x="601560" y="374760"/>
-            <a:ext cx="8075160" cy="761760"/>
+            <a:ext cx="8074800" cy="761400"/>
           </a:xfrm>
           <a:prstGeom prst="rect">
             <a:avLst/>
@@ -27987,7 +27916,7 @@
         <p:spPr>
           <a:xfrm>
             <a:off x="731520" y="1939680"/>
-            <a:ext cx="7771320" cy="4102560"/>
+            <a:ext cx="7770960" cy="4102200"/>
           </a:xfrm>
           <a:prstGeom prst="rect">
             <a:avLst/>
@@ -28006,7 +27935,7 @@
         <p:txBody>
           <a:bodyPr lIns="90000" rIns="90000" tIns="45000" bIns="45000"/>
           <a:p>
-            <a:pPr marL="216000" indent="-214920">
+            <a:pPr marL="216000" indent="-214560">
               <a:lnSpc>
                 <a:spcPct val="100000"/>
               </a:lnSpc>
@@ -28038,7 +27967,7 @@
             </a:endParaRPr>
           </a:p>
           <a:p>
-            <a:pPr marL="216000" indent="-214920">
+            <a:pPr marL="216000" indent="-214560">
               <a:lnSpc>
                 <a:spcPct val="100000"/>
               </a:lnSpc>
@@ -28070,7 +27999,7 @@
             </a:endParaRPr>
           </a:p>
           <a:p>
-            <a:pPr marL="216000" indent="-214920">
+            <a:pPr marL="216000" indent="-214560">
               <a:lnSpc>
                 <a:spcPct val="100000"/>
               </a:lnSpc>
@@ -28101,7 +28030,7 @@
             </a:endParaRPr>
           </a:p>
           <a:p>
-            <a:pPr marL="216000" indent="-214920">
+            <a:pPr marL="216000" indent="-214560">
               <a:lnSpc>
                 <a:spcPct val="100000"/>
               </a:lnSpc>
@@ -28132,7 +28061,7 @@
             </a:endParaRPr>
           </a:p>
           <a:p>
-            <a:pPr marL="216000" indent="-214920">
+            <a:pPr marL="216000" indent="-214560">
               <a:lnSpc>
                 <a:spcPct val="100000"/>
               </a:lnSpc>
@@ -28222,7 +28151,7 @@
         <p:spPr>
           <a:xfrm>
             <a:off x="601560" y="374760"/>
-            <a:ext cx="8075160" cy="761760"/>
+            <a:ext cx="8074800" cy="761400"/>
           </a:xfrm>
           <a:prstGeom prst="rect">
             <a:avLst/>
@@ -28273,7 +28202,7 @@
         <p:spPr>
           <a:xfrm>
             <a:off x="731520" y="2335680"/>
-            <a:ext cx="7771320" cy="3021120"/>
+            <a:ext cx="7770960" cy="3020760"/>
           </a:xfrm>
           <a:prstGeom prst="rect">
             <a:avLst/>
@@ -28292,7 +28221,7 @@
         <p:txBody>
           <a:bodyPr lIns="90000" rIns="90000" tIns="45000" bIns="45000"/>
           <a:p>
-            <a:pPr marL="216000" indent="-214920">
+            <a:pPr marL="216000" indent="-214560">
               <a:lnSpc>
                 <a:spcPct val="100000"/>
               </a:lnSpc>
@@ -28324,7 +28253,7 @@
             </a:endParaRPr>
           </a:p>
           <a:p>
-            <a:pPr marL="216000" indent="-214920">
+            <a:pPr marL="216000" indent="-214560">
               <a:lnSpc>
                 <a:spcPct val="100000"/>
               </a:lnSpc>
@@ -28349,14 +28278,14 @@
                 <a:latin typeface="Arial"/>
                 <a:ea typeface="Noto Sans CJK SC Regular"/>
               </a:rPr>
-              <a:t>Select a subset of hitter to essentially perform a randomized controlled trial to estimate the effect size (ROI).</a:t>
+              <a:t>Select a subset of hitters to essentially perform a randomized controlled trial to estimate the effect size (ROI).</a:t>
             </a:r>
             <a:endParaRPr b="0" lang="en-US" sz="2200" spc="-1" strike="noStrike">
               <a:latin typeface="Arial"/>
             </a:endParaRPr>
           </a:p>
           <a:p>
-            <a:pPr marL="216000" indent="-214920">
+            <a:pPr marL="216000" indent="-214560">
               <a:lnSpc>
                 <a:spcPct val="100000"/>
               </a:lnSpc>
@@ -28388,7 +28317,7 @@
             </a:endParaRPr>
           </a:p>
           <a:p>
-            <a:pPr marL="216000" indent="-214920">
+            <a:pPr marL="216000" indent="-214560">
               <a:lnSpc>
                 <a:spcPct val="100000"/>
               </a:lnSpc>
@@ -28478,7 +28407,7 @@
         <p:spPr>
           <a:xfrm>
             <a:off x="601560" y="374760"/>
-            <a:ext cx="8075160" cy="761760"/>
+            <a:ext cx="8074800" cy="761400"/>
           </a:xfrm>
           <a:prstGeom prst="rect">
             <a:avLst/>
@@ -28529,7 +28458,7 @@
         <p:spPr>
           <a:xfrm>
             <a:off x="731520" y="1920240"/>
-            <a:ext cx="7771320" cy="3619440"/>
+            <a:ext cx="7770960" cy="3619080"/>
           </a:xfrm>
           <a:prstGeom prst="rect">
             <a:avLst/>
@@ -28548,7 +28477,7 @@
         <p:txBody>
           <a:bodyPr lIns="90000" rIns="90000" tIns="45000" bIns="45000"/>
           <a:p>
-            <a:pPr marL="216000" indent="-214920">
+            <a:pPr marL="216000" indent="-214560">
               <a:lnSpc>
                 <a:spcPct val="100000"/>
               </a:lnSpc>
@@ -28600,7 +28529,7 @@
             </a:endParaRPr>
           </a:p>
           <a:p>
-            <a:pPr marL="216000" indent="-214920">
+            <a:pPr marL="216000" indent="-214560">
               <a:lnSpc>
                 <a:spcPct val="100000"/>
               </a:lnSpc>
@@ -28642,7 +28571,7 @@
             </a:endParaRPr>
           </a:p>
           <a:p>
-            <a:pPr marL="216000" indent="-214920">
+            <a:pPr marL="216000" indent="-214560">
               <a:lnSpc>
                 <a:spcPct val="100000"/>
               </a:lnSpc>
@@ -28693,14 +28622,14 @@
                 <a:latin typeface="Arial"/>
                 <a:ea typeface="Noto Sans CJK SC Regular"/>
               </a:rPr>
-              <a:t>Pitch-type + Pitch Group + Pitch Location </a:t>
+              <a:t>Pitch-type + Pitch Group + Pitch Speed + Pitch Location </a:t>
             </a:r>
             <a:endParaRPr b="0" lang="en-US" sz="1800" spc="-1" strike="noStrike">
               <a:latin typeface="Arial"/>
             </a:endParaRPr>
           </a:p>
           <a:p>
-            <a:pPr marL="216000" indent="-214920">
+            <a:pPr marL="216000" indent="-214560">
               <a:lnSpc>
                 <a:spcPct val="100000"/>
               </a:lnSpc>
@@ -28790,15 +28719,19 @@
         </p:nvSpPr>
         <p:spPr>
           <a:xfrm>
-            <a:off x="601560" y="374760"/>
-            <a:ext cx="8075160" cy="761760"/>
-          </a:xfrm>
-          <a:prstGeom prst="rect">
-            <a:avLst/>
-          </a:prstGeom>
-          <a:noFill/>
+            <a:off x="676080" y="2172240"/>
+            <a:ext cx="7772400" cy="3200400"/>
+          </a:xfrm>
+          <a:prstGeom prst="rect">
+            <a:avLst/>
+          </a:prstGeom>
+          <a:solidFill>
+            <a:srgbClr val="ffffff"/>
+          </a:solidFill>
           <a:ln>
-            <a:noFill/>
+            <a:solidFill>
+              <a:srgbClr val="3465a4"/>
+            </a:solidFill>
           </a:ln>
         </p:spPr>
         <p:style>
@@ -28807,31 +28740,6 @@
           <a:effectRef idx="0"/>
           <a:fontRef idx="minor"/>
         </p:style>
-        <p:txBody>
-          <a:bodyPr lIns="90000" rIns="90000" tIns="45000" bIns="45000" anchor="ctr">
-            <a:normAutofit/>
-          </a:bodyPr>
-          <a:p>
-            <a:pPr algn="r">
-              <a:lnSpc>
-                <a:spcPct val="100000"/>
-              </a:lnSpc>
-            </a:pPr>
-            <a:r>
-              <a:rPr b="0" lang="en-US" sz="3600" spc="-1" strike="noStrike">
-                <a:solidFill>
-                  <a:srgbClr val="fac090"/>
-                </a:solidFill>
-                <a:latin typeface="Calibri"/>
-                <a:ea typeface="DejaVu Sans"/>
-              </a:rPr>
-              <a:t>Questions?</a:t>
-            </a:r>
-            <a:endParaRPr b="0" lang="en-US" sz="3600" spc="-1" strike="noStrike">
-              <a:latin typeface="Arial"/>
-            </a:endParaRPr>
-          </a:p>
-        </p:txBody>
       </p:sp>
       <p:sp>
         <p:nvSpPr>
@@ -28841,8 +28749,8 @@
         </p:nvSpPr>
         <p:spPr>
           <a:xfrm>
-            <a:off x="731520" y="1920240"/>
-            <a:ext cx="7770960" cy="3619080"/>
+            <a:off x="601560" y="374760"/>
+            <a:ext cx="8074800" cy="761400"/>
           </a:xfrm>
           <a:prstGeom prst="rect">
             <a:avLst/>
@@ -28859,6 +28767,57 @@
           <a:fontRef idx="minor"/>
         </p:style>
         <p:txBody>
+          <a:bodyPr lIns="90000" rIns="90000" tIns="45000" bIns="45000" anchor="ctr">
+            <a:normAutofit/>
+          </a:bodyPr>
+          <a:p>
+            <a:pPr algn="r">
+              <a:lnSpc>
+                <a:spcPct val="100000"/>
+              </a:lnSpc>
+            </a:pPr>
+            <a:r>
+              <a:rPr b="0" lang="en-US" sz="3600" spc="-1" strike="noStrike">
+                <a:solidFill>
+                  <a:srgbClr val="fac090"/>
+                </a:solidFill>
+                <a:latin typeface="Calibri"/>
+                <a:ea typeface="DejaVu Sans"/>
+              </a:rPr>
+              <a:t>Questions?</a:t>
+            </a:r>
+            <a:endParaRPr b="0" lang="en-US" sz="3600" spc="-1" strike="noStrike">
+              <a:latin typeface="Arial"/>
+            </a:endParaRPr>
+          </a:p>
+        </p:txBody>
+      </p:sp>
+      <p:sp>
+        <p:nvSpPr>
+          <p:cNvPr id="472" name="CustomShape 3"/>
+          <p:cNvSpPr/>
+          <p:nvPr/>
+        </p:nvSpPr>
+        <p:spPr>
+          <a:xfrm>
+            <a:off x="767520" y="2172240"/>
+            <a:ext cx="7770600" cy="3618720"/>
+          </a:xfrm>
+          <a:prstGeom prst="rect">
+            <a:avLst/>
+          </a:prstGeom>
+          <a:noFill/>
+          <a:ln>
+            <a:noFill/>
+          </a:ln>
+        </p:spPr>
+        <p:style>
+          <a:lnRef idx="0"/>
+          <a:fillRef idx="0"/>
+          <a:effectRef idx="0"/>
+          <a:fontRef idx="minor"/>
+        </p:style>
+        <p:txBody>
           <a:bodyPr lIns="90000" rIns="90000" tIns="45000" bIns="45000"/>
           <a:p>
             <a:pPr>
@@ -28875,7 +28834,7 @@
             <a:r>
               <a:rPr b="1" lang="en-US" sz="2600" spc="-1" strike="noStrike">
                 <a:solidFill>
-                  <a:srgbClr val="ffffff"/>
+                  <a:srgbClr val="000000"/>
                 </a:solidFill>
                 <a:latin typeface="Arial"/>
                 <a:ea typeface="Noto Sans CJK SC Regular"/>
@@ -28883,6 +28842,9 @@
               <a:t>Mark Rojas</a:t>
             </a:r>
             <a:endParaRPr b="0" lang="en-US" sz="2600" spc="-1" strike="noStrike">
+              <a:solidFill>
+                <a:srgbClr val="000000"/>
+              </a:solidFill>
               <a:latin typeface="Arial"/>
             </a:endParaRPr>
           </a:p>
@@ -28901,7 +28863,7 @@
             <a:r>
               <a:rPr b="0" lang="en-US" sz="1600" spc="-1" strike="noStrike">
                 <a:solidFill>
-                  <a:srgbClr val="ffffff"/>
+                  <a:srgbClr val="000000"/>
                 </a:solidFill>
                 <a:latin typeface="Arial"/>
                 <a:ea typeface="Noto Sans CJK SC Regular"/>
@@ -28909,6 +28871,9 @@
               <a:t>Cell: (832) 330-2870</a:t>
             </a:r>
             <a:endParaRPr b="0" lang="en-US" sz="1600" spc="-1" strike="noStrike">
+              <a:solidFill>
+                <a:srgbClr val="000000"/>
+              </a:solidFill>
               <a:latin typeface="Arial"/>
             </a:endParaRPr>
           </a:p>
@@ -28927,7 +28892,7 @@
             <a:r>
               <a:rPr b="0" lang="en-US" sz="1600" spc="-1" strike="noStrike">
                 <a:solidFill>
-                  <a:srgbClr val="ffffff"/>
+                  <a:srgbClr val="000000"/>
                 </a:solidFill>
                 <a:latin typeface="Arial"/>
                 <a:ea typeface="Noto Sans CJK SC Regular"/>
@@ -28937,7 +28902,7 @@
             <a:r>
               <a:rPr b="0" lang="en-US" sz="1600" spc="-1" strike="noStrike" u="sng">
                 <a:solidFill>
-                  <a:srgbClr val="0000ff"/>
+                  <a:srgbClr val="1b75bc"/>
                 </a:solidFill>
                 <a:uFillTx/>
                 <a:latin typeface="Arial"/>
@@ -28947,6 +28912,9 @@
               <a:t>rojas.mm@gmail.com</a:t>
             </a:r>
             <a:endParaRPr b="0" lang="en-US" sz="1600" spc="-1" strike="noStrike">
+              <a:solidFill>
+                <a:srgbClr val="000000"/>
+              </a:solidFill>
               <a:latin typeface="Arial"/>
             </a:endParaRPr>
           </a:p>
@@ -28965,14 +28933,27 @@
             <a:r>
               <a:rPr b="0" lang="en-US" sz="1600" spc="-1" strike="noStrike">
                 <a:solidFill>
-                  <a:srgbClr val="ffffff"/>
+                  <a:srgbClr val="000000"/>
                 </a:solidFill>
                 <a:latin typeface="Arial"/>
                 <a:ea typeface="Noto Sans CJK SC Regular"/>
               </a:rPr>
-              <a:t>Skype: markrojas</a:t>
+              <a:t>Skype: </a:t>
+            </a:r>
+            <a:r>
+              <a:rPr b="0" lang="en-US" sz="1600" spc="-1" strike="noStrike">
+                <a:solidFill>
+                  <a:srgbClr val="1b75bc"/>
+                </a:solidFill>
+                <a:latin typeface="Arial"/>
+                <a:ea typeface="Noto Sans CJK SC Regular"/>
+              </a:rPr>
+              <a:t>markrojas</a:t>
             </a:r>
             <a:endParaRPr b="0" lang="en-US" sz="1600" spc="-1" strike="noStrike">
+              <a:solidFill>
+                <a:srgbClr val="000000"/>
+              </a:solidFill>
               <a:latin typeface="Arial"/>
             </a:endParaRPr>
           </a:p>
@@ -28991,7 +28972,7 @@
             <a:r>
               <a:rPr b="0" lang="en-US" sz="1600" spc="-1" strike="noStrike">
                 <a:solidFill>
-                  <a:srgbClr val="ffffff"/>
+                  <a:srgbClr val="000000"/>
                 </a:solidFill>
                 <a:latin typeface="Arial"/>
                 <a:ea typeface="Noto Sans CJK SC Regular"/>
@@ -29001,7 +28982,7 @@
             <a:r>
               <a:rPr b="0" lang="en-US" sz="1600" spc="-1" strike="noStrike" u="sng">
                 <a:solidFill>
-                  <a:srgbClr val="0000ff"/>
+                  <a:srgbClr val="1b75bc"/>
                 </a:solidFill>
                 <a:uFillTx/>
                 <a:latin typeface="Arial"/>
@@ -29011,6 +28992,9 @@
               <a:t>https://www.linkedin.com/in/mark-rojas/</a:t>
             </a:r>
             <a:endParaRPr b="0" lang="en-US" sz="1600" spc="-1" strike="noStrike">
+              <a:solidFill>
+                <a:srgbClr val="000000"/>
+              </a:solidFill>
               <a:latin typeface="Arial"/>
             </a:endParaRPr>
           </a:p>
@@ -29029,7 +29013,7 @@
             <a:r>
               <a:rPr b="0" lang="en-US" sz="1600" spc="-1" strike="noStrike">
                 <a:solidFill>
-                  <a:srgbClr val="ffffff"/>
+                  <a:srgbClr val="000000"/>
                 </a:solidFill>
                 <a:latin typeface="Arial"/>
                 <a:ea typeface="Noto Sans CJK SC Regular"/>
@@ -29039,7 +29023,7 @@
             <a:r>
               <a:rPr b="0" lang="en-US" sz="1600" spc="-1" strike="noStrike" u="sng">
                 <a:solidFill>
-                  <a:srgbClr val="0000ff"/>
+                  <a:srgbClr val="1b75bc"/>
                 </a:solidFill>
                 <a:uFillTx/>
                 <a:latin typeface="Arial"/>
@@ -29049,6 +29033,9 @@
               <a:t>https://github.com/markrojas</a:t>
             </a:r>
             <a:endParaRPr b="0" lang="en-US" sz="1600" spc="-1" strike="noStrike">
+              <a:solidFill>
+                <a:srgbClr val="000000"/>
+              </a:solidFill>
               <a:latin typeface="Arial"/>
             </a:endParaRPr>
           </a:p>
@@ -29067,7 +29054,7 @@
             <a:r>
               <a:rPr b="0" lang="en-US" sz="1600" spc="-1" strike="noStrike">
                 <a:solidFill>
-                  <a:srgbClr val="ffffff"/>
+                  <a:srgbClr val="000000"/>
                 </a:solidFill>
                 <a:latin typeface="Arial"/>
                 <a:ea typeface="Noto Sans CJK SC Regular"/>
@@ -29075,6 +29062,9 @@
               <a:t>Pitch Prediction Repository: </a:t>
             </a:r>
             <a:endParaRPr b="0" lang="en-US" sz="1600" spc="-1" strike="noStrike">
+              <a:solidFill>
+                <a:srgbClr val="000000"/>
+              </a:solidFill>
               <a:latin typeface="Arial"/>
             </a:endParaRPr>
           </a:p>
@@ -29093,7 +29083,7 @@
             <a:r>
               <a:rPr b="0" lang="en-US" sz="1400" spc="-1" strike="noStrike" u="sng">
                 <a:solidFill>
-                  <a:srgbClr val="0000ff"/>
+                  <a:srgbClr val="1b75bc"/>
                 </a:solidFill>
                 <a:uFillTx/>
                 <a:latin typeface="Arial"/>
@@ -29103,6 +29093,9 @@
               <a:t>https://github.com/markrojas/Springboard_DSCT/tree/master/capstone_projects/capstone_I</a:t>
             </a:r>
             <a:endParaRPr b="0" lang="en-US" sz="1400" spc="-1" strike="noStrike">
+              <a:solidFill>
+                <a:srgbClr val="000000"/>
+              </a:solidFill>
               <a:latin typeface="Arial"/>
             </a:endParaRPr>
           </a:p>
@@ -29119,6 +29112,9 @@
               </a:spcAft>
             </a:pPr>
             <a:endParaRPr b="0" lang="en-US" sz="1400" spc="-1" strike="noStrike">
+              <a:solidFill>
+                <a:srgbClr val="000000"/>
+              </a:solidFill>
               <a:latin typeface="Arial"/>
             </a:endParaRPr>
           </a:p>
@@ -29182,7 +29178,7 @@
         <p:spPr>
           <a:xfrm>
             <a:off x="601560" y="374760"/>
-            <a:ext cx="8091720" cy="761760"/>
+            <a:ext cx="8091360" cy="761400"/>
           </a:xfrm>
           <a:prstGeom prst="rect">
             <a:avLst/>
@@ -29233,7 +29229,7 @@
         <p:spPr>
           <a:xfrm>
             <a:off x="365760" y="2103120"/>
-            <a:ext cx="8411400" cy="2010600"/>
+            <a:ext cx="8411040" cy="2010240"/>
           </a:xfrm>
           <a:prstGeom prst="rect">
             <a:avLst/>
@@ -29254,7 +29250,7 @@
             <a:normAutofit/>
           </a:bodyPr>
           <a:p>
-            <a:pPr marL="432000" indent="-322920">
+            <a:pPr marL="432000" indent="-322560">
               <a:lnSpc>
                 <a:spcPct val="115000"/>
               </a:lnSpc>
@@ -29283,7 +29279,7 @@
             </a:endParaRPr>
           </a:p>
           <a:p>
-            <a:pPr marL="432000" indent="-322920">
+            <a:pPr marL="432000" indent="-322560">
               <a:lnSpc>
                 <a:spcPct val="115000"/>
               </a:lnSpc>
@@ -29312,7 +29308,7 @@
             </a:endParaRPr>
           </a:p>
           <a:p>
-            <a:pPr marL="432000" indent="-322920">
+            <a:pPr marL="432000" indent="-322560">
               <a:lnSpc>
                 <a:spcPct val="115000"/>
               </a:lnSpc>
@@ -29371,7 +29367,7 @@
         <p:spPr>
           <a:xfrm>
             <a:off x="984960" y="4589640"/>
-            <a:ext cx="7232040" cy="1111680"/>
+            <a:ext cx="7231680" cy="1111320"/>
           </a:xfrm>
           <a:prstGeom prst="rect">
             <a:avLst/>
@@ -29497,7 +29493,7 @@
         <p:spPr>
           <a:xfrm>
             <a:off x="601560" y="374760"/>
-            <a:ext cx="8091720" cy="761760"/>
+            <a:ext cx="8091360" cy="761400"/>
           </a:xfrm>
           <a:prstGeom prst="rect">
             <a:avLst/>
@@ -29572,7 +29568,7 @@
         <p:spPr>
           <a:xfrm>
             <a:off x="2028240" y="1645920"/>
-            <a:ext cx="6885360" cy="4847400"/>
+            <a:ext cx="6885000" cy="4847040"/>
           </a:xfrm>
           <a:prstGeom prst="rect">
             <a:avLst/>
@@ -29594,7 +29590,7 @@
         <p:spPr>
           <a:xfrm>
             <a:off x="2759760" y="4297680"/>
-            <a:ext cx="2010600" cy="364680"/>
+            <a:ext cx="2010240" cy="364320"/>
           </a:xfrm>
           <a:prstGeom prst="wedgeRoundRectCallout">
             <a:avLst>
@@ -29652,7 +29648,7 @@
         <p:spPr>
           <a:xfrm>
             <a:off x="145080" y="2276280"/>
-            <a:ext cx="1818000" cy="488880"/>
+            <a:ext cx="1817640" cy="488520"/>
           </a:xfrm>
           <a:prstGeom prst="rect">
             <a:avLst/>
@@ -29721,7 +29717,7 @@
         <p:spPr>
           <a:xfrm>
             <a:off x="289800" y="3653640"/>
-            <a:ext cx="1526760" cy="488880"/>
+            <a:ext cx="1526400" cy="488520"/>
           </a:xfrm>
           <a:prstGeom prst="rect">
             <a:avLst/>
@@ -29790,7 +29786,7 @@
         <p:spPr>
           <a:xfrm>
             <a:off x="40680" y="5113800"/>
-            <a:ext cx="1926000" cy="488880"/>
+            <a:ext cx="1925640" cy="488520"/>
           </a:xfrm>
           <a:prstGeom prst="rect">
             <a:avLst/>
@@ -29859,7 +29855,7 @@
         <p:spPr>
           <a:xfrm>
             <a:off x="8138160" y="5212080"/>
-            <a:ext cx="1005120" cy="913680"/>
+            <a:ext cx="1004760" cy="913320"/>
           </a:xfrm>
           <a:custGeom>
             <a:avLst/>
@@ -30087,7 +30083,7 @@
         <p:spPr>
           <a:xfrm>
             <a:off x="601560" y="374760"/>
-            <a:ext cx="8091720" cy="761760"/>
+            <a:ext cx="8091360" cy="761400"/>
           </a:xfrm>
           <a:prstGeom prst="rect">
             <a:avLst/>
@@ -30138,7 +30134,7 @@
         <p:spPr>
           <a:xfrm>
             <a:off x="457560" y="2269800"/>
-            <a:ext cx="8228160" cy="2422800"/>
+            <a:ext cx="8227800" cy="2422440"/>
           </a:xfrm>
           <a:prstGeom prst="rect">
             <a:avLst/>
@@ -30182,7 +30178,7 @@
             </a:endParaRPr>
           </a:p>
           <a:p>
-            <a:pPr lvl="7" marL="3456000" indent="-214920">
+            <a:pPr lvl="7" marL="3456000" indent="-214560">
               <a:lnSpc>
                 <a:spcPct val="150000"/>
               </a:lnSpc>
@@ -30211,7 +30207,7 @@
             </a:endParaRPr>
           </a:p>
           <a:p>
-            <a:pPr lvl="7" marL="3456000" indent="-214920">
+            <a:pPr lvl="7" marL="3456000" indent="-214560">
               <a:lnSpc>
                 <a:spcPct val="150000"/>
               </a:lnSpc>
@@ -30240,7 +30236,7 @@
             </a:endParaRPr>
           </a:p>
           <a:p>
-            <a:pPr lvl="7" marL="3456000" indent="-214920">
+            <a:pPr lvl="7" marL="3456000" indent="-214560">
               <a:lnSpc>
                 <a:spcPct val="150000"/>
               </a:lnSpc>
@@ -30269,7 +30265,7 @@
             </a:endParaRPr>
           </a:p>
           <a:p>
-            <a:pPr lvl="7" marL="3456000" indent="-214920">
+            <a:pPr lvl="7" marL="3456000" indent="-214560">
               <a:lnSpc>
                 <a:spcPct val="150000"/>
               </a:lnSpc>
@@ -30308,7 +30304,7 @@
         <p:spPr>
           <a:xfrm>
             <a:off x="2898000" y="3019320"/>
-            <a:ext cx="364680" cy="1644840"/>
+            <a:ext cx="364320" cy="1644480"/>
           </a:xfrm>
           <a:custGeom>
             <a:avLst/>
@@ -30373,7 +30369,7 @@
         <p:spPr>
           <a:xfrm>
             <a:off x="457560" y="3194640"/>
-            <a:ext cx="2193120" cy="1370520"/>
+            <a:ext cx="2192760" cy="1370160"/>
           </a:xfrm>
           <a:prstGeom prst="rect">
             <a:avLst/>
@@ -30501,7 +30497,7 @@
         <p:spPr>
           <a:xfrm>
             <a:off x="601560" y="374760"/>
-            <a:ext cx="8091720" cy="761760"/>
+            <a:ext cx="8091360" cy="761400"/>
           </a:xfrm>
           <a:prstGeom prst="rect">
             <a:avLst/>
@@ -30556,7 +30552,7 @@
         <p:spPr>
           <a:xfrm>
             <a:off x="91440" y="2011680"/>
-            <a:ext cx="8960040" cy="4753800"/>
+            <a:ext cx="8959680" cy="4753440"/>
           </a:xfrm>
           <a:prstGeom prst="rect">
             <a:avLst/>
@@ -30578,7 +30574,7 @@
         <p:spPr>
           <a:xfrm>
             <a:off x="4206240" y="1901880"/>
-            <a:ext cx="4845240" cy="4426560"/>
+            <a:ext cx="4844880" cy="4426200"/>
           </a:xfrm>
           <a:prstGeom prst="rect">
             <a:avLst/>
@@ -30807,7 +30803,7 @@
         <p:spPr>
           <a:xfrm>
             <a:off x="2128680" y="527760"/>
-            <a:ext cx="6515640" cy="761760"/>
+            <a:ext cx="6515280" cy="761400"/>
           </a:xfrm>
           <a:prstGeom prst="rect">
             <a:avLst/>
@@ -30856,7 +30852,7 @@
         <p:spPr>
           <a:xfrm>
             <a:off x="1645920" y="1596600"/>
-            <a:ext cx="6998400" cy="2974320"/>
+            <a:ext cx="6998040" cy="2973960"/>
           </a:xfrm>
           <a:prstGeom prst="rect">
             <a:avLst/>
@@ -30875,7 +30871,7 @@
         <p:txBody>
           <a:bodyPr lIns="90000" rIns="90000" tIns="45000" bIns="45000"/>
           <a:p>
-            <a:pPr marL="343080" indent="-341280">
+            <a:pPr marL="343080" indent="-340920">
               <a:lnSpc>
                 <a:spcPct val="100000"/>
               </a:lnSpc>
@@ -30916,7 +30912,7 @@
             </a:endParaRPr>
           </a:p>
           <a:p>
-            <a:pPr marL="343080" indent="-341280">
+            <a:pPr marL="343080" indent="-340920">
               <a:lnSpc>
                 <a:spcPct val="100000"/>
               </a:lnSpc>
@@ -30967,7 +30963,7 @@
         <p:spPr>
           <a:xfrm>
             <a:off x="1645920" y="4846320"/>
-            <a:ext cx="7039800" cy="1461960"/>
+            <a:ext cx="7039440" cy="1461600"/>
           </a:xfrm>
           <a:prstGeom prst="rect">
             <a:avLst/>
@@ -31065,7 +31061,7 @@
         <p:spPr>
           <a:xfrm>
             <a:off x="2128680" y="527760"/>
-            <a:ext cx="6515640" cy="761760"/>
+            <a:ext cx="6515280" cy="761400"/>
           </a:xfrm>
           <a:prstGeom prst="rect">
             <a:avLst/>
@@ -31114,7 +31110,7 @@
         <p:spPr>
           <a:xfrm>
             <a:off x="1371600" y="1860480"/>
-            <a:ext cx="3107880" cy="4519800"/>
+            <a:ext cx="3107520" cy="4519440"/>
           </a:xfrm>
           <a:prstGeom prst="rect">
             <a:avLst/>
@@ -31538,7 +31534,7 @@
         <p:spPr>
           <a:xfrm>
             <a:off x="4588560" y="1554480"/>
-            <a:ext cx="4343400" cy="5028120"/>
+            <a:ext cx="4343040" cy="5027760"/>
           </a:xfrm>
           <a:prstGeom prst="rect">
             <a:avLst/>
